--- a/プログラミング勉強会Python編(1.概要).pptx
+++ b/プログラミング勉強会Python編(1.概要).pptx
@@ -30,6 +30,8 @@
     <p:sldId id="283" r:id="rId24"/>
     <p:sldId id="280" r:id="rId25"/>
     <p:sldId id="281" r:id="rId26"/>
+    <p:sldId id="284" r:id="rId27"/>
+    <p:sldId id="285" r:id="rId28"/>
   </p:sldIdLst>
   <p:sldSz cx="12192000" cy="6858000"/>
   <p:notesSz cx="6858000" cy="9144000"/>
@@ -4856,7 +4858,7 @@
                 <a16:creationId xmlns:a16="http://schemas.microsoft.com/office/drawing/2014/main" id="{748618E9-EE2D-4864-9EEE-58939BD4FBBA}"/>
               </a:ext>
               <a:ext uri="{C183D7F6-B498-43B3-948B-1728B52AA6E4}">
-                <adec:decorative xmlns="" xmlns:adec="http://schemas.microsoft.com/office/drawing/2017/decorative" val="1"/>
+                <adec:decorative xmlns:adec="http://schemas.microsoft.com/office/drawing/2017/decorative" xmlns="" val="1"/>
               </a:ext>
             </a:extLst>
           </p:cNvPr>
@@ -6421,7 +6423,7 @@
                 <a16:creationId xmlns:a16="http://schemas.microsoft.com/office/drawing/2014/main" id="{2437C4A8-8E3A-4ADA-93B9-64737CE1ABB1}"/>
               </a:ext>
               <a:ext uri="{C183D7F6-B498-43B3-948B-1728B52AA6E4}">
-                <adec:decorative xmlns="" xmlns:adec="http://schemas.microsoft.com/office/drawing/2017/decorative" val="1"/>
+                <adec:decorative xmlns:adec="http://schemas.microsoft.com/office/drawing/2017/decorative" xmlns="" val="1"/>
               </a:ext>
             </a:extLst>
           </p:cNvPr>
@@ -6798,7 +6800,7 @@
                 <a16:creationId xmlns:a16="http://schemas.microsoft.com/office/drawing/2014/main" id="{65405209-5179-4359-91ED-1B1A46619A99}"/>
               </a:ext>
               <a:ext uri="{C183D7F6-B498-43B3-948B-1728B52AA6E4}">
-                <adec:decorative xmlns="" xmlns:adec="http://schemas.microsoft.com/office/drawing/2017/decorative" val="1"/>
+                <adec:decorative xmlns:adec="http://schemas.microsoft.com/office/drawing/2017/decorative" xmlns="" val="1"/>
               </a:ext>
             </a:extLst>
           </p:cNvPr>
@@ -8248,7 +8250,7 @@
                 <a16:creationId xmlns:a16="http://schemas.microsoft.com/office/drawing/2014/main" id="{ACE66A86-8455-497B-9CA4-F460A19E5FBB}"/>
               </a:ext>
               <a:ext uri="{C183D7F6-B498-43B3-948B-1728B52AA6E4}">
-                <adec:decorative xmlns="" xmlns:adec="http://schemas.microsoft.com/office/drawing/2017/decorative" val="1"/>
+                <adec:decorative xmlns:adec="http://schemas.microsoft.com/office/drawing/2017/decorative" xmlns="" val="1"/>
               </a:ext>
             </a:extLst>
           </p:cNvPr>
@@ -8718,7 +8720,7 @@
                 <a16:creationId xmlns:a16="http://schemas.microsoft.com/office/drawing/2014/main" id="{A69DB7AC-F7D7-430A-A2A7-CD3EBBF1D35D}"/>
               </a:ext>
               <a:ext uri="{C183D7F6-B498-43B3-948B-1728B52AA6E4}">
-                <adec:decorative xmlns="" xmlns:adec="http://schemas.microsoft.com/office/drawing/2017/decorative" val="1"/>
+                <adec:decorative xmlns:adec="http://schemas.microsoft.com/office/drawing/2017/decorative" xmlns="" val="1"/>
               </a:ext>
             </a:extLst>
           </p:cNvPr>
@@ -10334,7 +10336,7 @@
                 <a16:creationId xmlns:a16="http://schemas.microsoft.com/office/drawing/2014/main" id="{6741F519-22CF-4C01-B140-5480DBAB30F8}"/>
               </a:ext>
               <a:ext uri="{C183D7F6-B498-43B3-948B-1728B52AA6E4}">
-                <adec:decorative xmlns="" xmlns:adec="http://schemas.microsoft.com/office/drawing/2017/decorative" val="1"/>
+                <adec:decorative xmlns:adec="http://schemas.microsoft.com/office/drawing/2017/decorative" xmlns="" val="1"/>
               </a:ext>
             </a:extLst>
           </p:cNvPr>
@@ -11362,7 +11364,7 @@
                 <a16:creationId xmlns:a16="http://schemas.microsoft.com/office/drawing/2014/main" id="{45BED274-5EB4-4EF4-B353-E55BD502655C}"/>
               </a:ext>
               <a:ext uri="{C183D7F6-B498-43B3-948B-1728B52AA6E4}">
-                <adec:decorative xmlns="" xmlns:adec="http://schemas.microsoft.com/office/drawing/2017/decorative" val="1"/>
+                <adec:decorative xmlns:adec="http://schemas.microsoft.com/office/drawing/2017/decorative" xmlns="" val="1"/>
               </a:ext>
             </a:extLst>
           </p:cNvPr>
@@ -12925,7 +12927,7 @@
                 <a16:creationId xmlns:a16="http://schemas.microsoft.com/office/drawing/2014/main" id="{C4853C57-22BC-4465-8B37-DC06FE5A0003}"/>
               </a:ext>
               <a:ext uri="{C183D7F6-B498-43B3-948B-1728B52AA6E4}">
-                <adec:decorative xmlns="" xmlns:adec="http://schemas.microsoft.com/office/drawing/2017/decorative" val="1"/>
+                <adec:decorative xmlns:adec="http://schemas.microsoft.com/office/drawing/2017/decorative" xmlns="" val="1"/>
               </a:ext>
             </a:extLst>
           </p:cNvPr>
@@ -13213,7 +13215,7 @@
                 <a16:creationId xmlns:a16="http://schemas.microsoft.com/office/drawing/2014/main" id="{0550D594-9D00-4E12-9A7B-8B78EC199482}"/>
               </a:ext>
               <a:ext uri="{C183D7F6-B498-43B3-948B-1728B52AA6E4}">
-                <adec:decorative xmlns="" xmlns:adec="http://schemas.microsoft.com/office/drawing/2017/decorative" val="1"/>
+                <adec:decorative xmlns:adec="http://schemas.microsoft.com/office/drawing/2017/decorative" xmlns="" val="1"/>
               </a:ext>
             </a:extLst>
           </p:cNvPr>
@@ -14776,7 +14778,7 @@
                 <a16:creationId xmlns:a16="http://schemas.microsoft.com/office/drawing/2014/main" id="{0DDA6865-0A03-48FA-AD6E-D5BF8FDE9272}"/>
               </a:ext>
               <a:ext uri="{C183D7F6-B498-43B3-948B-1728B52AA6E4}">
-                <adec:decorative xmlns="" xmlns:adec="http://schemas.microsoft.com/office/drawing/2017/decorative" val="1"/>
+                <adec:decorative xmlns:adec="http://schemas.microsoft.com/office/drawing/2017/decorative" xmlns="" val="1"/>
               </a:ext>
             </a:extLst>
           </p:cNvPr>
@@ -16337,7 +16339,7 @@
                 <a16:creationId xmlns:a16="http://schemas.microsoft.com/office/drawing/2014/main" id="{205CDEB9-8DED-4711-8140-4C943FC2CDA0}"/>
               </a:ext>
               <a:ext uri="{C183D7F6-B498-43B3-948B-1728B52AA6E4}">
-                <adec:decorative xmlns="" xmlns:adec="http://schemas.microsoft.com/office/drawing/2017/decorative" val="1"/>
+                <adec:decorative xmlns:adec="http://schemas.microsoft.com/office/drawing/2017/decorative" xmlns="" val="1"/>
               </a:ext>
             </a:extLst>
           </p:cNvPr>
@@ -16594,7 +16596,7 @@
                 <a16:creationId xmlns:a16="http://schemas.microsoft.com/office/drawing/2014/main" id="{BDF0D99C-5D42-41C6-A50C-C4E2D6B2A36E}"/>
               </a:ext>
               <a:ext uri="{C183D7F6-B498-43B3-948B-1728B52AA6E4}">
-                <adec:decorative xmlns="" xmlns:adec="http://schemas.microsoft.com/office/drawing/2017/decorative" val="1"/>
+                <adec:decorative xmlns:adec="http://schemas.microsoft.com/office/drawing/2017/decorative" xmlns="" val="1"/>
               </a:ext>
             </a:extLst>
           </p:cNvPr>
@@ -18286,7 +18288,7 @@
                 <a16:creationId xmlns:a16="http://schemas.microsoft.com/office/drawing/2014/main" id="{63BAC6E0-ADAC-40FB-AF53-88FA5F83738C}"/>
               </a:ext>
               <a:ext uri="{C183D7F6-B498-43B3-948B-1728B52AA6E4}">
-                <adec:decorative xmlns="" xmlns:adec="http://schemas.microsoft.com/office/drawing/2017/decorative" val="1"/>
+                <adec:decorative xmlns:adec="http://schemas.microsoft.com/office/drawing/2017/decorative" xmlns="" val="1"/>
               </a:ext>
             </a:extLst>
           </p:cNvPr>
@@ -18711,7 +18713,7 @@
                 <a16:creationId xmlns:a16="http://schemas.microsoft.com/office/drawing/2014/main" id="{BA6285CA-6AFA-4F27-AFB5-1B32CDE09B1A}"/>
               </a:ext>
               <a:ext uri="{C183D7F6-B498-43B3-948B-1728B52AA6E4}">
-                <adec:decorative xmlns="" xmlns:adec="http://schemas.microsoft.com/office/drawing/2017/decorative" val="1"/>
+                <adec:decorative xmlns:adec="http://schemas.microsoft.com/office/drawing/2017/decorative" xmlns="" val="1"/>
               </a:ext>
             </a:extLst>
           </p:cNvPr>
@@ -18775,7 +18777,7 @@
                 <a16:creationId xmlns:a16="http://schemas.microsoft.com/office/drawing/2014/main" id="{5DBF4C08-1E63-4DF5-8493-1C3BBDCA3BBF}"/>
               </a:ext>
               <a:ext uri="{C183D7F6-B498-43B3-948B-1728B52AA6E4}">
-                <adec:decorative xmlns="" xmlns:adec="http://schemas.microsoft.com/office/drawing/2017/decorative" val="1"/>
+                <adec:decorative xmlns:adec="http://schemas.microsoft.com/office/drawing/2017/decorative" xmlns="" val="1"/>
               </a:ext>
             </a:extLst>
           </p:cNvPr>
@@ -18806,7 +18808,7 @@
                   <a16:creationId xmlns:a16="http://schemas.microsoft.com/office/drawing/2014/main" id="{B0172335-C8F3-4867-9911-2F5BD212C866}"/>
                 </a:ext>
                 <a:ext uri="{C183D7F6-B498-43B3-948B-1728B52AA6E4}">
-                  <adec:decorative xmlns="" xmlns:adec="http://schemas.microsoft.com/office/drawing/2017/decorative" val="1"/>
+                  <adec:decorative xmlns:adec="http://schemas.microsoft.com/office/drawing/2017/decorative" xmlns="" val="1"/>
                 </a:ext>
               </a:extLst>
             </p:cNvPr>
@@ -18861,7 +18863,7 @@
                   <a16:creationId xmlns:a16="http://schemas.microsoft.com/office/drawing/2014/main" id="{67BDAF4F-CC6E-411F-A8CD-919C9BF08833}"/>
                 </a:ext>
                 <a:ext uri="{C183D7F6-B498-43B3-948B-1728B52AA6E4}">
-                  <adec:decorative xmlns="" xmlns:adec="http://schemas.microsoft.com/office/drawing/2017/decorative" val="1"/>
+                  <adec:decorative xmlns:adec="http://schemas.microsoft.com/office/drawing/2017/decorative" xmlns="" val="1"/>
                 </a:ext>
               </a:extLst>
             </p:cNvPr>
@@ -18916,7 +18918,7 @@
                   <a16:creationId xmlns:a16="http://schemas.microsoft.com/office/drawing/2014/main" id="{5DA124D5-EC6C-40E8-A453-8021DEF63F90}"/>
                 </a:ext>
                 <a:ext uri="{C183D7F6-B498-43B3-948B-1728B52AA6E4}">
-                  <adec:decorative xmlns="" xmlns:adec="http://schemas.microsoft.com/office/drawing/2017/decorative" val="1"/>
+                  <adec:decorative xmlns:adec="http://schemas.microsoft.com/office/drawing/2017/decorative" xmlns="" val="1"/>
                 </a:ext>
               </a:extLst>
             </p:cNvPr>
@@ -18971,7 +18973,7 @@
                   <a16:creationId xmlns:a16="http://schemas.microsoft.com/office/drawing/2014/main" id="{CC7C4E89-FF36-4C86-8662-1B0DE7F21A8C}"/>
                 </a:ext>
                 <a:ext uri="{C183D7F6-B498-43B3-948B-1728B52AA6E4}">
-                  <adec:decorative xmlns="" xmlns:adec="http://schemas.microsoft.com/office/drawing/2017/decorative" val="1"/>
+                  <adec:decorative xmlns:adec="http://schemas.microsoft.com/office/drawing/2017/decorative" xmlns="" val="1"/>
                 </a:ext>
               </a:extLst>
             </p:cNvPr>
@@ -19026,7 +19028,7 @@
                   <a16:creationId xmlns:a16="http://schemas.microsoft.com/office/drawing/2014/main" id="{6728F9F7-96C0-40B6-8FEC-1204F7E5786A}"/>
                 </a:ext>
                 <a:ext uri="{C183D7F6-B498-43B3-948B-1728B52AA6E4}">
-                  <adec:decorative xmlns="" xmlns:adec="http://schemas.microsoft.com/office/drawing/2017/decorative" val="1"/>
+                  <adec:decorative xmlns:adec="http://schemas.microsoft.com/office/drawing/2017/decorative" xmlns="" val="1"/>
                 </a:ext>
               </a:extLst>
             </p:cNvPr>
@@ -19081,7 +19083,7 @@
                   <a16:creationId xmlns:a16="http://schemas.microsoft.com/office/drawing/2014/main" id="{9BF2264B-0EBB-4AE9-B192-C49A51638357}"/>
                 </a:ext>
                 <a:ext uri="{C183D7F6-B498-43B3-948B-1728B52AA6E4}">
-                  <adec:decorative xmlns="" xmlns:adec="http://schemas.microsoft.com/office/drawing/2017/decorative" val="1"/>
+                  <adec:decorative xmlns:adec="http://schemas.microsoft.com/office/drawing/2017/decorative" xmlns="" val="1"/>
                 </a:ext>
               </a:extLst>
             </p:cNvPr>
@@ -19136,7 +19138,7 @@
                   <a16:creationId xmlns:a16="http://schemas.microsoft.com/office/drawing/2014/main" id="{980A4381-2144-4FCB-95A1-1538834F48F7}"/>
                 </a:ext>
                 <a:ext uri="{C183D7F6-B498-43B3-948B-1728B52AA6E4}">
-                  <adec:decorative xmlns="" xmlns:adec="http://schemas.microsoft.com/office/drawing/2017/decorative" val="1"/>
+                  <adec:decorative xmlns:adec="http://schemas.microsoft.com/office/drawing/2017/decorative" xmlns="" val="1"/>
                 </a:ext>
               </a:extLst>
             </p:cNvPr>
@@ -19191,7 +19193,7 @@
                   <a16:creationId xmlns:a16="http://schemas.microsoft.com/office/drawing/2014/main" id="{E0FDAAE2-E1A2-4517-838D-DB7B1BE30BDA}"/>
                 </a:ext>
                 <a:ext uri="{C183D7F6-B498-43B3-948B-1728B52AA6E4}">
-                  <adec:decorative xmlns="" xmlns:adec="http://schemas.microsoft.com/office/drawing/2017/decorative" val="1"/>
+                  <adec:decorative xmlns:adec="http://schemas.microsoft.com/office/drawing/2017/decorative" xmlns="" val="1"/>
                 </a:ext>
               </a:extLst>
             </p:cNvPr>
@@ -19246,7 +19248,7 @@
                   <a16:creationId xmlns:a16="http://schemas.microsoft.com/office/drawing/2014/main" id="{57BBB666-4FE4-459B-AA22-99776D6B0260}"/>
                 </a:ext>
                 <a:ext uri="{C183D7F6-B498-43B3-948B-1728B52AA6E4}">
-                  <adec:decorative xmlns="" xmlns:adec="http://schemas.microsoft.com/office/drawing/2017/decorative" val="1"/>
+                  <adec:decorative xmlns:adec="http://schemas.microsoft.com/office/drawing/2017/decorative" xmlns="" val="1"/>
                 </a:ext>
               </a:extLst>
             </p:cNvPr>
@@ -19301,7 +19303,7 @@
                   <a16:creationId xmlns:a16="http://schemas.microsoft.com/office/drawing/2014/main" id="{8E23CB0F-9564-4C2B-8847-CECC117187DA}"/>
                 </a:ext>
                 <a:ext uri="{C183D7F6-B498-43B3-948B-1728B52AA6E4}">
-                  <adec:decorative xmlns="" xmlns:adec="http://schemas.microsoft.com/office/drawing/2017/decorative" val="1"/>
+                  <adec:decorative xmlns:adec="http://schemas.microsoft.com/office/drawing/2017/decorative" xmlns="" val="1"/>
                 </a:ext>
               </a:extLst>
             </p:cNvPr>
@@ -19356,7 +19358,7 @@
                   <a16:creationId xmlns:a16="http://schemas.microsoft.com/office/drawing/2014/main" id="{0A06EBC9-FF83-480F-BAFC-F11C07A10935}"/>
                 </a:ext>
                 <a:ext uri="{C183D7F6-B498-43B3-948B-1728B52AA6E4}">
-                  <adec:decorative xmlns="" xmlns:adec="http://schemas.microsoft.com/office/drawing/2017/decorative" val="1"/>
+                  <adec:decorative xmlns:adec="http://schemas.microsoft.com/office/drawing/2017/decorative" xmlns="" val="1"/>
                 </a:ext>
               </a:extLst>
             </p:cNvPr>
@@ -19411,7 +19413,7 @@
                   <a16:creationId xmlns:a16="http://schemas.microsoft.com/office/drawing/2014/main" id="{30B19B23-13F1-4B16-9E14-7C8A6CD4BCA4}"/>
                 </a:ext>
                 <a:ext uri="{C183D7F6-B498-43B3-948B-1728B52AA6E4}">
-                  <adec:decorative xmlns="" xmlns:adec="http://schemas.microsoft.com/office/drawing/2017/decorative" val="1"/>
+                  <adec:decorative xmlns:adec="http://schemas.microsoft.com/office/drawing/2017/decorative" xmlns="" val="1"/>
                 </a:ext>
               </a:extLst>
             </p:cNvPr>
@@ -19466,7 +19468,7 @@
                   <a16:creationId xmlns:a16="http://schemas.microsoft.com/office/drawing/2014/main" id="{5E4C9EBB-4687-4958-B779-A7E68209D7F5}"/>
                 </a:ext>
                 <a:ext uri="{C183D7F6-B498-43B3-948B-1728B52AA6E4}">
-                  <adec:decorative xmlns="" xmlns:adec="http://schemas.microsoft.com/office/drawing/2017/decorative" val="1"/>
+                  <adec:decorative xmlns:adec="http://schemas.microsoft.com/office/drawing/2017/decorative" xmlns="" val="1"/>
                 </a:ext>
               </a:extLst>
             </p:cNvPr>
@@ -19521,7 +19523,7 @@
                   <a16:creationId xmlns:a16="http://schemas.microsoft.com/office/drawing/2014/main" id="{43686F2B-B045-40CC-B434-69B83AA1976A}"/>
                 </a:ext>
                 <a:ext uri="{C183D7F6-B498-43B3-948B-1728B52AA6E4}">
-                  <adec:decorative xmlns="" xmlns:adec="http://schemas.microsoft.com/office/drawing/2017/decorative" val="1"/>
+                  <adec:decorative xmlns:adec="http://schemas.microsoft.com/office/drawing/2017/decorative" xmlns="" val="1"/>
                 </a:ext>
               </a:extLst>
             </p:cNvPr>
@@ -19576,7 +19578,7 @@
                   <a16:creationId xmlns:a16="http://schemas.microsoft.com/office/drawing/2014/main" id="{764C71E8-FEA3-4F9B-AC53-A8374AA97E4C}"/>
                 </a:ext>
                 <a:ext uri="{C183D7F6-B498-43B3-948B-1728B52AA6E4}">
-                  <adec:decorative xmlns="" xmlns:adec="http://schemas.microsoft.com/office/drawing/2017/decorative" val="1"/>
+                  <adec:decorative xmlns:adec="http://schemas.microsoft.com/office/drawing/2017/decorative" xmlns="" val="1"/>
                 </a:ext>
               </a:extLst>
             </p:cNvPr>
@@ -19631,7 +19633,7 @@
                   <a16:creationId xmlns:a16="http://schemas.microsoft.com/office/drawing/2014/main" id="{85743F8F-79CE-483D-884E-4737026CEAFB}"/>
                 </a:ext>
                 <a:ext uri="{C183D7F6-B498-43B3-948B-1728B52AA6E4}">
-                  <adec:decorative xmlns="" xmlns:adec="http://schemas.microsoft.com/office/drawing/2017/decorative" val="1"/>
+                  <adec:decorative xmlns:adec="http://schemas.microsoft.com/office/drawing/2017/decorative" xmlns="" val="1"/>
                 </a:ext>
               </a:extLst>
             </p:cNvPr>
@@ -19686,7 +19688,7 @@
                   <a16:creationId xmlns:a16="http://schemas.microsoft.com/office/drawing/2014/main" id="{A5687DE6-BF15-4C4D-A34A-43FE9DF281CB}"/>
                 </a:ext>
                 <a:ext uri="{C183D7F6-B498-43B3-948B-1728B52AA6E4}">
-                  <adec:decorative xmlns="" xmlns:adec="http://schemas.microsoft.com/office/drawing/2017/decorative" val="1"/>
+                  <adec:decorative xmlns:adec="http://schemas.microsoft.com/office/drawing/2017/decorative" xmlns="" val="1"/>
                 </a:ext>
               </a:extLst>
             </p:cNvPr>
@@ -19741,7 +19743,7 @@
                   <a16:creationId xmlns:a16="http://schemas.microsoft.com/office/drawing/2014/main" id="{80C30A15-74C6-479D-9415-BD3A15509BC2}"/>
                 </a:ext>
                 <a:ext uri="{C183D7F6-B498-43B3-948B-1728B52AA6E4}">
-                  <adec:decorative xmlns="" xmlns:adec="http://schemas.microsoft.com/office/drawing/2017/decorative" val="1"/>
+                  <adec:decorative xmlns:adec="http://schemas.microsoft.com/office/drawing/2017/decorative" xmlns="" val="1"/>
                 </a:ext>
               </a:extLst>
             </p:cNvPr>
@@ -19796,7 +19798,7 @@
                   <a16:creationId xmlns:a16="http://schemas.microsoft.com/office/drawing/2014/main" id="{F39D2221-2473-4D0C-867E-15E42CEDACA5}"/>
                 </a:ext>
                 <a:ext uri="{C183D7F6-B498-43B3-948B-1728B52AA6E4}">
-                  <adec:decorative xmlns="" xmlns:adec="http://schemas.microsoft.com/office/drawing/2017/decorative" val="1"/>
+                  <adec:decorative xmlns:adec="http://schemas.microsoft.com/office/drawing/2017/decorative" xmlns="" val="1"/>
                 </a:ext>
               </a:extLst>
             </p:cNvPr>
@@ -19851,7 +19853,7 @@
                   <a16:creationId xmlns:a16="http://schemas.microsoft.com/office/drawing/2014/main" id="{A37B0AC9-52B2-49AE-B9F4-5130967F95D1}"/>
                 </a:ext>
                 <a:ext uri="{C183D7F6-B498-43B3-948B-1728B52AA6E4}">
-                  <adec:decorative xmlns="" xmlns:adec="http://schemas.microsoft.com/office/drawing/2017/decorative" val="1"/>
+                  <adec:decorative xmlns:adec="http://schemas.microsoft.com/office/drawing/2017/decorative" xmlns="" val="1"/>
                 </a:ext>
               </a:extLst>
             </p:cNvPr>
@@ -19906,7 +19908,7 @@
                   <a16:creationId xmlns:a16="http://schemas.microsoft.com/office/drawing/2014/main" id="{0DA4F0D5-4E38-4439-957C-14C7B2C44B90}"/>
                 </a:ext>
                 <a:ext uri="{C183D7F6-B498-43B3-948B-1728B52AA6E4}">
-                  <adec:decorative xmlns="" xmlns:adec="http://schemas.microsoft.com/office/drawing/2017/decorative" val="1"/>
+                  <adec:decorative xmlns:adec="http://schemas.microsoft.com/office/drawing/2017/decorative" xmlns="" val="1"/>
                 </a:ext>
               </a:extLst>
             </p:cNvPr>
@@ -19961,7 +19963,7 @@
                   <a16:creationId xmlns:a16="http://schemas.microsoft.com/office/drawing/2014/main" id="{231DB7A2-5177-4E09-ACE9-15F56E7A0290}"/>
                 </a:ext>
                 <a:ext uri="{C183D7F6-B498-43B3-948B-1728B52AA6E4}">
-                  <adec:decorative xmlns="" xmlns:adec="http://schemas.microsoft.com/office/drawing/2017/decorative" val="1"/>
+                  <adec:decorative xmlns:adec="http://schemas.microsoft.com/office/drawing/2017/decorative" xmlns="" val="1"/>
                 </a:ext>
               </a:extLst>
             </p:cNvPr>
@@ -20016,7 +20018,7 @@
                   <a16:creationId xmlns:a16="http://schemas.microsoft.com/office/drawing/2014/main" id="{BF7AF76B-566E-437B-9B3D-C6061B789AB8}"/>
                 </a:ext>
                 <a:ext uri="{C183D7F6-B498-43B3-948B-1728B52AA6E4}">
-                  <adec:decorative xmlns="" xmlns:adec="http://schemas.microsoft.com/office/drawing/2017/decorative" val="1"/>
+                  <adec:decorative xmlns:adec="http://schemas.microsoft.com/office/drawing/2017/decorative" xmlns="" val="1"/>
                 </a:ext>
               </a:extLst>
             </p:cNvPr>
@@ -20071,7 +20073,7 @@
                   <a16:creationId xmlns:a16="http://schemas.microsoft.com/office/drawing/2014/main" id="{80CCD94C-5468-4E4D-83E1-087C30B101B4}"/>
                 </a:ext>
                 <a:ext uri="{C183D7F6-B498-43B3-948B-1728B52AA6E4}">
-                  <adec:decorative xmlns="" xmlns:adec="http://schemas.microsoft.com/office/drawing/2017/decorative" val="1"/>
+                  <adec:decorative xmlns:adec="http://schemas.microsoft.com/office/drawing/2017/decorative" xmlns="" val="1"/>
                 </a:ext>
               </a:extLst>
             </p:cNvPr>
@@ -20126,7 +20128,7 @@
                   <a16:creationId xmlns:a16="http://schemas.microsoft.com/office/drawing/2014/main" id="{F7DE3320-D7F0-4B34-979B-D695DA263419}"/>
                 </a:ext>
                 <a:ext uri="{C183D7F6-B498-43B3-948B-1728B52AA6E4}">
-                  <adec:decorative xmlns="" xmlns:adec="http://schemas.microsoft.com/office/drawing/2017/decorative" val="1"/>
+                  <adec:decorative xmlns:adec="http://schemas.microsoft.com/office/drawing/2017/decorative" xmlns="" val="1"/>
                 </a:ext>
               </a:extLst>
             </p:cNvPr>
@@ -20181,7 +20183,7 @@
                   <a16:creationId xmlns:a16="http://schemas.microsoft.com/office/drawing/2014/main" id="{1961C1D5-CC28-4E56-8667-F195AC96C8D0}"/>
                 </a:ext>
                 <a:ext uri="{C183D7F6-B498-43B3-948B-1728B52AA6E4}">
-                  <adec:decorative xmlns="" xmlns:adec="http://schemas.microsoft.com/office/drawing/2017/decorative" val="1"/>
+                  <adec:decorative xmlns:adec="http://schemas.microsoft.com/office/drawing/2017/decorative" xmlns="" val="1"/>
                 </a:ext>
               </a:extLst>
             </p:cNvPr>
@@ -20236,7 +20238,7 @@
                   <a16:creationId xmlns:a16="http://schemas.microsoft.com/office/drawing/2014/main" id="{F8B42B07-3D51-413F-9B94-05C76898296F}"/>
                 </a:ext>
                 <a:ext uri="{C183D7F6-B498-43B3-948B-1728B52AA6E4}">
-                  <adec:decorative xmlns="" xmlns:adec="http://schemas.microsoft.com/office/drawing/2017/decorative" val="1"/>
+                  <adec:decorative xmlns:adec="http://schemas.microsoft.com/office/drawing/2017/decorative" xmlns="" val="1"/>
                 </a:ext>
               </a:extLst>
             </p:cNvPr>
@@ -20291,7 +20293,7 @@
                   <a16:creationId xmlns:a16="http://schemas.microsoft.com/office/drawing/2014/main" id="{F4D497D7-863D-4842-99B7-A1B3711A97D1}"/>
                 </a:ext>
                 <a:ext uri="{C183D7F6-B498-43B3-948B-1728B52AA6E4}">
-                  <adec:decorative xmlns="" xmlns:adec="http://schemas.microsoft.com/office/drawing/2017/decorative" val="1"/>
+                  <adec:decorative xmlns:adec="http://schemas.microsoft.com/office/drawing/2017/decorative" xmlns="" val="1"/>
                 </a:ext>
               </a:extLst>
             </p:cNvPr>
@@ -20346,7 +20348,7 @@
                   <a16:creationId xmlns:a16="http://schemas.microsoft.com/office/drawing/2014/main" id="{09017E5D-F3C5-4CE7-B844-A566DFB81BA9}"/>
                 </a:ext>
                 <a:ext uri="{C183D7F6-B498-43B3-948B-1728B52AA6E4}">
-                  <adec:decorative xmlns="" xmlns:adec="http://schemas.microsoft.com/office/drawing/2017/decorative" val="1"/>
+                  <adec:decorative xmlns:adec="http://schemas.microsoft.com/office/drawing/2017/decorative" xmlns="" val="1"/>
                 </a:ext>
               </a:extLst>
             </p:cNvPr>
@@ -20401,7 +20403,7 @@
                   <a16:creationId xmlns:a16="http://schemas.microsoft.com/office/drawing/2014/main" id="{24CC2EB5-F3D5-40B2-B140-F5A643C3A303}"/>
                 </a:ext>
                 <a:ext uri="{C183D7F6-B498-43B3-948B-1728B52AA6E4}">
-                  <adec:decorative xmlns="" xmlns:adec="http://schemas.microsoft.com/office/drawing/2017/decorative" val="1"/>
+                  <adec:decorative xmlns:adec="http://schemas.microsoft.com/office/drawing/2017/decorative" xmlns="" val="1"/>
                 </a:ext>
               </a:extLst>
             </p:cNvPr>
@@ -20456,7 +20458,7 @@
                   <a16:creationId xmlns:a16="http://schemas.microsoft.com/office/drawing/2014/main" id="{10C7D98B-0230-4C73-9AFC-BF783AAC5C42}"/>
                 </a:ext>
                 <a:ext uri="{C183D7F6-B498-43B3-948B-1728B52AA6E4}">
-                  <adec:decorative xmlns="" xmlns:adec="http://schemas.microsoft.com/office/drawing/2017/decorative" val="1"/>
+                  <adec:decorative xmlns:adec="http://schemas.microsoft.com/office/drawing/2017/decorative" xmlns="" val="1"/>
                 </a:ext>
               </a:extLst>
             </p:cNvPr>
@@ -20587,7 +20589,7 @@
                 <a16:creationId xmlns:a16="http://schemas.microsoft.com/office/drawing/2014/main" id="{1B82D339-163C-4586-A620-52BB056E6E69}"/>
               </a:ext>
               <a:ext uri="{C183D7F6-B498-43B3-948B-1728B52AA6E4}">
-                <adec:decorative xmlns="" xmlns:adec="http://schemas.microsoft.com/office/drawing/2017/decorative" val="1"/>
+                <adec:decorative xmlns:adec="http://schemas.microsoft.com/office/drawing/2017/decorative" xmlns="" val="1"/>
               </a:ext>
             </a:extLst>
           </p:cNvPr>
@@ -25720,6 +25722,255 @@
     <p:extLst>
       <p:ext uri="{BB962C8B-B14F-4D97-AF65-F5344CB8AC3E}">
         <p14:creationId xmlns:p14="http://schemas.microsoft.com/office/powerpoint/2010/main" val="2157546393"/>
+      </p:ext>
+    </p:extLst>
+  </p:cSld>
+  <p:clrMapOvr>
+    <a:masterClrMapping/>
+  </p:clrMapOvr>
+</p:sld>
+</file>
+
+<file path=ppt/slides/slide26.xml><?xml version="1.0" encoding="utf-8"?>
+<p:sld xmlns:a="http://schemas.openxmlformats.org/drawingml/2006/main" xmlns:r="http://schemas.openxmlformats.org/officeDocument/2006/relationships" xmlns:p="http://schemas.openxmlformats.org/presentationml/2006/main">
+  <p:cSld>
+    <p:spTree>
+      <p:nvGrpSpPr>
+        <p:cNvPr id="1" name=""/>
+        <p:cNvGrpSpPr/>
+        <p:nvPr/>
+      </p:nvGrpSpPr>
+      <p:grpSpPr>
+        <a:xfrm>
+          <a:off x="0" y="0"/>
+          <a:ext cx="0" cy="0"/>
+          <a:chOff x="0" y="0"/>
+          <a:chExt cx="0" cy="0"/>
+        </a:xfrm>
+      </p:grpSpPr>
+      <p:sp>
+        <p:nvSpPr>
+          <p:cNvPr id="2" name="タイトル 1">
+            <a:extLst>
+              <a:ext uri="{FF2B5EF4-FFF2-40B4-BE49-F238E27FC236}">
+                <a16:creationId xmlns:a16="http://schemas.microsoft.com/office/drawing/2014/main" id="{D9F5DF95-6695-A438-F1C7-E766DE90AB3A}"/>
+              </a:ext>
+            </a:extLst>
+          </p:cNvPr>
+          <p:cNvSpPr>
+            <a:spLocks noGrp="1"/>
+          </p:cNvSpPr>
+          <p:nvPr>
+            <p:ph type="title"/>
+          </p:nvPr>
+        </p:nvSpPr>
+        <p:spPr>
+          <a:xfrm>
+            <a:off x="449469" y="428585"/>
+            <a:ext cx="10325000" cy="846540"/>
+          </a:xfrm>
+        </p:spPr>
+        <p:txBody>
+          <a:bodyPr/>
+          <a:lstStyle/>
+          <a:p>
+            <a:r>
+              <a:rPr kumimoji="1" lang="ja-JP" altLang="en-US" dirty="0" smtClean="0"/>
+              <a:t>本研修の資料公開場所</a:t>
+            </a:r>
+            <a:endParaRPr kumimoji="1" lang="ja-JP" altLang="en-US" dirty="0"/>
+          </a:p>
+        </p:txBody>
+      </p:sp>
+      <p:sp>
+        <p:nvSpPr>
+          <p:cNvPr id="9" name="コンテンツ プレースホルダー 7"/>
+          <p:cNvSpPr>
+            <a:spLocks noGrp="1"/>
+          </p:cNvSpPr>
+          <p:nvPr>
+            <p:ph idx="1"/>
+          </p:nvPr>
+        </p:nvSpPr>
+        <p:spPr>
+          <a:xfrm>
+            <a:off x="691079" y="2365069"/>
+            <a:ext cx="10325000" cy="4118858"/>
+          </a:xfrm>
+        </p:spPr>
+        <p:txBody>
+          <a:bodyPr/>
+          <a:lstStyle/>
+          <a:p>
+            <a:r>
+              <a:rPr kumimoji="1" lang="en-US" altLang="ja-JP" sz="1800" b="1" dirty="0" err="1" smtClean="0"/>
+              <a:t>Github</a:t>
+            </a:r>
+            <a:r>
+              <a:rPr kumimoji="1" lang="en-US" altLang="ja-JP" sz="1800" b="1" dirty="0" smtClean="0"/>
+              <a:t>(</a:t>
+            </a:r>
+            <a:r>
+              <a:rPr kumimoji="1" lang="ja-JP" altLang="en-US" sz="1800" b="1" dirty="0" smtClean="0"/>
+              <a:t>インターネット上に公開しているので、どこからでも閲覧可</a:t>
+            </a:r>
+            <a:r>
+              <a:rPr kumimoji="1" lang="en-US" altLang="ja-JP" sz="1800" b="1" dirty="0" smtClean="0"/>
+              <a:t>)</a:t>
+            </a:r>
+          </a:p>
+          <a:p>
+            <a:pPr lvl="1"/>
+            <a:r>
+              <a:rPr kumimoji="1" lang="en-US" altLang="ja-JP" sz="1400" dirty="0">
+                <a:hlinkClick r:id="rId2"/>
+              </a:rPr>
+              <a:t>https://</a:t>
+            </a:r>
+            <a:r>
+              <a:rPr kumimoji="1" lang="en-US" altLang="ja-JP" sz="1400" dirty="0" smtClean="0">
+                <a:hlinkClick r:id="rId2"/>
+              </a:rPr>
+              <a:t>github.com/Shohei1129/Python_traning</a:t>
+            </a:r>
+            <a:endParaRPr kumimoji="1" lang="en-US" altLang="ja-JP" sz="1400" dirty="0" smtClean="0"/>
+          </a:p>
+          <a:p>
+            <a:pPr lvl="1"/>
+            <a:r>
+              <a:rPr kumimoji="1" lang="en-US" altLang="ja-JP" sz="1400" dirty="0" smtClean="0"/>
+              <a:t>Python</a:t>
+            </a:r>
+            <a:r>
+              <a:rPr kumimoji="1" lang="ja-JP" altLang="en-US" sz="1400" dirty="0" smtClean="0"/>
+              <a:t>のプログラムファイルも格納済みなので、前回の研修出れなかったなぁという人は参考にしてください</a:t>
+            </a:r>
+            <a:endParaRPr kumimoji="1" lang="en-US" altLang="ja-JP" sz="1400" dirty="0"/>
+          </a:p>
+        </p:txBody>
+      </p:sp>
+    </p:spTree>
+    <p:extLst>
+      <p:ext uri="{BB962C8B-B14F-4D97-AF65-F5344CB8AC3E}">
+        <p14:creationId xmlns:p14="http://schemas.microsoft.com/office/powerpoint/2010/main" val="2611323111"/>
+      </p:ext>
+    </p:extLst>
+  </p:cSld>
+  <p:clrMapOvr>
+    <a:masterClrMapping/>
+  </p:clrMapOvr>
+</p:sld>
+</file>
+
+<file path=ppt/slides/slide27.xml><?xml version="1.0" encoding="utf-8"?>
+<p:sld xmlns:a="http://schemas.openxmlformats.org/drawingml/2006/main" xmlns:r="http://schemas.openxmlformats.org/officeDocument/2006/relationships" xmlns:p="http://schemas.openxmlformats.org/presentationml/2006/main">
+  <p:cSld>
+    <p:spTree>
+      <p:nvGrpSpPr>
+        <p:cNvPr id="1" name=""/>
+        <p:cNvGrpSpPr/>
+        <p:nvPr/>
+      </p:nvGrpSpPr>
+      <p:grpSpPr>
+        <a:xfrm>
+          <a:off x="0" y="0"/>
+          <a:ext cx="0" cy="0"/>
+          <a:chOff x="0" y="0"/>
+          <a:chExt cx="0" cy="0"/>
+        </a:xfrm>
+      </p:grpSpPr>
+      <p:sp>
+        <p:nvSpPr>
+          <p:cNvPr id="2" name="タイトル 1">
+            <a:extLst>
+              <a:ext uri="{FF2B5EF4-FFF2-40B4-BE49-F238E27FC236}">
+                <a16:creationId xmlns:a16="http://schemas.microsoft.com/office/drawing/2014/main" id="{D9F5DF95-6695-A438-F1C7-E766DE90AB3A}"/>
+              </a:ext>
+            </a:extLst>
+          </p:cNvPr>
+          <p:cNvSpPr>
+            <a:spLocks noGrp="1"/>
+          </p:cNvSpPr>
+          <p:nvPr>
+            <p:ph type="title"/>
+          </p:nvPr>
+        </p:nvSpPr>
+        <p:spPr>
+          <a:xfrm>
+            <a:off x="449469" y="428585"/>
+            <a:ext cx="10325000" cy="846540"/>
+          </a:xfrm>
+        </p:spPr>
+        <p:txBody>
+          <a:bodyPr/>
+          <a:lstStyle/>
+          <a:p>
+            <a:r>
+              <a:rPr kumimoji="1" lang="en-US" altLang="ja-JP" dirty="0" smtClean="0"/>
+              <a:t>Teams</a:t>
+            </a:r>
+            <a:r>
+              <a:rPr kumimoji="1" lang="ja-JP" altLang="en-US" dirty="0" smtClean="0"/>
+              <a:t>の運用について</a:t>
+            </a:r>
+            <a:endParaRPr kumimoji="1" lang="ja-JP" altLang="en-US" dirty="0"/>
+          </a:p>
+        </p:txBody>
+      </p:sp>
+      <p:sp>
+        <p:nvSpPr>
+          <p:cNvPr id="3" name="コンテンツ プレースホルダー 7"/>
+          <p:cNvSpPr>
+            <a:spLocks noGrp="1"/>
+          </p:cNvSpPr>
+          <p:nvPr>
+            <p:ph idx="1"/>
+          </p:nvPr>
+        </p:nvSpPr>
+        <p:spPr>
+          <a:xfrm>
+            <a:off x="691079" y="2365069"/>
+            <a:ext cx="10325000" cy="4118858"/>
+          </a:xfrm>
+        </p:spPr>
+        <p:txBody>
+          <a:bodyPr/>
+          <a:lstStyle/>
+          <a:p>
+            <a:r>
+              <a:rPr kumimoji="1" lang="en-US" altLang="ja-JP" sz="1800" b="1" dirty="0" smtClean="0"/>
+              <a:t>Teams</a:t>
+            </a:r>
+            <a:r>
+              <a:rPr kumimoji="1" lang="ja-JP" altLang="en-US" sz="1800" b="1" dirty="0" smtClean="0"/>
+              <a:t>でチームを作成するので、希望者はお伝えください</a:t>
+            </a:r>
+            <a:endParaRPr kumimoji="1" lang="en-US" altLang="ja-JP" sz="1800" b="1" dirty="0"/>
+          </a:p>
+          <a:p>
+            <a:r>
+              <a:rPr kumimoji="1" lang="ja-JP" altLang="en-US" sz="1800" b="1" dirty="0" smtClean="0"/>
+              <a:t>質問や講義要望、こんなことできないのかなど投稿機能で自由に送付ください</a:t>
+            </a:r>
+            <a:endParaRPr kumimoji="1" lang="en-US" altLang="ja-JP" sz="1800" b="1" dirty="0" smtClean="0"/>
+          </a:p>
+          <a:p>
+            <a:r>
+              <a:rPr kumimoji="1" lang="ja-JP" altLang="en-US" sz="1800" b="1" dirty="0"/>
+              <a:t>また</a:t>
+            </a:r>
+            <a:r>
+              <a:rPr kumimoji="1" lang="ja-JP" altLang="en-US" sz="1800" b="1" dirty="0" smtClean="0"/>
+              <a:t>、このサイトが参考になったよ～などの情報も投稿してください</a:t>
+            </a:r>
+            <a:endParaRPr kumimoji="1" lang="en-US" altLang="ja-JP" sz="1800" b="1" dirty="0" smtClean="0"/>
+          </a:p>
+        </p:txBody>
+      </p:sp>
+    </p:spTree>
+    <p:extLst>
+      <p:ext uri="{BB962C8B-B14F-4D97-AF65-F5344CB8AC3E}">
+        <p14:creationId xmlns:p14="http://schemas.microsoft.com/office/powerpoint/2010/main" val="1424649900"/>
       </p:ext>
     </p:extLst>
   </p:cSld>
@@ -26807,113 +27058,105 @@
           <a:lstStyle/>
           <a:p>
             <a:r>
-              <a:rPr kumimoji="1" lang="ja-JP" altLang="en-US" b="1" dirty="0" smtClean="0"/>
+              <a:rPr kumimoji="1" lang="ja-JP" altLang="en-US" b="1" smtClean="0"/>
               <a:t>論理的思考力が身に付く</a:t>
             </a:r>
-            <a:endParaRPr kumimoji="1" lang="en-US" altLang="ja-JP" b="1" dirty="0" smtClean="0"/>
+            <a:endParaRPr kumimoji="1" lang="en-US" altLang="ja-JP" b="1" smtClean="0"/>
           </a:p>
           <a:p>
             <a:pPr lvl="1"/>
             <a:r>
-              <a:rPr kumimoji="1" lang="ja-JP" altLang="en-US" dirty="0"/>
-              <a:t>機能</a:t>
-            </a:r>
-            <a:r>
-              <a:rPr kumimoji="1" lang="ja-JP" altLang="en-US" dirty="0" smtClean="0"/>
-              <a:t>追加やアップデートに関する機械的な手順の理解があるだけで、工数や自動化することでどれだけ稼働が楽になるか予想できる</a:t>
-            </a:r>
-            <a:endParaRPr kumimoji="1" lang="en-US" altLang="ja-JP" dirty="0"/>
+              <a:rPr kumimoji="1" lang="ja-JP" altLang="en-US" smtClean="0"/>
+              <a:t>機能追加やアップデートに関する機械的な手順の理解があるだけで、工数や自動化することでどれだけ稼働が楽になるか予想できる</a:t>
+            </a:r>
+            <a:endParaRPr kumimoji="1" lang="en-US" altLang="ja-JP" smtClean="0"/>
           </a:p>
           <a:p>
             <a:r>
-              <a:rPr kumimoji="1" lang="ja-JP" altLang="en-US" b="1" dirty="0" smtClean="0"/>
+              <a:rPr kumimoji="1" lang="ja-JP" altLang="en-US" b="1" smtClean="0"/>
               <a:t>問題解決能力が身に付く</a:t>
             </a:r>
-            <a:endParaRPr kumimoji="1" lang="en-US" altLang="ja-JP" b="1" dirty="0" smtClean="0"/>
+            <a:endParaRPr kumimoji="1" lang="en-US" altLang="ja-JP" b="1" smtClean="0"/>
           </a:p>
           <a:p>
             <a:pPr lvl="1"/>
             <a:r>
-              <a:rPr kumimoji="1" lang="ja-JP" altLang="en-US" dirty="0" smtClean="0"/>
+              <a:rPr kumimoji="1" lang="ja-JP" altLang="en-US" smtClean="0"/>
               <a:t>プログラミングの</a:t>
             </a:r>
             <a:r>
-              <a:rPr kumimoji="1" lang="en-US" altLang="ja-JP" dirty="0" smtClean="0"/>
+              <a:rPr kumimoji="1" lang="en-US" altLang="ja-JP" smtClean="0"/>
               <a:t>6</a:t>
             </a:r>
             <a:r>
-              <a:rPr kumimoji="1" lang="ja-JP" altLang="en-US" dirty="0" smtClean="0"/>
+              <a:rPr kumimoji="1" lang="ja-JP" altLang="en-US" smtClean="0"/>
               <a:t>割はトラブルシュートであるが、プログラミングに手順書はない。</a:t>
             </a:r>
-            <a:endParaRPr kumimoji="1" lang="en-US" altLang="ja-JP" dirty="0" smtClean="0"/>
+            <a:endParaRPr kumimoji="1" lang="en-US" altLang="ja-JP" smtClean="0"/>
           </a:p>
           <a:p>
             <a:pPr marL="457200" lvl="2" indent="0">
               <a:buNone/>
             </a:pPr>
             <a:r>
-              <a:rPr kumimoji="1" lang="ja-JP" altLang="en-US" sz="1800" dirty="0" smtClean="0"/>
+              <a:rPr kumimoji="1" lang="ja-JP" altLang="en-US" sz="1800" smtClean="0"/>
               <a:t>⇒コードで利用しているライブラリなどの仕様を調べながら解決する力が身に付く</a:t>
             </a:r>
-            <a:endParaRPr kumimoji="1" lang="en-US" altLang="ja-JP" sz="1800" dirty="0"/>
+            <a:endParaRPr kumimoji="1" lang="en-US" altLang="ja-JP" sz="1800" smtClean="0"/>
           </a:p>
           <a:p>
             <a:r>
-              <a:rPr kumimoji="1" lang="ja-JP" altLang="en-US" b="1" dirty="0" smtClean="0"/>
+              <a:rPr kumimoji="1" lang="ja-JP" altLang="en-US" b="1" smtClean="0"/>
               <a:t>副業に使えるため、収入アップが見込める</a:t>
             </a:r>
-            <a:endParaRPr kumimoji="1" lang="en-US" altLang="ja-JP" b="1" dirty="0" smtClean="0"/>
+            <a:endParaRPr kumimoji="1" lang="en-US" altLang="ja-JP" b="1" smtClean="0"/>
           </a:p>
           <a:p>
             <a:pPr lvl="1"/>
             <a:r>
-              <a:rPr kumimoji="1" lang="ja-JP" altLang="en-US" dirty="0" smtClean="0"/>
+              <a:rPr kumimoji="1" lang="ja-JP" altLang="en-US" smtClean="0"/>
               <a:t>プログラミング副業のニーズは昨今で増え続けており、スキルレベルによっては時給単価がスキルレベルによっては</a:t>
             </a:r>
             <a:r>
-              <a:rPr kumimoji="1" lang="en-US" altLang="ja-JP" dirty="0"/>
-              <a:t>2</a:t>
-            </a:r>
-            <a:r>
-              <a:rPr kumimoji="1" lang="en-US" altLang="ja-JP" dirty="0" smtClean="0"/>
-              <a:t>000</a:t>
-            </a:r>
-            <a:r>
-              <a:rPr kumimoji="1" lang="ja-JP" altLang="en-US" dirty="0" smtClean="0"/>
+              <a:rPr kumimoji="1" lang="en-US" altLang="ja-JP" smtClean="0"/>
+              <a:t>2000</a:t>
+            </a:r>
+            <a:r>
+              <a:rPr kumimoji="1" lang="ja-JP" altLang="en-US" smtClean="0"/>
               <a:t>円～</a:t>
             </a:r>
             <a:r>
-              <a:rPr kumimoji="1" lang="en-US" altLang="ja-JP" dirty="0" smtClean="0"/>
+              <a:rPr kumimoji="1" lang="en-US" altLang="ja-JP" smtClean="0"/>
               <a:t>8000</a:t>
             </a:r>
             <a:r>
-              <a:rPr kumimoji="1" lang="ja-JP" altLang="en-US" dirty="0" smtClean="0"/>
+              <a:rPr kumimoji="1" lang="ja-JP" altLang="en-US" smtClean="0"/>
               <a:t>円というピンキリではあるものの金額が高騰している傾向がある</a:t>
             </a:r>
-            <a:endParaRPr kumimoji="1" lang="en-US" altLang="ja-JP" dirty="0" smtClean="0"/>
+            <a:endParaRPr kumimoji="1" lang="en-US" altLang="ja-JP" smtClean="0"/>
           </a:p>
           <a:p>
             <a:pPr marL="228600" lvl="1" indent="0">
               <a:buNone/>
             </a:pPr>
             <a:r>
-              <a:rPr kumimoji="1" lang="ja-JP" altLang="en-US" sz="1600" dirty="0" smtClean="0"/>
+              <a:rPr kumimoji="1" lang="ja-JP" altLang="en-US" sz="1600" smtClean="0"/>
               <a:t>（実際スクレイピングの案件では</a:t>
             </a:r>
             <a:r>
-              <a:rPr kumimoji="1" lang="en-US" altLang="ja-JP" sz="1600" dirty="0" smtClean="0"/>
+              <a:rPr kumimoji="1" lang="en-US" altLang="ja-JP" sz="1600" smtClean="0"/>
               <a:t>3</a:t>
             </a:r>
             <a:r>
-              <a:rPr kumimoji="1" lang="ja-JP" altLang="en-US" sz="1600" dirty="0" smtClean="0"/>
+              <a:rPr kumimoji="1" lang="ja-JP" altLang="en-US" sz="1600" smtClean="0"/>
               <a:t>時間ほどの作業で</a:t>
             </a:r>
             <a:r>
-              <a:rPr kumimoji="1" lang="en-US" altLang="ja-JP" sz="1600" dirty="0" smtClean="0"/>
+              <a:rPr kumimoji="1" lang="en-US" altLang="ja-JP" sz="1600" smtClean="0"/>
               <a:t>5</a:t>
             </a:r>
             <a:r>
-              <a:rPr kumimoji="1" lang="ja-JP" altLang="en-US" sz="1600" dirty="0" smtClean="0"/>
+              <a:rPr kumimoji="1" lang="ja-JP" altLang="en-US" sz="1600" smtClean="0"/>
               <a:t>万円もらえたこともある・・・）</a:t>
             </a:r>
             <a:endParaRPr kumimoji="1" lang="ja-JP" altLang="en-US" sz="1600" dirty="0"/>

--- a/プログラミング勉強会Python編(1.概要).pptx
+++ b/プログラミング勉強会Python編(1.概要).pptx
@@ -10,28 +10,29 @@
     <p:sldId id="260" r:id="rId4"/>
     <p:sldId id="259" r:id="rId5"/>
     <p:sldId id="262" r:id="rId6"/>
-    <p:sldId id="261" r:id="rId7"/>
-    <p:sldId id="267" r:id="rId8"/>
-    <p:sldId id="264" r:id="rId9"/>
-    <p:sldId id="263" r:id="rId10"/>
-    <p:sldId id="268" r:id="rId11"/>
-    <p:sldId id="266" r:id="rId12"/>
-    <p:sldId id="269" r:id="rId13"/>
-    <p:sldId id="270" r:id="rId14"/>
-    <p:sldId id="271" r:id="rId15"/>
-    <p:sldId id="272" r:id="rId16"/>
-    <p:sldId id="273" r:id="rId17"/>
-    <p:sldId id="274" r:id="rId18"/>
-    <p:sldId id="275" r:id="rId19"/>
-    <p:sldId id="276" r:id="rId20"/>
-    <p:sldId id="277" r:id="rId21"/>
-    <p:sldId id="278" r:id="rId22"/>
-    <p:sldId id="279" r:id="rId23"/>
-    <p:sldId id="283" r:id="rId24"/>
-    <p:sldId id="280" r:id="rId25"/>
-    <p:sldId id="281" r:id="rId26"/>
-    <p:sldId id="284" r:id="rId27"/>
-    <p:sldId id="285" r:id="rId28"/>
+    <p:sldId id="286" r:id="rId7"/>
+    <p:sldId id="261" r:id="rId8"/>
+    <p:sldId id="267" r:id="rId9"/>
+    <p:sldId id="264" r:id="rId10"/>
+    <p:sldId id="263" r:id="rId11"/>
+    <p:sldId id="268" r:id="rId12"/>
+    <p:sldId id="266" r:id="rId13"/>
+    <p:sldId id="269" r:id="rId14"/>
+    <p:sldId id="270" r:id="rId15"/>
+    <p:sldId id="271" r:id="rId16"/>
+    <p:sldId id="272" r:id="rId17"/>
+    <p:sldId id="273" r:id="rId18"/>
+    <p:sldId id="274" r:id="rId19"/>
+    <p:sldId id="275" r:id="rId20"/>
+    <p:sldId id="276" r:id="rId21"/>
+    <p:sldId id="277" r:id="rId22"/>
+    <p:sldId id="278" r:id="rId23"/>
+    <p:sldId id="279" r:id="rId24"/>
+    <p:sldId id="283" r:id="rId25"/>
+    <p:sldId id="280" r:id="rId26"/>
+    <p:sldId id="281" r:id="rId27"/>
+    <p:sldId id="284" r:id="rId28"/>
+    <p:sldId id="285" r:id="rId29"/>
   </p:sldIdLst>
   <p:sldSz cx="12192000" cy="6858000"/>
   <p:notesSz cx="6858000" cy="9144000"/>
@@ -893,7 +894,2198 @@
 </dgm:colorsDef>
 </file>
 
+<file path=ppt/diagrams/colors2.xml><?xml version="1.0" encoding="utf-8"?>
+<dgm:colorsDef xmlns:dgm="http://schemas.openxmlformats.org/drawingml/2006/diagram" xmlns:a="http://schemas.openxmlformats.org/drawingml/2006/main" uniqueId="urn:microsoft.com/office/officeart/2005/8/colors/accent1_2">
+  <dgm:title val=""/>
+  <dgm:desc val=""/>
+  <dgm:catLst>
+    <dgm:cat type="accent1" pri="11200"/>
+  </dgm:catLst>
+  <dgm:styleLbl name="node0">
+    <dgm:fillClrLst meth="repeat">
+      <a:schemeClr val="accent1"/>
+    </dgm:fillClrLst>
+    <dgm:linClrLst meth="repeat">
+      <a:schemeClr val="lt1"/>
+    </dgm:linClrLst>
+    <dgm:effectClrLst/>
+    <dgm:txLinClrLst/>
+    <dgm:txFillClrLst/>
+    <dgm:txEffectClrLst/>
+  </dgm:styleLbl>
+  <dgm:styleLbl name="alignNode1">
+    <dgm:fillClrLst meth="repeat">
+      <a:schemeClr val="accent1"/>
+    </dgm:fillClrLst>
+    <dgm:linClrLst meth="repeat">
+      <a:schemeClr val="accent1"/>
+    </dgm:linClrLst>
+    <dgm:effectClrLst/>
+    <dgm:txLinClrLst/>
+    <dgm:txFillClrLst/>
+    <dgm:txEffectClrLst/>
+  </dgm:styleLbl>
+  <dgm:styleLbl name="node1">
+    <dgm:fillClrLst meth="repeat">
+      <a:schemeClr val="accent1"/>
+    </dgm:fillClrLst>
+    <dgm:linClrLst meth="repeat">
+      <a:schemeClr val="lt1"/>
+    </dgm:linClrLst>
+    <dgm:effectClrLst/>
+    <dgm:txLinClrLst/>
+    <dgm:txFillClrLst/>
+    <dgm:txEffectClrLst/>
+  </dgm:styleLbl>
+  <dgm:styleLbl name="lnNode1">
+    <dgm:fillClrLst meth="repeat">
+      <a:schemeClr val="accent1"/>
+    </dgm:fillClrLst>
+    <dgm:linClrLst meth="repeat">
+      <a:schemeClr val="lt1"/>
+    </dgm:linClrLst>
+    <dgm:effectClrLst/>
+    <dgm:txLinClrLst/>
+    <dgm:txFillClrLst/>
+    <dgm:txEffectClrLst/>
+  </dgm:styleLbl>
+  <dgm:styleLbl name="vennNode1">
+    <dgm:fillClrLst meth="repeat">
+      <a:schemeClr val="accent1">
+        <a:alpha val="50000"/>
+      </a:schemeClr>
+    </dgm:fillClrLst>
+    <dgm:linClrLst meth="repeat">
+      <a:schemeClr val="lt1"/>
+    </dgm:linClrLst>
+    <dgm:effectClrLst/>
+    <dgm:txLinClrLst/>
+    <dgm:txFillClrLst/>
+    <dgm:txEffectClrLst/>
+  </dgm:styleLbl>
+  <dgm:styleLbl name="node2">
+    <dgm:fillClrLst meth="repeat">
+      <a:schemeClr val="accent1"/>
+    </dgm:fillClrLst>
+    <dgm:linClrLst meth="repeat">
+      <a:schemeClr val="lt1"/>
+    </dgm:linClrLst>
+    <dgm:effectClrLst/>
+    <dgm:txLinClrLst/>
+    <dgm:txFillClrLst/>
+    <dgm:txEffectClrLst/>
+  </dgm:styleLbl>
+  <dgm:styleLbl name="node3">
+    <dgm:fillClrLst meth="repeat">
+      <a:schemeClr val="accent1"/>
+    </dgm:fillClrLst>
+    <dgm:linClrLst meth="repeat">
+      <a:schemeClr val="lt1"/>
+    </dgm:linClrLst>
+    <dgm:effectClrLst/>
+    <dgm:txLinClrLst/>
+    <dgm:txFillClrLst/>
+    <dgm:txEffectClrLst/>
+  </dgm:styleLbl>
+  <dgm:styleLbl name="node4">
+    <dgm:fillClrLst meth="repeat">
+      <a:schemeClr val="accent1"/>
+    </dgm:fillClrLst>
+    <dgm:linClrLst meth="repeat">
+      <a:schemeClr val="lt1"/>
+    </dgm:linClrLst>
+    <dgm:effectClrLst/>
+    <dgm:txLinClrLst/>
+    <dgm:txFillClrLst/>
+    <dgm:txEffectClrLst/>
+  </dgm:styleLbl>
+  <dgm:styleLbl name="fgImgPlace1">
+    <dgm:fillClrLst meth="repeat">
+      <a:schemeClr val="accent1">
+        <a:tint val="50000"/>
+      </a:schemeClr>
+    </dgm:fillClrLst>
+    <dgm:linClrLst meth="repeat">
+      <a:schemeClr val="lt1"/>
+    </dgm:linClrLst>
+    <dgm:effectClrLst/>
+    <dgm:txLinClrLst/>
+    <dgm:txFillClrLst meth="repeat">
+      <a:schemeClr val="lt1"/>
+    </dgm:txFillClrLst>
+    <dgm:txEffectClrLst/>
+  </dgm:styleLbl>
+  <dgm:styleLbl name="alignImgPlace1">
+    <dgm:fillClrLst meth="repeat">
+      <a:schemeClr val="accent1">
+        <a:tint val="50000"/>
+      </a:schemeClr>
+    </dgm:fillClrLst>
+    <dgm:linClrLst meth="repeat">
+      <a:schemeClr val="lt1"/>
+    </dgm:linClrLst>
+    <dgm:effectClrLst/>
+    <dgm:txLinClrLst/>
+    <dgm:txFillClrLst meth="repeat">
+      <a:schemeClr val="lt1"/>
+    </dgm:txFillClrLst>
+    <dgm:txEffectClrLst/>
+  </dgm:styleLbl>
+  <dgm:styleLbl name="bgImgPlace1">
+    <dgm:fillClrLst meth="repeat">
+      <a:schemeClr val="accent1">
+        <a:tint val="50000"/>
+      </a:schemeClr>
+    </dgm:fillClrLst>
+    <dgm:linClrLst meth="repeat">
+      <a:schemeClr val="lt1"/>
+    </dgm:linClrLst>
+    <dgm:effectClrLst/>
+    <dgm:txLinClrLst/>
+    <dgm:txFillClrLst meth="repeat">
+      <a:schemeClr val="lt1"/>
+    </dgm:txFillClrLst>
+    <dgm:txEffectClrLst/>
+  </dgm:styleLbl>
+  <dgm:styleLbl name="sibTrans2D1">
+    <dgm:fillClrLst meth="repeat">
+      <a:schemeClr val="accent1">
+        <a:tint val="60000"/>
+      </a:schemeClr>
+    </dgm:fillClrLst>
+    <dgm:linClrLst meth="repeat">
+      <a:schemeClr val="accent1">
+        <a:tint val="60000"/>
+      </a:schemeClr>
+    </dgm:linClrLst>
+    <dgm:effectClrLst/>
+    <dgm:txLinClrLst/>
+    <dgm:txFillClrLst/>
+    <dgm:txEffectClrLst/>
+  </dgm:styleLbl>
+  <dgm:styleLbl name="fgSibTrans2D1">
+    <dgm:fillClrLst meth="repeat">
+      <a:schemeClr val="accent1">
+        <a:tint val="60000"/>
+      </a:schemeClr>
+    </dgm:fillClrLst>
+    <dgm:linClrLst meth="repeat">
+      <a:schemeClr val="accent1">
+        <a:tint val="60000"/>
+      </a:schemeClr>
+    </dgm:linClrLst>
+    <dgm:effectClrLst/>
+    <dgm:txLinClrLst/>
+    <dgm:txFillClrLst/>
+    <dgm:txEffectClrLst/>
+  </dgm:styleLbl>
+  <dgm:styleLbl name="bgSibTrans2D1">
+    <dgm:fillClrLst meth="repeat">
+      <a:schemeClr val="accent1">
+        <a:tint val="60000"/>
+      </a:schemeClr>
+    </dgm:fillClrLst>
+    <dgm:linClrLst meth="repeat">
+      <a:schemeClr val="accent1">
+        <a:tint val="60000"/>
+      </a:schemeClr>
+    </dgm:linClrLst>
+    <dgm:effectClrLst/>
+    <dgm:txLinClrLst/>
+    <dgm:txFillClrLst/>
+    <dgm:txEffectClrLst/>
+  </dgm:styleLbl>
+  <dgm:styleLbl name="sibTrans1D1">
+    <dgm:fillClrLst meth="repeat">
+      <a:schemeClr val="accent1"/>
+    </dgm:fillClrLst>
+    <dgm:linClrLst meth="repeat">
+      <a:schemeClr val="accent1"/>
+    </dgm:linClrLst>
+    <dgm:effectClrLst/>
+    <dgm:txLinClrLst/>
+    <dgm:txFillClrLst meth="repeat">
+      <a:schemeClr val="tx1"/>
+    </dgm:txFillClrLst>
+    <dgm:txEffectClrLst/>
+  </dgm:styleLbl>
+  <dgm:styleLbl name="callout">
+    <dgm:fillClrLst meth="repeat">
+      <a:schemeClr val="accent1"/>
+    </dgm:fillClrLst>
+    <dgm:linClrLst meth="repeat">
+      <a:schemeClr val="accent1">
+        <a:tint val="50000"/>
+      </a:schemeClr>
+    </dgm:linClrLst>
+    <dgm:effectClrLst/>
+    <dgm:txLinClrLst/>
+    <dgm:txFillClrLst meth="repeat">
+      <a:schemeClr val="tx1"/>
+    </dgm:txFillClrLst>
+    <dgm:txEffectClrLst/>
+  </dgm:styleLbl>
+  <dgm:styleLbl name="asst0">
+    <dgm:fillClrLst meth="repeat">
+      <a:schemeClr val="accent1"/>
+    </dgm:fillClrLst>
+    <dgm:linClrLst meth="repeat">
+      <a:schemeClr val="lt1"/>
+    </dgm:linClrLst>
+    <dgm:effectClrLst/>
+    <dgm:txLinClrLst/>
+    <dgm:txFillClrLst/>
+    <dgm:txEffectClrLst/>
+  </dgm:styleLbl>
+  <dgm:styleLbl name="asst1">
+    <dgm:fillClrLst meth="repeat">
+      <a:schemeClr val="accent1"/>
+    </dgm:fillClrLst>
+    <dgm:linClrLst meth="repeat">
+      <a:schemeClr val="lt1"/>
+    </dgm:linClrLst>
+    <dgm:effectClrLst/>
+    <dgm:txLinClrLst/>
+    <dgm:txFillClrLst/>
+    <dgm:txEffectClrLst/>
+  </dgm:styleLbl>
+  <dgm:styleLbl name="asst2">
+    <dgm:fillClrLst meth="repeat">
+      <a:schemeClr val="accent1"/>
+    </dgm:fillClrLst>
+    <dgm:linClrLst meth="repeat">
+      <a:schemeClr val="lt1"/>
+    </dgm:linClrLst>
+    <dgm:effectClrLst/>
+    <dgm:txLinClrLst/>
+    <dgm:txFillClrLst/>
+    <dgm:txEffectClrLst/>
+  </dgm:styleLbl>
+  <dgm:styleLbl name="asst3">
+    <dgm:fillClrLst meth="repeat">
+      <a:schemeClr val="accent1"/>
+    </dgm:fillClrLst>
+    <dgm:linClrLst meth="repeat">
+      <a:schemeClr val="lt1"/>
+    </dgm:linClrLst>
+    <dgm:effectClrLst/>
+    <dgm:txLinClrLst/>
+    <dgm:txFillClrLst/>
+    <dgm:txEffectClrLst/>
+  </dgm:styleLbl>
+  <dgm:styleLbl name="asst4">
+    <dgm:fillClrLst meth="repeat">
+      <a:schemeClr val="accent1"/>
+    </dgm:fillClrLst>
+    <dgm:linClrLst meth="repeat">
+      <a:schemeClr val="lt1"/>
+    </dgm:linClrLst>
+    <dgm:effectClrLst/>
+    <dgm:txLinClrLst/>
+    <dgm:txFillClrLst/>
+    <dgm:txEffectClrLst/>
+  </dgm:styleLbl>
+  <dgm:styleLbl name="parChTrans2D1">
+    <dgm:fillClrLst meth="repeat">
+      <a:schemeClr val="accent1">
+        <a:tint val="60000"/>
+      </a:schemeClr>
+    </dgm:fillClrLst>
+    <dgm:linClrLst meth="repeat">
+      <a:schemeClr val="accent1">
+        <a:tint val="60000"/>
+      </a:schemeClr>
+    </dgm:linClrLst>
+    <dgm:effectClrLst/>
+    <dgm:txLinClrLst/>
+    <dgm:txFillClrLst meth="repeat">
+      <a:schemeClr val="lt1"/>
+    </dgm:txFillClrLst>
+    <dgm:txEffectClrLst/>
+  </dgm:styleLbl>
+  <dgm:styleLbl name="parChTrans2D2">
+    <dgm:fillClrLst meth="repeat">
+      <a:schemeClr val="accent1"/>
+    </dgm:fillClrLst>
+    <dgm:linClrLst meth="repeat">
+      <a:schemeClr val="accent1"/>
+    </dgm:linClrLst>
+    <dgm:effectClrLst/>
+    <dgm:txLinClrLst/>
+    <dgm:txFillClrLst meth="repeat">
+      <a:schemeClr val="lt1"/>
+    </dgm:txFillClrLst>
+    <dgm:txEffectClrLst/>
+  </dgm:styleLbl>
+  <dgm:styleLbl name="parChTrans2D3">
+    <dgm:fillClrLst meth="repeat">
+      <a:schemeClr val="accent1"/>
+    </dgm:fillClrLst>
+    <dgm:linClrLst meth="repeat">
+      <a:schemeClr val="accent1"/>
+    </dgm:linClrLst>
+    <dgm:effectClrLst/>
+    <dgm:txLinClrLst/>
+    <dgm:txFillClrLst meth="repeat">
+      <a:schemeClr val="lt1"/>
+    </dgm:txFillClrLst>
+    <dgm:txEffectClrLst/>
+  </dgm:styleLbl>
+  <dgm:styleLbl name="parChTrans2D4">
+    <dgm:fillClrLst meth="repeat">
+      <a:schemeClr val="accent1"/>
+    </dgm:fillClrLst>
+    <dgm:linClrLst meth="repeat">
+      <a:schemeClr val="accent1"/>
+    </dgm:linClrLst>
+    <dgm:effectClrLst/>
+    <dgm:txLinClrLst/>
+    <dgm:txFillClrLst meth="repeat">
+      <a:schemeClr val="lt1"/>
+    </dgm:txFillClrLst>
+    <dgm:txEffectClrLst/>
+  </dgm:styleLbl>
+  <dgm:styleLbl name="parChTrans1D1">
+    <dgm:fillClrLst meth="repeat">
+      <a:schemeClr val="accent1"/>
+    </dgm:fillClrLst>
+    <dgm:linClrLst meth="repeat">
+      <a:schemeClr val="accent1">
+        <a:shade val="60000"/>
+      </a:schemeClr>
+    </dgm:linClrLst>
+    <dgm:effectClrLst/>
+    <dgm:txLinClrLst/>
+    <dgm:txFillClrLst meth="repeat">
+      <a:schemeClr val="tx1"/>
+    </dgm:txFillClrLst>
+    <dgm:txEffectClrLst/>
+  </dgm:styleLbl>
+  <dgm:styleLbl name="parChTrans1D2">
+    <dgm:fillClrLst meth="repeat">
+      <a:schemeClr val="accent1"/>
+    </dgm:fillClrLst>
+    <dgm:linClrLst meth="repeat">
+      <a:schemeClr val="accent1">
+        <a:shade val="60000"/>
+      </a:schemeClr>
+    </dgm:linClrLst>
+    <dgm:effectClrLst/>
+    <dgm:txLinClrLst/>
+    <dgm:txFillClrLst meth="repeat">
+      <a:schemeClr val="tx1"/>
+    </dgm:txFillClrLst>
+    <dgm:txEffectClrLst/>
+  </dgm:styleLbl>
+  <dgm:styleLbl name="parChTrans1D3">
+    <dgm:fillClrLst meth="repeat">
+      <a:schemeClr val="accent1"/>
+    </dgm:fillClrLst>
+    <dgm:linClrLst meth="repeat">
+      <a:schemeClr val="accent1">
+        <a:shade val="80000"/>
+      </a:schemeClr>
+    </dgm:linClrLst>
+    <dgm:effectClrLst/>
+    <dgm:txLinClrLst/>
+    <dgm:txFillClrLst meth="repeat">
+      <a:schemeClr val="tx1"/>
+    </dgm:txFillClrLst>
+    <dgm:txEffectClrLst/>
+  </dgm:styleLbl>
+  <dgm:styleLbl name="parChTrans1D4">
+    <dgm:fillClrLst meth="repeat">
+      <a:schemeClr val="accent1"/>
+    </dgm:fillClrLst>
+    <dgm:linClrLst meth="repeat">
+      <a:schemeClr val="accent1">
+        <a:shade val="80000"/>
+      </a:schemeClr>
+    </dgm:linClrLst>
+    <dgm:effectClrLst/>
+    <dgm:txLinClrLst/>
+    <dgm:txFillClrLst meth="repeat">
+      <a:schemeClr val="tx1"/>
+    </dgm:txFillClrLst>
+    <dgm:txEffectClrLst/>
+  </dgm:styleLbl>
+  <dgm:styleLbl name="fgAcc1">
+    <dgm:fillClrLst meth="repeat">
+      <a:schemeClr val="lt1">
+        <a:alpha val="90000"/>
+      </a:schemeClr>
+    </dgm:fillClrLst>
+    <dgm:linClrLst meth="repeat">
+      <a:schemeClr val="accent1"/>
+    </dgm:linClrLst>
+    <dgm:effectClrLst/>
+    <dgm:txLinClrLst/>
+    <dgm:txFillClrLst meth="repeat">
+      <a:schemeClr val="dk1"/>
+    </dgm:txFillClrLst>
+    <dgm:txEffectClrLst/>
+  </dgm:styleLbl>
+  <dgm:styleLbl name="conFgAcc1">
+    <dgm:fillClrLst meth="repeat">
+      <a:schemeClr val="lt1">
+        <a:alpha val="90000"/>
+      </a:schemeClr>
+    </dgm:fillClrLst>
+    <dgm:linClrLst meth="repeat">
+      <a:schemeClr val="accent1"/>
+    </dgm:linClrLst>
+    <dgm:effectClrLst/>
+    <dgm:txLinClrLst/>
+    <dgm:txFillClrLst meth="repeat">
+      <a:schemeClr val="dk1"/>
+    </dgm:txFillClrLst>
+    <dgm:txEffectClrLst/>
+  </dgm:styleLbl>
+  <dgm:styleLbl name="alignAcc1">
+    <dgm:fillClrLst meth="repeat">
+      <a:schemeClr val="lt1">
+        <a:alpha val="90000"/>
+      </a:schemeClr>
+    </dgm:fillClrLst>
+    <dgm:linClrLst meth="repeat">
+      <a:schemeClr val="accent1"/>
+    </dgm:linClrLst>
+    <dgm:effectClrLst/>
+    <dgm:txLinClrLst/>
+    <dgm:txFillClrLst meth="repeat">
+      <a:schemeClr val="dk1"/>
+    </dgm:txFillClrLst>
+    <dgm:txEffectClrLst/>
+  </dgm:styleLbl>
+  <dgm:styleLbl name="trAlignAcc1">
+    <dgm:fillClrLst meth="repeat">
+      <a:schemeClr val="lt1">
+        <a:alpha val="40000"/>
+      </a:schemeClr>
+    </dgm:fillClrLst>
+    <dgm:linClrLst meth="repeat">
+      <a:schemeClr val="accent1"/>
+    </dgm:linClrLst>
+    <dgm:effectClrLst/>
+    <dgm:txLinClrLst/>
+    <dgm:txFillClrLst meth="repeat">
+      <a:schemeClr val="dk1"/>
+    </dgm:txFillClrLst>
+    <dgm:txEffectClrLst/>
+  </dgm:styleLbl>
+  <dgm:styleLbl name="bgAcc1">
+    <dgm:fillClrLst meth="repeat">
+      <a:schemeClr val="lt1">
+        <a:alpha val="90000"/>
+      </a:schemeClr>
+    </dgm:fillClrLst>
+    <dgm:linClrLst meth="repeat">
+      <a:schemeClr val="accent1"/>
+    </dgm:linClrLst>
+    <dgm:effectClrLst/>
+    <dgm:txLinClrLst/>
+    <dgm:txFillClrLst meth="repeat">
+      <a:schemeClr val="dk1"/>
+    </dgm:txFillClrLst>
+    <dgm:txEffectClrLst/>
+  </dgm:styleLbl>
+  <dgm:styleLbl name="solidFgAcc1">
+    <dgm:fillClrLst meth="repeat">
+      <a:schemeClr val="lt1"/>
+    </dgm:fillClrLst>
+    <dgm:linClrLst meth="repeat">
+      <a:schemeClr val="accent1"/>
+    </dgm:linClrLst>
+    <dgm:effectClrLst/>
+    <dgm:txLinClrLst/>
+    <dgm:txFillClrLst meth="repeat">
+      <a:schemeClr val="dk1"/>
+    </dgm:txFillClrLst>
+    <dgm:txEffectClrLst/>
+  </dgm:styleLbl>
+  <dgm:styleLbl name="solidAlignAcc1">
+    <dgm:fillClrLst meth="repeat">
+      <a:schemeClr val="lt1"/>
+    </dgm:fillClrLst>
+    <dgm:linClrLst meth="repeat">
+      <a:schemeClr val="accent1"/>
+    </dgm:linClrLst>
+    <dgm:effectClrLst/>
+    <dgm:txLinClrLst/>
+    <dgm:txFillClrLst meth="repeat">
+      <a:schemeClr val="dk1"/>
+    </dgm:txFillClrLst>
+    <dgm:txEffectClrLst/>
+  </dgm:styleLbl>
+  <dgm:styleLbl name="solidBgAcc1">
+    <dgm:fillClrLst meth="repeat">
+      <a:schemeClr val="lt1"/>
+    </dgm:fillClrLst>
+    <dgm:linClrLst meth="repeat">
+      <a:schemeClr val="accent1"/>
+    </dgm:linClrLst>
+    <dgm:effectClrLst/>
+    <dgm:txLinClrLst/>
+    <dgm:txFillClrLst meth="repeat">
+      <a:schemeClr val="dk1"/>
+    </dgm:txFillClrLst>
+    <dgm:txEffectClrLst/>
+  </dgm:styleLbl>
+  <dgm:styleLbl name="fgAccFollowNode1">
+    <dgm:fillClrLst meth="repeat">
+      <a:schemeClr val="accent1">
+        <a:alpha val="90000"/>
+        <a:tint val="40000"/>
+      </a:schemeClr>
+    </dgm:fillClrLst>
+    <dgm:linClrLst meth="repeat">
+      <a:schemeClr val="accent1">
+        <a:alpha val="90000"/>
+        <a:tint val="40000"/>
+      </a:schemeClr>
+    </dgm:linClrLst>
+    <dgm:effectClrLst/>
+    <dgm:txLinClrLst/>
+    <dgm:txFillClrLst meth="repeat">
+      <a:schemeClr val="dk1"/>
+    </dgm:txFillClrLst>
+    <dgm:txEffectClrLst/>
+  </dgm:styleLbl>
+  <dgm:styleLbl name="alignAccFollowNode1">
+    <dgm:fillClrLst meth="repeat">
+      <a:schemeClr val="accent1">
+        <a:alpha val="90000"/>
+        <a:tint val="40000"/>
+      </a:schemeClr>
+    </dgm:fillClrLst>
+    <dgm:linClrLst meth="repeat">
+      <a:schemeClr val="accent1">
+        <a:alpha val="90000"/>
+        <a:tint val="40000"/>
+      </a:schemeClr>
+    </dgm:linClrLst>
+    <dgm:effectClrLst/>
+    <dgm:txLinClrLst/>
+    <dgm:txFillClrLst meth="repeat">
+      <a:schemeClr val="dk1"/>
+    </dgm:txFillClrLst>
+    <dgm:txEffectClrLst/>
+  </dgm:styleLbl>
+  <dgm:styleLbl name="bgAccFollowNode1">
+    <dgm:fillClrLst meth="repeat">
+      <a:schemeClr val="accent1">
+        <a:alpha val="90000"/>
+        <a:tint val="40000"/>
+      </a:schemeClr>
+    </dgm:fillClrLst>
+    <dgm:linClrLst meth="repeat">
+      <a:schemeClr val="accent1">
+        <a:alpha val="90000"/>
+        <a:tint val="40000"/>
+      </a:schemeClr>
+    </dgm:linClrLst>
+    <dgm:effectClrLst/>
+    <dgm:txLinClrLst/>
+    <dgm:txFillClrLst meth="repeat">
+      <a:schemeClr val="dk1"/>
+    </dgm:txFillClrLst>
+    <dgm:txEffectClrLst/>
+  </dgm:styleLbl>
+  <dgm:styleLbl name="fgAcc0">
+    <dgm:fillClrLst meth="repeat">
+      <a:schemeClr val="lt1">
+        <a:alpha val="90000"/>
+      </a:schemeClr>
+    </dgm:fillClrLst>
+    <dgm:linClrLst meth="repeat">
+      <a:schemeClr val="accent1"/>
+    </dgm:linClrLst>
+    <dgm:effectClrLst/>
+    <dgm:txLinClrLst/>
+    <dgm:txFillClrLst meth="repeat">
+      <a:schemeClr val="dk1"/>
+    </dgm:txFillClrLst>
+    <dgm:txEffectClrLst/>
+  </dgm:styleLbl>
+  <dgm:styleLbl name="fgAcc2">
+    <dgm:fillClrLst meth="repeat">
+      <a:schemeClr val="lt1">
+        <a:alpha val="90000"/>
+      </a:schemeClr>
+    </dgm:fillClrLst>
+    <dgm:linClrLst meth="repeat">
+      <a:schemeClr val="accent1"/>
+    </dgm:linClrLst>
+    <dgm:effectClrLst/>
+    <dgm:txLinClrLst/>
+    <dgm:txFillClrLst meth="repeat">
+      <a:schemeClr val="dk1"/>
+    </dgm:txFillClrLst>
+    <dgm:txEffectClrLst/>
+  </dgm:styleLbl>
+  <dgm:styleLbl name="fgAcc3">
+    <dgm:fillClrLst meth="repeat">
+      <a:schemeClr val="lt1">
+        <a:alpha val="90000"/>
+      </a:schemeClr>
+    </dgm:fillClrLst>
+    <dgm:linClrLst meth="repeat">
+      <a:schemeClr val="accent1"/>
+    </dgm:linClrLst>
+    <dgm:effectClrLst/>
+    <dgm:txLinClrLst/>
+    <dgm:txFillClrLst meth="repeat">
+      <a:schemeClr val="dk1"/>
+    </dgm:txFillClrLst>
+    <dgm:txEffectClrLst/>
+  </dgm:styleLbl>
+  <dgm:styleLbl name="fgAcc4">
+    <dgm:fillClrLst meth="repeat">
+      <a:schemeClr val="lt1">
+        <a:alpha val="90000"/>
+      </a:schemeClr>
+    </dgm:fillClrLst>
+    <dgm:linClrLst meth="repeat">
+      <a:schemeClr val="accent1"/>
+    </dgm:linClrLst>
+    <dgm:effectClrLst/>
+    <dgm:txLinClrLst/>
+    <dgm:txFillClrLst meth="repeat">
+      <a:schemeClr val="dk1"/>
+    </dgm:txFillClrLst>
+    <dgm:txEffectClrLst/>
+  </dgm:styleLbl>
+  <dgm:styleLbl name="bgShp">
+    <dgm:fillClrLst meth="repeat">
+      <a:schemeClr val="accent1">
+        <a:tint val="40000"/>
+      </a:schemeClr>
+    </dgm:fillClrLst>
+    <dgm:linClrLst meth="repeat">
+      <a:schemeClr val="accent1"/>
+    </dgm:linClrLst>
+    <dgm:effectClrLst/>
+    <dgm:txLinClrLst/>
+    <dgm:txFillClrLst meth="repeat">
+      <a:schemeClr val="dk1"/>
+    </dgm:txFillClrLst>
+    <dgm:txEffectClrLst/>
+  </dgm:styleLbl>
+  <dgm:styleLbl name="dkBgShp">
+    <dgm:fillClrLst meth="repeat">
+      <a:schemeClr val="accent1">
+        <a:shade val="80000"/>
+      </a:schemeClr>
+    </dgm:fillClrLst>
+    <dgm:linClrLst meth="repeat">
+      <a:schemeClr val="accent1"/>
+    </dgm:linClrLst>
+    <dgm:effectClrLst/>
+    <dgm:txLinClrLst/>
+    <dgm:txFillClrLst meth="repeat">
+      <a:schemeClr val="lt1"/>
+    </dgm:txFillClrLst>
+    <dgm:txEffectClrLst/>
+  </dgm:styleLbl>
+  <dgm:styleLbl name="trBgShp">
+    <dgm:fillClrLst meth="repeat">
+      <a:schemeClr val="accent1">
+        <a:tint val="50000"/>
+        <a:alpha val="40000"/>
+      </a:schemeClr>
+    </dgm:fillClrLst>
+    <dgm:linClrLst meth="repeat">
+      <a:schemeClr val="accent1"/>
+    </dgm:linClrLst>
+    <dgm:effectClrLst/>
+    <dgm:txLinClrLst/>
+    <dgm:txFillClrLst meth="repeat">
+      <a:schemeClr val="lt1"/>
+    </dgm:txFillClrLst>
+    <dgm:txEffectClrLst/>
+  </dgm:styleLbl>
+  <dgm:styleLbl name="fgShp">
+    <dgm:fillClrLst meth="repeat">
+      <a:schemeClr val="accent1">
+        <a:tint val="60000"/>
+      </a:schemeClr>
+    </dgm:fillClrLst>
+    <dgm:linClrLst meth="repeat">
+      <a:schemeClr val="lt1"/>
+    </dgm:linClrLst>
+    <dgm:effectClrLst/>
+    <dgm:txLinClrLst/>
+    <dgm:txFillClrLst meth="repeat">
+      <a:schemeClr val="dk1"/>
+    </dgm:txFillClrLst>
+    <dgm:txEffectClrLst/>
+  </dgm:styleLbl>
+  <dgm:styleLbl name="revTx">
+    <dgm:fillClrLst meth="repeat">
+      <a:schemeClr val="lt1">
+        <a:alpha val="0"/>
+      </a:schemeClr>
+    </dgm:fillClrLst>
+    <dgm:linClrLst meth="repeat">
+      <a:schemeClr val="dk1">
+        <a:alpha val="0"/>
+      </a:schemeClr>
+    </dgm:linClrLst>
+    <dgm:effectClrLst/>
+    <dgm:txLinClrLst/>
+    <dgm:txFillClrLst meth="repeat">
+      <a:schemeClr val="tx1"/>
+    </dgm:txFillClrLst>
+    <dgm:txEffectClrLst/>
+  </dgm:styleLbl>
+</dgm:colorsDef>
+</file>
+
 <file path=ppt/diagrams/data1.xml><?xml version="1.0" encoding="utf-8"?>
+<dgm:dataModel xmlns:dgm="http://schemas.openxmlformats.org/drawingml/2006/diagram" xmlns:a="http://schemas.openxmlformats.org/drawingml/2006/main">
+  <dgm:ptLst>
+    <dgm:pt modelId="{261B36D4-E0C1-4532-9DA6-A564C2063407}" type="doc">
+      <dgm:prSet loTypeId="urn:microsoft.com/office/officeart/2008/layout/SquareAccentList" loCatId="list" qsTypeId="urn:microsoft.com/office/officeart/2005/8/quickstyle/simple1" qsCatId="simple" csTypeId="urn:microsoft.com/office/officeart/2005/8/colors/accent1_2" csCatId="accent1" phldr="1"/>
+      <dgm:spPr/>
+      <dgm:t>
+        <a:bodyPr/>
+        <a:lstStyle/>
+        <a:p>
+          <a:endParaRPr kumimoji="1" lang="ja-JP" altLang="en-US"/>
+        </a:p>
+      </dgm:t>
+    </dgm:pt>
+    <dgm:pt modelId="{BB2C3F9E-B39E-4B7E-BEE7-BA0A59BCE95D}">
+      <dgm:prSet phldrT="[テキスト]" custT="1"/>
+      <dgm:spPr/>
+      <dgm:t>
+        <a:bodyPr/>
+        <a:lstStyle/>
+        <a:p>
+          <a:r>
+            <a:rPr kumimoji="1" lang="ja-JP" altLang="en-US" sz="2000" dirty="0" smtClean="0"/>
+            <a:t>言語</a:t>
+          </a:r>
+          <a:endParaRPr kumimoji="1" lang="ja-JP" altLang="en-US" sz="2000" dirty="0"/>
+        </a:p>
+      </dgm:t>
+    </dgm:pt>
+    <dgm:pt modelId="{E358C7A3-E691-4D77-BDD8-CB5551EF1A5D}" type="parTrans" cxnId="{6172D0A1-5DE7-4F2E-B696-BFBDD05A44B7}">
+      <dgm:prSet/>
+      <dgm:spPr/>
+      <dgm:t>
+        <a:bodyPr/>
+        <a:lstStyle/>
+        <a:p>
+          <a:endParaRPr kumimoji="1" lang="ja-JP" altLang="en-US" sz="3200"/>
+        </a:p>
+      </dgm:t>
+    </dgm:pt>
+    <dgm:pt modelId="{54CCB97A-71FB-4CCB-87E6-0A5270A400B2}" type="sibTrans" cxnId="{6172D0A1-5DE7-4F2E-B696-BFBDD05A44B7}">
+      <dgm:prSet/>
+      <dgm:spPr/>
+      <dgm:t>
+        <a:bodyPr/>
+        <a:lstStyle/>
+        <a:p>
+          <a:endParaRPr kumimoji="1" lang="ja-JP" altLang="en-US" sz="3200"/>
+        </a:p>
+      </dgm:t>
+    </dgm:pt>
+    <dgm:pt modelId="{0C8D31C9-E0AA-4A1D-9E9B-B62ED9D5ABDF}">
+      <dgm:prSet phldrT="[テキスト]" custT="1"/>
+      <dgm:spPr/>
+      <dgm:t>
+        <a:bodyPr/>
+        <a:lstStyle/>
+        <a:p>
+          <a:r>
+            <a:rPr kumimoji="1" lang="en-US" altLang="ja-JP" sz="1100" dirty="0" smtClean="0"/>
+            <a:t>HTML&amp;CSS</a:t>
+          </a:r>
+          <a:endParaRPr kumimoji="1" lang="ja-JP" altLang="en-US" sz="1100" dirty="0"/>
+        </a:p>
+      </dgm:t>
+    </dgm:pt>
+    <dgm:pt modelId="{F8F00934-5047-4DF3-8588-BF41CA66A4AB}" type="parTrans" cxnId="{ECCEF3B0-70AE-4F85-88BD-70E9C98C619B}">
+      <dgm:prSet/>
+      <dgm:spPr/>
+      <dgm:t>
+        <a:bodyPr/>
+        <a:lstStyle/>
+        <a:p>
+          <a:endParaRPr kumimoji="1" lang="ja-JP" altLang="en-US" sz="3200"/>
+        </a:p>
+      </dgm:t>
+    </dgm:pt>
+    <dgm:pt modelId="{F405B577-2DF9-4A1D-9F0D-5933EFC42ED6}" type="sibTrans" cxnId="{ECCEF3B0-70AE-4F85-88BD-70E9C98C619B}">
+      <dgm:prSet/>
+      <dgm:spPr/>
+      <dgm:t>
+        <a:bodyPr/>
+        <a:lstStyle/>
+        <a:p>
+          <a:endParaRPr kumimoji="1" lang="ja-JP" altLang="en-US" sz="3200"/>
+        </a:p>
+      </dgm:t>
+    </dgm:pt>
+    <dgm:pt modelId="{F8A2199F-1987-4F58-8916-F85A9A6A53AC}">
+      <dgm:prSet phldrT="[テキスト]" custT="1"/>
+      <dgm:spPr/>
+      <dgm:t>
+        <a:bodyPr/>
+        <a:lstStyle/>
+        <a:p>
+          <a:r>
+            <a:rPr kumimoji="1" lang="en-US" altLang="ja-JP" sz="1100" dirty="0" smtClean="0"/>
+            <a:t>JavaScript</a:t>
+          </a:r>
+          <a:endParaRPr kumimoji="1" lang="ja-JP" altLang="en-US" sz="1100" dirty="0"/>
+        </a:p>
+      </dgm:t>
+    </dgm:pt>
+    <dgm:pt modelId="{6BE6E892-1E2E-4811-AE56-8BB8E077C697}" type="parTrans" cxnId="{9938046E-ED29-43C4-9DCD-29DBFC5B796D}">
+      <dgm:prSet/>
+      <dgm:spPr/>
+      <dgm:t>
+        <a:bodyPr/>
+        <a:lstStyle/>
+        <a:p>
+          <a:endParaRPr kumimoji="1" lang="ja-JP" altLang="en-US" sz="3200"/>
+        </a:p>
+      </dgm:t>
+    </dgm:pt>
+    <dgm:pt modelId="{0A637BA5-DE31-47B7-B14A-F9C4B8C27C98}" type="sibTrans" cxnId="{9938046E-ED29-43C4-9DCD-29DBFC5B796D}">
+      <dgm:prSet/>
+      <dgm:spPr/>
+      <dgm:t>
+        <a:bodyPr/>
+        <a:lstStyle/>
+        <a:p>
+          <a:endParaRPr kumimoji="1" lang="ja-JP" altLang="en-US" sz="3200"/>
+        </a:p>
+      </dgm:t>
+    </dgm:pt>
+    <dgm:pt modelId="{289F36B4-C8C0-483B-9776-B5C11C5BADA9}">
+      <dgm:prSet phldrT="[テキスト]" custT="1"/>
+      <dgm:spPr/>
+      <dgm:t>
+        <a:bodyPr/>
+        <a:lstStyle/>
+        <a:p>
+          <a:r>
+            <a:rPr kumimoji="1" lang="ja-JP" altLang="en-US" sz="2000" dirty="0" smtClean="0"/>
+            <a:t>特徴</a:t>
+          </a:r>
+          <a:endParaRPr kumimoji="1" lang="ja-JP" altLang="en-US" sz="2000" dirty="0"/>
+        </a:p>
+      </dgm:t>
+    </dgm:pt>
+    <dgm:pt modelId="{670C4ECD-69F2-4425-87FC-26160918A125}" type="sibTrans" cxnId="{3E90E1AA-425F-4AEB-990D-348034C25D56}">
+      <dgm:prSet/>
+      <dgm:spPr/>
+      <dgm:t>
+        <a:bodyPr/>
+        <a:lstStyle/>
+        <a:p>
+          <a:endParaRPr kumimoji="1" lang="ja-JP" altLang="en-US" sz="3200"/>
+        </a:p>
+      </dgm:t>
+    </dgm:pt>
+    <dgm:pt modelId="{521CE2E8-DA96-46AF-8930-BC0A2FFA1759}" type="parTrans" cxnId="{3E90E1AA-425F-4AEB-990D-348034C25D56}">
+      <dgm:prSet/>
+      <dgm:spPr/>
+      <dgm:t>
+        <a:bodyPr/>
+        <a:lstStyle/>
+        <a:p>
+          <a:endParaRPr kumimoji="1" lang="ja-JP" altLang="en-US" sz="3200"/>
+        </a:p>
+      </dgm:t>
+    </dgm:pt>
+    <dgm:pt modelId="{8958284C-5996-479A-953B-E242C6FF065E}">
+      <dgm:prSet phldrT="[テキスト]" custT="1"/>
+      <dgm:spPr/>
+      <dgm:t>
+        <a:bodyPr/>
+        <a:lstStyle/>
+        <a:p>
+          <a:r>
+            <a:rPr kumimoji="1" lang="ja-JP" altLang="en-US" sz="1100" dirty="0" smtClean="0"/>
+            <a:t>ウェブアプリ画面のレイアウト・デザイン</a:t>
+          </a:r>
+          <a:endParaRPr kumimoji="1" lang="ja-JP" altLang="en-US" sz="1100" dirty="0"/>
+        </a:p>
+      </dgm:t>
+    </dgm:pt>
+    <dgm:pt modelId="{58622837-B258-46B1-BCE1-4C33B6BF44AC}" type="parTrans" cxnId="{112D85BD-BC60-462A-B64E-AE3F527A1FAF}">
+      <dgm:prSet/>
+      <dgm:spPr/>
+      <dgm:t>
+        <a:bodyPr/>
+        <a:lstStyle/>
+        <a:p>
+          <a:endParaRPr kumimoji="1" lang="ja-JP" altLang="en-US" sz="3200"/>
+        </a:p>
+      </dgm:t>
+    </dgm:pt>
+    <dgm:pt modelId="{D22CAB24-321D-4BD3-897B-7D32548996EB}" type="sibTrans" cxnId="{112D85BD-BC60-462A-B64E-AE3F527A1FAF}">
+      <dgm:prSet/>
+      <dgm:spPr/>
+      <dgm:t>
+        <a:bodyPr/>
+        <a:lstStyle/>
+        <a:p>
+          <a:endParaRPr kumimoji="1" lang="ja-JP" altLang="en-US" sz="3200"/>
+        </a:p>
+      </dgm:t>
+    </dgm:pt>
+    <dgm:pt modelId="{BC2B81D7-06A3-4F1C-86DE-AB0D91578F76}">
+      <dgm:prSet phldrT="[テキスト]" custT="1"/>
+      <dgm:spPr/>
+      <dgm:t>
+        <a:bodyPr/>
+        <a:lstStyle/>
+        <a:p>
+          <a:r>
+            <a:rPr kumimoji="1" lang="en-US" altLang="ja-JP" sz="1100" dirty="0" smtClean="0"/>
+            <a:t>PHP</a:t>
+          </a:r>
+          <a:endParaRPr kumimoji="1" lang="ja-JP" altLang="en-US" sz="1100" dirty="0"/>
+        </a:p>
+      </dgm:t>
+    </dgm:pt>
+    <dgm:pt modelId="{2C119AA0-7F2B-43E2-AFCC-F4DD184789B5}" type="parTrans" cxnId="{ADCA91FA-7F7B-46CE-A014-FFD77BF33570}">
+      <dgm:prSet/>
+      <dgm:spPr/>
+      <dgm:t>
+        <a:bodyPr/>
+        <a:lstStyle/>
+        <a:p>
+          <a:endParaRPr kumimoji="1" lang="ja-JP" altLang="en-US" sz="3200"/>
+        </a:p>
+      </dgm:t>
+    </dgm:pt>
+    <dgm:pt modelId="{8A994A16-093A-46D2-A620-AB2680F70C08}" type="sibTrans" cxnId="{ADCA91FA-7F7B-46CE-A014-FFD77BF33570}">
+      <dgm:prSet/>
+      <dgm:spPr/>
+      <dgm:t>
+        <a:bodyPr/>
+        <a:lstStyle/>
+        <a:p>
+          <a:endParaRPr kumimoji="1" lang="ja-JP" altLang="en-US" sz="3200"/>
+        </a:p>
+      </dgm:t>
+    </dgm:pt>
+    <dgm:pt modelId="{4D0FE8D0-2815-4EFF-A7AF-4B5C52D920FA}">
+      <dgm:prSet phldrT="[テキスト]" custT="1"/>
+      <dgm:spPr/>
+      <dgm:t>
+        <a:bodyPr/>
+        <a:lstStyle/>
+        <a:p>
+          <a:r>
+            <a:rPr kumimoji="1" lang="en-US" altLang="ja-JP" sz="1100" dirty="0" smtClean="0"/>
+            <a:t>Python</a:t>
+          </a:r>
+          <a:endParaRPr kumimoji="1" lang="ja-JP" altLang="en-US" sz="1100" dirty="0"/>
+        </a:p>
+      </dgm:t>
+    </dgm:pt>
+    <dgm:pt modelId="{7642B3FC-05AF-4F50-8464-C052BD8B3A12}" type="parTrans" cxnId="{A8FDB980-E9CC-41D6-80DF-8A27FCCBF88E}">
+      <dgm:prSet/>
+      <dgm:spPr/>
+      <dgm:t>
+        <a:bodyPr/>
+        <a:lstStyle/>
+        <a:p>
+          <a:endParaRPr kumimoji="1" lang="ja-JP" altLang="en-US" sz="3200"/>
+        </a:p>
+      </dgm:t>
+    </dgm:pt>
+    <dgm:pt modelId="{F41D8A00-17FE-42AA-A23D-39A73E0EC309}" type="sibTrans" cxnId="{A8FDB980-E9CC-41D6-80DF-8A27FCCBF88E}">
+      <dgm:prSet/>
+      <dgm:spPr/>
+      <dgm:t>
+        <a:bodyPr/>
+        <a:lstStyle/>
+        <a:p>
+          <a:endParaRPr kumimoji="1" lang="ja-JP" altLang="en-US" sz="3200"/>
+        </a:p>
+      </dgm:t>
+    </dgm:pt>
+    <dgm:pt modelId="{957969EA-B6E6-49EB-8E6C-19A98A79EB54}">
+      <dgm:prSet phldrT="[テキスト]" custT="1"/>
+      <dgm:spPr/>
+      <dgm:t>
+        <a:bodyPr/>
+        <a:lstStyle/>
+        <a:p>
+          <a:r>
+            <a:rPr kumimoji="1" lang="en-US" altLang="ja-JP" sz="1100" dirty="0" smtClean="0"/>
+            <a:t>Swift</a:t>
+          </a:r>
+          <a:endParaRPr kumimoji="1" lang="ja-JP" altLang="en-US" sz="1100" dirty="0"/>
+        </a:p>
+      </dgm:t>
+    </dgm:pt>
+    <dgm:pt modelId="{BCDB4D42-6F1D-40C2-A53B-35CEF1CAC0A8}" type="parTrans" cxnId="{DA8DC729-5F84-4FBC-B759-6625D371A1A8}">
+      <dgm:prSet/>
+      <dgm:spPr/>
+      <dgm:t>
+        <a:bodyPr/>
+        <a:lstStyle/>
+        <a:p>
+          <a:endParaRPr kumimoji="1" lang="ja-JP" altLang="en-US" sz="3200"/>
+        </a:p>
+      </dgm:t>
+    </dgm:pt>
+    <dgm:pt modelId="{F0B04818-6E9A-4FA9-80D5-6B6D2B716B21}" type="sibTrans" cxnId="{DA8DC729-5F84-4FBC-B759-6625D371A1A8}">
+      <dgm:prSet/>
+      <dgm:spPr/>
+      <dgm:t>
+        <a:bodyPr/>
+        <a:lstStyle/>
+        <a:p>
+          <a:endParaRPr kumimoji="1" lang="ja-JP" altLang="en-US" sz="3200"/>
+        </a:p>
+      </dgm:t>
+    </dgm:pt>
+    <dgm:pt modelId="{3B7DE3D4-5F1D-4D51-A0C7-457F916EC845}">
+      <dgm:prSet phldrT="[テキスト]" custT="1"/>
+      <dgm:spPr/>
+      <dgm:t>
+        <a:bodyPr/>
+        <a:lstStyle/>
+        <a:p>
+          <a:r>
+            <a:rPr kumimoji="1" lang="en-US" altLang="ja-JP" sz="1100" dirty="0" smtClean="0"/>
+            <a:t>C</a:t>
+          </a:r>
+          <a:endParaRPr kumimoji="1" lang="ja-JP" altLang="en-US" sz="1100" dirty="0"/>
+        </a:p>
+      </dgm:t>
+    </dgm:pt>
+    <dgm:pt modelId="{9E4DBDCC-6986-476B-B424-C17CAE13A491}" type="parTrans" cxnId="{5E8CD762-EB18-41FA-B34C-7BEF0A84AF3A}">
+      <dgm:prSet/>
+      <dgm:spPr/>
+      <dgm:t>
+        <a:bodyPr/>
+        <a:lstStyle/>
+        <a:p>
+          <a:endParaRPr kumimoji="1" lang="ja-JP" altLang="en-US" sz="3200"/>
+        </a:p>
+      </dgm:t>
+    </dgm:pt>
+    <dgm:pt modelId="{61F1B22A-40B3-41C8-BE45-C8BCD6F68885}" type="sibTrans" cxnId="{5E8CD762-EB18-41FA-B34C-7BEF0A84AF3A}">
+      <dgm:prSet/>
+      <dgm:spPr/>
+      <dgm:t>
+        <a:bodyPr/>
+        <a:lstStyle/>
+        <a:p>
+          <a:endParaRPr kumimoji="1" lang="ja-JP" altLang="en-US" sz="3200"/>
+        </a:p>
+      </dgm:t>
+    </dgm:pt>
+    <dgm:pt modelId="{DD29F7B6-2032-46CA-A249-CCDAD75F4819}">
+      <dgm:prSet phldrT="[テキスト]" custT="1"/>
+      <dgm:spPr/>
+      <dgm:t>
+        <a:bodyPr/>
+        <a:lstStyle/>
+        <a:p>
+          <a:r>
+            <a:rPr kumimoji="1" lang="en-US" altLang="ja-JP" sz="1100" dirty="0" smtClean="0"/>
+            <a:t>C#</a:t>
+          </a:r>
+          <a:endParaRPr kumimoji="1" lang="ja-JP" altLang="en-US" sz="1100" dirty="0"/>
+        </a:p>
+      </dgm:t>
+    </dgm:pt>
+    <dgm:pt modelId="{01C34F8E-6EA9-49AC-ABE5-A95A2B4B34F7}" type="parTrans" cxnId="{BA8A4CFD-7C83-47F0-95D3-75657BCEED49}">
+      <dgm:prSet/>
+      <dgm:spPr/>
+      <dgm:t>
+        <a:bodyPr/>
+        <a:lstStyle/>
+        <a:p>
+          <a:endParaRPr kumimoji="1" lang="ja-JP" altLang="en-US" sz="3200"/>
+        </a:p>
+      </dgm:t>
+    </dgm:pt>
+    <dgm:pt modelId="{E4742E11-BE06-400B-A741-E5CD7E3A9204}" type="sibTrans" cxnId="{BA8A4CFD-7C83-47F0-95D3-75657BCEED49}">
+      <dgm:prSet/>
+      <dgm:spPr/>
+      <dgm:t>
+        <a:bodyPr/>
+        <a:lstStyle/>
+        <a:p>
+          <a:endParaRPr kumimoji="1" lang="ja-JP" altLang="en-US" sz="3200"/>
+        </a:p>
+      </dgm:t>
+    </dgm:pt>
+    <dgm:pt modelId="{15E3B2D3-B898-4F4C-B806-99F0EFC13F86}">
+      <dgm:prSet phldrT="[テキスト]" custT="1"/>
+      <dgm:spPr/>
+      <dgm:t>
+        <a:bodyPr/>
+        <a:lstStyle/>
+        <a:p>
+          <a:r>
+            <a:rPr kumimoji="1" lang="en-US" altLang="ja-JP" sz="1100" dirty="0" smtClean="0"/>
+            <a:t>C++</a:t>
+          </a:r>
+          <a:endParaRPr kumimoji="1" lang="ja-JP" altLang="en-US" sz="1100" dirty="0"/>
+        </a:p>
+      </dgm:t>
+    </dgm:pt>
+    <dgm:pt modelId="{D7AA3052-11CC-4451-8648-E5536600614A}" type="parTrans" cxnId="{E48B6F3C-FCF0-438B-A78F-58DBDC4E8B6A}">
+      <dgm:prSet/>
+      <dgm:spPr/>
+      <dgm:t>
+        <a:bodyPr/>
+        <a:lstStyle/>
+        <a:p>
+          <a:endParaRPr kumimoji="1" lang="ja-JP" altLang="en-US" sz="3200"/>
+        </a:p>
+      </dgm:t>
+    </dgm:pt>
+    <dgm:pt modelId="{0BF78617-4794-4D37-8F4B-D437424AD0C7}" type="sibTrans" cxnId="{E48B6F3C-FCF0-438B-A78F-58DBDC4E8B6A}">
+      <dgm:prSet/>
+      <dgm:spPr/>
+      <dgm:t>
+        <a:bodyPr/>
+        <a:lstStyle/>
+        <a:p>
+          <a:endParaRPr kumimoji="1" lang="ja-JP" altLang="en-US" sz="3200"/>
+        </a:p>
+      </dgm:t>
+    </dgm:pt>
+    <dgm:pt modelId="{58FB8212-C248-496F-ACF1-A807A05F18BA}">
+      <dgm:prSet phldrT="[テキスト]" custT="1"/>
+      <dgm:spPr/>
+      <dgm:t>
+        <a:bodyPr/>
+        <a:lstStyle/>
+        <a:p>
+          <a:r>
+            <a:rPr kumimoji="1" lang="ja-JP" altLang="en-US" sz="1100" dirty="0" smtClean="0"/>
+            <a:t>ウェブアプリケーション</a:t>
+          </a:r>
+          <a:endParaRPr kumimoji="1" lang="ja-JP" altLang="en-US" sz="1100" dirty="0"/>
+        </a:p>
+      </dgm:t>
+    </dgm:pt>
+    <dgm:pt modelId="{B6FB4342-E963-4D82-A4CF-88DD2B6F30B8}" type="parTrans" cxnId="{6E8AFDCE-4209-4D09-BB6A-27173A058BE1}">
+      <dgm:prSet/>
+      <dgm:spPr/>
+      <dgm:t>
+        <a:bodyPr/>
+        <a:lstStyle/>
+        <a:p>
+          <a:endParaRPr kumimoji="1" lang="ja-JP" altLang="en-US" sz="3200"/>
+        </a:p>
+      </dgm:t>
+    </dgm:pt>
+    <dgm:pt modelId="{DEE8DA49-A690-458F-88C2-F199FC13E943}" type="sibTrans" cxnId="{6E8AFDCE-4209-4D09-BB6A-27173A058BE1}">
+      <dgm:prSet/>
+      <dgm:spPr/>
+      <dgm:t>
+        <a:bodyPr/>
+        <a:lstStyle/>
+        <a:p>
+          <a:endParaRPr kumimoji="1" lang="ja-JP" altLang="en-US" sz="3200"/>
+        </a:p>
+      </dgm:t>
+    </dgm:pt>
+    <dgm:pt modelId="{C793146D-74F4-477E-96AF-D6A529307E22}">
+      <dgm:prSet phldrT="[テキスト]" custT="1"/>
+      <dgm:spPr/>
+      <dgm:t>
+        <a:bodyPr/>
+        <a:lstStyle/>
+        <a:p>
+          <a:r>
+            <a:rPr kumimoji="1" lang="ja-JP" altLang="en-US" sz="1100" dirty="0" smtClean="0"/>
+            <a:t>ウェブバックエンド制御</a:t>
+          </a:r>
+          <a:endParaRPr kumimoji="1" lang="ja-JP" altLang="en-US" sz="1100" dirty="0"/>
+        </a:p>
+      </dgm:t>
+    </dgm:pt>
+    <dgm:pt modelId="{35FDE868-ACD7-4776-AB59-D8B63A2FA47D}" type="parTrans" cxnId="{F39999CE-3F38-4C72-84E2-2D1B46BC088C}">
+      <dgm:prSet/>
+      <dgm:spPr/>
+      <dgm:t>
+        <a:bodyPr/>
+        <a:lstStyle/>
+        <a:p>
+          <a:endParaRPr kumimoji="1" lang="ja-JP" altLang="en-US" sz="3200"/>
+        </a:p>
+      </dgm:t>
+    </dgm:pt>
+    <dgm:pt modelId="{E0FA6A62-D773-4EB4-890F-F70CB39C5B48}" type="sibTrans" cxnId="{F39999CE-3F38-4C72-84E2-2D1B46BC088C}">
+      <dgm:prSet/>
+      <dgm:spPr/>
+      <dgm:t>
+        <a:bodyPr/>
+        <a:lstStyle/>
+        <a:p>
+          <a:endParaRPr kumimoji="1" lang="ja-JP" altLang="en-US" sz="3200"/>
+        </a:p>
+      </dgm:t>
+    </dgm:pt>
+    <dgm:pt modelId="{F0284E08-CC81-4D03-9A18-5956D01E7125}">
+      <dgm:prSet phldrT="[テキスト]" custT="1"/>
+      <dgm:spPr/>
+      <dgm:t>
+        <a:bodyPr/>
+        <a:lstStyle/>
+        <a:p>
+          <a:r>
+            <a:rPr kumimoji="1" lang="ja-JP" altLang="en-US" sz="1100" dirty="0" smtClean="0"/>
+            <a:t>機械学習</a:t>
+          </a:r>
+          <a:endParaRPr kumimoji="1" lang="ja-JP" altLang="en-US" sz="1100" dirty="0"/>
+        </a:p>
+      </dgm:t>
+    </dgm:pt>
+    <dgm:pt modelId="{30A5F8CE-4936-4E7A-AF7E-4581F595F127}" type="parTrans" cxnId="{99D0B995-4CF8-4447-86F2-F0A962FF65D3}">
+      <dgm:prSet/>
+      <dgm:spPr/>
+      <dgm:t>
+        <a:bodyPr/>
+        <a:lstStyle/>
+        <a:p>
+          <a:endParaRPr kumimoji="1" lang="ja-JP" altLang="en-US" sz="3200"/>
+        </a:p>
+      </dgm:t>
+    </dgm:pt>
+    <dgm:pt modelId="{3E505713-EB43-4019-9C35-6E080E47EBFD}" type="sibTrans" cxnId="{99D0B995-4CF8-4447-86F2-F0A962FF65D3}">
+      <dgm:prSet/>
+      <dgm:spPr/>
+      <dgm:t>
+        <a:bodyPr/>
+        <a:lstStyle/>
+        <a:p>
+          <a:endParaRPr kumimoji="1" lang="ja-JP" altLang="en-US" sz="3200"/>
+        </a:p>
+      </dgm:t>
+    </dgm:pt>
+    <dgm:pt modelId="{CFB97B1F-94A9-4372-A33C-59395B06952F}">
+      <dgm:prSet phldrT="[テキスト]" custT="1"/>
+      <dgm:spPr/>
+      <dgm:t>
+        <a:bodyPr/>
+        <a:lstStyle/>
+        <a:p>
+          <a:r>
+            <a:rPr kumimoji="1" lang="en-US" altLang="ja-JP" sz="1100" dirty="0" smtClean="0"/>
+            <a:t>Apple</a:t>
+          </a:r>
+          <a:r>
+            <a:rPr kumimoji="1" lang="ja-JP" altLang="en-US" sz="1100" dirty="0" smtClean="0"/>
+            <a:t>製のアプリ開発</a:t>
+          </a:r>
+          <a:endParaRPr kumimoji="1" lang="ja-JP" altLang="en-US" sz="1100" dirty="0"/>
+        </a:p>
+      </dgm:t>
+    </dgm:pt>
+    <dgm:pt modelId="{7E583AC8-C719-4BC8-B665-5D9FCF779339}" type="parTrans" cxnId="{EC04FE27-5F73-4A18-9898-F70E28AD5D96}">
+      <dgm:prSet/>
+      <dgm:spPr/>
+      <dgm:t>
+        <a:bodyPr/>
+        <a:lstStyle/>
+        <a:p>
+          <a:endParaRPr kumimoji="1" lang="ja-JP" altLang="en-US" sz="3200"/>
+        </a:p>
+      </dgm:t>
+    </dgm:pt>
+    <dgm:pt modelId="{FBA1D5E3-4E0A-4127-A3DC-0496756694E5}" type="sibTrans" cxnId="{EC04FE27-5F73-4A18-9898-F70E28AD5D96}">
+      <dgm:prSet/>
+      <dgm:spPr/>
+      <dgm:t>
+        <a:bodyPr/>
+        <a:lstStyle/>
+        <a:p>
+          <a:endParaRPr kumimoji="1" lang="ja-JP" altLang="en-US" sz="3200"/>
+        </a:p>
+      </dgm:t>
+    </dgm:pt>
+    <dgm:pt modelId="{225DAA81-4249-42B9-BD14-4CE31B479EE4}">
+      <dgm:prSet phldrT="[テキスト]" custT="1"/>
+      <dgm:spPr/>
+      <dgm:t>
+        <a:bodyPr/>
+        <a:lstStyle/>
+        <a:p>
+          <a:r>
+            <a:rPr kumimoji="1" lang="en-US" altLang="ja-JP" sz="1100" dirty="0" smtClean="0"/>
+            <a:t>PC</a:t>
+          </a:r>
+          <a:r>
+            <a:rPr kumimoji="1" lang="ja-JP" altLang="en-US" sz="1100" dirty="0" smtClean="0"/>
+            <a:t>アプリケーション</a:t>
+          </a:r>
+          <a:endParaRPr kumimoji="1" lang="ja-JP" altLang="en-US" sz="1100" dirty="0"/>
+        </a:p>
+      </dgm:t>
+    </dgm:pt>
+    <dgm:pt modelId="{186A96E8-EBB8-4A58-88F5-26C2CECB3F75}" type="parTrans" cxnId="{10682FF0-B62F-4B88-B3C0-86812CAC9F14}">
+      <dgm:prSet/>
+      <dgm:spPr/>
+      <dgm:t>
+        <a:bodyPr/>
+        <a:lstStyle/>
+        <a:p>
+          <a:endParaRPr kumimoji="1" lang="ja-JP" altLang="en-US" sz="3200"/>
+        </a:p>
+      </dgm:t>
+    </dgm:pt>
+    <dgm:pt modelId="{3D1B39C4-1047-4A0F-8CD0-F1E9F4E6A9E3}" type="sibTrans" cxnId="{10682FF0-B62F-4B88-B3C0-86812CAC9F14}">
+      <dgm:prSet/>
+      <dgm:spPr/>
+      <dgm:t>
+        <a:bodyPr/>
+        <a:lstStyle/>
+        <a:p>
+          <a:endParaRPr kumimoji="1" lang="ja-JP" altLang="en-US" sz="3200"/>
+        </a:p>
+      </dgm:t>
+    </dgm:pt>
+    <dgm:pt modelId="{1BCD5B64-A86C-45FD-9F9B-3F6F4D7BEB86}">
+      <dgm:prSet phldrT="[テキスト]" custT="1"/>
+      <dgm:spPr/>
+      <dgm:t>
+        <a:bodyPr/>
+        <a:lstStyle/>
+        <a:p>
+          <a:r>
+            <a:rPr kumimoji="1" lang="ja-JP" altLang="en-US" sz="1100" dirty="0" smtClean="0"/>
+            <a:t>マイコンなどの組み込みソフトウェア</a:t>
+          </a:r>
+          <a:endParaRPr kumimoji="1" lang="ja-JP" altLang="en-US" sz="1100" dirty="0"/>
+        </a:p>
+      </dgm:t>
+    </dgm:pt>
+    <dgm:pt modelId="{2EE66D04-7B5A-4B2C-85C3-6726E61E80CE}" type="parTrans" cxnId="{A1F79D5B-624E-4189-BC7A-373F3BAFA102}">
+      <dgm:prSet/>
+      <dgm:spPr/>
+      <dgm:t>
+        <a:bodyPr/>
+        <a:lstStyle/>
+        <a:p>
+          <a:endParaRPr kumimoji="1" lang="ja-JP" altLang="en-US" sz="3200"/>
+        </a:p>
+      </dgm:t>
+    </dgm:pt>
+    <dgm:pt modelId="{1CA71680-2F34-4E65-A0A9-7471D80CFF9C}" type="sibTrans" cxnId="{A1F79D5B-624E-4189-BC7A-373F3BAFA102}">
+      <dgm:prSet/>
+      <dgm:spPr/>
+      <dgm:t>
+        <a:bodyPr/>
+        <a:lstStyle/>
+        <a:p>
+          <a:endParaRPr kumimoji="1" lang="ja-JP" altLang="en-US" sz="3200"/>
+        </a:p>
+      </dgm:t>
+    </dgm:pt>
+    <dgm:pt modelId="{29158223-C44F-46E7-93A2-7B6F66A4F820}">
+      <dgm:prSet phldrT="[テキスト]" custT="1"/>
+      <dgm:spPr/>
+      <dgm:t>
+        <a:bodyPr/>
+        <a:lstStyle/>
+        <a:p>
+          <a:r>
+            <a:rPr kumimoji="1" lang="en-US" altLang="ja-JP" sz="1100" dirty="0" smtClean="0"/>
+            <a:t>JAVA</a:t>
+          </a:r>
+          <a:endParaRPr kumimoji="1" lang="ja-JP" altLang="en-US" sz="1100" dirty="0"/>
+        </a:p>
+      </dgm:t>
+    </dgm:pt>
+    <dgm:pt modelId="{D699DBE9-488D-4484-8F97-1C8F08681CAC}" type="parTrans" cxnId="{A4C4A431-6C28-4B86-A44D-2BC410A475BB}">
+      <dgm:prSet/>
+      <dgm:spPr/>
+      <dgm:t>
+        <a:bodyPr/>
+        <a:lstStyle/>
+        <a:p>
+          <a:endParaRPr kumimoji="1" lang="ja-JP" altLang="en-US" sz="3200"/>
+        </a:p>
+      </dgm:t>
+    </dgm:pt>
+    <dgm:pt modelId="{2154A563-CC67-44C5-9446-9D14A4CD7BF2}" type="sibTrans" cxnId="{A4C4A431-6C28-4B86-A44D-2BC410A475BB}">
+      <dgm:prSet/>
+      <dgm:spPr/>
+      <dgm:t>
+        <a:bodyPr/>
+        <a:lstStyle/>
+        <a:p>
+          <a:endParaRPr kumimoji="1" lang="ja-JP" altLang="en-US" sz="3200"/>
+        </a:p>
+      </dgm:t>
+    </dgm:pt>
+    <dgm:pt modelId="{D9D9396C-6930-4D88-8BD8-885430FF47DB}">
+      <dgm:prSet phldrT="[テキスト]" custT="1"/>
+      <dgm:spPr/>
+      <dgm:t>
+        <a:bodyPr/>
+        <a:lstStyle/>
+        <a:p>
+          <a:r>
+            <a:rPr kumimoji="1" lang="en-US" altLang="ja-JP" sz="1100" dirty="0" smtClean="0"/>
+            <a:t>Windows</a:t>
+          </a:r>
+          <a:r>
+            <a:rPr kumimoji="1" lang="ja-JP" altLang="en-US" sz="1100" dirty="0" smtClean="0"/>
+            <a:t>アプリケーション</a:t>
+          </a:r>
+          <a:endParaRPr kumimoji="1" lang="ja-JP" altLang="en-US" sz="1100" dirty="0"/>
+        </a:p>
+      </dgm:t>
+    </dgm:pt>
+    <dgm:pt modelId="{8401CACA-FF5B-4E41-A6C0-6395FE27EC84}" type="parTrans" cxnId="{BB7D596C-338D-4FEC-86A2-19EE18CCABB4}">
+      <dgm:prSet/>
+      <dgm:spPr/>
+      <dgm:t>
+        <a:bodyPr/>
+        <a:lstStyle/>
+        <a:p>
+          <a:endParaRPr kumimoji="1" lang="ja-JP" altLang="en-US" sz="3200"/>
+        </a:p>
+      </dgm:t>
+    </dgm:pt>
+    <dgm:pt modelId="{3E47D36F-7105-43C3-9AC2-42C49118B660}" type="sibTrans" cxnId="{BB7D596C-338D-4FEC-86A2-19EE18CCABB4}">
+      <dgm:prSet/>
+      <dgm:spPr/>
+      <dgm:t>
+        <a:bodyPr/>
+        <a:lstStyle/>
+        <a:p>
+          <a:endParaRPr kumimoji="1" lang="ja-JP" altLang="en-US" sz="3200"/>
+        </a:p>
+      </dgm:t>
+    </dgm:pt>
+    <dgm:pt modelId="{D943D58E-43A6-4E71-819F-7F83E06AA6A1}">
+      <dgm:prSet phldrT="[テキスト]" custT="1"/>
+      <dgm:spPr/>
+      <dgm:t>
+        <a:bodyPr/>
+        <a:lstStyle/>
+        <a:p>
+          <a:r>
+            <a:rPr kumimoji="1" lang="ja-JP" altLang="en-US" sz="1100" dirty="0" smtClean="0"/>
+            <a:t>グラフィック処理</a:t>
+          </a:r>
+          <a:endParaRPr kumimoji="1" lang="ja-JP" altLang="en-US" sz="1100" dirty="0"/>
+        </a:p>
+      </dgm:t>
+    </dgm:pt>
+    <dgm:pt modelId="{831BDFFB-B15A-4CBA-99AC-FA947A7D0395}" type="parTrans" cxnId="{7889EE95-0E94-4061-BD15-F275B8FE032B}">
+      <dgm:prSet/>
+      <dgm:spPr/>
+      <dgm:t>
+        <a:bodyPr/>
+        <a:lstStyle/>
+        <a:p>
+          <a:endParaRPr kumimoji="1" lang="ja-JP" altLang="en-US" sz="3200"/>
+        </a:p>
+      </dgm:t>
+    </dgm:pt>
+    <dgm:pt modelId="{2443A1A5-E8E6-45A8-96C0-85352FF1AE4C}" type="sibTrans" cxnId="{7889EE95-0E94-4061-BD15-F275B8FE032B}">
+      <dgm:prSet/>
+      <dgm:spPr/>
+      <dgm:t>
+        <a:bodyPr/>
+        <a:lstStyle/>
+        <a:p>
+          <a:endParaRPr kumimoji="1" lang="ja-JP" altLang="en-US" sz="3200"/>
+        </a:p>
+      </dgm:t>
+    </dgm:pt>
+    <dgm:pt modelId="{FB20023B-78C8-4C83-B9CD-99F3DBDABCE8}" type="pres">
+      <dgm:prSet presAssocID="{261B36D4-E0C1-4532-9DA6-A564C2063407}" presName="layout" presStyleCnt="0">
+        <dgm:presLayoutVars>
+          <dgm:chMax/>
+          <dgm:chPref/>
+          <dgm:dir/>
+          <dgm:resizeHandles/>
+        </dgm:presLayoutVars>
+      </dgm:prSet>
+      <dgm:spPr/>
+    </dgm:pt>
+    <dgm:pt modelId="{7B238659-1C1F-443D-B141-61EF4326D7A3}" type="pres">
+      <dgm:prSet presAssocID="{BB2C3F9E-B39E-4B7E-BEE7-BA0A59BCE95D}" presName="root" presStyleCnt="0">
+        <dgm:presLayoutVars>
+          <dgm:chMax/>
+          <dgm:chPref/>
+        </dgm:presLayoutVars>
+      </dgm:prSet>
+      <dgm:spPr/>
+    </dgm:pt>
+    <dgm:pt modelId="{47402DA4-CB6E-4C49-9A8A-AF3B10A40647}" type="pres">
+      <dgm:prSet presAssocID="{BB2C3F9E-B39E-4B7E-BEE7-BA0A59BCE95D}" presName="rootComposite" presStyleCnt="0">
+        <dgm:presLayoutVars/>
+      </dgm:prSet>
+      <dgm:spPr/>
+    </dgm:pt>
+    <dgm:pt modelId="{CFB044E0-32BF-4DD6-A52F-5E141CAB0220}" type="pres">
+      <dgm:prSet presAssocID="{BB2C3F9E-B39E-4B7E-BEE7-BA0A59BCE95D}" presName="ParentAccent" presStyleLbl="alignNode1" presStyleIdx="0" presStyleCnt="2"/>
+      <dgm:spPr/>
+    </dgm:pt>
+    <dgm:pt modelId="{05721626-8716-4554-AD52-625733C58F5A}" type="pres">
+      <dgm:prSet presAssocID="{BB2C3F9E-B39E-4B7E-BEE7-BA0A59BCE95D}" presName="ParentSmallAccent" presStyleLbl="fgAcc1" presStyleIdx="0" presStyleCnt="2"/>
+      <dgm:spPr/>
+    </dgm:pt>
+    <dgm:pt modelId="{626B9FC7-374A-482E-B845-87E8360F5BEC}" type="pres">
+      <dgm:prSet presAssocID="{BB2C3F9E-B39E-4B7E-BEE7-BA0A59BCE95D}" presName="Parent" presStyleLbl="revTx" presStyleIdx="0" presStyleCnt="20">
+        <dgm:presLayoutVars>
+          <dgm:chMax/>
+          <dgm:chPref val="4"/>
+          <dgm:bulletEnabled val="1"/>
+        </dgm:presLayoutVars>
+      </dgm:prSet>
+      <dgm:spPr/>
+      <dgm:t>
+        <a:bodyPr/>
+        <a:lstStyle/>
+        <a:p>
+          <a:endParaRPr kumimoji="1" lang="ja-JP" altLang="en-US"/>
+        </a:p>
+      </dgm:t>
+    </dgm:pt>
+    <dgm:pt modelId="{74079F69-0596-42AF-BB20-A10BAA46DE63}" type="pres">
+      <dgm:prSet presAssocID="{BB2C3F9E-B39E-4B7E-BEE7-BA0A59BCE95D}" presName="childShape" presStyleCnt="0">
+        <dgm:presLayoutVars>
+          <dgm:chMax val="0"/>
+          <dgm:chPref val="0"/>
+        </dgm:presLayoutVars>
+      </dgm:prSet>
+      <dgm:spPr/>
+    </dgm:pt>
+    <dgm:pt modelId="{02B61621-FA0B-476A-BE3F-C3DE4A379058}" type="pres">
+      <dgm:prSet presAssocID="{0C8D31C9-E0AA-4A1D-9E9B-B62ED9D5ABDF}" presName="childComposite" presStyleCnt="0">
+        <dgm:presLayoutVars>
+          <dgm:chMax val="0"/>
+          <dgm:chPref val="0"/>
+        </dgm:presLayoutVars>
+      </dgm:prSet>
+      <dgm:spPr/>
+    </dgm:pt>
+    <dgm:pt modelId="{224F7A33-A604-4BFC-97E1-3C2C142781B3}" type="pres">
+      <dgm:prSet presAssocID="{0C8D31C9-E0AA-4A1D-9E9B-B62ED9D5ABDF}" presName="ChildAccent" presStyleLbl="solidFgAcc1" presStyleIdx="0" presStyleCnt="18"/>
+      <dgm:spPr/>
+    </dgm:pt>
+    <dgm:pt modelId="{5AE80969-A120-4FB8-B700-70C52262C8CE}" type="pres">
+      <dgm:prSet presAssocID="{0C8D31C9-E0AA-4A1D-9E9B-B62ED9D5ABDF}" presName="Child" presStyleLbl="revTx" presStyleIdx="1" presStyleCnt="20">
+        <dgm:presLayoutVars>
+          <dgm:chMax val="0"/>
+          <dgm:chPref val="0"/>
+          <dgm:bulletEnabled val="1"/>
+        </dgm:presLayoutVars>
+      </dgm:prSet>
+      <dgm:spPr/>
+      <dgm:t>
+        <a:bodyPr/>
+        <a:lstStyle/>
+        <a:p>
+          <a:endParaRPr kumimoji="1" lang="ja-JP" altLang="en-US"/>
+        </a:p>
+      </dgm:t>
+    </dgm:pt>
+    <dgm:pt modelId="{C7CE63F6-7C90-4255-9DAA-FF87F59EFE5C}" type="pres">
+      <dgm:prSet presAssocID="{F8A2199F-1987-4F58-8916-F85A9A6A53AC}" presName="childComposite" presStyleCnt="0">
+        <dgm:presLayoutVars>
+          <dgm:chMax val="0"/>
+          <dgm:chPref val="0"/>
+        </dgm:presLayoutVars>
+      </dgm:prSet>
+      <dgm:spPr/>
+    </dgm:pt>
+    <dgm:pt modelId="{4469A758-A3C0-4522-A36E-6033EF2C2A2E}" type="pres">
+      <dgm:prSet presAssocID="{F8A2199F-1987-4F58-8916-F85A9A6A53AC}" presName="ChildAccent" presStyleLbl="solidFgAcc1" presStyleIdx="1" presStyleCnt="18"/>
+      <dgm:spPr/>
+    </dgm:pt>
+    <dgm:pt modelId="{C7F46254-AAA6-4B4C-8D6A-A5B9FDE408EB}" type="pres">
+      <dgm:prSet presAssocID="{F8A2199F-1987-4F58-8916-F85A9A6A53AC}" presName="Child" presStyleLbl="revTx" presStyleIdx="2" presStyleCnt="20">
+        <dgm:presLayoutVars>
+          <dgm:chMax val="0"/>
+          <dgm:chPref val="0"/>
+          <dgm:bulletEnabled val="1"/>
+        </dgm:presLayoutVars>
+      </dgm:prSet>
+      <dgm:spPr/>
+      <dgm:t>
+        <a:bodyPr/>
+        <a:lstStyle/>
+        <a:p>
+          <a:endParaRPr kumimoji="1" lang="ja-JP" altLang="en-US"/>
+        </a:p>
+      </dgm:t>
+    </dgm:pt>
+    <dgm:pt modelId="{57F19818-25D5-40C8-9B2D-7400543F71D2}" type="pres">
+      <dgm:prSet presAssocID="{BC2B81D7-06A3-4F1C-86DE-AB0D91578F76}" presName="childComposite" presStyleCnt="0">
+        <dgm:presLayoutVars>
+          <dgm:chMax val="0"/>
+          <dgm:chPref val="0"/>
+        </dgm:presLayoutVars>
+      </dgm:prSet>
+      <dgm:spPr/>
+    </dgm:pt>
+    <dgm:pt modelId="{71EC8CD3-088E-4913-89AD-221917BF9291}" type="pres">
+      <dgm:prSet presAssocID="{BC2B81D7-06A3-4F1C-86DE-AB0D91578F76}" presName="ChildAccent" presStyleLbl="solidFgAcc1" presStyleIdx="2" presStyleCnt="18"/>
+      <dgm:spPr/>
+    </dgm:pt>
+    <dgm:pt modelId="{7648596B-7594-4F17-8270-D9A2712B46B6}" type="pres">
+      <dgm:prSet presAssocID="{BC2B81D7-06A3-4F1C-86DE-AB0D91578F76}" presName="Child" presStyleLbl="revTx" presStyleIdx="3" presStyleCnt="20">
+        <dgm:presLayoutVars>
+          <dgm:chMax val="0"/>
+          <dgm:chPref val="0"/>
+          <dgm:bulletEnabled val="1"/>
+        </dgm:presLayoutVars>
+      </dgm:prSet>
+      <dgm:spPr/>
+    </dgm:pt>
+    <dgm:pt modelId="{B4752B48-CC73-444B-B263-B71AF37FE1CC}" type="pres">
+      <dgm:prSet presAssocID="{4D0FE8D0-2815-4EFF-A7AF-4B5C52D920FA}" presName="childComposite" presStyleCnt="0">
+        <dgm:presLayoutVars>
+          <dgm:chMax val="0"/>
+          <dgm:chPref val="0"/>
+        </dgm:presLayoutVars>
+      </dgm:prSet>
+      <dgm:spPr/>
+    </dgm:pt>
+    <dgm:pt modelId="{C3B6E217-3078-48EC-BC4C-ED6E89F0BC0F}" type="pres">
+      <dgm:prSet presAssocID="{4D0FE8D0-2815-4EFF-A7AF-4B5C52D920FA}" presName="ChildAccent" presStyleLbl="solidFgAcc1" presStyleIdx="3" presStyleCnt="18"/>
+      <dgm:spPr/>
+    </dgm:pt>
+    <dgm:pt modelId="{98828224-8AD1-4A09-8F8B-8D8B2A0B7DB5}" type="pres">
+      <dgm:prSet presAssocID="{4D0FE8D0-2815-4EFF-A7AF-4B5C52D920FA}" presName="Child" presStyleLbl="revTx" presStyleIdx="4" presStyleCnt="20">
+        <dgm:presLayoutVars>
+          <dgm:chMax val="0"/>
+          <dgm:chPref val="0"/>
+          <dgm:bulletEnabled val="1"/>
+        </dgm:presLayoutVars>
+      </dgm:prSet>
+      <dgm:spPr/>
+    </dgm:pt>
+    <dgm:pt modelId="{73906166-18F6-4653-8FBB-53B3C1FCA5BD}" type="pres">
+      <dgm:prSet presAssocID="{957969EA-B6E6-49EB-8E6C-19A98A79EB54}" presName="childComposite" presStyleCnt="0">
+        <dgm:presLayoutVars>
+          <dgm:chMax val="0"/>
+          <dgm:chPref val="0"/>
+        </dgm:presLayoutVars>
+      </dgm:prSet>
+      <dgm:spPr/>
+    </dgm:pt>
+    <dgm:pt modelId="{ED11B1A8-43A1-4E9E-B559-9542C9C05921}" type="pres">
+      <dgm:prSet presAssocID="{957969EA-B6E6-49EB-8E6C-19A98A79EB54}" presName="ChildAccent" presStyleLbl="solidFgAcc1" presStyleIdx="4" presStyleCnt="18"/>
+      <dgm:spPr/>
+    </dgm:pt>
+    <dgm:pt modelId="{726A9AD0-8DAE-4459-8466-12DC81F555A8}" type="pres">
+      <dgm:prSet presAssocID="{957969EA-B6E6-49EB-8E6C-19A98A79EB54}" presName="Child" presStyleLbl="revTx" presStyleIdx="5" presStyleCnt="20">
+        <dgm:presLayoutVars>
+          <dgm:chMax val="0"/>
+          <dgm:chPref val="0"/>
+          <dgm:bulletEnabled val="1"/>
+        </dgm:presLayoutVars>
+      </dgm:prSet>
+      <dgm:spPr/>
+    </dgm:pt>
+    <dgm:pt modelId="{FE509C43-703B-40D8-8C79-6686756B6EC6}" type="pres">
+      <dgm:prSet presAssocID="{29158223-C44F-46E7-93A2-7B6F66A4F820}" presName="childComposite" presStyleCnt="0">
+        <dgm:presLayoutVars>
+          <dgm:chMax val="0"/>
+          <dgm:chPref val="0"/>
+        </dgm:presLayoutVars>
+      </dgm:prSet>
+      <dgm:spPr/>
+    </dgm:pt>
+    <dgm:pt modelId="{183E3266-0F74-421A-B7DA-2BD31BEBB34B}" type="pres">
+      <dgm:prSet presAssocID="{29158223-C44F-46E7-93A2-7B6F66A4F820}" presName="ChildAccent" presStyleLbl="solidFgAcc1" presStyleIdx="5" presStyleCnt="18"/>
+      <dgm:spPr/>
+    </dgm:pt>
+    <dgm:pt modelId="{82FAA2F4-E2B7-49BD-9C0B-60D2DFAC3441}" type="pres">
+      <dgm:prSet presAssocID="{29158223-C44F-46E7-93A2-7B6F66A4F820}" presName="Child" presStyleLbl="revTx" presStyleIdx="6" presStyleCnt="20">
+        <dgm:presLayoutVars>
+          <dgm:chMax val="0"/>
+          <dgm:chPref val="0"/>
+          <dgm:bulletEnabled val="1"/>
+        </dgm:presLayoutVars>
+      </dgm:prSet>
+      <dgm:spPr/>
+    </dgm:pt>
+    <dgm:pt modelId="{B007574D-1AF7-4B69-92BD-EDB31729E7A3}" type="pres">
+      <dgm:prSet presAssocID="{3B7DE3D4-5F1D-4D51-A0C7-457F916EC845}" presName="childComposite" presStyleCnt="0">
+        <dgm:presLayoutVars>
+          <dgm:chMax val="0"/>
+          <dgm:chPref val="0"/>
+        </dgm:presLayoutVars>
+      </dgm:prSet>
+      <dgm:spPr/>
+    </dgm:pt>
+    <dgm:pt modelId="{C660816B-332A-4B23-90F0-BD5CF39FA4F3}" type="pres">
+      <dgm:prSet presAssocID="{3B7DE3D4-5F1D-4D51-A0C7-457F916EC845}" presName="ChildAccent" presStyleLbl="solidFgAcc1" presStyleIdx="6" presStyleCnt="18"/>
+      <dgm:spPr/>
+    </dgm:pt>
+    <dgm:pt modelId="{D8B322E8-8D31-400B-89C8-247D7529ADA9}" type="pres">
+      <dgm:prSet presAssocID="{3B7DE3D4-5F1D-4D51-A0C7-457F916EC845}" presName="Child" presStyleLbl="revTx" presStyleIdx="7" presStyleCnt="20">
+        <dgm:presLayoutVars>
+          <dgm:chMax val="0"/>
+          <dgm:chPref val="0"/>
+          <dgm:bulletEnabled val="1"/>
+        </dgm:presLayoutVars>
+      </dgm:prSet>
+      <dgm:spPr/>
+      <dgm:t>
+        <a:bodyPr/>
+        <a:lstStyle/>
+        <a:p>
+          <a:endParaRPr kumimoji="1" lang="ja-JP" altLang="en-US"/>
+        </a:p>
+      </dgm:t>
+    </dgm:pt>
+    <dgm:pt modelId="{FC26D9B8-4F0C-4D00-8271-8BBC39224C97}" type="pres">
+      <dgm:prSet presAssocID="{DD29F7B6-2032-46CA-A249-CCDAD75F4819}" presName="childComposite" presStyleCnt="0">
+        <dgm:presLayoutVars>
+          <dgm:chMax val="0"/>
+          <dgm:chPref val="0"/>
+        </dgm:presLayoutVars>
+      </dgm:prSet>
+      <dgm:spPr/>
+    </dgm:pt>
+    <dgm:pt modelId="{0FA17169-7361-413E-9DB4-D26F57529971}" type="pres">
+      <dgm:prSet presAssocID="{DD29F7B6-2032-46CA-A249-CCDAD75F4819}" presName="ChildAccent" presStyleLbl="solidFgAcc1" presStyleIdx="7" presStyleCnt="18"/>
+      <dgm:spPr/>
+    </dgm:pt>
+    <dgm:pt modelId="{27DD97BF-9723-45B7-B849-AFC403E02120}" type="pres">
+      <dgm:prSet presAssocID="{DD29F7B6-2032-46CA-A249-CCDAD75F4819}" presName="Child" presStyleLbl="revTx" presStyleIdx="8" presStyleCnt="20">
+        <dgm:presLayoutVars>
+          <dgm:chMax val="0"/>
+          <dgm:chPref val="0"/>
+          <dgm:bulletEnabled val="1"/>
+        </dgm:presLayoutVars>
+      </dgm:prSet>
+      <dgm:spPr/>
+    </dgm:pt>
+    <dgm:pt modelId="{BB01C36C-F11F-437D-8DBF-91E480014760}" type="pres">
+      <dgm:prSet presAssocID="{15E3B2D3-B898-4F4C-B806-99F0EFC13F86}" presName="childComposite" presStyleCnt="0">
+        <dgm:presLayoutVars>
+          <dgm:chMax val="0"/>
+          <dgm:chPref val="0"/>
+        </dgm:presLayoutVars>
+      </dgm:prSet>
+      <dgm:spPr/>
+    </dgm:pt>
+    <dgm:pt modelId="{24D57BDA-A9FF-4098-B8C5-F8D929EBA25F}" type="pres">
+      <dgm:prSet presAssocID="{15E3B2D3-B898-4F4C-B806-99F0EFC13F86}" presName="ChildAccent" presStyleLbl="solidFgAcc1" presStyleIdx="8" presStyleCnt="18"/>
+      <dgm:spPr/>
+    </dgm:pt>
+    <dgm:pt modelId="{8B9C106F-BD45-4A42-BAE7-BFFD028095FB}" type="pres">
+      <dgm:prSet presAssocID="{15E3B2D3-B898-4F4C-B806-99F0EFC13F86}" presName="Child" presStyleLbl="revTx" presStyleIdx="9" presStyleCnt="20">
+        <dgm:presLayoutVars>
+          <dgm:chMax val="0"/>
+          <dgm:chPref val="0"/>
+          <dgm:bulletEnabled val="1"/>
+        </dgm:presLayoutVars>
+      </dgm:prSet>
+      <dgm:spPr/>
+    </dgm:pt>
+    <dgm:pt modelId="{BDEC62DC-5B06-4B9A-A7D5-414DA243DBDF}" type="pres">
+      <dgm:prSet presAssocID="{289F36B4-C8C0-483B-9776-B5C11C5BADA9}" presName="root" presStyleCnt="0">
+        <dgm:presLayoutVars>
+          <dgm:chMax/>
+          <dgm:chPref/>
+        </dgm:presLayoutVars>
+      </dgm:prSet>
+      <dgm:spPr/>
+    </dgm:pt>
+    <dgm:pt modelId="{5A7A9B46-C401-482D-B925-96B91B8F0A5D}" type="pres">
+      <dgm:prSet presAssocID="{289F36B4-C8C0-483B-9776-B5C11C5BADA9}" presName="rootComposite" presStyleCnt="0">
+        <dgm:presLayoutVars/>
+      </dgm:prSet>
+      <dgm:spPr/>
+    </dgm:pt>
+    <dgm:pt modelId="{AB8B30B7-24D4-4BFE-9B95-26921626FD25}" type="pres">
+      <dgm:prSet presAssocID="{289F36B4-C8C0-483B-9776-B5C11C5BADA9}" presName="ParentAccent" presStyleLbl="alignNode1" presStyleIdx="1" presStyleCnt="2"/>
+      <dgm:spPr/>
+    </dgm:pt>
+    <dgm:pt modelId="{D49DA5D6-A9FD-4BCE-9187-9B5EECE89921}" type="pres">
+      <dgm:prSet presAssocID="{289F36B4-C8C0-483B-9776-B5C11C5BADA9}" presName="ParentSmallAccent" presStyleLbl="fgAcc1" presStyleIdx="1" presStyleCnt="2"/>
+      <dgm:spPr/>
+    </dgm:pt>
+    <dgm:pt modelId="{A624A286-49BB-40C6-8426-34DEBAE50897}" type="pres">
+      <dgm:prSet presAssocID="{289F36B4-C8C0-483B-9776-B5C11C5BADA9}" presName="Parent" presStyleLbl="revTx" presStyleIdx="10" presStyleCnt="20">
+        <dgm:presLayoutVars>
+          <dgm:chMax/>
+          <dgm:chPref val="4"/>
+          <dgm:bulletEnabled val="1"/>
+        </dgm:presLayoutVars>
+      </dgm:prSet>
+      <dgm:spPr/>
+    </dgm:pt>
+    <dgm:pt modelId="{1ABAE6CC-C3CC-4C74-A03A-517A628E71A1}" type="pres">
+      <dgm:prSet presAssocID="{289F36B4-C8C0-483B-9776-B5C11C5BADA9}" presName="childShape" presStyleCnt="0">
+        <dgm:presLayoutVars>
+          <dgm:chMax val="0"/>
+          <dgm:chPref val="0"/>
+        </dgm:presLayoutVars>
+      </dgm:prSet>
+      <dgm:spPr/>
+    </dgm:pt>
+    <dgm:pt modelId="{7070BD73-204A-4CFD-9D0C-493A8FFB7C4D}" type="pres">
+      <dgm:prSet presAssocID="{8958284C-5996-479A-953B-E242C6FF065E}" presName="childComposite" presStyleCnt="0">
+        <dgm:presLayoutVars>
+          <dgm:chMax val="0"/>
+          <dgm:chPref val="0"/>
+        </dgm:presLayoutVars>
+      </dgm:prSet>
+      <dgm:spPr/>
+    </dgm:pt>
+    <dgm:pt modelId="{468CDE6A-C783-4942-BEA1-FE156BCF76D8}" type="pres">
+      <dgm:prSet presAssocID="{8958284C-5996-479A-953B-E242C6FF065E}" presName="ChildAccent" presStyleLbl="solidFgAcc1" presStyleIdx="9" presStyleCnt="18"/>
+      <dgm:spPr/>
+    </dgm:pt>
+    <dgm:pt modelId="{CD72CCFF-26DE-474F-A6C5-69CA25322847}" type="pres">
+      <dgm:prSet presAssocID="{8958284C-5996-479A-953B-E242C6FF065E}" presName="Child" presStyleLbl="revTx" presStyleIdx="11" presStyleCnt="20">
+        <dgm:presLayoutVars>
+          <dgm:chMax val="0"/>
+          <dgm:chPref val="0"/>
+          <dgm:bulletEnabled val="1"/>
+        </dgm:presLayoutVars>
+      </dgm:prSet>
+      <dgm:spPr/>
+      <dgm:t>
+        <a:bodyPr/>
+        <a:lstStyle/>
+        <a:p>
+          <a:endParaRPr kumimoji="1" lang="ja-JP" altLang="en-US"/>
+        </a:p>
+      </dgm:t>
+    </dgm:pt>
+    <dgm:pt modelId="{BDCF1146-B41B-46EF-93D2-EF82256914C8}" type="pres">
+      <dgm:prSet presAssocID="{58FB8212-C248-496F-ACF1-A807A05F18BA}" presName="childComposite" presStyleCnt="0">
+        <dgm:presLayoutVars>
+          <dgm:chMax val="0"/>
+          <dgm:chPref val="0"/>
+        </dgm:presLayoutVars>
+      </dgm:prSet>
+      <dgm:spPr/>
+    </dgm:pt>
+    <dgm:pt modelId="{3F946C37-D59E-46F3-8C4D-620BD0B82BBC}" type="pres">
+      <dgm:prSet presAssocID="{58FB8212-C248-496F-ACF1-A807A05F18BA}" presName="ChildAccent" presStyleLbl="solidFgAcc1" presStyleIdx="10" presStyleCnt="18"/>
+      <dgm:spPr/>
+    </dgm:pt>
+    <dgm:pt modelId="{906781D3-021B-4C44-A422-5FC24B9C6EAC}" type="pres">
+      <dgm:prSet presAssocID="{58FB8212-C248-496F-ACF1-A807A05F18BA}" presName="Child" presStyleLbl="revTx" presStyleIdx="12" presStyleCnt="20">
+        <dgm:presLayoutVars>
+          <dgm:chMax val="0"/>
+          <dgm:chPref val="0"/>
+          <dgm:bulletEnabled val="1"/>
+        </dgm:presLayoutVars>
+      </dgm:prSet>
+      <dgm:spPr/>
+    </dgm:pt>
+    <dgm:pt modelId="{A9387761-6F1E-416A-98C6-77238B8BD276}" type="pres">
+      <dgm:prSet presAssocID="{C793146D-74F4-477E-96AF-D6A529307E22}" presName="childComposite" presStyleCnt="0">
+        <dgm:presLayoutVars>
+          <dgm:chMax val="0"/>
+          <dgm:chPref val="0"/>
+        </dgm:presLayoutVars>
+      </dgm:prSet>
+      <dgm:spPr/>
+    </dgm:pt>
+    <dgm:pt modelId="{74192FF9-7F8B-4B6E-9BC0-ED92B0CE1C0E}" type="pres">
+      <dgm:prSet presAssocID="{C793146D-74F4-477E-96AF-D6A529307E22}" presName="ChildAccent" presStyleLbl="solidFgAcc1" presStyleIdx="11" presStyleCnt="18"/>
+      <dgm:spPr/>
+    </dgm:pt>
+    <dgm:pt modelId="{240E40B9-7504-41E0-8243-3433A10564A9}" type="pres">
+      <dgm:prSet presAssocID="{C793146D-74F4-477E-96AF-D6A529307E22}" presName="Child" presStyleLbl="revTx" presStyleIdx="13" presStyleCnt="20">
+        <dgm:presLayoutVars>
+          <dgm:chMax val="0"/>
+          <dgm:chPref val="0"/>
+          <dgm:bulletEnabled val="1"/>
+        </dgm:presLayoutVars>
+      </dgm:prSet>
+      <dgm:spPr/>
+      <dgm:t>
+        <a:bodyPr/>
+        <a:lstStyle/>
+        <a:p>
+          <a:endParaRPr kumimoji="1" lang="ja-JP" altLang="en-US"/>
+        </a:p>
+      </dgm:t>
+    </dgm:pt>
+    <dgm:pt modelId="{3DD7798A-EC33-46F5-97A5-D4D83927F2C6}" type="pres">
+      <dgm:prSet presAssocID="{F0284E08-CC81-4D03-9A18-5956D01E7125}" presName="childComposite" presStyleCnt="0">
+        <dgm:presLayoutVars>
+          <dgm:chMax val="0"/>
+          <dgm:chPref val="0"/>
+        </dgm:presLayoutVars>
+      </dgm:prSet>
+      <dgm:spPr/>
+    </dgm:pt>
+    <dgm:pt modelId="{BD3ABE76-9B31-4CED-98C3-34689285AD67}" type="pres">
+      <dgm:prSet presAssocID="{F0284E08-CC81-4D03-9A18-5956D01E7125}" presName="ChildAccent" presStyleLbl="solidFgAcc1" presStyleIdx="12" presStyleCnt="18"/>
+      <dgm:spPr/>
+    </dgm:pt>
+    <dgm:pt modelId="{22021F5B-3ABB-443B-AFBB-B2CE77AE9858}" type="pres">
+      <dgm:prSet presAssocID="{F0284E08-CC81-4D03-9A18-5956D01E7125}" presName="Child" presStyleLbl="revTx" presStyleIdx="14" presStyleCnt="20">
+        <dgm:presLayoutVars>
+          <dgm:chMax val="0"/>
+          <dgm:chPref val="0"/>
+          <dgm:bulletEnabled val="1"/>
+        </dgm:presLayoutVars>
+      </dgm:prSet>
+      <dgm:spPr/>
+    </dgm:pt>
+    <dgm:pt modelId="{81A524D7-4EF5-4900-B527-F801D3BFC3BB}" type="pres">
+      <dgm:prSet presAssocID="{CFB97B1F-94A9-4372-A33C-59395B06952F}" presName="childComposite" presStyleCnt="0">
+        <dgm:presLayoutVars>
+          <dgm:chMax val="0"/>
+          <dgm:chPref val="0"/>
+        </dgm:presLayoutVars>
+      </dgm:prSet>
+      <dgm:spPr/>
+    </dgm:pt>
+    <dgm:pt modelId="{177A8E39-9CDA-407E-A7C5-D33A48E48116}" type="pres">
+      <dgm:prSet presAssocID="{CFB97B1F-94A9-4372-A33C-59395B06952F}" presName="ChildAccent" presStyleLbl="solidFgAcc1" presStyleIdx="13" presStyleCnt="18"/>
+      <dgm:spPr/>
+    </dgm:pt>
+    <dgm:pt modelId="{50F588CA-3FA6-43A5-B957-857C6A15AD06}" type="pres">
+      <dgm:prSet presAssocID="{CFB97B1F-94A9-4372-A33C-59395B06952F}" presName="Child" presStyleLbl="revTx" presStyleIdx="15" presStyleCnt="20">
+        <dgm:presLayoutVars>
+          <dgm:chMax val="0"/>
+          <dgm:chPref val="0"/>
+          <dgm:bulletEnabled val="1"/>
+        </dgm:presLayoutVars>
+      </dgm:prSet>
+      <dgm:spPr/>
+    </dgm:pt>
+    <dgm:pt modelId="{5D7FB9FF-0A2D-46E2-9FC9-7EAF404D4D08}" type="pres">
+      <dgm:prSet presAssocID="{225DAA81-4249-42B9-BD14-4CE31B479EE4}" presName="childComposite" presStyleCnt="0">
+        <dgm:presLayoutVars>
+          <dgm:chMax val="0"/>
+          <dgm:chPref val="0"/>
+        </dgm:presLayoutVars>
+      </dgm:prSet>
+      <dgm:spPr/>
+    </dgm:pt>
+    <dgm:pt modelId="{6872993C-79FE-4B35-A347-D3DF69C548BC}" type="pres">
+      <dgm:prSet presAssocID="{225DAA81-4249-42B9-BD14-4CE31B479EE4}" presName="ChildAccent" presStyleLbl="solidFgAcc1" presStyleIdx="14" presStyleCnt="18"/>
+      <dgm:spPr/>
+    </dgm:pt>
+    <dgm:pt modelId="{8916B27E-F20D-497D-83E7-22119086B67C}" type="pres">
+      <dgm:prSet presAssocID="{225DAA81-4249-42B9-BD14-4CE31B479EE4}" presName="Child" presStyleLbl="revTx" presStyleIdx="16" presStyleCnt="20">
+        <dgm:presLayoutVars>
+          <dgm:chMax val="0"/>
+          <dgm:chPref val="0"/>
+          <dgm:bulletEnabled val="1"/>
+        </dgm:presLayoutVars>
+      </dgm:prSet>
+      <dgm:spPr/>
+      <dgm:t>
+        <a:bodyPr/>
+        <a:lstStyle/>
+        <a:p>
+          <a:endParaRPr kumimoji="1" lang="ja-JP" altLang="en-US"/>
+        </a:p>
+      </dgm:t>
+    </dgm:pt>
+    <dgm:pt modelId="{B255CAE6-CF98-446A-A124-BBDD922C6DDB}" type="pres">
+      <dgm:prSet presAssocID="{1BCD5B64-A86C-45FD-9F9B-3F6F4D7BEB86}" presName="childComposite" presStyleCnt="0">
+        <dgm:presLayoutVars>
+          <dgm:chMax val="0"/>
+          <dgm:chPref val="0"/>
+        </dgm:presLayoutVars>
+      </dgm:prSet>
+      <dgm:spPr/>
+    </dgm:pt>
+    <dgm:pt modelId="{DA22B650-382C-4699-A721-C5D0826B8499}" type="pres">
+      <dgm:prSet presAssocID="{1BCD5B64-A86C-45FD-9F9B-3F6F4D7BEB86}" presName="ChildAccent" presStyleLbl="solidFgAcc1" presStyleIdx="15" presStyleCnt="18"/>
+      <dgm:spPr/>
+    </dgm:pt>
+    <dgm:pt modelId="{5184A51A-AA3C-40E1-9F69-F9C3F2F6203B}" type="pres">
+      <dgm:prSet presAssocID="{1BCD5B64-A86C-45FD-9F9B-3F6F4D7BEB86}" presName="Child" presStyleLbl="revTx" presStyleIdx="17" presStyleCnt="20">
+        <dgm:presLayoutVars>
+          <dgm:chMax val="0"/>
+          <dgm:chPref val="0"/>
+          <dgm:bulletEnabled val="1"/>
+        </dgm:presLayoutVars>
+      </dgm:prSet>
+      <dgm:spPr/>
+    </dgm:pt>
+    <dgm:pt modelId="{32D40607-A476-4E5E-A0BE-DFBF63C6E719}" type="pres">
+      <dgm:prSet presAssocID="{D9D9396C-6930-4D88-8BD8-885430FF47DB}" presName="childComposite" presStyleCnt="0">
+        <dgm:presLayoutVars>
+          <dgm:chMax val="0"/>
+          <dgm:chPref val="0"/>
+        </dgm:presLayoutVars>
+      </dgm:prSet>
+      <dgm:spPr/>
+    </dgm:pt>
+    <dgm:pt modelId="{ADFE5749-F110-4A92-ACBD-7D2DF5524F2C}" type="pres">
+      <dgm:prSet presAssocID="{D9D9396C-6930-4D88-8BD8-885430FF47DB}" presName="ChildAccent" presStyleLbl="solidFgAcc1" presStyleIdx="16" presStyleCnt="18"/>
+      <dgm:spPr/>
+    </dgm:pt>
+    <dgm:pt modelId="{A3EBB5EA-CAA6-4281-845E-FD65A02F78F8}" type="pres">
+      <dgm:prSet presAssocID="{D9D9396C-6930-4D88-8BD8-885430FF47DB}" presName="Child" presStyleLbl="revTx" presStyleIdx="18" presStyleCnt="20">
+        <dgm:presLayoutVars>
+          <dgm:chMax val="0"/>
+          <dgm:chPref val="0"/>
+          <dgm:bulletEnabled val="1"/>
+        </dgm:presLayoutVars>
+      </dgm:prSet>
+      <dgm:spPr/>
+    </dgm:pt>
+    <dgm:pt modelId="{B3E405BC-77FA-4B2F-B54B-A1221651199E}" type="pres">
+      <dgm:prSet presAssocID="{D943D58E-43A6-4E71-819F-7F83E06AA6A1}" presName="childComposite" presStyleCnt="0">
+        <dgm:presLayoutVars>
+          <dgm:chMax val="0"/>
+          <dgm:chPref val="0"/>
+        </dgm:presLayoutVars>
+      </dgm:prSet>
+      <dgm:spPr/>
+    </dgm:pt>
+    <dgm:pt modelId="{50295B72-67D3-424A-92C7-A1AF11C46E81}" type="pres">
+      <dgm:prSet presAssocID="{D943D58E-43A6-4E71-819F-7F83E06AA6A1}" presName="ChildAccent" presStyleLbl="solidFgAcc1" presStyleIdx="17" presStyleCnt="18"/>
+      <dgm:spPr/>
+    </dgm:pt>
+    <dgm:pt modelId="{133E6456-6450-42D4-9BA0-6177B310FD90}" type="pres">
+      <dgm:prSet presAssocID="{D943D58E-43A6-4E71-819F-7F83E06AA6A1}" presName="Child" presStyleLbl="revTx" presStyleIdx="19" presStyleCnt="20">
+        <dgm:presLayoutVars>
+          <dgm:chMax val="0"/>
+          <dgm:chPref val="0"/>
+          <dgm:bulletEnabled val="1"/>
+        </dgm:presLayoutVars>
+      </dgm:prSet>
+      <dgm:spPr/>
+    </dgm:pt>
+  </dgm:ptLst>
+  <dgm:cxnLst>
+    <dgm:cxn modelId="{DA8DC729-5F84-4FBC-B759-6625D371A1A8}" srcId="{BB2C3F9E-B39E-4B7E-BEE7-BA0A59BCE95D}" destId="{957969EA-B6E6-49EB-8E6C-19A98A79EB54}" srcOrd="4" destOrd="0" parTransId="{BCDB4D42-6F1D-40C2-A53B-35CEF1CAC0A8}" sibTransId="{F0B04818-6E9A-4FA9-80D5-6B6D2B716B21}"/>
+    <dgm:cxn modelId="{4CB5FA27-84E8-4F15-87CF-D4A6A94C50A5}" type="presOf" srcId="{8958284C-5996-479A-953B-E242C6FF065E}" destId="{CD72CCFF-26DE-474F-A6C5-69CA25322847}" srcOrd="0" destOrd="0" presId="urn:microsoft.com/office/officeart/2008/layout/SquareAccentList"/>
+    <dgm:cxn modelId="{A8FDB980-E9CC-41D6-80DF-8A27FCCBF88E}" srcId="{BB2C3F9E-B39E-4B7E-BEE7-BA0A59BCE95D}" destId="{4D0FE8D0-2815-4EFF-A7AF-4B5C52D920FA}" srcOrd="3" destOrd="0" parTransId="{7642B3FC-05AF-4F50-8464-C052BD8B3A12}" sibTransId="{F41D8A00-17FE-42AA-A23D-39A73E0EC309}"/>
+    <dgm:cxn modelId="{E48B6F3C-FCF0-438B-A78F-58DBDC4E8B6A}" srcId="{BB2C3F9E-B39E-4B7E-BEE7-BA0A59BCE95D}" destId="{15E3B2D3-B898-4F4C-B806-99F0EFC13F86}" srcOrd="8" destOrd="0" parTransId="{D7AA3052-11CC-4451-8648-E5536600614A}" sibTransId="{0BF78617-4794-4D37-8F4B-D437424AD0C7}"/>
+    <dgm:cxn modelId="{3D53D4D6-FECE-43BB-9D07-F362ECD99087}" type="presOf" srcId="{289F36B4-C8C0-483B-9776-B5C11C5BADA9}" destId="{A624A286-49BB-40C6-8426-34DEBAE50897}" srcOrd="0" destOrd="0" presId="urn:microsoft.com/office/officeart/2008/layout/SquareAccentList"/>
+    <dgm:cxn modelId="{EB810C7C-3DA3-494D-A4B1-2D1349BD1FDE}" type="presOf" srcId="{CFB97B1F-94A9-4372-A33C-59395B06952F}" destId="{50F588CA-3FA6-43A5-B957-857C6A15AD06}" srcOrd="0" destOrd="0" presId="urn:microsoft.com/office/officeart/2008/layout/SquareAccentList"/>
+    <dgm:cxn modelId="{F39999CE-3F38-4C72-84E2-2D1B46BC088C}" srcId="{289F36B4-C8C0-483B-9776-B5C11C5BADA9}" destId="{C793146D-74F4-477E-96AF-D6A529307E22}" srcOrd="2" destOrd="0" parTransId="{35FDE868-ACD7-4776-AB59-D8B63A2FA47D}" sibTransId="{E0FA6A62-D773-4EB4-890F-F70CB39C5B48}"/>
+    <dgm:cxn modelId="{C4C4388E-6177-41E3-A864-8209694E5FD3}" type="presOf" srcId="{BB2C3F9E-B39E-4B7E-BEE7-BA0A59BCE95D}" destId="{626B9FC7-374A-482E-B845-87E8360F5BEC}" srcOrd="0" destOrd="0" presId="urn:microsoft.com/office/officeart/2008/layout/SquareAccentList"/>
+    <dgm:cxn modelId="{6F292760-544F-4F74-986D-66704FA4C165}" type="presOf" srcId="{F0284E08-CC81-4D03-9A18-5956D01E7125}" destId="{22021F5B-3ABB-443B-AFBB-B2CE77AE9858}" srcOrd="0" destOrd="0" presId="urn:microsoft.com/office/officeart/2008/layout/SquareAccentList"/>
+    <dgm:cxn modelId="{A05680F5-294E-46DC-B301-CB9515E50D08}" type="presOf" srcId="{3B7DE3D4-5F1D-4D51-A0C7-457F916EC845}" destId="{D8B322E8-8D31-400B-89C8-247D7529ADA9}" srcOrd="0" destOrd="0" presId="urn:microsoft.com/office/officeart/2008/layout/SquareAccentList"/>
+    <dgm:cxn modelId="{CD3B7DD2-40ED-412A-AF84-2B499945EE9B}" type="presOf" srcId="{BC2B81D7-06A3-4F1C-86DE-AB0D91578F76}" destId="{7648596B-7594-4F17-8270-D9A2712B46B6}" srcOrd="0" destOrd="0" presId="urn:microsoft.com/office/officeart/2008/layout/SquareAccentList"/>
+    <dgm:cxn modelId="{FC3B09DE-0FC0-4A58-9722-868E98C44912}" type="presOf" srcId="{C793146D-74F4-477E-96AF-D6A529307E22}" destId="{240E40B9-7504-41E0-8243-3433A10564A9}" srcOrd="0" destOrd="0" presId="urn:microsoft.com/office/officeart/2008/layout/SquareAccentList"/>
+    <dgm:cxn modelId="{5D4FED86-CCA0-4E7A-8F94-461276B40B0D}" type="presOf" srcId="{4D0FE8D0-2815-4EFF-A7AF-4B5C52D920FA}" destId="{98828224-8AD1-4A09-8F8B-8D8B2A0B7DB5}" srcOrd="0" destOrd="0" presId="urn:microsoft.com/office/officeart/2008/layout/SquareAccentList"/>
+    <dgm:cxn modelId="{5634B123-F019-4CB2-8EB6-927831880CD9}" type="presOf" srcId="{D943D58E-43A6-4E71-819F-7F83E06AA6A1}" destId="{133E6456-6450-42D4-9BA0-6177B310FD90}" srcOrd="0" destOrd="0" presId="urn:microsoft.com/office/officeart/2008/layout/SquareAccentList"/>
+    <dgm:cxn modelId="{5E8CD762-EB18-41FA-B34C-7BEF0A84AF3A}" srcId="{BB2C3F9E-B39E-4B7E-BEE7-BA0A59BCE95D}" destId="{3B7DE3D4-5F1D-4D51-A0C7-457F916EC845}" srcOrd="6" destOrd="0" parTransId="{9E4DBDCC-6986-476B-B424-C17CAE13A491}" sibTransId="{61F1B22A-40B3-41C8-BE45-C8BCD6F68885}"/>
+    <dgm:cxn modelId="{F1F222F2-C735-4055-93AF-C380D6E1F250}" type="presOf" srcId="{58FB8212-C248-496F-ACF1-A807A05F18BA}" destId="{906781D3-021B-4C44-A422-5FC24B9C6EAC}" srcOrd="0" destOrd="0" presId="urn:microsoft.com/office/officeart/2008/layout/SquareAccentList"/>
+    <dgm:cxn modelId="{EC04FE27-5F73-4A18-9898-F70E28AD5D96}" srcId="{289F36B4-C8C0-483B-9776-B5C11C5BADA9}" destId="{CFB97B1F-94A9-4372-A33C-59395B06952F}" srcOrd="4" destOrd="0" parTransId="{7E583AC8-C719-4BC8-B665-5D9FCF779339}" sibTransId="{FBA1D5E3-4E0A-4127-A3DC-0496756694E5}"/>
+    <dgm:cxn modelId="{A04CB0B7-9062-416C-8D4A-F6E3B280130A}" type="presOf" srcId="{15E3B2D3-B898-4F4C-B806-99F0EFC13F86}" destId="{8B9C106F-BD45-4A42-BAE7-BFFD028095FB}" srcOrd="0" destOrd="0" presId="urn:microsoft.com/office/officeart/2008/layout/SquareAccentList"/>
+    <dgm:cxn modelId="{20DC72F7-6FF1-4DB5-B2A7-6B921DA40655}" type="presOf" srcId="{0C8D31C9-E0AA-4A1D-9E9B-B62ED9D5ABDF}" destId="{5AE80969-A120-4FB8-B700-70C52262C8CE}" srcOrd="0" destOrd="0" presId="urn:microsoft.com/office/officeart/2008/layout/SquareAccentList"/>
+    <dgm:cxn modelId="{C4E07CD9-0DED-4BF2-B6B5-02DB6DECC834}" type="presOf" srcId="{F8A2199F-1987-4F58-8916-F85A9A6A53AC}" destId="{C7F46254-AAA6-4B4C-8D6A-A5B9FDE408EB}" srcOrd="0" destOrd="0" presId="urn:microsoft.com/office/officeart/2008/layout/SquareAccentList"/>
+    <dgm:cxn modelId="{461BD42D-027D-4219-A5E3-2EC1B0D8CA02}" type="presOf" srcId="{225DAA81-4249-42B9-BD14-4CE31B479EE4}" destId="{8916B27E-F20D-497D-83E7-22119086B67C}" srcOrd="0" destOrd="0" presId="urn:microsoft.com/office/officeart/2008/layout/SquareAccentList"/>
+    <dgm:cxn modelId="{6E8AFDCE-4209-4D09-BB6A-27173A058BE1}" srcId="{289F36B4-C8C0-483B-9776-B5C11C5BADA9}" destId="{58FB8212-C248-496F-ACF1-A807A05F18BA}" srcOrd="1" destOrd="0" parTransId="{B6FB4342-E963-4D82-A4CF-88DD2B6F30B8}" sibTransId="{DEE8DA49-A690-458F-88C2-F199FC13E943}"/>
+    <dgm:cxn modelId="{ECCEF3B0-70AE-4F85-88BD-70E9C98C619B}" srcId="{BB2C3F9E-B39E-4B7E-BEE7-BA0A59BCE95D}" destId="{0C8D31C9-E0AA-4A1D-9E9B-B62ED9D5ABDF}" srcOrd="0" destOrd="0" parTransId="{F8F00934-5047-4DF3-8588-BF41CA66A4AB}" sibTransId="{F405B577-2DF9-4A1D-9F0D-5933EFC42ED6}"/>
+    <dgm:cxn modelId="{BA041275-3F08-42B8-BAC1-1A5532F617CB}" type="presOf" srcId="{DD29F7B6-2032-46CA-A249-CCDAD75F4819}" destId="{27DD97BF-9723-45B7-B849-AFC403E02120}" srcOrd="0" destOrd="0" presId="urn:microsoft.com/office/officeart/2008/layout/SquareAccentList"/>
+    <dgm:cxn modelId="{0A085859-7141-4014-A73B-60E8760277F1}" type="presOf" srcId="{D9D9396C-6930-4D88-8BD8-885430FF47DB}" destId="{A3EBB5EA-CAA6-4281-845E-FD65A02F78F8}" srcOrd="0" destOrd="0" presId="urn:microsoft.com/office/officeart/2008/layout/SquareAccentList"/>
+    <dgm:cxn modelId="{3E90E1AA-425F-4AEB-990D-348034C25D56}" srcId="{261B36D4-E0C1-4532-9DA6-A564C2063407}" destId="{289F36B4-C8C0-483B-9776-B5C11C5BADA9}" srcOrd="1" destOrd="0" parTransId="{521CE2E8-DA96-46AF-8930-BC0A2FFA1759}" sibTransId="{670C4ECD-69F2-4425-87FC-26160918A125}"/>
+    <dgm:cxn modelId="{6172D0A1-5DE7-4F2E-B696-BFBDD05A44B7}" srcId="{261B36D4-E0C1-4532-9DA6-A564C2063407}" destId="{BB2C3F9E-B39E-4B7E-BEE7-BA0A59BCE95D}" srcOrd="0" destOrd="0" parTransId="{E358C7A3-E691-4D77-BDD8-CB5551EF1A5D}" sibTransId="{54CCB97A-71FB-4CCB-87E6-0A5270A400B2}"/>
+    <dgm:cxn modelId="{A1F79D5B-624E-4189-BC7A-373F3BAFA102}" srcId="{289F36B4-C8C0-483B-9776-B5C11C5BADA9}" destId="{1BCD5B64-A86C-45FD-9F9B-3F6F4D7BEB86}" srcOrd="6" destOrd="0" parTransId="{2EE66D04-7B5A-4B2C-85C3-6726E61E80CE}" sibTransId="{1CA71680-2F34-4E65-A0A9-7471D80CFF9C}"/>
+    <dgm:cxn modelId="{99D0B995-4CF8-4447-86F2-F0A962FF65D3}" srcId="{289F36B4-C8C0-483B-9776-B5C11C5BADA9}" destId="{F0284E08-CC81-4D03-9A18-5956D01E7125}" srcOrd="3" destOrd="0" parTransId="{30A5F8CE-4936-4E7A-AF7E-4581F595F127}" sibTransId="{3E505713-EB43-4019-9C35-6E080E47EBFD}"/>
+    <dgm:cxn modelId="{1B5094FD-2574-4509-B54A-BFE2F17A8825}" type="presOf" srcId="{957969EA-B6E6-49EB-8E6C-19A98A79EB54}" destId="{726A9AD0-8DAE-4459-8466-12DC81F555A8}" srcOrd="0" destOrd="0" presId="urn:microsoft.com/office/officeart/2008/layout/SquareAccentList"/>
+    <dgm:cxn modelId="{ADCA91FA-7F7B-46CE-A014-FFD77BF33570}" srcId="{BB2C3F9E-B39E-4B7E-BEE7-BA0A59BCE95D}" destId="{BC2B81D7-06A3-4F1C-86DE-AB0D91578F76}" srcOrd="2" destOrd="0" parTransId="{2C119AA0-7F2B-43E2-AFCC-F4DD184789B5}" sibTransId="{8A994A16-093A-46D2-A620-AB2680F70C08}"/>
+    <dgm:cxn modelId="{13E0DA5F-585C-48D4-8C4E-D5F60A22D272}" type="presOf" srcId="{261B36D4-E0C1-4532-9DA6-A564C2063407}" destId="{FB20023B-78C8-4C83-B9CD-99F3DBDABCE8}" srcOrd="0" destOrd="0" presId="urn:microsoft.com/office/officeart/2008/layout/SquareAccentList"/>
+    <dgm:cxn modelId="{9938046E-ED29-43C4-9DCD-29DBFC5B796D}" srcId="{BB2C3F9E-B39E-4B7E-BEE7-BA0A59BCE95D}" destId="{F8A2199F-1987-4F58-8916-F85A9A6A53AC}" srcOrd="1" destOrd="0" parTransId="{6BE6E892-1E2E-4811-AE56-8BB8E077C697}" sibTransId="{0A637BA5-DE31-47B7-B14A-F9C4B8C27C98}"/>
+    <dgm:cxn modelId="{112D85BD-BC60-462A-B64E-AE3F527A1FAF}" srcId="{289F36B4-C8C0-483B-9776-B5C11C5BADA9}" destId="{8958284C-5996-479A-953B-E242C6FF065E}" srcOrd="0" destOrd="0" parTransId="{58622837-B258-46B1-BCE1-4C33B6BF44AC}" sibTransId="{D22CAB24-321D-4BD3-897B-7D32548996EB}"/>
+    <dgm:cxn modelId="{D2AEA124-6FF8-4900-AFB8-405E280E5EEE}" type="presOf" srcId="{29158223-C44F-46E7-93A2-7B6F66A4F820}" destId="{82FAA2F4-E2B7-49BD-9C0B-60D2DFAC3441}" srcOrd="0" destOrd="0" presId="urn:microsoft.com/office/officeart/2008/layout/SquareAccentList"/>
+    <dgm:cxn modelId="{10682FF0-B62F-4B88-B3C0-86812CAC9F14}" srcId="{289F36B4-C8C0-483B-9776-B5C11C5BADA9}" destId="{225DAA81-4249-42B9-BD14-4CE31B479EE4}" srcOrd="5" destOrd="0" parTransId="{186A96E8-EBB8-4A58-88F5-26C2CECB3F75}" sibTransId="{3D1B39C4-1047-4A0F-8CD0-F1E9F4E6A9E3}"/>
+    <dgm:cxn modelId="{A4C4A431-6C28-4B86-A44D-2BC410A475BB}" srcId="{BB2C3F9E-B39E-4B7E-BEE7-BA0A59BCE95D}" destId="{29158223-C44F-46E7-93A2-7B6F66A4F820}" srcOrd="5" destOrd="0" parTransId="{D699DBE9-488D-4484-8F97-1C8F08681CAC}" sibTransId="{2154A563-CC67-44C5-9446-9D14A4CD7BF2}"/>
+    <dgm:cxn modelId="{BA8A4CFD-7C83-47F0-95D3-75657BCEED49}" srcId="{BB2C3F9E-B39E-4B7E-BEE7-BA0A59BCE95D}" destId="{DD29F7B6-2032-46CA-A249-CCDAD75F4819}" srcOrd="7" destOrd="0" parTransId="{01C34F8E-6EA9-49AC-ABE5-A95A2B4B34F7}" sibTransId="{E4742E11-BE06-400B-A741-E5CD7E3A9204}"/>
+    <dgm:cxn modelId="{7889EE95-0E94-4061-BD15-F275B8FE032B}" srcId="{289F36B4-C8C0-483B-9776-B5C11C5BADA9}" destId="{D943D58E-43A6-4E71-819F-7F83E06AA6A1}" srcOrd="8" destOrd="0" parTransId="{831BDFFB-B15A-4CBA-99AC-FA947A7D0395}" sibTransId="{2443A1A5-E8E6-45A8-96C0-85352FF1AE4C}"/>
+    <dgm:cxn modelId="{BB7D596C-338D-4FEC-86A2-19EE18CCABB4}" srcId="{289F36B4-C8C0-483B-9776-B5C11C5BADA9}" destId="{D9D9396C-6930-4D88-8BD8-885430FF47DB}" srcOrd="7" destOrd="0" parTransId="{8401CACA-FF5B-4E41-A6C0-6395FE27EC84}" sibTransId="{3E47D36F-7105-43C3-9AC2-42C49118B660}"/>
+    <dgm:cxn modelId="{6DCD31F9-88D4-42EA-B913-B7C0EF9FA5EB}" type="presOf" srcId="{1BCD5B64-A86C-45FD-9F9B-3F6F4D7BEB86}" destId="{5184A51A-AA3C-40E1-9F69-F9C3F2F6203B}" srcOrd="0" destOrd="0" presId="urn:microsoft.com/office/officeart/2008/layout/SquareAccentList"/>
+    <dgm:cxn modelId="{6AB9606C-C828-4036-B0D1-036B8899ECB4}" type="presParOf" srcId="{FB20023B-78C8-4C83-B9CD-99F3DBDABCE8}" destId="{7B238659-1C1F-443D-B141-61EF4326D7A3}" srcOrd="0" destOrd="0" presId="urn:microsoft.com/office/officeart/2008/layout/SquareAccentList"/>
+    <dgm:cxn modelId="{DCEA75FA-8E12-4617-8034-0F7860671FE8}" type="presParOf" srcId="{7B238659-1C1F-443D-B141-61EF4326D7A3}" destId="{47402DA4-CB6E-4C49-9A8A-AF3B10A40647}" srcOrd="0" destOrd="0" presId="urn:microsoft.com/office/officeart/2008/layout/SquareAccentList"/>
+    <dgm:cxn modelId="{6634358D-DF0B-41C0-BF20-F30C252E1F55}" type="presParOf" srcId="{47402DA4-CB6E-4C49-9A8A-AF3B10A40647}" destId="{CFB044E0-32BF-4DD6-A52F-5E141CAB0220}" srcOrd="0" destOrd="0" presId="urn:microsoft.com/office/officeart/2008/layout/SquareAccentList"/>
+    <dgm:cxn modelId="{E1485952-00BD-44E0-9D46-0413274EDA03}" type="presParOf" srcId="{47402DA4-CB6E-4C49-9A8A-AF3B10A40647}" destId="{05721626-8716-4554-AD52-625733C58F5A}" srcOrd="1" destOrd="0" presId="urn:microsoft.com/office/officeart/2008/layout/SquareAccentList"/>
+    <dgm:cxn modelId="{2E0E3CF8-046C-44C3-9242-E29059B36529}" type="presParOf" srcId="{47402DA4-CB6E-4C49-9A8A-AF3B10A40647}" destId="{626B9FC7-374A-482E-B845-87E8360F5BEC}" srcOrd="2" destOrd="0" presId="urn:microsoft.com/office/officeart/2008/layout/SquareAccentList"/>
+    <dgm:cxn modelId="{0DB54F40-6C00-4DB9-9D5E-A5FB788E15EB}" type="presParOf" srcId="{7B238659-1C1F-443D-B141-61EF4326D7A3}" destId="{74079F69-0596-42AF-BB20-A10BAA46DE63}" srcOrd="1" destOrd="0" presId="urn:microsoft.com/office/officeart/2008/layout/SquareAccentList"/>
+    <dgm:cxn modelId="{946EF928-F1E2-42F0-A031-0BA7E097EC8E}" type="presParOf" srcId="{74079F69-0596-42AF-BB20-A10BAA46DE63}" destId="{02B61621-FA0B-476A-BE3F-C3DE4A379058}" srcOrd="0" destOrd="0" presId="urn:microsoft.com/office/officeart/2008/layout/SquareAccentList"/>
+    <dgm:cxn modelId="{2D6C4EE8-50E2-4115-83D8-F9A64091DF4C}" type="presParOf" srcId="{02B61621-FA0B-476A-BE3F-C3DE4A379058}" destId="{224F7A33-A604-4BFC-97E1-3C2C142781B3}" srcOrd="0" destOrd="0" presId="urn:microsoft.com/office/officeart/2008/layout/SquareAccentList"/>
+    <dgm:cxn modelId="{229BA950-A34C-42D2-9267-1823DAB3187B}" type="presParOf" srcId="{02B61621-FA0B-476A-BE3F-C3DE4A379058}" destId="{5AE80969-A120-4FB8-B700-70C52262C8CE}" srcOrd="1" destOrd="0" presId="urn:microsoft.com/office/officeart/2008/layout/SquareAccentList"/>
+    <dgm:cxn modelId="{C1BD57D1-C8D0-4495-A7F1-03AE1D564BDA}" type="presParOf" srcId="{74079F69-0596-42AF-BB20-A10BAA46DE63}" destId="{C7CE63F6-7C90-4255-9DAA-FF87F59EFE5C}" srcOrd="1" destOrd="0" presId="urn:microsoft.com/office/officeart/2008/layout/SquareAccentList"/>
+    <dgm:cxn modelId="{0838F652-FBDF-4660-881B-34A8BF344834}" type="presParOf" srcId="{C7CE63F6-7C90-4255-9DAA-FF87F59EFE5C}" destId="{4469A758-A3C0-4522-A36E-6033EF2C2A2E}" srcOrd="0" destOrd="0" presId="urn:microsoft.com/office/officeart/2008/layout/SquareAccentList"/>
+    <dgm:cxn modelId="{086E0E74-DC17-42CA-9EA7-78789B130479}" type="presParOf" srcId="{C7CE63F6-7C90-4255-9DAA-FF87F59EFE5C}" destId="{C7F46254-AAA6-4B4C-8D6A-A5B9FDE408EB}" srcOrd="1" destOrd="0" presId="urn:microsoft.com/office/officeart/2008/layout/SquareAccentList"/>
+    <dgm:cxn modelId="{E94183A4-ED9E-4D62-B121-B9F1403554AE}" type="presParOf" srcId="{74079F69-0596-42AF-BB20-A10BAA46DE63}" destId="{57F19818-25D5-40C8-9B2D-7400543F71D2}" srcOrd="2" destOrd="0" presId="urn:microsoft.com/office/officeart/2008/layout/SquareAccentList"/>
+    <dgm:cxn modelId="{775CB335-28B6-48D7-BD72-9E0D81BCCB0F}" type="presParOf" srcId="{57F19818-25D5-40C8-9B2D-7400543F71D2}" destId="{71EC8CD3-088E-4913-89AD-221917BF9291}" srcOrd="0" destOrd="0" presId="urn:microsoft.com/office/officeart/2008/layout/SquareAccentList"/>
+    <dgm:cxn modelId="{927D1156-7094-4D01-8D5E-65D608E194A4}" type="presParOf" srcId="{57F19818-25D5-40C8-9B2D-7400543F71D2}" destId="{7648596B-7594-4F17-8270-D9A2712B46B6}" srcOrd="1" destOrd="0" presId="urn:microsoft.com/office/officeart/2008/layout/SquareAccentList"/>
+    <dgm:cxn modelId="{1B8916D9-6737-4A1C-9844-8E573D75CC35}" type="presParOf" srcId="{74079F69-0596-42AF-BB20-A10BAA46DE63}" destId="{B4752B48-CC73-444B-B263-B71AF37FE1CC}" srcOrd="3" destOrd="0" presId="urn:microsoft.com/office/officeart/2008/layout/SquareAccentList"/>
+    <dgm:cxn modelId="{585D0039-670D-4196-B8CE-91E8F757CF7E}" type="presParOf" srcId="{B4752B48-CC73-444B-B263-B71AF37FE1CC}" destId="{C3B6E217-3078-48EC-BC4C-ED6E89F0BC0F}" srcOrd="0" destOrd="0" presId="urn:microsoft.com/office/officeart/2008/layout/SquareAccentList"/>
+    <dgm:cxn modelId="{EA219284-EEB9-4A66-8229-079E2268C617}" type="presParOf" srcId="{B4752B48-CC73-444B-B263-B71AF37FE1CC}" destId="{98828224-8AD1-4A09-8F8B-8D8B2A0B7DB5}" srcOrd="1" destOrd="0" presId="urn:microsoft.com/office/officeart/2008/layout/SquareAccentList"/>
+    <dgm:cxn modelId="{98F6F80B-E432-41C8-9CF9-3B0908C2ABFB}" type="presParOf" srcId="{74079F69-0596-42AF-BB20-A10BAA46DE63}" destId="{73906166-18F6-4653-8FBB-53B3C1FCA5BD}" srcOrd="4" destOrd="0" presId="urn:microsoft.com/office/officeart/2008/layout/SquareAccentList"/>
+    <dgm:cxn modelId="{3C4353D4-3C21-45A1-8120-D9E789A904B9}" type="presParOf" srcId="{73906166-18F6-4653-8FBB-53B3C1FCA5BD}" destId="{ED11B1A8-43A1-4E9E-B559-9542C9C05921}" srcOrd="0" destOrd="0" presId="urn:microsoft.com/office/officeart/2008/layout/SquareAccentList"/>
+    <dgm:cxn modelId="{A4D58754-573A-44A2-B0F7-FDB0F18FC0A0}" type="presParOf" srcId="{73906166-18F6-4653-8FBB-53B3C1FCA5BD}" destId="{726A9AD0-8DAE-4459-8466-12DC81F555A8}" srcOrd="1" destOrd="0" presId="urn:microsoft.com/office/officeart/2008/layout/SquareAccentList"/>
+    <dgm:cxn modelId="{3CE6691E-3169-4A8C-B2CC-0F4C425DF767}" type="presParOf" srcId="{74079F69-0596-42AF-BB20-A10BAA46DE63}" destId="{FE509C43-703B-40D8-8C79-6686756B6EC6}" srcOrd="5" destOrd="0" presId="urn:microsoft.com/office/officeart/2008/layout/SquareAccentList"/>
+    <dgm:cxn modelId="{E0559CFA-255B-46E3-BD4E-5F45D440E7B9}" type="presParOf" srcId="{FE509C43-703B-40D8-8C79-6686756B6EC6}" destId="{183E3266-0F74-421A-B7DA-2BD31BEBB34B}" srcOrd="0" destOrd="0" presId="urn:microsoft.com/office/officeart/2008/layout/SquareAccentList"/>
+    <dgm:cxn modelId="{1F91BB51-F24B-4166-AB1D-01CF5B508C58}" type="presParOf" srcId="{FE509C43-703B-40D8-8C79-6686756B6EC6}" destId="{82FAA2F4-E2B7-49BD-9C0B-60D2DFAC3441}" srcOrd="1" destOrd="0" presId="urn:microsoft.com/office/officeart/2008/layout/SquareAccentList"/>
+    <dgm:cxn modelId="{423C982A-3525-4A6D-A52B-EB372A58CD85}" type="presParOf" srcId="{74079F69-0596-42AF-BB20-A10BAA46DE63}" destId="{B007574D-1AF7-4B69-92BD-EDB31729E7A3}" srcOrd="6" destOrd="0" presId="urn:microsoft.com/office/officeart/2008/layout/SquareAccentList"/>
+    <dgm:cxn modelId="{B50562D7-A3A8-4FF2-98AA-A45DBDE522CB}" type="presParOf" srcId="{B007574D-1AF7-4B69-92BD-EDB31729E7A3}" destId="{C660816B-332A-4B23-90F0-BD5CF39FA4F3}" srcOrd="0" destOrd="0" presId="urn:microsoft.com/office/officeart/2008/layout/SquareAccentList"/>
+    <dgm:cxn modelId="{E5EFC48E-57D6-4193-8C53-8E278DE12226}" type="presParOf" srcId="{B007574D-1AF7-4B69-92BD-EDB31729E7A3}" destId="{D8B322E8-8D31-400B-89C8-247D7529ADA9}" srcOrd="1" destOrd="0" presId="urn:microsoft.com/office/officeart/2008/layout/SquareAccentList"/>
+    <dgm:cxn modelId="{80AC17C9-9A43-431B-8CB0-6DD67F559DB8}" type="presParOf" srcId="{74079F69-0596-42AF-BB20-A10BAA46DE63}" destId="{FC26D9B8-4F0C-4D00-8271-8BBC39224C97}" srcOrd="7" destOrd="0" presId="urn:microsoft.com/office/officeart/2008/layout/SquareAccentList"/>
+    <dgm:cxn modelId="{ECB1FA86-22BE-496E-A35A-0CBAA2CBDC18}" type="presParOf" srcId="{FC26D9B8-4F0C-4D00-8271-8BBC39224C97}" destId="{0FA17169-7361-413E-9DB4-D26F57529971}" srcOrd="0" destOrd="0" presId="urn:microsoft.com/office/officeart/2008/layout/SquareAccentList"/>
+    <dgm:cxn modelId="{D51E6E94-C8A9-41C1-8147-578E02821981}" type="presParOf" srcId="{FC26D9B8-4F0C-4D00-8271-8BBC39224C97}" destId="{27DD97BF-9723-45B7-B849-AFC403E02120}" srcOrd="1" destOrd="0" presId="urn:microsoft.com/office/officeart/2008/layout/SquareAccentList"/>
+    <dgm:cxn modelId="{5D88F4F0-6C75-4D22-B1A9-680B8DDB037D}" type="presParOf" srcId="{74079F69-0596-42AF-BB20-A10BAA46DE63}" destId="{BB01C36C-F11F-437D-8DBF-91E480014760}" srcOrd="8" destOrd="0" presId="urn:microsoft.com/office/officeart/2008/layout/SquareAccentList"/>
+    <dgm:cxn modelId="{2D22585D-F501-49E7-B827-3C267A2A6D7C}" type="presParOf" srcId="{BB01C36C-F11F-437D-8DBF-91E480014760}" destId="{24D57BDA-A9FF-4098-B8C5-F8D929EBA25F}" srcOrd="0" destOrd="0" presId="urn:microsoft.com/office/officeart/2008/layout/SquareAccentList"/>
+    <dgm:cxn modelId="{2589DF5D-7D99-4911-901C-5CA53F50946E}" type="presParOf" srcId="{BB01C36C-F11F-437D-8DBF-91E480014760}" destId="{8B9C106F-BD45-4A42-BAE7-BFFD028095FB}" srcOrd="1" destOrd="0" presId="urn:microsoft.com/office/officeart/2008/layout/SquareAccentList"/>
+    <dgm:cxn modelId="{E4EB4B29-2775-4C56-B6B2-D8DC3802A88E}" type="presParOf" srcId="{FB20023B-78C8-4C83-B9CD-99F3DBDABCE8}" destId="{BDEC62DC-5B06-4B9A-A7D5-414DA243DBDF}" srcOrd="1" destOrd="0" presId="urn:microsoft.com/office/officeart/2008/layout/SquareAccentList"/>
+    <dgm:cxn modelId="{32C4C0A3-A0B4-487C-B35D-BB2C112732C3}" type="presParOf" srcId="{BDEC62DC-5B06-4B9A-A7D5-414DA243DBDF}" destId="{5A7A9B46-C401-482D-B925-96B91B8F0A5D}" srcOrd="0" destOrd="0" presId="urn:microsoft.com/office/officeart/2008/layout/SquareAccentList"/>
+    <dgm:cxn modelId="{5520C5DB-1E10-4705-AA7C-0179E8279034}" type="presParOf" srcId="{5A7A9B46-C401-482D-B925-96B91B8F0A5D}" destId="{AB8B30B7-24D4-4BFE-9B95-26921626FD25}" srcOrd="0" destOrd="0" presId="urn:microsoft.com/office/officeart/2008/layout/SquareAccentList"/>
+    <dgm:cxn modelId="{1334C4B0-5B5B-49F2-8962-A4246164804E}" type="presParOf" srcId="{5A7A9B46-C401-482D-B925-96B91B8F0A5D}" destId="{D49DA5D6-A9FD-4BCE-9187-9B5EECE89921}" srcOrd="1" destOrd="0" presId="urn:microsoft.com/office/officeart/2008/layout/SquareAccentList"/>
+    <dgm:cxn modelId="{D060A544-E1EB-4780-9AB8-7ED8306B2169}" type="presParOf" srcId="{5A7A9B46-C401-482D-B925-96B91B8F0A5D}" destId="{A624A286-49BB-40C6-8426-34DEBAE50897}" srcOrd="2" destOrd="0" presId="urn:microsoft.com/office/officeart/2008/layout/SquareAccentList"/>
+    <dgm:cxn modelId="{B2F6455D-DA3B-49BE-AFAB-01221758D797}" type="presParOf" srcId="{BDEC62DC-5B06-4B9A-A7D5-414DA243DBDF}" destId="{1ABAE6CC-C3CC-4C74-A03A-517A628E71A1}" srcOrd="1" destOrd="0" presId="urn:microsoft.com/office/officeart/2008/layout/SquareAccentList"/>
+    <dgm:cxn modelId="{6F9DE547-3F1F-4900-B859-867595A1853E}" type="presParOf" srcId="{1ABAE6CC-C3CC-4C74-A03A-517A628E71A1}" destId="{7070BD73-204A-4CFD-9D0C-493A8FFB7C4D}" srcOrd="0" destOrd="0" presId="urn:microsoft.com/office/officeart/2008/layout/SquareAccentList"/>
+    <dgm:cxn modelId="{9C47452D-0F65-4013-8173-2456D4D68809}" type="presParOf" srcId="{7070BD73-204A-4CFD-9D0C-493A8FFB7C4D}" destId="{468CDE6A-C783-4942-BEA1-FE156BCF76D8}" srcOrd="0" destOrd="0" presId="urn:microsoft.com/office/officeart/2008/layout/SquareAccentList"/>
+    <dgm:cxn modelId="{018CECEE-D3B0-4FAF-9696-FC15057954D5}" type="presParOf" srcId="{7070BD73-204A-4CFD-9D0C-493A8FFB7C4D}" destId="{CD72CCFF-26DE-474F-A6C5-69CA25322847}" srcOrd="1" destOrd="0" presId="urn:microsoft.com/office/officeart/2008/layout/SquareAccentList"/>
+    <dgm:cxn modelId="{C5159264-9D61-47B3-A685-4DC9D77E8B77}" type="presParOf" srcId="{1ABAE6CC-C3CC-4C74-A03A-517A628E71A1}" destId="{BDCF1146-B41B-46EF-93D2-EF82256914C8}" srcOrd="1" destOrd="0" presId="urn:microsoft.com/office/officeart/2008/layout/SquareAccentList"/>
+    <dgm:cxn modelId="{FC0D7A83-017B-408B-9AE4-F3F1F0B8231F}" type="presParOf" srcId="{BDCF1146-B41B-46EF-93D2-EF82256914C8}" destId="{3F946C37-D59E-46F3-8C4D-620BD0B82BBC}" srcOrd="0" destOrd="0" presId="urn:microsoft.com/office/officeart/2008/layout/SquareAccentList"/>
+    <dgm:cxn modelId="{7FDA1233-7693-4F87-8820-A4931AC7CF2C}" type="presParOf" srcId="{BDCF1146-B41B-46EF-93D2-EF82256914C8}" destId="{906781D3-021B-4C44-A422-5FC24B9C6EAC}" srcOrd="1" destOrd="0" presId="urn:microsoft.com/office/officeart/2008/layout/SquareAccentList"/>
+    <dgm:cxn modelId="{2E55B51D-8859-4F4F-BFBA-F800FB886022}" type="presParOf" srcId="{1ABAE6CC-C3CC-4C74-A03A-517A628E71A1}" destId="{A9387761-6F1E-416A-98C6-77238B8BD276}" srcOrd="2" destOrd="0" presId="urn:microsoft.com/office/officeart/2008/layout/SquareAccentList"/>
+    <dgm:cxn modelId="{B6C63E47-B3BF-46B2-80B3-0AB2808C906E}" type="presParOf" srcId="{A9387761-6F1E-416A-98C6-77238B8BD276}" destId="{74192FF9-7F8B-4B6E-9BC0-ED92B0CE1C0E}" srcOrd="0" destOrd="0" presId="urn:microsoft.com/office/officeart/2008/layout/SquareAccentList"/>
+    <dgm:cxn modelId="{E23FC6F5-5B6D-4D01-88C4-C0B20EE8AD7D}" type="presParOf" srcId="{A9387761-6F1E-416A-98C6-77238B8BD276}" destId="{240E40B9-7504-41E0-8243-3433A10564A9}" srcOrd="1" destOrd="0" presId="urn:microsoft.com/office/officeart/2008/layout/SquareAccentList"/>
+    <dgm:cxn modelId="{CD5CA982-0C89-4B82-A36F-52B06E81C040}" type="presParOf" srcId="{1ABAE6CC-C3CC-4C74-A03A-517A628E71A1}" destId="{3DD7798A-EC33-46F5-97A5-D4D83927F2C6}" srcOrd="3" destOrd="0" presId="urn:microsoft.com/office/officeart/2008/layout/SquareAccentList"/>
+    <dgm:cxn modelId="{CF614CA8-A59A-4EA3-886E-7F66C7A9802A}" type="presParOf" srcId="{3DD7798A-EC33-46F5-97A5-D4D83927F2C6}" destId="{BD3ABE76-9B31-4CED-98C3-34689285AD67}" srcOrd="0" destOrd="0" presId="urn:microsoft.com/office/officeart/2008/layout/SquareAccentList"/>
+    <dgm:cxn modelId="{D067C1AA-EAA7-42F1-82F1-B9EFA16345A4}" type="presParOf" srcId="{3DD7798A-EC33-46F5-97A5-D4D83927F2C6}" destId="{22021F5B-3ABB-443B-AFBB-B2CE77AE9858}" srcOrd="1" destOrd="0" presId="urn:microsoft.com/office/officeart/2008/layout/SquareAccentList"/>
+    <dgm:cxn modelId="{28D18C37-A390-49E0-8E1E-C1A5555C1E3C}" type="presParOf" srcId="{1ABAE6CC-C3CC-4C74-A03A-517A628E71A1}" destId="{81A524D7-4EF5-4900-B527-F801D3BFC3BB}" srcOrd="4" destOrd="0" presId="urn:microsoft.com/office/officeart/2008/layout/SquareAccentList"/>
+    <dgm:cxn modelId="{0C615CE8-4A3E-44C0-B218-9758853ADB17}" type="presParOf" srcId="{81A524D7-4EF5-4900-B527-F801D3BFC3BB}" destId="{177A8E39-9CDA-407E-A7C5-D33A48E48116}" srcOrd="0" destOrd="0" presId="urn:microsoft.com/office/officeart/2008/layout/SquareAccentList"/>
+    <dgm:cxn modelId="{8E27FB55-721A-4986-BDAB-582317DE2928}" type="presParOf" srcId="{81A524D7-4EF5-4900-B527-F801D3BFC3BB}" destId="{50F588CA-3FA6-43A5-B957-857C6A15AD06}" srcOrd="1" destOrd="0" presId="urn:microsoft.com/office/officeart/2008/layout/SquareAccentList"/>
+    <dgm:cxn modelId="{8FEABBC0-C7CD-462F-B524-82D57EDAA414}" type="presParOf" srcId="{1ABAE6CC-C3CC-4C74-A03A-517A628E71A1}" destId="{5D7FB9FF-0A2D-46E2-9FC9-7EAF404D4D08}" srcOrd="5" destOrd="0" presId="urn:microsoft.com/office/officeart/2008/layout/SquareAccentList"/>
+    <dgm:cxn modelId="{6AD9A429-CB9C-4FE2-9643-D7E14BEDF646}" type="presParOf" srcId="{5D7FB9FF-0A2D-46E2-9FC9-7EAF404D4D08}" destId="{6872993C-79FE-4B35-A347-D3DF69C548BC}" srcOrd="0" destOrd="0" presId="urn:microsoft.com/office/officeart/2008/layout/SquareAccentList"/>
+    <dgm:cxn modelId="{582903F0-08A8-49C8-81E0-F0E3A4195090}" type="presParOf" srcId="{5D7FB9FF-0A2D-46E2-9FC9-7EAF404D4D08}" destId="{8916B27E-F20D-497D-83E7-22119086B67C}" srcOrd="1" destOrd="0" presId="urn:microsoft.com/office/officeart/2008/layout/SquareAccentList"/>
+    <dgm:cxn modelId="{95EF60EB-82F6-4261-9BFD-28FF736F03B1}" type="presParOf" srcId="{1ABAE6CC-C3CC-4C74-A03A-517A628E71A1}" destId="{B255CAE6-CF98-446A-A124-BBDD922C6DDB}" srcOrd="6" destOrd="0" presId="urn:microsoft.com/office/officeart/2008/layout/SquareAccentList"/>
+    <dgm:cxn modelId="{454AB23A-A313-4EA2-9D01-10A88205A155}" type="presParOf" srcId="{B255CAE6-CF98-446A-A124-BBDD922C6DDB}" destId="{DA22B650-382C-4699-A721-C5D0826B8499}" srcOrd="0" destOrd="0" presId="urn:microsoft.com/office/officeart/2008/layout/SquareAccentList"/>
+    <dgm:cxn modelId="{BB9F2002-464B-437E-B80C-A572AFA7D0C2}" type="presParOf" srcId="{B255CAE6-CF98-446A-A124-BBDD922C6DDB}" destId="{5184A51A-AA3C-40E1-9F69-F9C3F2F6203B}" srcOrd="1" destOrd="0" presId="urn:microsoft.com/office/officeart/2008/layout/SquareAccentList"/>
+    <dgm:cxn modelId="{42DA39BF-FC48-4AF6-A112-274914AB3456}" type="presParOf" srcId="{1ABAE6CC-C3CC-4C74-A03A-517A628E71A1}" destId="{32D40607-A476-4E5E-A0BE-DFBF63C6E719}" srcOrd="7" destOrd="0" presId="urn:microsoft.com/office/officeart/2008/layout/SquareAccentList"/>
+    <dgm:cxn modelId="{30381072-BD17-4FD9-ACF4-1A3A153BFF75}" type="presParOf" srcId="{32D40607-A476-4E5E-A0BE-DFBF63C6E719}" destId="{ADFE5749-F110-4A92-ACBD-7D2DF5524F2C}" srcOrd="0" destOrd="0" presId="urn:microsoft.com/office/officeart/2008/layout/SquareAccentList"/>
+    <dgm:cxn modelId="{3FD3D325-76CE-43B2-9F40-69363FCDA61C}" type="presParOf" srcId="{32D40607-A476-4E5E-A0BE-DFBF63C6E719}" destId="{A3EBB5EA-CAA6-4281-845E-FD65A02F78F8}" srcOrd="1" destOrd="0" presId="urn:microsoft.com/office/officeart/2008/layout/SquareAccentList"/>
+    <dgm:cxn modelId="{28AE8657-0A3F-4CF9-9D2F-0E88523754EA}" type="presParOf" srcId="{1ABAE6CC-C3CC-4C74-A03A-517A628E71A1}" destId="{B3E405BC-77FA-4B2F-B54B-A1221651199E}" srcOrd="8" destOrd="0" presId="urn:microsoft.com/office/officeart/2008/layout/SquareAccentList"/>
+    <dgm:cxn modelId="{37298B72-FB8D-4527-ADFD-14770C56FCD0}" type="presParOf" srcId="{B3E405BC-77FA-4B2F-B54B-A1221651199E}" destId="{50295B72-67D3-424A-92C7-A1AF11C46E81}" srcOrd="0" destOrd="0" presId="urn:microsoft.com/office/officeart/2008/layout/SquareAccentList"/>
+    <dgm:cxn modelId="{65E819BB-ECD9-460D-9617-5C40CBA75906}" type="presParOf" srcId="{B3E405BC-77FA-4B2F-B54B-A1221651199E}" destId="{133E6456-6450-42D4-9BA0-6177B310FD90}" srcOrd="1" destOrd="0" presId="urn:microsoft.com/office/officeart/2008/layout/SquareAccentList"/>
+  </dgm:cxnLst>
+  <dgm:bg/>
+  <dgm:whole/>
+  <dgm:extLst>
+    <a:ext uri="http://schemas.microsoft.com/office/drawing/2008/diagram">
+      <dsp:dataModelExt xmlns:dsp="http://schemas.microsoft.com/office/drawing/2008/diagram" relId="rId7" minVer="http://schemas.openxmlformats.org/drawingml/2006/diagram"/>
+    </a:ext>
+  </dgm:extLst>
+</dgm:dataModel>
+</file>
+
+<file path=ppt/diagrams/data2.xml><?xml version="1.0" encoding="utf-8"?>
 <dgm:dataModel xmlns:dgm="http://schemas.openxmlformats.org/drawingml/2006/diagram" xmlns:a="http://schemas.openxmlformats.org/drawingml/2006/main">
   <dgm:ptLst>
     <dgm:pt modelId="{260CC0DA-7113-4AF2-B6F0-25CD570BD56A}" type="doc">
@@ -2162,6 +4354,2292 @@
 </file>
 
 <file path=ppt/diagrams/drawing1.xml><?xml version="1.0" encoding="utf-8"?>
+<dsp:drawing xmlns:dgm="http://schemas.openxmlformats.org/drawingml/2006/diagram" xmlns:dsp="http://schemas.microsoft.com/office/drawing/2008/diagram" xmlns:a="http://schemas.openxmlformats.org/drawingml/2006/main">
+  <dsp:spTree>
+    <dsp:nvGrpSpPr>
+      <dsp:cNvPr id="0" name=""/>
+      <dsp:cNvGrpSpPr/>
+    </dsp:nvGrpSpPr>
+    <dsp:grpSpPr/>
+    <dsp:sp modelId="{CFB044E0-32BF-4DD6-A52F-5E141CAB0220}">
+      <dsp:nvSpPr>
+        <dsp:cNvPr id="0" name=""/>
+        <dsp:cNvSpPr/>
+      </dsp:nvSpPr>
+      <dsp:spPr>
+        <a:xfrm>
+          <a:off x="655715" y="465330"/>
+          <a:ext cx="2201773" cy="259032"/>
+        </a:xfrm>
+        <a:prstGeom prst="rect">
+          <a:avLst/>
+        </a:prstGeom>
+        <a:solidFill>
+          <a:schemeClr val="accent1">
+            <a:hueOff val="0"/>
+            <a:satOff val="0"/>
+            <a:lumOff val="0"/>
+            <a:alphaOff val="0"/>
+          </a:schemeClr>
+        </a:solidFill>
+        <a:ln w="12700" cap="flat" cmpd="sng" algn="ctr">
+          <a:solidFill>
+            <a:schemeClr val="accent1">
+              <a:hueOff val="0"/>
+              <a:satOff val="0"/>
+              <a:lumOff val="0"/>
+              <a:alphaOff val="0"/>
+            </a:schemeClr>
+          </a:solidFill>
+          <a:prstDash val="solid"/>
+          <a:miter lim="800000"/>
+        </a:ln>
+        <a:effectLst/>
+      </dsp:spPr>
+      <dsp:style>
+        <a:lnRef idx="2">
+          <a:scrgbClr r="0" g="0" b="0"/>
+        </a:lnRef>
+        <a:fillRef idx="1">
+          <a:scrgbClr r="0" g="0" b="0"/>
+        </a:fillRef>
+        <a:effectRef idx="0">
+          <a:scrgbClr r="0" g="0" b="0"/>
+        </a:effectRef>
+        <a:fontRef idx="minor">
+          <a:schemeClr val="lt1"/>
+        </a:fontRef>
+      </dsp:style>
+    </dsp:sp>
+    <dsp:sp modelId="{05721626-8716-4554-AD52-625733C58F5A}">
+      <dsp:nvSpPr>
+        <dsp:cNvPr id="0" name=""/>
+        <dsp:cNvSpPr/>
+      </dsp:nvSpPr>
+      <dsp:spPr>
+        <a:xfrm>
+          <a:off x="655715" y="562612"/>
+          <a:ext cx="161750" cy="161750"/>
+        </a:xfrm>
+        <a:prstGeom prst="rect">
+          <a:avLst/>
+        </a:prstGeom>
+        <a:solidFill>
+          <a:schemeClr val="lt1">
+            <a:alpha val="90000"/>
+            <a:hueOff val="0"/>
+            <a:satOff val="0"/>
+            <a:lumOff val="0"/>
+            <a:alphaOff val="0"/>
+          </a:schemeClr>
+        </a:solidFill>
+        <a:ln w="12700" cap="flat" cmpd="sng" algn="ctr">
+          <a:solidFill>
+            <a:schemeClr val="accent1">
+              <a:hueOff val="0"/>
+              <a:satOff val="0"/>
+              <a:lumOff val="0"/>
+              <a:alphaOff val="0"/>
+            </a:schemeClr>
+          </a:solidFill>
+          <a:prstDash val="solid"/>
+          <a:miter lim="800000"/>
+        </a:ln>
+        <a:effectLst/>
+      </dsp:spPr>
+      <dsp:style>
+        <a:lnRef idx="2">
+          <a:scrgbClr r="0" g="0" b="0"/>
+        </a:lnRef>
+        <a:fillRef idx="1">
+          <a:scrgbClr r="0" g="0" b="0"/>
+        </a:fillRef>
+        <a:effectRef idx="0">
+          <a:scrgbClr r="0" g="0" b="0"/>
+        </a:effectRef>
+        <a:fontRef idx="minor"/>
+      </dsp:style>
+    </dsp:sp>
+    <dsp:sp modelId="{626B9FC7-374A-482E-B845-87E8360F5BEC}">
+      <dsp:nvSpPr>
+        <dsp:cNvPr id="0" name=""/>
+        <dsp:cNvSpPr/>
+      </dsp:nvSpPr>
+      <dsp:spPr>
+        <a:xfrm>
+          <a:off x="655715" y="0"/>
+          <a:ext cx="2201773" cy="465330"/>
+        </a:xfrm>
+        <a:prstGeom prst="rect">
+          <a:avLst/>
+        </a:prstGeom>
+        <a:noFill/>
+        <a:ln>
+          <a:noFill/>
+        </a:ln>
+        <a:effectLst/>
+      </dsp:spPr>
+      <dsp:style>
+        <a:lnRef idx="0">
+          <a:scrgbClr r="0" g="0" b="0"/>
+        </a:lnRef>
+        <a:fillRef idx="0">
+          <a:scrgbClr r="0" g="0" b="0"/>
+        </a:fillRef>
+        <a:effectRef idx="0">
+          <a:scrgbClr r="0" g="0" b="0"/>
+        </a:effectRef>
+        <a:fontRef idx="minor"/>
+      </dsp:style>
+      <dsp:txBody>
+        <a:bodyPr spcFirstLastPara="0" vert="horz" wrap="square" lIns="38100" tIns="25400" rIns="38100" bIns="25400" numCol="1" spcCol="1270" anchor="ctr" anchorCtr="0">
+          <a:noAutofit/>
+        </a:bodyPr>
+        <a:lstStyle/>
+        <a:p>
+          <a:pPr lvl="0" algn="l" defTabSz="889000">
+            <a:lnSpc>
+              <a:spcPct val="90000"/>
+            </a:lnSpc>
+            <a:spcBef>
+              <a:spcPct val="0"/>
+            </a:spcBef>
+            <a:spcAft>
+              <a:spcPct val="35000"/>
+            </a:spcAft>
+          </a:pPr>
+          <a:r>
+            <a:rPr kumimoji="1" lang="ja-JP" altLang="en-US" sz="2000" kern="1200" dirty="0" smtClean="0"/>
+            <a:t>言語</a:t>
+          </a:r>
+          <a:endParaRPr kumimoji="1" lang="ja-JP" altLang="en-US" sz="2000" kern="1200" dirty="0"/>
+        </a:p>
+      </dsp:txBody>
+      <dsp:txXfrm>
+        <a:off x="655715" y="0"/>
+        <a:ext cx="2201773" cy="465330"/>
+      </dsp:txXfrm>
+    </dsp:sp>
+    <dsp:sp modelId="{224F7A33-A604-4BFC-97E1-3C2C142781B3}">
+      <dsp:nvSpPr>
+        <dsp:cNvPr id="0" name=""/>
+        <dsp:cNvSpPr/>
+      </dsp:nvSpPr>
+      <dsp:spPr>
+        <a:xfrm>
+          <a:off x="655715" y="939647"/>
+          <a:ext cx="161746" cy="161746"/>
+        </a:xfrm>
+        <a:prstGeom prst="rect">
+          <a:avLst/>
+        </a:prstGeom>
+        <a:solidFill>
+          <a:schemeClr val="lt1">
+            <a:hueOff val="0"/>
+            <a:satOff val="0"/>
+            <a:lumOff val="0"/>
+            <a:alphaOff val="0"/>
+          </a:schemeClr>
+        </a:solidFill>
+        <a:ln w="12700" cap="flat" cmpd="sng" algn="ctr">
+          <a:solidFill>
+            <a:schemeClr val="accent1">
+              <a:hueOff val="0"/>
+              <a:satOff val="0"/>
+              <a:lumOff val="0"/>
+              <a:alphaOff val="0"/>
+            </a:schemeClr>
+          </a:solidFill>
+          <a:prstDash val="solid"/>
+          <a:miter lim="800000"/>
+        </a:ln>
+        <a:effectLst/>
+      </dsp:spPr>
+      <dsp:style>
+        <a:lnRef idx="2">
+          <a:scrgbClr r="0" g="0" b="0"/>
+        </a:lnRef>
+        <a:fillRef idx="1">
+          <a:scrgbClr r="0" g="0" b="0"/>
+        </a:fillRef>
+        <a:effectRef idx="0">
+          <a:scrgbClr r="0" g="0" b="0"/>
+        </a:effectRef>
+        <a:fontRef idx="minor"/>
+      </dsp:style>
+    </dsp:sp>
+    <dsp:sp modelId="{5AE80969-A120-4FB8-B700-70C52262C8CE}">
+      <dsp:nvSpPr>
+        <dsp:cNvPr id="0" name=""/>
+        <dsp:cNvSpPr/>
+      </dsp:nvSpPr>
+      <dsp:spPr>
+        <a:xfrm>
+          <a:off x="809839" y="832005"/>
+          <a:ext cx="2047649" cy="377030"/>
+        </a:xfrm>
+        <a:prstGeom prst="rect">
+          <a:avLst/>
+        </a:prstGeom>
+        <a:noFill/>
+        <a:ln>
+          <a:noFill/>
+        </a:ln>
+        <a:effectLst/>
+      </dsp:spPr>
+      <dsp:style>
+        <a:lnRef idx="0">
+          <a:scrgbClr r="0" g="0" b="0"/>
+        </a:lnRef>
+        <a:fillRef idx="0">
+          <a:scrgbClr r="0" g="0" b="0"/>
+        </a:fillRef>
+        <a:effectRef idx="0">
+          <a:scrgbClr r="0" g="0" b="0"/>
+        </a:effectRef>
+        <a:fontRef idx="minor"/>
+      </dsp:style>
+      <dsp:txBody>
+        <a:bodyPr spcFirstLastPara="0" vert="horz" wrap="square" lIns="78232" tIns="78232" rIns="78232" bIns="78232" numCol="1" spcCol="1270" anchor="ctr" anchorCtr="0">
+          <a:noAutofit/>
+        </a:bodyPr>
+        <a:lstStyle/>
+        <a:p>
+          <a:pPr lvl="0" algn="l" defTabSz="488950">
+            <a:lnSpc>
+              <a:spcPct val="90000"/>
+            </a:lnSpc>
+            <a:spcBef>
+              <a:spcPct val="0"/>
+            </a:spcBef>
+            <a:spcAft>
+              <a:spcPct val="35000"/>
+            </a:spcAft>
+          </a:pPr>
+          <a:r>
+            <a:rPr kumimoji="1" lang="en-US" altLang="ja-JP" sz="1100" kern="1200" dirty="0" smtClean="0"/>
+            <a:t>HTML&amp;CSS</a:t>
+          </a:r>
+          <a:endParaRPr kumimoji="1" lang="ja-JP" altLang="en-US" sz="1100" kern="1200" dirty="0"/>
+        </a:p>
+      </dsp:txBody>
+      <dsp:txXfrm>
+        <a:off x="809839" y="832005"/>
+        <a:ext cx="2047649" cy="377030"/>
+      </dsp:txXfrm>
+    </dsp:sp>
+    <dsp:sp modelId="{4469A758-A3C0-4522-A36E-6033EF2C2A2E}">
+      <dsp:nvSpPr>
+        <dsp:cNvPr id="0" name=""/>
+        <dsp:cNvSpPr/>
+      </dsp:nvSpPr>
+      <dsp:spPr>
+        <a:xfrm>
+          <a:off x="655715" y="1316678"/>
+          <a:ext cx="161746" cy="161746"/>
+        </a:xfrm>
+        <a:prstGeom prst="rect">
+          <a:avLst/>
+        </a:prstGeom>
+        <a:solidFill>
+          <a:schemeClr val="lt1">
+            <a:hueOff val="0"/>
+            <a:satOff val="0"/>
+            <a:lumOff val="0"/>
+            <a:alphaOff val="0"/>
+          </a:schemeClr>
+        </a:solidFill>
+        <a:ln w="12700" cap="flat" cmpd="sng" algn="ctr">
+          <a:solidFill>
+            <a:schemeClr val="accent1">
+              <a:hueOff val="0"/>
+              <a:satOff val="0"/>
+              <a:lumOff val="0"/>
+              <a:alphaOff val="0"/>
+            </a:schemeClr>
+          </a:solidFill>
+          <a:prstDash val="solid"/>
+          <a:miter lim="800000"/>
+        </a:ln>
+        <a:effectLst/>
+      </dsp:spPr>
+      <dsp:style>
+        <a:lnRef idx="2">
+          <a:scrgbClr r="0" g="0" b="0"/>
+        </a:lnRef>
+        <a:fillRef idx="1">
+          <a:scrgbClr r="0" g="0" b="0"/>
+        </a:fillRef>
+        <a:effectRef idx="0">
+          <a:scrgbClr r="0" g="0" b="0"/>
+        </a:effectRef>
+        <a:fontRef idx="minor"/>
+      </dsp:style>
+    </dsp:sp>
+    <dsp:sp modelId="{C7F46254-AAA6-4B4C-8D6A-A5B9FDE408EB}">
+      <dsp:nvSpPr>
+        <dsp:cNvPr id="0" name=""/>
+        <dsp:cNvSpPr/>
+      </dsp:nvSpPr>
+      <dsp:spPr>
+        <a:xfrm>
+          <a:off x="809839" y="1209036"/>
+          <a:ext cx="2047649" cy="377030"/>
+        </a:xfrm>
+        <a:prstGeom prst="rect">
+          <a:avLst/>
+        </a:prstGeom>
+        <a:noFill/>
+        <a:ln>
+          <a:noFill/>
+        </a:ln>
+        <a:effectLst/>
+      </dsp:spPr>
+      <dsp:style>
+        <a:lnRef idx="0">
+          <a:scrgbClr r="0" g="0" b="0"/>
+        </a:lnRef>
+        <a:fillRef idx="0">
+          <a:scrgbClr r="0" g="0" b="0"/>
+        </a:fillRef>
+        <a:effectRef idx="0">
+          <a:scrgbClr r="0" g="0" b="0"/>
+        </a:effectRef>
+        <a:fontRef idx="minor"/>
+      </dsp:style>
+      <dsp:txBody>
+        <a:bodyPr spcFirstLastPara="0" vert="horz" wrap="square" lIns="78232" tIns="78232" rIns="78232" bIns="78232" numCol="1" spcCol="1270" anchor="ctr" anchorCtr="0">
+          <a:noAutofit/>
+        </a:bodyPr>
+        <a:lstStyle/>
+        <a:p>
+          <a:pPr lvl="0" algn="l" defTabSz="488950">
+            <a:lnSpc>
+              <a:spcPct val="90000"/>
+            </a:lnSpc>
+            <a:spcBef>
+              <a:spcPct val="0"/>
+            </a:spcBef>
+            <a:spcAft>
+              <a:spcPct val="35000"/>
+            </a:spcAft>
+          </a:pPr>
+          <a:r>
+            <a:rPr kumimoji="1" lang="en-US" altLang="ja-JP" sz="1100" kern="1200" dirty="0" smtClean="0"/>
+            <a:t>JavaScript</a:t>
+          </a:r>
+          <a:endParaRPr kumimoji="1" lang="ja-JP" altLang="en-US" sz="1100" kern="1200" dirty="0"/>
+        </a:p>
+      </dsp:txBody>
+      <dsp:txXfrm>
+        <a:off x="809839" y="1209036"/>
+        <a:ext cx="2047649" cy="377030"/>
+      </dsp:txXfrm>
+    </dsp:sp>
+    <dsp:sp modelId="{71EC8CD3-088E-4913-89AD-221917BF9291}">
+      <dsp:nvSpPr>
+        <dsp:cNvPr id="0" name=""/>
+        <dsp:cNvSpPr/>
+      </dsp:nvSpPr>
+      <dsp:spPr>
+        <a:xfrm>
+          <a:off x="655715" y="1693709"/>
+          <a:ext cx="161746" cy="161746"/>
+        </a:xfrm>
+        <a:prstGeom prst="rect">
+          <a:avLst/>
+        </a:prstGeom>
+        <a:solidFill>
+          <a:schemeClr val="lt1">
+            <a:hueOff val="0"/>
+            <a:satOff val="0"/>
+            <a:lumOff val="0"/>
+            <a:alphaOff val="0"/>
+          </a:schemeClr>
+        </a:solidFill>
+        <a:ln w="12700" cap="flat" cmpd="sng" algn="ctr">
+          <a:solidFill>
+            <a:schemeClr val="accent1">
+              <a:hueOff val="0"/>
+              <a:satOff val="0"/>
+              <a:lumOff val="0"/>
+              <a:alphaOff val="0"/>
+            </a:schemeClr>
+          </a:solidFill>
+          <a:prstDash val="solid"/>
+          <a:miter lim="800000"/>
+        </a:ln>
+        <a:effectLst/>
+      </dsp:spPr>
+      <dsp:style>
+        <a:lnRef idx="2">
+          <a:scrgbClr r="0" g="0" b="0"/>
+        </a:lnRef>
+        <a:fillRef idx="1">
+          <a:scrgbClr r="0" g="0" b="0"/>
+        </a:fillRef>
+        <a:effectRef idx="0">
+          <a:scrgbClr r="0" g="0" b="0"/>
+        </a:effectRef>
+        <a:fontRef idx="minor"/>
+      </dsp:style>
+    </dsp:sp>
+    <dsp:sp modelId="{7648596B-7594-4F17-8270-D9A2712B46B6}">
+      <dsp:nvSpPr>
+        <dsp:cNvPr id="0" name=""/>
+        <dsp:cNvSpPr/>
+      </dsp:nvSpPr>
+      <dsp:spPr>
+        <a:xfrm>
+          <a:off x="809839" y="1586067"/>
+          <a:ext cx="2047649" cy="377030"/>
+        </a:xfrm>
+        <a:prstGeom prst="rect">
+          <a:avLst/>
+        </a:prstGeom>
+        <a:noFill/>
+        <a:ln>
+          <a:noFill/>
+        </a:ln>
+        <a:effectLst/>
+      </dsp:spPr>
+      <dsp:style>
+        <a:lnRef idx="0">
+          <a:scrgbClr r="0" g="0" b="0"/>
+        </a:lnRef>
+        <a:fillRef idx="0">
+          <a:scrgbClr r="0" g="0" b="0"/>
+        </a:fillRef>
+        <a:effectRef idx="0">
+          <a:scrgbClr r="0" g="0" b="0"/>
+        </a:effectRef>
+        <a:fontRef idx="minor"/>
+      </dsp:style>
+      <dsp:txBody>
+        <a:bodyPr spcFirstLastPara="0" vert="horz" wrap="square" lIns="78232" tIns="78232" rIns="78232" bIns="78232" numCol="1" spcCol="1270" anchor="ctr" anchorCtr="0">
+          <a:noAutofit/>
+        </a:bodyPr>
+        <a:lstStyle/>
+        <a:p>
+          <a:pPr lvl="0" algn="l" defTabSz="488950">
+            <a:lnSpc>
+              <a:spcPct val="90000"/>
+            </a:lnSpc>
+            <a:spcBef>
+              <a:spcPct val="0"/>
+            </a:spcBef>
+            <a:spcAft>
+              <a:spcPct val="35000"/>
+            </a:spcAft>
+          </a:pPr>
+          <a:r>
+            <a:rPr kumimoji="1" lang="en-US" altLang="ja-JP" sz="1100" kern="1200" dirty="0" smtClean="0"/>
+            <a:t>PHP</a:t>
+          </a:r>
+          <a:endParaRPr kumimoji="1" lang="ja-JP" altLang="en-US" sz="1100" kern="1200" dirty="0"/>
+        </a:p>
+      </dsp:txBody>
+      <dsp:txXfrm>
+        <a:off x="809839" y="1586067"/>
+        <a:ext cx="2047649" cy="377030"/>
+      </dsp:txXfrm>
+    </dsp:sp>
+    <dsp:sp modelId="{C3B6E217-3078-48EC-BC4C-ED6E89F0BC0F}">
+      <dsp:nvSpPr>
+        <dsp:cNvPr id="0" name=""/>
+        <dsp:cNvSpPr/>
+      </dsp:nvSpPr>
+      <dsp:spPr>
+        <a:xfrm>
+          <a:off x="655715" y="2070740"/>
+          <a:ext cx="161746" cy="161746"/>
+        </a:xfrm>
+        <a:prstGeom prst="rect">
+          <a:avLst/>
+        </a:prstGeom>
+        <a:solidFill>
+          <a:schemeClr val="lt1">
+            <a:hueOff val="0"/>
+            <a:satOff val="0"/>
+            <a:lumOff val="0"/>
+            <a:alphaOff val="0"/>
+          </a:schemeClr>
+        </a:solidFill>
+        <a:ln w="12700" cap="flat" cmpd="sng" algn="ctr">
+          <a:solidFill>
+            <a:schemeClr val="accent1">
+              <a:hueOff val="0"/>
+              <a:satOff val="0"/>
+              <a:lumOff val="0"/>
+              <a:alphaOff val="0"/>
+            </a:schemeClr>
+          </a:solidFill>
+          <a:prstDash val="solid"/>
+          <a:miter lim="800000"/>
+        </a:ln>
+        <a:effectLst/>
+      </dsp:spPr>
+      <dsp:style>
+        <a:lnRef idx="2">
+          <a:scrgbClr r="0" g="0" b="0"/>
+        </a:lnRef>
+        <a:fillRef idx="1">
+          <a:scrgbClr r="0" g="0" b="0"/>
+        </a:fillRef>
+        <a:effectRef idx="0">
+          <a:scrgbClr r="0" g="0" b="0"/>
+        </a:effectRef>
+        <a:fontRef idx="minor"/>
+      </dsp:style>
+    </dsp:sp>
+    <dsp:sp modelId="{98828224-8AD1-4A09-8F8B-8D8B2A0B7DB5}">
+      <dsp:nvSpPr>
+        <dsp:cNvPr id="0" name=""/>
+        <dsp:cNvSpPr/>
+      </dsp:nvSpPr>
+      <dsp:spPr>
+        <a:xfrm>
+          <a:off x="809839" y="1963098"/>
+          <a:ext cx="2047649" cy="377030"/>
+        </a:xfrm>
+        <a:prstGeom prst="rect">
+          <a:avLst/>
+        </a:prstGeom>
+        <a:noFill/>
+        <a:ln>
+          <a:noFill/>
+        </a:ln>
+        <a:effectLst/>
+      </dsp:spPr>
+      <dsp:style>
+        <a:lnRef idx="0">
+          <a:scrgbClr r="0" g="0" b="0"/>
+        </a:lnRef>
+        <a:fillRef idx="0">
+          <a:scrgbClr r="0" g="0" b="0"/>
+        </a:fillRef>
+        <a:effectRef idx="0">
+          <a:scrgbClr r="0" g="0" b="0"/>
+        </a:effectRef>
+        <a:fontRef idx="minor"/>
+      </dsp:style>
+      <dsp:txBody>
+        <a:bodyPr spcFirstLastPara="0" vert="horz" wrap="square" lIns="78232" tIns="78232" rIns="78232" bIns="78232" numCol="1" spcCol="1270" anchor="ctr" anchorCtr="0">
+          <a:noAutofit/>
+        </a:bodyPr>
+        <a:lstStyle/>
+        <a:p>
+          <a:pPr lvl="0" algn="l" defTabSz="488950">
+            <a:lnSpc>
+              <a:spcPct val="90000"/>
+            </a:lnSpc>
+            <a:spcBef>
+              <a:spcPct val="0"/>
+            </a:spcBef>
+            <a:spcAft>
+              <a:spcPct val="35000"/>
+            </a:spcAft>
+          </a:pPr>
+          <a:r>
+            <a:rPr kumimoji="1" lang="en-US" altLang="ja-JP" sz="1100" kern="1200" dirty="0" smtClean="0"/>
+            <a:t>Python</a:t>
+          </a:r>
+          <a:endParaRPr kumimoji="1" lang="ja-JP" altLang="en-US" sz="1100" kern="1200" dirty="0"/>
+        </a:p>
+      </dsp:txBody>
+      <dsp:txXfrm>
+        <a:off x="809839" y="1963098"/>
+        <a:ext cx="2047649" cy="377030"/>
+      </dsp:txXfrm>
+    </dsp:sp>
+    <dsp:sp modelId="{ED11B1A8-43A1-4E9E-B559-9542C9C05921}">
+      <dsp:nvSpPr>
+        <dsp:cNvPr id="0" name=""/>
+        <dsp:cNvSpPr/>
+      </dsp:nvSpPr>
+      <dsp:spPr>
+        <a:xfrm>
+          <a:off x="655715" y="2447771"/>
+          <a:ext cx="161746" cy="161746"/>
+        </a:xfrm>
+        <a:prstGeom prst="rect">
+          <a:avLst/>
+        </a:prstGeom>
+        <a:solidFill>
+          <a:schemeClr val="lt1">
+            <a:hueOff val="0"/>
+            <a:satOff val="0"/>
+            <a:lumOff val="0"/>
+            <a:alphaOff val="0"/>
+          </a:schemeClr>
+        </a:solidFill>
+        <a:ln w="12700" cap="flat" cmpd="sng" algn="ctr">
+          <a:solidFill>
+            <a:schemeClr val="accent1">
+              <a:hueOff val="0"/>
+              <a:satOff val="0"/>
+              <a:lumOff val="0"/>
+              <a:alphaOff val="0"/>
+            </a:schemeClr>
+          </a:solidFill>
+          <a:prstDash val="solid"/>
+          <a:miter lim="800000"/>
+        </a:ln>
+        <a:effectLst/>
+      </dsp:spPr>
+      <dsp:style>
+        <a:lnRef idx="2">
+          <a:scrgbClr r="0" g="0" b="0"/>
+        </a:lnRef>
+        <a:fillRef idx="1">
+          <a:scrgbClr r="0" g="0" b="0"/>
+        </a:fillRef>
+        <a:effectRef idx="0">
+          <a:scrgbClr r="0" g="0" b="0"/>
+        </a:effectRef>
+        <a:fontRef idx="minor"/>
+      </dsp:style>
+    </dsp:sp>
+    <dsp:sp modelId="{726A9AD0-8DAE-4459-8466-12DC81F555A8}">
+      <dsp:nvSpPr>
+        <dsp:cNvPr id="0" name=""/>
+        <dsp:cNvSpPr/>
+      </dsp:nvSpPr>
+      <dsp:spPr>
+        <a:xfrm>
+          <a:off x="809839" y="2340129"/>
+          <a:ext cx="2047649" cy="377030"/>
+        </a:xfrm>
+        <a:prstGeom prst="rect">
+          <a:avLst/>
+        </a:prstGeom>
+        <a:noFill/>
+        <a:ln>
+          <a:noFill/>
+        </a:ln>
+        <a:effectLst/>
+      </dsp:spPr>
+      <dsp:style>
+        <a:lnRef idx="0">
+          <a:scrgbClr r="0" g="0" b="0"/>
+        </a:lnRef>
+        <a:fillRef idx="0">
+          <a:scrgbClr r="0" g="0" b="0"/>
+        </a:fillRef>
+        <a:effectRef idx="0">
+          <a:scrgbClr r="0" g="0" b="0"/>
+        </a:effectRef>
+        <a:fontRef idx="minor"/>
+      </dsp:style>
+      <dsp:txBody>
+        <a:bodyPr spcFirstLastPara="0" vert="horz" wrap="square" lIns="78232" tIns="78232" rIns="78232" bIns="78232" numCol="1" spcCol="1270" anchor="ctr" anchorCtr="0">
+          <a:noAutofit/>
+        </a:bodyPr>
+        <a:lstStyle/>
+        <a:p>
+          <a:pPr lvl="0" algn="l" defTabSz="488950">
+            <a:lnSpc>
+              <a:spcPct val="90000"/>
+            </a:lnSpc>
+            <a:spcBef>
+              <a:spcPct val="0"/>
+            </a:spcBef>
+            <a:spcAft>
+              <a:spcPct val="35000"/>
+            </a:spcAft>
+          </a:pPr>
+          <a:r>
+            <a:rPr kumimoji="1" lang="en-US" altLang="ja-JP" sz="1100" kern="1200" dirty="0" smtClean="0"/>
+            <a:t>Swift</a:t>
+          </a:r>
+          <a:endParaRPr kumimoji="1" lang="ja-JP" altLang="en-US" sz="1100" kern="1200" dirty="0"/>
+        </a:p>
+      </dsp:txBody>
+      <dsp:txXfrm>
+        <a:off x="809839" y="2340129"/>
+        <a:ext cx="2047649" cy="377030"/>
+      </dsp:txXfrm>
+    </dsp:sp>
+    <dsp:sp modelId="{183E3266-0F74-421A-B7DA-2BD31BEBB34B}">
+      <dsp:nvSpPr>
+        <dsp:cNvPr id="0" name=""/>
+        <dsp:cNvSpPr/>
+      </dsp:nvSpPr>
+      <dsp:spPr>
+        <a:xfrm>
+          <a:off x="655715" y="2824802"/>
+          <a:ext cx="161746" cy="161746"/>
+        </a:xfrm>
+        <a:prstGeom prst="rect">
+          <a:avLst/>
+        </a:prstGeom>
+        <a:solidFill>
+          <a:schemeClr val="lt1">
+            <a:hueOff val="0"/>
+            <a:satOff val="0"/>
+            <a:lumOff val="0"/>
+            <a:alphaOff val="0"/>
+          </a:schemeClr>
+        </a:solidFill>
+        <a:ln w="12700" cap="flat" cmpd="sng" algn="ctr">
+          <a:solidFill>
+            <a:schemeClr val="accent1">
+              <a:hueOff val="0"/>
+              <a:satOff val="0"/>
+              <a:lumOff val="0"/>
+              <a:alphaOff val="0"/>
+            </a:schemeClr>
+          </a:solidFill>
+          <a:prstDash val="solid"/>
+          <a:miter lim="800000"/>
+        </a:ln>
+        <a:effectLst/>
+      </dsp:spPr>
+      <dsp:style>
+        <a:lnRef idx="2">
+          <a:scrgbClr r="0" g="0" b="0"/>
+        </a:lnRef>
+        <a:fillRef idx="1">
+          <a:scrgbClr r="0" g="0" b="0"/>
+        </a:fillRef>
+        <a:effectRef idx="0">
+          <a:scrgbClr r="0" g="0" b="0"/>
+        </a:effectRef>
+        <a:fontRef idx="minor"/>
+      </dsp:style>
+    </dsp:sp>
+    <dsp:sp modelId="{82FAA2F4-E2B7-49BD-9C0B-60D2DFAC3441}">
+      <dsp:nvSpPr>
+        <dsp:cNvPr id="0" name=""/>
+        <dsp:cNvSpPr/>
+      </dsp:nvSpPr>
+      <dsp:spPr>
+        <a:xfrm>
+          <a:off x="809839" y="2717160"/>
+          <a:ext cx="2047649" cy="377030"/>
+        </a:xfrm>
+        <a:prstGeom prst="rect">
+          <a:avLst/>
+        </a:prstGeom>
+        <a:noFill/>
+        <a:ln>
+          <a:noFill/>
+        </a:ln>
+        <a:effectLst/>
+      </dsp:spPr>
+      <dsp:style>
+        <a:lnRef idx="0">
+          <a:scrgbClr r="0" g="0" b="0"/>
+        </a:lnRef>
+        <a:fillRef idx="0">
+          <a:scrgbClr r="0" g="0" b="0"/>
+        </a:fillRef>
+        <a:effectRef idx="0">
+          <a:scrgbClr r="0" g="0" b="0"/>
+        </a:effectRef>
+        <a:fontRef idx="minor"/>
+      </dsp:style>
+      <dsp:txBody>
+        <a:bodyPr spcFirstLastPara="0" vert="horz" wrap="square" lIns="78232" tIns="78232" rIns="78232" bIns="78232" numCol="1" spcCol="1270" anchor="ctr" anchorCtr="0">
+          <a:noAutofit/>
+        </a:bodyPr>
+        <a:lstStyle/>
+        <a:p>
+          <a:pPr lvl="0" algn="l" defTabSz="488950">
+            <a:lnSpc>
+              <a:spcPct val="90000"/>
+            </a:lnSpc>
+            <a:spcBef>
+              <a:spcPct val="0"/>
+            </a:spcBef>
+            <a:spcAft>
+              <a:spcPct val="35000"/>
+            </a:spcAft>
+          </a:pPr>
+          <a:r>
+            <a:rPr kumimoji="1" lang="en-US" altLang="ja-JP" sz="1100" kern="1200" dirty="0" smtClean="0"/>
+            <a:t>JAVA</a:t>
+          </a:r>
+          <a:endParaRPr kumimoji="1" lang="ja-JP" altLang="en-US" sz="1100" kern="1200" dirty="0"/>
+        </a:p>
+      </dsp:txBody>
+      <dsp:txXfrm>
+        <a:off x="809839" y="2717160"/>
+        <a:ext cx="2047649" cy="377030"/>
+      </dsp:txXfrm>
+    </dsp:sp>
+    <dsp:sp modelId="{C660816B-332A-4B23-90F0-BD5CF39FA4F3}">
+      <dsp:nvSpPr>
+        <dsp:cNvPr id="0" name=""/>
+        <dsp:cNvSpPr/>
+      </dsp:nvSpPr>
+      <dsp:spPr>
+        <a:xfrm>
+          <a:off x="655715" y="3201833"/>
+          <a:ext cx="161746" cy="161746"/>
+        </a:xfrm>
+        <a:prstGeom prst="rect">
+          <a:avLst/>
+        </a:prstGeom>
+        <a:solidFill>
+          <a:schemeClr val="lt1">
+            <a:hueOff val="0"/>
+            <a:satOff val="0"/>
+            <a:lumOff val="0"/>
+            <a:alphaOff val="0"/>
+          </a:schemeClr>
+        </a:solidFill>
+        <a:ln w="12700" cap="flat" cmpd="sng" algn="ctr">
+          <a:solidFill>
+            <a:schemeClr val="accent1">
+              <a:hueOff val="0"/>
+              <a:satOff val="0"/>
+              <a:lumOff val="0"/>
+              <a:alphaOff val="0"/>
+            </a:schemeClr>
+          </a:solidFill>
+          <a:prstDash val="solid"/>
+          <a:miter lim="800000"/>
+        </a:ln>
+        <a:effectLst/>
+      </dsp:spPr>
+      <dsp:style>
+        <a:lnRef idx="2">
+          <a:scrgbClr r="0" g="0" b="0"/>
+        </a:lnRef>
+        <a:fillRef idx="1">
+          <a:scrgbClr r="0" g="0" b="0"/>
+        </a:fillRef>
+        <a:effectRef idx="0">
+          <a:scrgbClr r="0" g="0" b="0"/>
+        </a:effectRef>
+        <a:fontRef idx="minor"/>
+      </dsp:style>
+    </dsp:sp>
+    <dsp:sp modelId="{D8B322E8-8D31-400B-89C8-247D7529ADA9}">
+      <dsp:nvSpPr>
+        <dsp:cNvPr id="0" name=""/>
+        <dsp:cNvSpPr/>
+      </dsp:nvSpPr>
+      <dsp:spPr>
+        <a:xfrm>
+          <a:off x="809839" y="3094191"/>
+          <a:ext cx="2047649" cy="377030"/>
+        </a:xfrm>
+        <a:prstGeom prst="rect">
+          <a:avLst/>
+        </a:prstGeom>
+        <a:noFill/>
+        <a:ln>
+          <a:noFill/>
+        </a:ln>
+        <a:effectLst/>
+      </dsp:spPr>
+      <dsp:style>
+        <a:lnRef idx="0">
+          <a:scrgbClr r="0" g="0" b="0"/>
+        </a:lnRef>
+        <a:fillRef idx="0">
+          <a:scrgbClr r="0" g="0" b="0"/>
+        </a:fillRef>
+        <a:effectRef idx="0">
+          <a:scrgbClr r="0" g="0" b="0"/>
+        </a:effectRef>
+        <a:fontRef idx="minor"/>
+      </dsp:style>
+      <dsp:txBody>
+        <a:bodyPr spcFirstLastPara="0" vert="horz" wrap="square" lIns="78232" tIns="78232" rIns="78232" bIns="78232" numCol="1" spcCol="1270" anchor="ctr" anchorCtr="0">
+          <a:noAutofit/>
+        </a:bodyPr>
+        <a:lstStyle/>
+        <a:p>
+          <a:pPr lvl="0" algn="l" defTabSz="488950">
+            <a:lnSpc>
+              <a:spcPct val="90000"/>
+            </a:lnSpc>
+            <a:spcBef>
+              <a:spcPct val="0"/>
+            </a:spcBef>
+            <a:spcAft>
+              <a:spcPct val="35000"/>
+            </a:spcAft>
+          </a:pPr>
+          <a:r>
+            <a:rPr kumimoji="1" lang="en-US" altLang="ja-JP" sz="1100" kern="1200" dirty="0" smtClean="0"/>
+            <a:t>C</a:t>
+          </a:r>
+          <a:endParaRPr kumimoji="1" lang="ja-JP" altLang="en-US" sz="1100" kern="1200" dirty="0"/>
+        </a:p>
+      </dsp:txBody>
+      <dsp:txXfrm>
+        <a:off x="809839" y="3094191"/>
+        <a:ext cx="2047649" cy="377030"/>
+      </dsp:txXfrm>
+    </dsp:sp>
+    <dsp:sp modelId="{0FA17169-7361-413E-9DB4-D26F57529971}">
+      <dsp:nvSpPr>
+        <dsp:cNvPr id="0" name=""/>
+        <dsp:cNvSpPr/>
+      </dsp:nvSpPr>
+      <dsp:spPr>
+        <a:xfrm>
+          <a:off x="655715" y="3578864"/>
+          <a:ext cx="161746" cy="161746"/>
+        </a:xfrm>
+        <a:prstGeom prst="rect">
+          <a:avLst/>
+        </a:prstGeom>
+        <a:solidFill>
+          <a:schemeClr val="lt1">
+            <a:hueOff val="0"/>
+            <a:satOff val="0"/>
+            <a:lumOff val="0"/>
+            <a:alphaOff val="0"/>
+          </a:schemeClr>
+        </a:solidFill>
+        <a:ln w="12700" cap="flat" cmpd="sng" algn="ctr">
+          <a:solidFill>
+            <a:schemeClr val="accent1">
+              <a:hueOff val="0"/>
+              <a:satOff val="0"/>
+              <a:lumOff val="0"/>
+              <a:alphaOff val="0"/>
+            </a:schemeClr>
+          </a:solidFill>
+          <a:prstDash val="solid"/>
+          <a:miter lim="800000"/>
+        </a:ln>
+        <a:effectLst/>
+      </dsp:spPr>
+      <dsp:style>
+        <a:lnRef idx="2">
+          <a:scrgbClr r="0" g="0" b="0"/>
+        </a:lnRef>
+        <a:fillRef idx="1">
+          <a:scrgbClr r="0" g="0" b="0"/>
+        </a:fillRef>
+        <a:effectRef idx="0">
+          <a:scrgbClr r="0" g="0" b="0"/>
+        </a:effectRef>
+        <a:fontRef idx="minor"/>
+      </dsp:style>
+    </dsp:sp>
+    <dsp:sp modelId="{27DD97BF-9723-45B7-B849-AFC403E02120}">
+      <dsp:nvSpPr>
+        <dsp:cNvPr id="0" name=""/>
+        <dsp:cNvSpPr/>
+      </dsp:nvSpPr>
+      <dsp:spPr>
+        <a:xfrm>
+          <a:off x="809839" y="3471222"/>
+          <a:ext cx="2047649" cy="377030"/>
+        </a:xfrm>
+        <a:prstGeom prst="rect">
+          <a:avLst/>
+        </a:prstGeom>
+        <a:noFill/>
+        <a:ln>
+          <a:noFill/>
+        </a:ln>
+        <a:effectLst/>
+      </dsp:spPr>
+      <dsp:style>
+        <a:lnRef idx="0">
+          <a:scrgbClr r="0" g="0" b="0"/>
+        </a:lnRef>
+        <a:fillRef idx="0">
+          <a:scrgbClr r="0" g="0" b="0"/>
+        </a:fillRef>
+        <a:effectRef idx="0">
+          <a:scrgbClr r="0" g="0" b="0"/>
+        </a:effectRef>
+        <a:fontRef idx="minor"/>
+      </dsp:style>
+      <dsp:txBody>
+        <a:bodyPr spcFirstLastPara="0" vert="horz" wrap="square" lIns="78232" tIns="78232" rIns="78232" bIns="78232" numCol="1" spcCol="1270" anchor="ctr" anchorCtr="0">
+          <a:noAutofit/>
+        </a:bodyPr>
+        <a:lstStyle/>
+        <a:p>
+          <a:pPr lvl="0" algn="l" defTabSz="488950">
+            <a:lnSpc>
+              <a:spcPct val="90000"/>
+            </a:lnSpc>
+            <a:spcBef>
+              <a:spcPct val="0"/>
+            </a:spcBef>
+            <a:spcAft>
+              <a:spcPct val="35000"/>
+            </a:spcAft>
+          </a:pPr>
+          <a:r>
+            <a:rPr kumimoji="1" lang="en-US" altLang="ja-JP" sz="1100" kern="1200" dirty="0" smtClean="0"/>
+            <a:t>C#</a:t>
+          </a:r>
+          <a:endParaRPr kumimoji="1" lang="ja-JP" altLang="en-US" sz="1100" kern="1200" dirty="0"/>
+        </a:p>
+      </dsp:txBody>
+      <dsp:txXfrm>
+        <a:off x="809839" y="3471222"/>
+        <a:ext cx="2047649" cy="377030"/>
+      </dsp:txXfrm>
+    </dsp:sp>
+    <dsp:sp modelId="{24D57BDA-A9FF-4098-B8C5-F8D929EBA25F}">
+      <dsp:nvSpPr>
+        <dsp:cNvPr id="0" name=""/>
+        <dsp:cNvSpPr/>
+      </dsp:nvSpPr>
+      <dsp:spPr>
+        <a:xfrm>
+          <a:off x="655715" y="3955895"/>
+          <a:ext cx="161746" cy="161746"/>
+        </a:xfrm>
+        <a:prstGeom prst="rect">
+          <a:avLst/>
+        </a:prstGeom>
+        <a:solidFill>
+          <a:schemeClr val="lt1">
+            <a:hueOff val="0"/>
+            <a:satOff val="0"/>
+            <a:lumOff val="0"/>
+            <a:alphaOff val="0"/>
+          </a:schemeClr>
+        </a:solidFill>
+        <a:ln w="12700" cap="flat" cmpd="sng" algn="ctr">
+          <a:solidFill>
+            <a:schemeClr val="accent1">
+              <a:hueOff val="0"/>
+              <a:satOff val="0"/>
+              <a:lumOff val="0"/>
+              <a:alphaOff val="0"/>
+            </a:schemeClr>
+          </a:solidFill>
+          <a:prstDash val="solid"/>
+          <a:miter lim="800000"/>
+        </a:ln>
+        <a:effectLst/>
+      </dsp:spPr>
+      <dsp:style>
+        <a:lnRef idx="2">
+          <a:scrgbClr r="0" g="0" b="0"/>
+        </a:lnRef>
+        <a:fillRef idx="1">
+          <a:scrgbClr r="0" g="0" b="0"/>
+        </a:fillRef>
+        <a:effectRef idx="0">
+          <a:scrgbClr r="0" g="0" b="0"/>
+        </a:effectRef>
+        <a:fontRef idx="minor"/>
+      </dsp:style>
+    </dsp:sp>
+    <dsp:sp modelId="{8B9C106F-BD45-4A42-BAE7-BFFD028095FB}">
+      <dsp:nvSpPr>
+        <dsp:cNvPr id="0" name=""/>
+        <dsp:cNvSpPr/>
+      </dsp:nvSpPr>
+      <dsp:spPr>
+        <a:xfrm>
+          <a:off x="809839" y="3848253"/>
+          <a:ext cx="2047649" cy="377030"/>
+        </a:xfrm>
+        <a:prstGeom prst="rect">
+          <a:avLst/>
+        </a:prstGeom>
+        <a:noFill/>
+        <a:ln>
+          <a:noFill/>
+        </a:ln>
+        <a:effectLst/>
+      </dsp:spPr>
+      <dsp:style>
+        <a:lnRef idx="0">
+          <a:scrgbClr r="0" g="0" b="0"/>
+        </a:lnRef>
+        <a:fillRef idx="0">
+          <a:scrgbClr r="0" g="0" b="0"/>
+        </a:fillRef>
+        <a:effectRef idx="0">
+          <a:scrgbClr r="0" g="0" b="0"/>
+        </a:effectRef>
+        <a:fontRef idx="minor"/>
+      </dsp:style>
+      <dsp:txBody>
+        <a:bodyPr spcFirstLastPara="0" vert="horz" wrap="square" lIns="78232" tIns="78232" rIns="78232" bIns="78232" numCol="1" spcCol="1270" anchor="ctr" anchorCtr="0">
+          <a:noAutofit/>
+        </a:bodyPr>
+        <a:lstStyle/>
+        <a:p>
+          <a:pPr lvl="0" algn="l" defTabSz="488950">
+            <a:lnSpc>
+              <a:spcPct val="90000"/>
+            </a:lnSpc>
+            <a:spcBef>
+              <a:spcPct val="0"/>
+            </a:spcBef>
+            <a:spcAft>
+              <a:spcPct val="35000"/>
+            </a:spcAft>
+          </a:pPr>
+          <a:r>
+            <a:rPr kumimoji="1" lang="en-US" altLang="ja-JP" sz="1100" kern="1200" dirty="0" smtClean="0"/>
+            <a:t>C++</a:t>
+          </a:r>
+          <a:endParaRPr kumimoji="1" lang="ja-JP" altLang="en-US" sz="1100" kern="1200" dirty="0"/>
+        </a:p>
+      </dsp:txBody>
+      <dsp:txXfrm>
+        <a:off x="809839" y="3848253"/>
+        <a:ext cx="2047649" cy="377030"/>
+      </dsp:txXfrm>
+    </dsp:sp>
+    <dsp:sp modelId="{AB8B30B7-24D4-4BFE-9B95-26921626FD25}">
+      <dsp:nvSpPr>
+        <dsp:cNvPr id="0" name=""/>
+        <dsp:cNvSpPr/>
+      </dsp:nvSpPr>
+      <dsp:spPr>
+        <a:xfrm>
+          <a:off x="2967577" y="465330"/>
+          <a:ext cx="2201773" cy="259032"/>
+        </a:xfrm>
+        <a:prstGeom prst="rect">
+          <a:avLst/>
+        </a:prstGeom>
+        <a:solidFill>
+          <a:schemeClr val="accent1">
+            <a:hueOff val="0"/>
+            <a:satOff val="0"/>
+            <a:lumOff val="0"/>
+            <a:alphaOff val="0"/>
+          </a:schemeClr>
+        </a:solidFill>
+        <a:ln w="12700" cap="flat" cmpd="sng" algn="ctr">
+          <a:solidFill>
+            <a:schemeClr val="accent1">
+              <a:hueOff val="0"/>
+              <a:satOff val="0"/>
+              <a:lumOff val="0"/>
+              <a:alphaOff val="0"/>
+            </a:schemeClr>
+          </a:solidFill>
+          <a:prstDash val="solid"/>
+          <a:miter lim="800000"/>
+        </a:ln>
+        <a:effectLst/>
+      </dsp:spPr>
+      <dsp:style>
+        <a:lnRef idx="2">
+          <a:scrgbClr r="0" g="0" b="0"/>
+        </a:lnRef>
+        <a:fillRef idx="1">
+          <a:scrgbClr r="0" g="0" b="0"/>
+        </a:fillRef>
+        <a:effectRef idx="0">
+          <a:scrgbClr r="0" g="0" b="0"/>
+        </a:effectRef>
+        <a:fontRef idx="minor">
+          <a:schemeClr val="lt1"/>
+        </a:fontRef>
+      </dsp:style>
+    </dsp:sp>
+    <dsp:sp modelId="{D49DA5D6-A9FD-4BCE-9187-9B5EECE89921}">
+      <dsp:nvSpPr>
+        <dsp:cNvPr id="0" name=""/>
+        <dsp:cNvSpPr/>
+      </dsp:nvSpPr>
+      <dsp:spPr>
+        <a:xfrm>
+          <a:off x="2967577" y="562612"/>
+          <a:ext cx="161750" cy="161750"/>
+        </a:xfrm>
+        <a:prstGeom prst="rect">
+          <a:avLst/>
+        </a:prstGeom>
+        <a:solidFill>
+          <a:schemeClr val="lt1">
+            <a:alpha val="90000"/>
+            <a:hueOff val="0"/>
+            <a:satOff val="0"/>
+            <a:lumOff val="0"/>
+            <a:alphaOff val="0"/>
+          </a:schemeClr>
+        </a:solidFill>
+        <a:ln w="12700" cap="flat" cmpd="sng" algn="ctr">
+          <a:solidFill>
+            <a:schemeClr val="accent1">
+              <a:hueOff val="0"/>
+              <a:satOff val="0"/>
+              <a:lumOff val="0"/>
+              <a:alphaOff val="0"/>
+            </a:schemeClr>
+          </a:solidFill>
+          <a:prstDash val="solid"/>
+          <a:miter lim="800000"/>
+        </a:ln>
+        <a:effectLst/>
+      </dsp:spPr>
+      <dsp:style>
+        <a:lnRef idx="2">
+          <a:scrgbClr r="0" g="0" b="0"/>
+        </a:lnRef>
+        <a:fillRef idx="1">
+          <a:scrgbClr r="0" g="0" b="0"/>
+        </a:fillRef>
+        <a:effectRef idx="0">
+          <a:scrgbClr r="0" g="0" b="0"/>
+        </a:effectRef>
+        <a:fontRef idx="minor"/>
+      </dsp:style>
+    </dsp:sp>
+    <dsp:sp modelId="{A624A286-49BB-40C6-8426-34DEBAE50897}">
+      <dsp:nvSpPr>
+        <dsp:cNvPr id="0" name=""/>
+        <dsp:cNvSpPr/>
+      </dsp:nvSpPr>
+      <dsp:spPr>
+        <a:xfrm>
+          <a:off x="2967577" y="0"/>
+          <a:ext cx="2201773" cy="465330"/>
+        </a:xfrm>
+        <a:prstGeom prst="rect">
+          <a:avLst/>
+        </a:prstGeom>
+        <a:noFill/>
+        <a:ln>
+          <a:noFill/>
+        </a:ln>
+        <a:effectLst/>
+      </dsp:spPr>
+      <dsp:style>
+        <a:lnRef idx="0">
+          <a:scrgbClr r="0" g="0" b="0"/>
+        </a:lnRef>
+        <a:fillRef idx="0">
+          <a:scrgbClr r="0" g="0" b="0"/>
+        </a:fillRef>
+        <a:effectRef idx="0">
+          <a:scrgbClr r="0" g="0" b="0"/>
+        </a:effectRef>
+        <a:fontRef idx="minor"/>
+      </dsp:style>
+      <dsp:txBody>
+        <a:bodyPr spcFirstLastPara="0" vert="horz" wrap="square" lIns="38100" tIns="25400" rIns="38100" bIns="25400" numCol="1" spcCol="1270" anchor="ctr" anchorCtr="0">
+          <a:noAutofit/>
+        </a:bodyPr>
+        <a:lstStyle/>
+        <a:p>
+          <a:pPr lvl="0" algn="l" defTabSz="889000">
+            <a:lnSpc>
+              <a:spcPct val="90000"/>
+            </a:lnSpc>
+            <a:spcBef>
+              <a:spcPct val="0"/>
+            </a:spcBef>
+            <a:spcAft>
+              <a:spcPct val="35000"/>
+            </a:spcAft>
+          </a:pPr>
+          <a:r>
+            <a:rPr kumimoji="1" lang="ja-JP" altLang="en-US" sz="2000" kern="1200" dirty="0" smtClean="0"/>
+            <a:t>特徴</a:t>
+          </a:r>
+          <a:endParaRPr kumimoji="1" lang="ja-JP" altLang="en-US" sz="2000" kern="1200" dirty="0"/>
+        </a:p>
+      </dsp:txBody>
+      <dsp:txXfrm>
+        <a:off x="2967577" y="0"/>
+        <a:ext cx="2201773" cy="465330"/>
+      </dsp:txXfrm>
+    </dsp:sp>
+    <dsp:sp modelId="{468CDE6A-C783-4942-BEA1-FE156BCF76D8}">
+      <dsp:nvSpPr>
+        <dsp:cNvPr id="0" name=""/>
+        <dsp:cNvSpPr/>
+      </dsp:nvSpPr>
+      <dsp:spPr>
+        <a:xfrm>
+          <a:off x="2967577" y="939647"/>
+          <a:ext cx="161746" cy="161746"/>
+        </a:xfrm>
+        <a:prstGeom prst="rect">
+          <a:avLst/>
+        </a:prstGeom>
+        <a:solidFill>
+          <a:schemeClr val="lt1">
+            <a:hueOff val="0"/>
+            <a:satOff val="0"/>
+            <a:lumOff val="0"/>
+            <a:alphaOff val="0"/>
+          </a:schemeClr>
+        </a:solidFill>
+        <a:ln w="12700" cap="flat" cmpd="sng" algn="ctr">
+          <a:solidFill>
+            <a:schemeClr val="accent1">
+              <a:hueOff val="0"/>
+              <a:satOff val="0"/>
+              <a:lumOff val="0"/>
+              <a:alphaOff val="0"/>
+            </a:schemeClr>
+          </a:solidFill>
+          <a:prstDash val="solid"/>
+          <a:miter lim="800000"/>
+        </a:ln>
+        <a:effectLst/>
+      </dsp:spPr>
+      <dsp:style>
+        <a:lnRef idx="2">
+          <a:scrgbClr r="0" g="0" b="0"/>
+        </a:lnRef>
+        <a:fillRef idx="1">
+          <a:scrgbClr r="0" g="0" b="0"/>
+        </a:fillRef>
+        <a:effectRef idx="0">
+          <a:scrgbClr r="0" g="0" b="0"/>
+        </a:effectRef>
+        <a:fontRef idx="minor"/>
+      </dsp:style>
+    </dsp:sp>
+    <dsp:sp modelId="{CD72CCFF-26DE-474F-A6C5-69CA25322847}">
+      <dsp:nvSpPr>
+        <dsp:cNvPr id="0" name=""/>
+        <dsp:cNvSpPr/>
+      </dsp:nvSpPr>
+      <dsp:spPr>
+        <a:xfrm>
+          <a:off x="3121702" y="832005"/>
+          <a:ext cx="2047649" cy="377030"/>
+        </a:xfrm>
+        <a:prstGeom prst="rect">
+          <a:avLst/>
+        </a:prstGeom>
+        <a:noFill/>
+        <a:ln>
+          <a:noFill/>
+        </a:ln>
+        <a:effectLst/>
+      </dsp:spPr>
+      <dsp:style>
+        <a:lnRef idx="0">
+          <a:scrgbClr r="0" g="0" b="0"/>
+        </a:lnRef>
+        <a:fillRef idx="0">
+          <a:scrgbClr r="0" g="0" b="0"/>
+        </a:fillRef>
+        <a:effectRef idx="0">
+          <a:scrgbClr r="0" g="0" b="0"/>
+        </a:effectRef>
+        <a:fontRef idx="minor"/>
+      </dsp:style>
+      <dsp:txBody>
+        <a:bodyPr spcFirstLastPara="0" vert="horz" wrap="square" lIns="78232" tIns="78232" rIns="78232" bIns="78232" numCol="1" spcCol="1270" anchor="ctr" anchorCtr="0">
+          <a:noAutofit/>
+        </a:bodyPr>
+        <a:lstStyle/>
+        <a:p>
+          <a:pPr lvl="0" algn="l" defTabSz="488950">
+            <a:lnSpc>
+              <a:spcPct val="90000"/>
+            </a:lnSpc>
+            <a:spcBef>
+              <a:spcPct val="0"/>
+            </a:spcBef>
+            <a:spcAft>
+              <a:spcPct val="35000"/>
+            </a:spcAft>
+          </a:pPr>
+          <a:r>
+            <a:rPr kumimoji="1" lang="ja-JP" altLang="en-US" sz="1100" kern="1200" dirty="0" smtClean="0"/>
+            <a:t>ウェブアプリ画面のレイアウト・デザイン</a:t>
+          </a:r>
+          <a:endParaRPr kumimoji="1" lang="ja-JP" altLang="en-US" sz="1100" kern="1200" dirty="0"/>
+        </a:p>
+      </dsp:txBody>
+      <dsp:txXfrm>
+        <a:off x="3121702" y="832005"/>
+        <a:ext cx="2047649" cy="377030"/>
+      </dsp:txXfrm>
+    </dsp:sp>
+    <dsp:sp modelId="{3F946C37-D59E-46F3-8C4D-620BD0B82BBC}">
+      <dsp:nvSpPr>
+        <dsp:cNvPr id="0" name=""/>
+        <dsp:cNvSpPr/>
+      </dsp:nvSpPr>
+      <dsp:spPr>
+        <a:xfrm>
+          <a:off x="2967577" y="1316678"/>
+          <a:ext cx="161746" cy="161746"/>
+        </a:xfrm>
+        <a:prstGeom prst="rect">
+          <a:avLst/>
+        </a:prstGeom>
+        <a:solidFill>
+          <a:schemeClr val="lt1">
+            <a:hueOff val="0"/>
+            <a:satOff val="0"/>
+            <a:lumOff val="0"/>
+            <a:alphaOff val="0"/>
+          </a:schemeClr>
+        </a:solidFill>
+        <a:ln w="12700" cap="flat" cmpd="sng" algn="ctr">
+          <a:solidFill>
+            <a:schemeClr val="accent1">
+              <a:hueOff val="0"/>
+              <a:satOff val="0"/>
+              <a:lumOff val="0"/>
+              <a:alphaOff val="0"/>
+            </a:schemeClr>
+          </a:solidFill>
+          <a:prstDash val="solid"/>
+          <a:miter lim="800000"/>
+        </a:ln>
+        <a:effectLst/>
+      </dsp:spPr>
+      <dsp:style>
+        <a:lnRef idx="2">
+          <a:scrgbClr r="0" g="0" b="0"/>
+        </a:lnRef>
+        <a:fillRef idx="1">
+          <a:scrgbClr r="0" g="0" b="0"/>
+        </a:fillRef>
+        <a:effectRef idx="0">
+          <a:scrgbClr r="0" g="0" b="0"/>
+        </a:effectRef>
+        <a:fontRef idx="minor"/>
+      </dsp:style>
+    </dsp:sp>
+    <dsp:sp modelId="{906781D3-021B-4C44-A422-5FC24B9C6EAC}">
+      <dsp:nvSpPr>
+        <dsp:cNvPr id="0" name=""/>
+        <dsp:cNvSpPr/>
+      </dsp:nvSpPr>
+      <dsp:spPr>
+        <a:xfrm>
+          <a:off x="3121702" y="1209036"/>
+          <a:ext cx="2047649" cy="377030"/>
+        </a:xfrm>
+        <a:prstGeom prst="rect">
+          <a:avLst/>
+        </a:prstGeom>
+        <a:noFill/>
+        <a:ln>
+          <a:noFill/>
+        </a:ln>
+        <a:effectLst/>
+      </dsp:spPr>
+      <dsp:style>
+        <a:lnRef idx="0">
+          <a:scrgbClr r="0" g="0" b="0"/>
+        </a:lnRef>
+        <a:fillRef idx="0">
+          <a:scrgbClr r="0" g="0" b="0"/>
+        </a:fillRef>
+        <a:effectRef idx="0">
+          <a:scrgbClr r="0" g="0" b="0"/>
+        </a:effectRef>
+        <a:fontRef idx="minor"/>
+      </dsp:style>
+      <dsp:txBody>
+        <a:bodyPr spcFirstLastPara="0" vert="horz" wrap="square" lIns="78232" tIns="78232" rIns="78232" bIns="78232" numCol="1" spcCol="1270" anchor="ctr" anchorCtr="0">
+          <a:noAutofit/>
+        </a:bodyPr>
+        <a:lstStyle/>
+        <a:p>
+          <a:pPr lvl="0" algn="l" defTabSz="488950">
+            <a:lnSpc>
+              <a:spcPct val="90000"/>
+            </a:lnSpc>
+            <a:spcBef>
+              <a:spcPct val="0"/>
+            </a:spcBef>
+            <a:spcAft>
+              <a:spcPct val="35000"/>
+            </a:spcAft>
+          </a:pPr>
+          <a:r>
+            <a:rPr kumimoji="1" lang="ja-JP" altLang="en-US" sz="1100" kern="1200" dirty="0" smtClean="0"/>
+            <a:t>ウェブアプリケーション</a:t>
+          </a:r>
+          <a:endParaRPr kumimoji="1" lang="ja-JP" altLang="en-US" sz="1100" kern="1200" dirty="0"/>
+        </a:p>
+      </dsp:txBody>
+      <dsp:txXfrm>
+        <a:off x="3121702" y="1209036"/>
+        <a:ext cx="2047649" cy="377030"/>
+      </dsp:txXfrm>
+    </dsp:sp>
+    <dsp:sp modelId="{74192FF9-7F8B-4B6E-9BC0-ED92B0CE1C0E}">
+      <dsp:nvSpPr>
+        <dsp:cNvPr id="0" name=""/>
+        <dsp:cNvSpPr/>
+      </dsp:nvSpPr>
+      <dsp:spPr>
+        <a:xfrm>
+          <a:off x="2967577" y="1693709"/>
+          <a:ext cx="161746" cy="161746"/>
+        </a:xfrm>
+        <a:prstGeom prst="rect">
+          <a:avLst/>
+        </a:prstGeom>
+        <a:solidFill>
+          <a:schemeClr val="lt1">
+            <a:hueOff val="0"/>
+            <a:satOff val="0"/>
+            <a:lumOff val="0"/>
+            <a:alphaOff val="0"/>
+          </a:schemeClr>
+        </a:solidFill>
+        <a:ln w="12700" cap="flat" cmpd="sng" algn="ctr">
+          <a:solidFill>
+            <a:schemeClr val="accent1">
+              <a:hueOff val="0"/>
+              <a:satOff val="0"/>
+              <a:lumOff val="0"/>
+              <a:alphaOff val="0"/>
+            </a:schemeClr>
+          </a:solidFill>
+          <a:prstDash val="solid"/>
+          <a:miter lim="800000"/>
+        </a:ln>
+        <a:effectLst/>
+      </dsp:spPr>
+      <dsp:style>
+        <a:lnRef idx="2">
+          <a:scrgbClr r="0" g="0" b="0"/>
+        </a:lnRef>
+        <a:fillRef idx="1">
+          <a:scrgbClr r="0" g="0" b="0"/>
+        </a:fillRef>
+        <a:effectRef idx="0">
+          <a:scrgbClr r="0" g="0" b="0"/>
+        </a:effectRef>
+        <a:fontRef idx="minor"/>
+      </dsp:style>
+    </dsp:sp>
+    <dsp:sp modelId="{240E40B9-7504-41E0-8243-3433A10564A9}">
+      <dsp:nvSpPr>
+        <dsp:cNvPr id="0" name=""/>
+        <dsp:cNvSpPr/>
+      </dsp:nvSpPr>
+      <dsp:spPr>
+        <a:xfrm>
+          <a:off x="3121702" y="1586067"/>
+          <a:ext cx="2047649" cy="377030"/>
+        </a:xfrm>
+        <a:prstGeom prst="rect">
+          <a:avLst/>
+        </a:prstGeom>
+        <a:noFill/>
+        <a:ln>
+          <a:noFill/>
+        </a:ln>
+        <a:effectLst/>
+      </dsp:spPr>
+      <dsp:style>
+        <a:lnRef idx="0">
+          <a:scrgbClr r="0" g="0" b="0"/>
+        </a:lnRef>
+        <a:fillRef idx="0">
+          <a:scrgbClr r="0" g="0" b="0"/>
+        </a:fillRef>
+        <a:effectRef idx="0">
+          <a:scrgbClr r="0" g="0" b="0"/>
+        </a:effectRef>
+        <a:fontRef idx="minor"/>
+      </dsp:style>
+      <dsp:txBody>
+        <a:bodyPr spcFirstLastPara="0" vert="horz" wrap="square" lIns="78232" tIns="78232" rIns="78232" bIns="78232" numCol="1" spcCol="1270" anchor="ctr" anchorCtr="0">
+          <a:noAutofit/>
+        </a:bodyPr>
+        <a:lstStyle/>
+        <a:p>
+          <a:pPr lvl="0" algn="l" defTabSz="488950">
+            <a:lnSpc>
+              <a:spcPct val="90000"/>
+            </a:lnSpc>
+            <a:spcBef>
+              <a:spcPct val="0"/>
+            </a:spcBef>
+            <a:spcAft>
+              <a:spcPct val="35000"/>
+            </a:spcAft>
+          </a:pPr>
+          <a:r>
+            <a:rPr kumimoji="1" lang="ja-JP" altLang="en-US" sz="1100" kern="1200" dirty="0" smtClean="0"/>
+            <a:t>ウェブバックエンド制御</a:t>
+          </a:r>
+          <a:endParaRPr kumimoji="1" lang="ja-JP" altLang="en-US" sz="1100" kern="1200" dirty="0"/>
+        </a:p>
+      </dsp:txBody>
+      <dsp:txXfrm>
+        <a:off x="3121702" y="1586067"/>
+        <a:ext cx="2047649" cy="377030"/>
+      </dsp:txXfrm>
+    </dsp:sp>
+    <dsp:sp modelId="{BD3ABE76-9B31-4CED-98C3-34689285AD67}">
+      <dsp:nvSpPr>
+        <dsp:cNvPr id="0" name=""/>
+        <dsp:cNvSpPr/>
+      </dsp:nvSpPr>
+      <dsp:spPr>
+        <a:xfrm>
+          <a:off x="2967577" y="2070740"/>
+          <a:ext cx="161746" cy="161746"/>
+        </a:xfrm>
+        <a:prstGeom prst="rect">
+          <a:avLst/>
+        </a:prstGeom>
+        <a:solidFill>
+          <a:schemeClr val="lt1">
+            <a:hueOff val="0"/>
+            <a:satOff val="0"/>
+            <a:lumOff val="0"/>
+            <a:alphaOff val="0"/>
+          </a:schemeClr>
+        </a:solidFill>
+        <a:ln w="12700" cap="flat" cmpd="sng" algn="ctr">
+          <a:solidFill>
+            <a:schemeClr val="accent1">
+              <a:hueOff val="0"/>
+              <a:satOff val="0"/>
+              <a:lumOff val="0"/>
+              <a:alphaOff val="0"/>
+            </a:schemeClr>
+          </a:solidFill>
+          <a:prstDash val="solid"/>
+          <a:miter lim="800000"/>
+        </a:ln>
+        <a:effectLst/>
+      </dsp:spPr>
+      <dsp:style>
+        <a:lnRef idx="2">
+          <a:scrgbClr r="0" g="0" b="0"/>
+        </a:lnRef>
+        <a:fillRef idx="1">
+          <a:scrgbClr r="0" g="0" b="0"/>
+        </a:fillRef>
+        <a:effectRef idx="0">
+          <a:scrgbClr r="0" g="0" b="0"/>
+        </a:effectRef>
+        <a:fontRef idx="minor"/>
+      </dsp:style>
+    </dsp:sp>
+    <dsp:sp modelId="{22021F5B-3ABB-443B-AFBB-B2CE77AE9858}">
+      <dsp:nvSpPr>
+        <dsp:cNvPr id="0" name=""/>
+        <dsp:cNvSpPr/>
+      </dsp:nvSpPr>
+      <dsp:spPr>
+        <a:xfrm>
+          <a:off x="3121702" y="1963098"/>
+          <a:ext cx="2047649" cy="377030"/>
+        </a:xfrm>
+        <a:prstGeom prst="rect">
+          <a:avLst/>
+        </a:prstGeom>
+        <a:noFill/>
+        <a:ln>
+          <a:noFill/>
+        </a:ln>
+        <a:effectLst/>
+      </dsp:spPr>
+      <dsp:style>
+        <a:lnRef idx="0">
+          <a:scrgbClr r="0" g="0" b="0"/>
+        </a:lnRef>
+        <a:fillRef idx="0">
+          <a:scrgbClr r="0" g="0" b="0"/>
+        </a:fillRef>
+        <a:effectRef idx="0">
+          <a:scrgbClr r="0" g="0" b="0"/>
+        </a:effectRef>
+        <a:fontRef idx="minor"/>
+      </dsp:style>
+      <dsp:txBody>
+        <a:bodyPr spcFirstLastPara="0" vert="horz" wrap="square" lIns="78232" tIns="78232" rIns="78232" bIns="78232" numCol="1" spcCol="1270" anchor="ctr" anchorCtr="0">
+          <a:noAutofit/>
+        </a:bodyPr>
+        <a:lstStyle/>
+        <a:p>
+          <a:pPr lvl="0" algn="l" defTabSz="488950">
+            <a:lnSpc>
+              <a:spcPct val="90000"/>
+            </a:lnSpc>
+            <a:spcBef>
+              <a:spcPct val="0"/>
+            </a:spcBef>
+            <a:spcAft>
+              <a:spcPct val="35000"/>
+            </a:spcAft>
+          </a:pPr>
+          <a:r>
+            <a:rPr kumimoji="1" lang="ja-JP" altLang="en-US" sz="1100" kern="1200" dirty="0" smtClean="0"/>
+            <a:t>機械学習</a:t>
+          </a:r>
+          <a:endParaRPr kumimoji="1" lang="ja-JP" altLang="en-US" sz="1100" kern="1200" dirty="0"/>
+        </a:p>
+      </dsp:txBody>
+      <dsp:txXfrm>
+        <a:off x="3121702" y="1963098"/>
+        <a:ext cx="2047649" cy="377030"/>
+      </dsp:txXfrm>
+    </dsp:sp>
+    <dsp:sp modelId="{177A8E39-9CDA-407E-A7C5-D33A48E48116}">
+      <dsp:nvSpPr>
+        <dsp:cNvPr id="0" name=""/>
+        <dsp:cNvSpPr/>
+      </dsp:nvSpPr>
+      <dsp:spPr>
+        <a:xfrm>
+          <a:off x="2967577" y="2447771"/>
+          <a:ext cx="161746" cy="161746"/>
+        </a:xfrm>
+        <a:prstGeom prst="rect">
+          <a:avLst/>
+        </a:prstGeom>
+        <a:solidFill>
+          <a:schemeClr val="lt1">
+            <a:hueOff val="0"/>
+            <a:satOff val="0"/>
+            <a:lumOff val="0"/>
+            <a:alphaOff val="0"/>
+          </a:schemeClr>
+        </a:solidFill>
+        <a:ln w="12700" cap="flat" cmpd="sng" algn="ctr">
+          <a:solidFill>
+            <a:schemeClr val="accent1">
+              <a:hueOff val="0"/>
+              <a:satOff val="0"/>
+              <a:lumOff val="0"/>
+              <a:alphaOff val="0"/>
+            </a:schemeClr>
+          </a:solidFill>
+          <a:prstDash val="solid"/>
+          <a:miter lim="800000"/>
+        </a:ln>
+        <a:effectLst/>
+      </dsp:spPr>
+      <dsp:style>
+        <a:lnRef idx="2">
+          <a:scrgbClr r="0" g="0" b="0"/>
+        </a:lnRef>
+        <a:fillRef idx="1">
+          <a:scrgbClr r="0" g="0" b="0"/>
+        </a:fillRef>
+        <a:effectRef idx="0">
+          <a:scrgbClr r="0" g="0" b="0"/>
+        </a:effectRef>
+        <a:fontRef idx="minor"/>
+      </dsp:style>
+    </dsp:sp>
+    <dsp:sp modelId="{50F588CA-3FA6-43A5-B957-857C6A15AD06}">
+      <dsp:nvSpPr>
+        <dsp:cNvPr id="0" name=""/>
+        <dsp:cNvSpPr/>
+      </dsp:nvSpPr>
+      <dsp:spPr>
+        <a:xfrm>
+          <a:off x="3121702" y="2340129"/>
+          <a:ext cx="2047649" cy="377030"/>
+        </a:xfrm>
+        <a:prstGeom prst="rect">
+          <a:avLst/>
+        </a:prstGeom>
+        <a:noFill/>
+        <a:ln>
+          <a:noFill/>
+        </a:ln>
+        <a:effectLst/>
+      </dsp:spPr>
+      <dsp:style>
+        <a:lnRef idx="0">
+          <a:scrgbClr r="0" g="0" b="0"/>
+        </a:lnRef>
+        <a:fillRef idx="0">
+          <a:scrgbClr r="0" g="0" b="0"/>
+        </a:fillRef>
+        <a:effectRef idx="0">
+          <a:scrgbClr r="0" g="0" b="0"/>
+        </a:effectRef>
+        <a:fontRef idx="minor"/>
+      </dsp:style>
+      <dsp:txBody>
+        <a:bodyPr spcFirstLastPara="0" vert="horz" wrap="square" lIns="78232" tIns="78232" rIns="78232" bIns="78232" numCol="1" spcCol="1270" anchor="ctr" anchorCtr="0">
+          <a:noAutofit/>
+        </a:bodyPr>
+        <a:lstStyle/>
+        <a:p>
+          <a:pPr lvl="0" algn="l" defTabSz="488950">
+            <a:lnSpc>
+              <a:spcPct val="90000"/>
+            </a:lnSpc>
+            <a:spcBef>
+              <a:spcPct val="0"/>
+            </a:spcBef>
+            <a:spcAft>
+              <a:spcPct val="35000"/>
+            </a:spcAft>
+          </a:pPr>
+          <a:r>
+            <a:rPr kumimoji="1" lang="en-US" altLang="ja-JP" sz="1100" kern="1200" dirty="0" smtClean="0"/>
+            <a:t>Apple</a:t>
+          </a:r>
+          <a:r>
+            <a:rPr kumimoji="1" lang="ja-JP" altLang="en-US" sz="1100" kern="1200" dirty="0" smtClean="0"/>
+            <a:t>製のアプリ開発</a:t>
+          </a:r>
+          <a:endParaRPr kumimoji="1" lang="ja-JP" altLang="en-US" sz="1100" kern="1200" dirty="0"/>
+        </a:p>
+      </dsp:txBody>
+      <dsp:txXfrm>
+        <a:off x="3121702" y="2340129"/>
+        <a:ext cx="2047649" cy="377030"/>
+      </dsp:txXfrm>
+    </dsp:sp>
+    <dsp:sp modelId="{6872993C-79FE-4B35-A347-D3DF69C548BC}">
+      <dsp:nvSpPr>
+        <dsp:cNvPr id="0" name=""/>
+        <dsp:cNvSpPr/>
+      </dsp:nvSpPr>
+      <dsp:spPr>
+        <a:xfrm>
+          <a:off x="2967577" y="2824802"/>
+          <a:ext cx="161746" cy="161746"/>
+        </a:xfrm>
+        <a:prstGeom prst="rect">
+          <a:avLst/>
+        </a:prstGeom>
+        <a:solidFill>
+          <a:schemeClr val="lt1">
+            <a:hueOff val="0"/>
+            <a:satOff val="0"/>
+            <a:lumOff val="0"/>
+            <a:alphaOff val="0"/>
+          </a:schemeClr>
+        </a:solidFill>
+        <a:ln w="12700" cap="flat" cmpd="sng" algn="ctr">
+          <a:solidFill>
+            <a:schemeClr val="accent1">
+              <a:hueOff val="0"/>
+              <a:satOff val="0"/>
+              <a:lumOff val="0"/>
+              <a:alphaOff val="0"/>
+            </a:schemeClr>
+          </a:solidFill>
+          <a:prstDash val="solid"/>
+          <a:miter lim="800000"/>
+        </a:ln>
+        <a:effectLst/>
+      </dsp:spPr>
+      <dsp:style>
+        <a:lnRef idx="2">
+          <a:scrgbClr r="0" g="0" b="0"/>
+        </a:lnRef>
+        <a:fillRef idx="1">
+          <a:scrgbClr r="0" g="0" b="0"/>
+        </a:fillRef>
+        <a:effectRef idx="0">
+          <a:scrgbClr r="0" g="0" b="0"/>
+        </a:effectRef>
+        <a:fontRef idx="minor"/>
+      </dsp:style>
+    </dsp:sp>
+    <dsp:sp modelId="{8916B27E-F20D-497D-83E7-22119086B67C}">
+      <dsp:nvSpPr>
+        <dsp:cNvPr id="0" name=""/>
+        <dsp:cNvSpPr/>
+      </dsp:nvSpPr>
+      <dsp:spPr>
+        <a:xfrm>
+          <a:off x="3121702" y="2717160"/>
+          <a:ext cx="2047649" cy="377030"/>
+        </a:xfrm>
+        <a:prstGeom prst="rect">
+          <a:avLst/>
+        </a:prstGeom>
+        <a:noFill/>
+        <a:ln>
+          <a:noFill/>
+        </a:ln>
+        <a:effectLst/>
+      </dsp:spPr>
+      <dsp:style>
+        <a:lnRef idx="0">
+          <a:scrgbClr r="0" g="0" b="0"/>
+        </a:lnRef>
+        <a:fillRef idx="0">
+          <a:scrgbClr r="0" g="0" b="0"/>
+        </a:fillRef>
+        <a:effectRef idx="0">
+          <a:scrgbClr r="0" g="0" b="0"/>
+        </a:effectRef>
+        <a:fontRef idx="minor"/>
+      </dsp:style>
+      <dsp:txBody>
+        <a:bodyPr spcFirstLastPara="0" vert="horz" wrap="square" lIns="78232" tIns="78232" rIns="78232" bIns="78232" numCol="1" spcCol="1270" anchor="ctr" anchorCtr="0">
+          <a:noAutofit/>
+        </a:bodyPr>
+        <a:lstStyle/>
+        <a:p>
+          <a:pPr lvl="0" algn="l" defTabSz="488950">
+            <a:lnSpc>
+              <a:spcPct val="90000"/>
+            </a:lnSpc>
+            <a:spcBef>
+              <a:spcPct val="0"/>
+            </a:spcBef>
+            <a:spcAft>
+              <a:spcPct val="35000"/>
+            </a:spcAft>
+          </a:pPr>
+          <a:r>
+            <a:rPr kumimoji="1" lang="en-US" altLang="ja-JP" sz="1100" kern="1200" dirty="0" smtClean="0"/>
+            <a:t>PC</a:t>
+          </a:r>
+          <a:r>
+            <a:rPr kumimoji="1" lang="ja-JP" altLang="en-US" sz="1100" kern="1200" dirty="0" smtClean="0"/>
+            <a:t>アプリケーション</a:t>
+          </a:r>
+          <a:endParaRPr kumimoji="1" lang="ja-JP" altLang="en-US" sz="1100" kern="1200" dirty="0"/>
+        </a:p>
+      </dsp:txBody>
+      <dsp:txXfrm>
+        <a:off x="3121702" y="2717160"/>
+        <a:ext cx="2047649" cy="377030"/>
+      </dsp:txXfrm>
+    </dsp:sp>
+    <dsp:sp modelId="{DA22B650-382C-4699-A721-C5D0826B8499}">
+      <dsp:nvSpPr>
+        <dsp:cNvPr id="0" name=""/>
+        <dsp:cNvSpPr/>
+      </dsp:nvSpPr>
+      <dsp:spPr>
+        <a:xfrm>
+          <a:off x="2967577" y="3201833"/>
+          <a:ext cx="161746" cy="161746"/>
+        </a:xfrm>
+        <a:prstGeom prst="rect">
+          <a:avLst/>
+        </a:prstGeom>
+        <a:solidFill>
+          <a:schemeClr val="lt1">
+            <a:hueOff val="0"/>
+            <a:satOff val="0"/>
+            <a:lumOff val="0"/>
+            <a:alphaOff val="0"/>
+          </a:schemeClr>
+        </a:solidFill>
+        <a:ln w="12700" cap="flat" cmpd="sng" algn="ctr">
+          <a:solidFill>
+            <a:schemeClr val="accent1">
+              <a:hueOff val="0"/>
+              <a:satOff val="0"/>
+              <a:lumOff val="0"/>
+              <a:alphaOff val="0"/>
+            </a:schemeClr>
+          </a:solidFill>
+          <a:prstDash val="solid"/>
+          <a:miter lim="800000"/>
+        </a:ln>
+        <a:effectLst/>
+      </dsp:spPr>
+      <dsp:style>
+        <a:lnRef idx="2">
+          <a:scrgbClr r="0" g="0" b="0"/>
+        </a:lnRef>
+        <a:fillRef idx="1">
+          <a:scrgbClr r="0" g="0" b="0"/>
+        </a:fillRef>
+        <a:effectRef idx="0">
+          <a:scrgbClr r="0" g="0" b="0"/>
+        </a:effectRef>
+        <a:fontRef idx="minor"/>
+      </dsp:style>
+    </dsp:sp>
+    <dsp:sp modelId="{5184A51A-AA3C-40E1-9F69-F9C3F2F6203B}">
+      <dsp:nvSpPr>
+        <dsp:cNvPr id="0" name=""/>
+        <dsp:cNvSpPr/>
+      </dsp:nvSpPr>
+      <dsp:spPr>
+        <a:xfrm>
+          <a:off x="3121702" y="3094191"/>
+          <a:ext cx="2047649" cy="377030"/>
+        </a:xfrm>
+        <a:prstGeom prst="rect">
+          <a:avLst/>
+        </a:prstGeom>
+        <a:noFill/>
+        <a:ln>
+          <a:noFill/>
+        </a:ln>
+        <a:effectLst/>
+      </dsp:spPr>
+      <dsp:style>
+        <a:lnRef idx="0">
+          <a:scrgbClr r="0" g="0" b="0"/>
+        </a:lnRef>
+        <a:fillRef idx="0">
+          <a:scrgbClr r="0" g="0" b="0"/>
+        </a:fillRef>
+        <a:effectRef idx="0">
+          <a:scrgbClr r="0" g="0" b="0"/>
+        </a:effectRef>
+        <a:fontRef idx="minor"/>
+      </dsp:style>
+      <dsp:txBody>
+        <a:bodyPr spcFirstLastPara="0" vert="horz" wrap="square" lIns="78232" tIns="78232" rIns="78232" bIns="78232" numCol="1" spcCol="1270" anchor="ctr" anchorCtr="0">
+          <a:noAutofit/>
+        </a:bodyPr>
+        <a:lstStyle/>
+        <a:p>
+          <a:pPr lvl="0" algn="l" defTabSz="488950">
+            <a:lnSpc>
+              <a:spcPct val="90000"/>
+            </a:lnSpc>
+            <a:spcBef>
+              <a:spcPct val="0"/>
+            </a:spcBef>
+            <a:spcAft>
+              <a:spcPct val="35000"/>
+            </a:spcAft>
+          </a:pPr>
+          <a:r>
+            <a:rPr kumimoji="1" lang="ja-JP" altLang="en-US" sz="1100" kern="1200" dirty="0" smtClean="0"/>
+            <a:t>マイコンなどの組み込みソフトウェア</a:t>
+          </a:r>
+          <a:endParaRPr kumimoji="1" lang="ja-JP" altLang="en-US" sz="1100" kern="1200" dirty="0"/>
+        </a:p>
+      </dsp:txBody>
+      <dsp:txXfrm>
+        <a:off x="3121702" y="3094191"/>
+        <a:ext cx="2047649" cy="377030"/>
+      </dsp:txXfrm>
+    </dsp:sp>
+    <dsp:sp modelId="{ADFE5749-F110-4A92-ACBD-7D2DF5524F2C}">
+      <dsp:nvSpPr>
+        <dsp:cNvPr id="0" name=""/>
+        <dsp:cNvSpPr/>
+      </dsp:nvSpPr>
+      <dsp:spPr>
+        <a:xfrm>
+          <a:off x="2967577" y="3578864"/>
+          <a:ext cx="161746" cy="161746"/>
+        </a:xfrm>
+        <a:prstGeom prst="rect">
+          <a:avLst/>
+        </a:prstGeom>
+        <a:solidFill>
+          <a:schemeClr val="lt1">
+            <a:hueOff val="0"/>
+            <a:satOff val="0"/>
+            <a:lumOff val="0"/>
+            <a:alphaOff val="0"/>
+          </a:schemeClr>
+        </a:solidFill>
+        <a:ln w="12700" cap="flat" cmpd="sng" algn="ctr">
+          <a:solidFill>
+            <a:schemeClr val="accent1">
+              <a:hueOff val="0"/>
+              <a:satOff val="0"/>
+              <a:lumOff val="0"/>
+              <a:alphaOff val="0"/>
+            </a:schemeClr>
+          </a:solidFill>
+          <a:prstDash val="solid"/>
+          <a:miter lim="800000"/>
+        </a:ln>
+        <a:effectLst/>
+      </dsp:spPr>
+      <dsp:style>
+        <a:lnRef idx="2">
+          <a:scrgbClr r="0" g="0" b="0"/>
+        </a:lnRef>
+        <a:fillRef idx="1">
+          <a:scrgbClr r="0" g="0" b="0"/>
+        </a:fillRef>
+        <a:effectRef idx="0">
+          <a:scrgbClr r="0" g="0" b="0"/>
+        </a:effectRef>
+        <a:fontRef idx="minor"/>
+      </dsp:style>
+    </dsp:sp>
+    <dsp:sp modelId="{A3EBB5EA-CAA6-4281-845E-FD65A02F78F8}">
+      <dsp:nvSpPr>
+        <dsp:cNvPr id="0" name=""/>
+        <dsp:cNvSpPr/>
+      </dsp:nvSpPr>
+      <dsp:spPr>
+        <a:xfrm>
+          <a:off x="3121702" y="3471222"/>
+          <a:ext cx="2047649" cy="377030"/>
+        </a:xfrm>
+        <a:prstGeom prst="rect">
+          <a:avLst/>
+        </a:prstGeom>
+        <a:noFill/>
+        <a:ln>
+          <a:noFill/>
+        </a:ln>
+        <a:effectLst/>
+      </dsp:spPr>
+      <dsp:style>
+        <a:lnRef idx="0">
+          <a:scrgbClr r="0" g="0" b="0"/>
+        </a:lnRef>
+        <a:fillRef idx="0">
+          <a:scrgbClr r="0" g="0" b="0"/>
+        </a:fillRef>
+        <a:effectRef idx="0">
+          <a:scrgbClr r="0" g="0" b="0"/>
+        </a:effectRef>
+        <a:fontRef idx="minor"/>
+      </dsp:style>
+      <dsp:txBody>
+        <a:bodyPr spcFirstLastPara="0" vert="horz" wrap="square" lIns="78232" tIns="78232" rIns="78232" bIns="78232" numCol="1" spcCol="1270" anchor="ctr" anchorCtr="0">
+          <a:noAutofit/>
+        </a:bodyPr>
+        <a:lstStyle/>
+        <a:p>
+          <a:pPr lvl="0" algn="l" defTabSz="488950">
+            <a:lnSpc>
+              <a:spcPct val="90000"/>
+            </a:lnSpc>
+            <a:spcBef>
+              <a:spcPct val="0"/>
+            </a:spcBef>
+            <a:spcAft>
+              <a:spcPct val="35000"/>
+            </a:spcAft>
+          </a:pPr>
+          <a:r>
+            <a:rPr kumimoji="1" lang="en-US" altLang="ja-JP" sz="1100" kern="1200" dirty="0" smtClean="0"/>
+            <a:t>Windows</a:t>
+          </a:r>
+          <a:r>
+            <a:rPr kumimoji="1" lang="ja-JP" altLang="en-US" sz="1100" kern="1200" dirty="0" smtClean="0"/>
+            <a:t>アプリケーション</a:t>
+          </a:r>
+          <a:endParaRPr kumimoji="1" lang="ja-JP" altLang="en-US" sz="1100" kern="1200" dirty="0"/>
+        </a:p>
+      </dsp:txBody>
+      <dsp:txXfrm>
+        <a:off x="3121702" y="3471222"/>
+        <a:ext cx="2047649" cy="377030"/>
+      </dsp:txXfrm>
+    </dsp:sp>
+    <dsp:sp modelId="{50295B72-67D3-424A-92C7-A1AF11C46E81}">
+      <dsp:nvSpPr>
+        <dsp:cNvPr id="0" name=""/>
+        <dsp:cNvSpPr/>
+      </dsp:nvSpPr>
+      <dsp:spPr>
+        <a:xfrm>
+          <a:off x="2967577" y="3955895"/>
+          <a:ext cx="161746" cy="161746"/>
+        </a:xfrm>
+        <a:prstGeom prst="rect">
+          <a:avLst/>
+        </a:prstGeom>
+        <a:solidFill>
+          <a:schemeClr val="lt1">
+            <a:hueOff val="0"/>
+            <a:satOff val="0"/>
+            <a:lumOff val="0"/>
+            <a:alphaOff val="0"/>
+          </a:schemeClr>
+        </a:solidFill>
+        <a:ln w="12700" cap="flat" cmpd="sng" algn="ctr">
+          <a:solidFill>
+            <a:schemeClr val="accent1">
+              <a:hueOff val="0"/>
+              <a:satOff val="0"/>
+              <a:lumOff val="0"/>
+              <a:alphaOff val="0"/>
+            </a:schemeClr>
+          </a:solidFill>
+          <a:prstDash val="solid"/>
+          <a:miter lim="800000"/>
+        </a:ln>
+        <a:effectLst/>
+      </dsp:spPr>
+      <dsp:style>
+        <a:lnRef idx="2">
+          <a:scrgbClr r="0" g="0" b="0"/>
+        </a:lnRef>
+        <a:fillRef idx="1">
+          <a:scrgbClr r="0" g="0" b="0"/>
+        </a:fillRef>
+        <a:effectRef idx="0">
+          <a:scrgbClr r="0" g="0" b="0"/>
+        </a:effectRef>
+        <a:fontRef idx="minor"/>
+      </dsp:style>
+    </dsp:sp>
+    <dsp:sp modelId="{133E6456-6450-42D4-9BA0-6177B310FD90}">
+      <dsp:nvSpPr>
+        <dsp:cNvPr id="0" name=""/>
+        <dsp:cNvSpPr/>
+      </dsp:nvSpPr>
+      <dsp:spPr>
+        <a:xfrm>
+          <a:off x="3121702" y="3848253"/>
+          <a:ext cx="2047649" cy="377030"/>
+        </a:xfrm>
+        <a:prstGeom prst="rect">
+          <a:avLst/>
+        </a:prstGeom>
+        <a:noFill/>
+        <a:ln>
+          <a:noFill/>
+        </a:ln>
+        <a:effectLst/>
+      </dsp:spPr>
+      <dsp:style>
+        <a:lnRef idx="0">
+          <a:scrgbClr r="0" g="0" b="0"/>
+        </a:lnRef>
+        <a:fillRef idx="0">
+          <a:scrgbClr r="0" g="0" b="0"/>
+        </a:fillRef>
+        <a:effectRef idx="0">
+          <a:scrgbClr r="0" g="0" b="0"/>
+        </a:effectRef>
+        <a:fontRef idx="minor"/>
+      </dsp:style>
+      <dsp:txBody>
+        <a:bodyPr spcFirstLastPara="0" vert="horz" wrap="square" lIns="78232" tIns="78232" rIns="78232" bIns="78232" numCol="1" spcCol="1270" anchor="ctr" anchorCtr="0">
+          <a:noAutofit/>
+        </a:bodyPr>
+        <a:lstStyle/>
+        <a:p>
+          <a:pPr lvl="0" algn="l" defTabSz="488950">
+            <a:lnSpc>
+              <a:spcPct val="90000"/>
+            </a:lnSpc>
+            <a:spcBef>
+              <a:spcPct val="0"/>
+            </a:spcBef>
+            <a:spcAft>
+              <a:spcPct val="35000"/>
+            </a:spcAft>
+          </a:pPr>
+          <a:r>
+            <a:rPr kumimoji="1" lang="ja-JP" altLang="en-US" sz="1100" kern="1200" dirty="0" smtClean="0"/>
+            <a:t>グラフィック処理</a:t>
+          </a:r>
+          <a:endParaRPr kumimoji="1" lang="ja-JP" altLang="en-US" sz="1100" kern="1200" dirty="0"/>
+        </a:p>
+      </dsp:txBody>
+      <dsp:txXfrm>
+        <a:off x="3121702" y="3848253"/>
+        <a:ext cx="2047649" cy="377030"/>
+      </dsp:txXfrm>
+    </dsp:sp>
+  </dsp:spTree>
+</dsp:drawing>
+</file>
+
+<file path=ppt/diagrams/drawing2.xml><?xml version="1.0" encoding="utf-8"?>
 <dsp:drawing xmlns:dgm="http://schemas.openxmlformats.org/drawingml/2006/diagram" xmlns:dsp="http://schemas.microsoft.com/office/drawing/2008/diagram" xmlns:a="http://schemas.openxmlformats.org/drawingml/2006/main">
   <dsp:spTree>
     <dsp:nvGrpSpPr>
@@ -3499,6 +7977,394 @@
 </file>
 
 <file path=ppt/diagrams/layout1.xml><?xml version="1.0" encoding="utf-8"?>
+<dgm:layoutDef xmlns:dgm="http://schemas.openxmlformats.org/drawingml/2006/diagram" xmlns:a="http://schemas.openxmlformats.org/drawingml/2006/main" uniqueId="urn:microsoft.com/office/officeart/2008/layout/SquareAccentList">
+  <dgm:title val=""/>
+  <dgm:desc val=""/>
+  <dgm:catLst>
+    <dgm:cat type="list" pri="5500"/>
+  </dgm:catLst>
+  <dgm:sampData>
+    <dgm:dataModel>
+      <dgm:ptLst>
+        <dgm:pt modelId="0" type="doc"/>
+        <dgm:pt modelId="10">
+          <dgm:prSet phldr="1"/>
+        </dgm:pt>
+        <dgm:pt modelId="11">
+          <dgm:prSet phldr="1"/>
+        </dgm:pt>
+        <dgm:pt modelId="12">
+          <dgm:prSet phldr="1"/>
+        </dgm:pt>
+        <dgm:pt modelId="13">
+          <dgm:prSet phldr="1"/>
+        </dgm:pt>
+        <dgm:pt modelId="20">
+          <dgm:prSet phldr="1"/>
+        </dgm:pt>
+        <dgm:pt modelId="21">
+          <dgm:prSet phldr="1"/>
+        </dgm:pt>
+        <dgm:pt modelId="22">
+          <dgm:prSet phldr="1"/>
+        </dgm:pt>
+        <dgm:pt modelId="23">
+          <dgm:prSet phldr="1"/>
+        </dgm:pt>
+      </dgm:ptLst>
+      <dgm:cxnLst>
+        <dgm:cxn modelId="1" srcId="0" destId="10" srcOrd="0" destOrd="0"/>
+        <dgm:cxn modelId="2" srcId="10" destId="11" srcOrd="0" destOrd="0"/>
+        <dgm:cxn modelId="3" srcId="10" destId="12" srcOrd="1" destOrd="0"/>
+        <dgm:cxn modelId="4" srcId="10" destId="13" srcOrd="2" destOrd="0"/>
+        <dgm:cxn modelId="5" srcId="0" destId="20" srcOrd="0" destOrd="0"/>
+        <dgm:cxn modelId="6" srcId="20" destId="21" srcOrd="0" destOrd="0"/>
+        <dgm:cxn modelId="7" srcId="20" destId="22" srcOrd="1" destOrd="0"/>
+        <dgm:cxn modelId="8" srcId="20" destId="23" srcOrd="2" destOrd="0"/>
+      </dgm:cxnLst>
+      <dgm:bg/>
+      <dgm:whole/>
+    </dgm:dataModel>
+  </dgm:sampData>
+  <dgm:styleData>
+    <dgm:dataModel>
+      <dgm:ptLst>
+        <dgm:pt modelId="0" type="doc"/>
+        <dgm:pt modelId="10">
+          <dgm:prSet phldr="1"/>
+        </dgm:pt>
+        <dgm:pt modelId="11">
+          <dgm:prSet phldr="1"/>
+        </dgm:pt>
+        <dgm:pt modelId="12">
+          <dgm:prSet phldr="1"/>
+        </dgm:pt>
+        <dgm:pt modelId="13">
+          <dgm:prSet phldr="1"/>
+        </dgm:pt>
+        <dgm:pt modelId="20">
+          <dgm:prSet phldr="1"/>
+        </dgm:pt>
+        <dgm:pt modelId="21">
+          <dgm:prSet phldr="1"/>
+        </dgm:pt>
+        <dgm:pt modelId="22">
+          <dgm:prSet phldr="1"/>
+        </dgm:pt>
+        <dgm:pt modelId="23">
+          <dgm:prSet phldr="1"/>
+        </dgm:pt>
+      </dgm:ptLst>
+      <dgm:cxnLst>
+        <dgm:cxn modelId="1" srcId="0" destId="10" srcOrd="0" destOrd="0"/>
+        <dgm:cxn modelId="2" srcId="10" destId="11" srcOrd="0" destOrd="0"/>
+        <dgm:cxn modelId="3" srcId="10" destId="12" srcOrd="1" destOrd="0"/>
+        <dgm:cxn modelId="4" srcId="10" destId="13" srcOrd="2" destOrd="0"/>
+        <dgm:cxn modelId="5" srcId="0" destId="20" srcOrd="0" destOrd="0"/>
+        <dgm:cxn modelId="6" srcId="20" destId="21" srcOrd="0" destOrd="0"/>
+        <dgm:cxn modelId="7" srcId="20" destId="22" srcOrd="1" destOrd="0"/>
+        <dgm:cxn modelId="8" srcId="20" destId="23" srcOrd="2" destOrd="0"/>
+      </dgm:cxnLst>
+      <dgm:bg/>
+      <dgm:whole/>
+    </dgm:dataModel>
+  </dgm:styleData>
+  <dgm:clrData>
+    <dgm:dataModel>
+      <dgm:ptLst>
+        <dgm:pt modelId="0" type="doc"/>
+        <dgm:pt modelId="10">
+          <dgm:prSet phldr="1"/>
+        </dgm:pt>
+        <dgm:pt modelId="11">
+          <dgm:prSet phldr="1"/>
+        </dgm:pt>
+        <dgm:pt modelId="12">
+          <dgm:prSet phldr="1"/>
+        </dgm:pt>
+        <dgm:pt modelId="13">
+          <dgm:prSet phldr="1"/>
+        </dgm:pt>
+        <dgm:pt modelId="20">
+          <dgm:prSet phldr="1"/>
+        </dgm:pt>
+        <dgm:pt modelId="21">
+          <dgm:prSet phldr="1"/>
+        </dgm:pt>
+        <dgm:pt modelId="22">
+          <dgm:prSet phldr="1"/>
+        </dgm:pt>
+        <dgm:pt modelId="23">
+          <dgm:prSet phldr="1"/>
+        </dgm:pt>
+      </dgm:ptLst>
+      <dgm:cxnLst>
+        <dgm:cxn modelId="1" srcId="0" destId="10" srcOrd="0" destOrd="0"/>
+        <dgm:cxn modelId="2" srcId="10" destId="11" srcOrd="0" destOrd="0"/>
+        <dgm:cxn modelId="3" srcId="10" destId="12" srcOrd="1" destOrd="0"/>
+        <dgm:cxn modelId="4" srcId="10" destId="13" srcOrd="2" destOrd="0"/>
+        <dgm:cxn modelId="5" srcId="0" destId="20" srcOrd="0" destOrd="0"/>
+        <dgm:cxn modelId="6" srcId="20" destId="21" srcOrd="0" destOrd="0"/>
+        <dgm:cxn modelId="7" srcId="20" destId="22" srcOrd="1" destOrd="0"/>
+        <dgm:cxn modelId="8" srcId="20" destId="23" srcOrd="2" destOrd="0"/>
+      </dgm:cxnLst>
+      <dgm:bg/>
+      <dgm:whole/>
+    </dgm:dataModel>
+  </dgm:clrData>
+  <dgm:layoutNode name="layout">
+    <dgm:varLst>
+      <dgm:chMax/>
+      <dgm:chPref/>
+      <dgm:dir/>
+      <dgm:resizeHandles/>
+    </dgm:varLst>
+    <dgm:choose name="Name0">
+      <dgm:if name="Name1" func="var" arg="dir" op="equ" val="norm">
+        <dgm:alg type="hierChild">
+          <dgm:param type="linDir" val="fromL"/>
+          <dgm:param type="vertAlign" val="t"/>
+          <dgm:param type="nodeVertAlign" val="t"/>
+          <dgm:param type="horzAlign" val="ctr"/>
+          <dgm:param type="fallback" val="1D"/>
+        </dgm:alg>
+      </dgm:if>
+      <dgm:else name="Name2">
+        <dgm:alg type="hierChild">
+          <dgm:param type="linDir" val="fromR"/>
+          <dgm:param type="vertAlign" val="t"/>
+          <dgm:param type="nodeVertAlign" val="t"/>
+          <dgm:param type="horzAlign" val="ctr"/>
+          <dgm:param type="fallback" val="1D"/>
+        </dgm:alg>
+      </dgm:else>
+    </dgm:choose>
+    <dgm:shape xmlns:r="http://schemas.openxmlformats.org/officeDocument/2006/relationships" r:blip="">
+      <dgm:adjLst/>
+    </dgm:shape>
+    <dgm:presOf/>
+    <dgm:constrLst>
+      <dgm:constr type="primFontSz" for="des" forName="Parent" op="equ" val="65"/>
+      <dgm:constr type="primFontSz" for="des" forName="Child" op="equ" val="65"/>
+      <dgm:constr type="primFontSz" for="des" forName="Child" refType="primFontSz" refFor="des" refForName="Parent" op="lte"/>
+      <dgm:constr type="w" for="des" forName="rootComposite" refType="h" refFor="des" refForName="rootComposite" fact="3.0396"/>
+      <dgm:constr type="h" for="des" forName="rootComposite" refType="h"/>
+      <dgm:constr type="w" for="des" forName="childComposite" refType="w" refFor="des" refForName="rootComposite"/>
+      <dgm:constr type="h" for="des" forName="childComposite" refType="h" refFor="des" refForName="rootComposite" fact="0.5205"/>
+      <dgm:constr type="sibSp" refType="w" refFor="des" refForName="rootComposite" fact="0.05"/>
+      <dgm:constr type="sp" for="des" forName="root" refType="h" refFor="des" refForName="childComposite" fact="0.2855"/>
+    </dgm:constrLst>
+    <dgm:ruleLst/>
+    <dgm:forEach name="Name3" axis="ch">
+      <dgm:forEach name="Name4" axis="self" ptType="node" cnt="1">
+        <dgm:layoutNode name="root">
+          <dgm:varLst>
+            <dgm:chMax/>
+            <dgm:chPref/>
+          </dgm:varLst>
+          <dgm:alg type="hierRoot">
+            <dgm:param type="hierAlign" val="tL"/>
+          </dgm:alg>
+          <dgm:shape xmlns:r="http://schemas.openxmlformats.org/officeDocument/2006/relationships" r:blip="">
+            <dgm:adjLst/>
+          </dgm:shape>
+          <dgm:presOf/>
+          <dgm:constrLst/>
+          <dgm:ruleLst/>
+          <dgm:layoutNode name="rootComposite">
+            <dgm:varLst/>
+            <dgm:alg type="composite"/>
+            <dgm:shape xmlns:r="http://schemas.openxmlformats.org/officeDocument/2006/relationships" r:blip="">
+              <dgm:adjLst/>
+            </dgm:shape>
+            <dgm:presOf axis="self" ptType="node" cnt="1"/>
+            <dgm:choose name="Name5">
+              <dgm:if name="Name6" func="var" arg="dir" op="equ" val="norm">
+                <dgm:constrLst>
+                  <dgm:constr type="l" for="ch" forName="Parent" refType="w" fact="0"/>
+                  <dgm:constr type="t" for="ch" forName="Parent" refType="h" fact="0"/>
+                  <dgm:constr type="w" for="ch" forName="Parent" refType="w"/>
+                  <dgm:constr type="h" for="ch" forName="Parent" refType="h" fact="0.6424"/>
+                  <dgm:constr type="l" for="ch" forName="ParentAccent" refType="w" fact="0"/>
+                  <dgm:constr type="b" for="ch" forName="ParentAccent" refType="h"/>
+                  <dgm:constr type="w" for="ch" forName="ParentAccent" refType="w"/>
+                  <dgm:constr type="h" for="ch" forName="ParentAccent" refType="h" fact="0.3576"/>
+                  <dgm:constr type="l" for="ch" forName="ParentSmallAccent" refType="w" fact="0"/>
+                  <dgm:constr type="b" for="ch" forName="ParentSmallAccent" refType="h"/>
+                  <dgm:constr type="w" for="ch" forName="ParentSmallAccent" refType="h" fact="0.2233"/>
+                  <dgm:constr type="h" for="ch" forName="ParentSmallAccent" refType="h" fact="0.2233"/>
+                </dgm:constrLst>
+              </dgm:if>
+              <dgm:else name="Name7">
+                <dgm:constrLst>
+                  <dgm:constr type="l" for="ch" forName="Parent" refType="w" fact="0"/>
+                  <dgm:constr type="t" for="ch" forName="Parent" refType="h" fact="0"/>
+                  <dgm:constr type="w" for="ch" forName="Parent" refType="w"/>
+                  <dgm:constr type="h" for="ch" forName="Parent" refType="h" fact="0.6424"/>
+                  <dgm:constr type="l" for="ch" forName="ParentAccent" refType="w" fact="0"/>
+                  <dgm:constr type="b" for="ch" forName="ParentAccent" refType="h"/>
+                  <dgm:constr type="w" for="ch" forName="ParentAccent" refType="w"/>
+                  <dgm:constr type="h" for="ch" forName="ParentAccent" refType="h" fact="0.3576"/>
+                  <dgm:constr type="r" for="ch" forName="ParentSmallAccent" refType="w"/>
+                  <dgm:constr type="b" for="ch" forName="ParentSmallAccent" refType="h"/>
+                  <dgm:constr type="w" for="ch" forName="ParentSmallAccent" refType="h" fact="0.2233"/>
+                  <dgm:constr type="h" for="ch" forName="ParentSmallAccent" refType="h" fact="0.2233"/>
+                </dgm:constrLst>
+              </dgm:else>
+            </dgm:choose>
+            <dgm:ruleLst/>
+            <dgm:layoutNode name="ParentAccent" styleLbl="alignNode1">
+              <dgm:alg type="sp"/>
+              <dgm:shape xmlns:r="http://schemas.openxmlformats.org/officeDocument/2006/relationships" type="rect" r:blip="">
+                <dgm:adjLst/>
+              </dgm:shape>
+              <dgm:presOf/>
+            </dgm:layoutNode>
+            <dgm:layoutNode name="ParentSmallAccent" styleLbl="fgAcc1">
+              <dgm:alg type="sp"/>
+              <dgm:shape xmlns:r="http://schemas.openxmlformats.org/officeDocument/2006/relationships" type="rect" r:blip="">
+                <dgm:adjLst/>
+              </dgm:shape>
+              <dgm:presOf/>
+            </dgm:layoutNode>
+            <dgm:layoutNode name="Parent" styleLbl="revTx">
+              <dgm:varLst>
+                <dgm:chMax/>
+                <dgm:chPref val="4"/>
+                <dgm:bulletEnabled val="1"/>
+              </dgm:varLst>
+              <dgm:choose name="Name8">
+                <dgm:if name="Name9" func="var" arg="dir" op="equ" val="norm">
+                  <dgm:alg type="tx">
+                    <dgm:param type="txAnchorVertCh" val="mid"/>
+                    <dgm:param type="parTxLTRAlign" val="l"/>
+                  </dgm:alg>
+                </dgm:if>
+                <dgm:else name="Name10">
+                  <dgm:alg type="tx">
+                    <dgm:param type="txAnchorVertCh" val="mid"/>
+                    <dgm:param type="parTxLTRAlign" val="r"/>
+                  </dgm:alg>
+                </dgm:else>
+              </dgm:choose>
+              <dgm:shape xmlns:r="http://schemas.openxmlformats.org/officeDocument/2006/relationships" type="rect" r:blip="">
+                <dgm:adjLst/>
+              </dgm:shape>
+              <dgm:presOf axis="self" ptType="node"/>
+              <dgm:constrLst>
+                <dgm:constr type="tMarg" refType="primFontSz" fact="0.1"/>
+                <dgm:constr type="bMarg" refType="primFontSz" fact="0.1"/>
+                <dgm:constr type="lMarg" refType="primFontSz" fact="0.15"/>
+                <dgm:constr type="rMarg" refType="primFontSz" fact="0.15"/>
+              </dgm:constrLst>
+              <dgm:ruleLst>
+                <dgm:rule type="primFontSz" val="5" fact="NaN" max="NaN"/>
+                <dgm:rule type="primFontSz" val="65" fact="NaN" max="NaN"/>
+              </dgm:ruleLst>
+            </dgm:layoutNode>
+          </dgm:layoutNode>
+          <dgm:layoutNode name="childShape">
+            <dgm:varLst>
+              <dgm:chMax val="0"/>
+              <dgm:chPref val="0"/>
+            </dgm:varLst>
+            <dgm:alg type="hierChild">
+              <dgm:param type="chAlign" val="r"/>
+              <dgm:param type="linDir" val="fromT"/>
+              <dgm:param type="fallback" val="2D"/>
+            </dgm:alg>
+            <dgm:shape xmlns:r="http://schemas.openxmlformats.org/officeDocument/2006/relationships" r:blip="">
+              <dgm:adjLst/>
+            </dgm:shape>
+            <dgm:presOf/>
+            <dgm:constrLst/>
+            <dgm:ruleLst/>
+            <dgm:forEach name="Name11" axis="ch">
+              <dgm:forEach name="Name12" axis="self" ptType="node">
+                <dgm:layoutNode name="childComposite">
+                  <dgm:varLst>
+                    <dgm:chMax val="0"/>
+                    <dgm:chPref val="0"/>
+                  </dgm:varLst>
+                  <dgm:alg type="composite"/>
+                  <dgm:shape xmlns:r="http://schemas.openxmlformats.org/officeDocument/2006/relationships" r:blip="">
+                    <dgm:adjLst/>
+                  </dgm:shape>
+                  <dgm:presOf/>
+                  <dgm:choose name="Name13">
+                    <dgm:if name="Name14" func="var" arg="dir" op="equ" val="norm">
+                      <dgm:constrLst>
+                        <dgm:constr type="w" for="ch" forName="ChildAccent" refType="h" fact="0.429"/>
+                        <dgm:constr type="h" for="ch" forName="ChildAccent" refType="h" fact="0.429"/>
+                        <dgm:constr type="l" for="ch" forName="ChildAccent" refType="w" fact="0"/>
+                        <dgm:constr type="t" for="ch" forName="ChildAccent" refType="h" fact="0.2855"/>
+                        <dgm:constr type="w" for="ch" forName="Child" refType="w" fact="0.93"/>
+                        <dgm:constr type="h" for="ch" forName="Child" refType="h"/>
+                        <dgm:constr type="l" for="ch" forName="Child" refType="w" fact="0.07"/>
+                        <dgm:constr type="t" for="ch" forName="Child" refType="h" fact="0"/>
+                      </dgm:constrLst>
+                    </dgm:if>
+                    <dgm:else name="Name15">
+                      <dgm:constrLst>
+                        <dgm:constr type="w" for="ch" forName="ChildAccent" refType="h" fact="0.429"/>
+                        <dgm:constr type="h" for="ch" forName="ChildAccent" refType="h" fact="0.429"/>
+                        <dgm:constr type="r" for="ch" forName="ChildAccent" refType="w"/>
+                        <dgm:constr type="t" for="ch" forName="ChildAccent" refType="h" fact="0.2855"/>
+                        <dgm:constr type="w" for="ch" forName="Child" refType="w" fact="0.93"/>
+                        <dgm:constr type="h" for="ch" forName="Child" refType="h"/>
+                        <dgm:constr type="r" for="ch" forName="Child" refType="w" fact="0.93"/>
+                        <dgm:constr type="t" for="ch" forName="Child" refType="h" fact="0"/>
+                      </dgm:constrLst>
+                    </dgm:else>
+                  </dgm:choose>
+                  <dgm:ruleLst/>
+                  <dgm:layoutNode name="ChildAccent" styleLbl="solidFgAcc1">
+                    <dgm:alg type="sp"/>
+                    <dgm:shape xmlns:r="http://schemas.openxmlformats.org/officeDocument/2006/relationships" type="rect" r:blip="">
+                      <dgm:adjLst/>
+                    </dgm:shape>
+                    <dgm:presOf/>
+                  </dgm:layoutNode>
+                  <dgm:layoutNode name="Child" styleLbl="revTx">
+                    <dgm:varLst>
+                      <dgm:chMax val="0"/>
+                      <dgm:chPref val="0"/>
+                      <dgm:bulletEnabled val="1"/>
+                    </dgm:varLst>
+                    <dgm:choose name="Name16">
+                      <dgm:if name="Name17" func="var" arg="dir" op="equ" val="norm">
+                        <dgm:alg type="tx">
+                          <dgm:param type="txAnchorVertCh" val="mid"/>
+                          <dgm:param type="parTxLTRAlign" val="l"/>
+                        </dgm:alg>
+                      </dgm:if>
+                      <dgm:else name="Name18">
+                        <dgm:alg type="tx">
+                          <dgm:param type="txAnchorVertCh" val="mid"/>
+                          <dgm:param type="parTxLTRAlign" val="r"/>
+                        </dgm:alg>
+                      </dgm:else>
+                    </dgm:choose>
+                    <dgm:shape xmlns:r="http://schemas.openxmlformats.org/officeDocument/2006/relationships" type="rect" r:blip="">
+                      <dgm:adjLst/>
+                    </dgm:shape>
+                    <dgm:presOf axis="desOrSelf" ptType="node node"/>
+                    <dgm:ruleLst>
+                      <dgm:rule type="primFontSz" val="5" fact="NaN" max="NaN"/>
+                    </dgm:ruleLst>
+                  </dgm:layoutNode>
+                </dgm:layoutNode>
+              </dgm:forEach>
+            </dgm:forEach>
+          </dgm:layoutNode>
+        </dgm:layoutNode>
+      </dgm:forEach>
+    </dgm:forEach>
+  </dgm:layoutNode>
+</dgm:layoutDef>
+</file>
+
+<file path=ppt/diagrams/layout2.xml><?xml version="1.0" encoding="utf-8"?>
 <dgm:layoutDef xmlns:dgm="http://schemas.openxmlformats.org/drawingml/2006/diagram" xmlns:a="http://schemas.openxmlformats.org/drawingml/2006/main" uniqueId="urn:microsoft.com/office/officeart/2005/8/layout/process3">
   <dgm:title val=""/>
   <dgm:desc val=""/>
@@ -4833,6 +9699,1040 @@
 </dgm:styleDef>
 </file>
 
+<file path=ppt/diagrams/quickStyle2.xml><?xml version="1.0" encoding="utf-8"?>
+<dgm:styleDef xmlns:dgm="http://schemas.openxmlformats.org/drawingml/2006/diagram" xmlns:a="http://schemas.openxmlformats.org/drawingml/2006/main" uniqueId="urn:microsoft.com/office/officeart/2005/8/quickstyle/simple1">
+  <dgm:title val=""/>
+  <dgm:desc val=""/>
+  <dgm:catLst>
+    <dgm:cat type="simple" pri="10100"/>
+  </dgm:catLst>
+  <dgm:scene3d>
+    <a:camera prst="orthographicFront"/>
+    <a:lightRig rig="threePt" dir="t"/>
+  </dgm:scene3d>
+  <dgm:styleLbl name="node0">
+    <dgm:scene3d>
+      <a:camera prst="orthographicFront"/>
+      <a:lightRig rig="threePt" dir="t"/>
+    </dgm:scene3d>
+    <dgm:sp3d/>
+    <dgm:txPr/>
+    <dgm:style>
+      <a:lnRef idx="2">
+        <a:scrgbClr r="0" g="0" b="0"/>
+      </a:lnRef>
+      <a:fillRef idx="1">
+        <a:scrgbClr r="0" g="0" b="0"/>
+      </a:fillRef>
+      <a:effectRef idx="0">
+        <a:scrgbClr r="0" g="0" b="0"/>
+      </a:effectRef>
+      <a:fontRef idx="minor">
+        <a:schemeClr val="lt1"/>
+      </a:fontRef>
+    </dgm:style>
+  </dgm:styleLbl>
+  <dgm:styleLbl name="lnNode1">
+    <dgm:scene3d>
+      <a:camera prst="orthographicFront"/>
+      <a:lightRig rig="threePt" dir="t"/>
+    </dgm:scene3d>
+    <dgm:sp3d/>
+    <dgm:txPr/>
+    <dgm:style>
+      <a:lnRef idx="2">
+        <a:scrgbClr r="0" g="0" b="0"/>
+      </a:lnRef>
+      <a:fillRef idx="1">
+        <a:scrgbClr r="0" g="0" b="0"/>
+      </a:fillRef>
+      <a:effectRef idx="0">
+        <a:scrgbClr r="0" g="0" b="0"/>
+      </a:effectRef>
+      <a:fontRef idx="minor">
+        <a:schemeClr val="lt1"/>
+      </a:fontRef>
+    </dgm:style>
+  </dgm:styleLbl>
+  <dgm:styleLbl name="vennNode1">
+    <dgm:scene3d>
+      <a:camera prst="orthographicFront"/>
+      <a:lightRig rig="threePt" dir="t"/>
+    </dgm:scene3d>
+    <dgm:sp3d/>
+    <dgm:txPr/>
+    <dgm:style>
+      <a:lnRef idx="2">
+        <a:scrgbClr r="0" g="0" b="0"/>
+      </a:lnRef>
+      <a:fillRef idx="1">
+        <a:scrgbClr r="0" g="0" b="0"/>
+      </a:fillRef>
+      <a:effectRef idx="0">
+        <a:scrgbClr r="0" g="0" b="0"/>
+      </a:effectRef>
+      <a:fontRef idx="minor">
+        <a:schemeClr val="tx1"/>
+      </a:fontRef>
+    </dgm:style>
+  </dgm:styleLbl>
+  <dgm:styleLbl name="alignNode1">
+    <dgm:scene3d>
+      <a:camera prst="orthographicFront"/>
+      <a:lightRig rig="threePt" dir="t"/>
+    </dgm:scene3d>
+    <dgm:sp3d/>
+    <dgm:txPr/>
+    <dgm:style>
+      <a:lnRef idx="2">
+        <a:scrgbClr r="0" g="0" b="0"/>
+      </a:lnRef>
+      <a:fillRef idx="1">
+        <a:scrgbClr r="0" g="0" b="0"/>
+      </a:fillRef>
+      <a:effectRef idx="0">
+        <a:scrgbClr r="0" g="0" b="0"/>
+      </a:effectRef>
+      <a:fontRef idx="minor">
+        <a:schemeClr val="lt1"/>
+      </a:fontRef>
+    </dgm:style>
+  </dgm:styleLbl>
+  <dgm:styleLbl name="node1">
+    <dgm:scene3d>
+      <a:camera prst="orthographicFront"/>
+      <a:lightRig rig="threePt" dir="t"/>
+    </dgm:scene3d>
+    <dgm:sp3d/>
+    <dgm:txPr/>
+    <dgm:style>
+      <a:lnRef idx="2">
+        <a:scrgbClr r="0" g="0" b="0"/>
+      </a:lnRef>
+      <a:fillRef idx="1">
+        <a:scrgbClr r="0" g="0" b="0"/>
+      </a:fillRef>
+      <a:effectRef idx="0">
+        <a:scrgbClr r="0" g="0" b="0"/>
+      </a:effectRef>
+      <a:fontRef idx="minor">
+        <a:schemeClr val="lt1"/>
+      </a:fontRef>
+    </dgm:style>
+  </dgm:styleLbl>
+  <dgm:styleLbl name="node2">
+    <dgm:scene3d>
+      <a:camera prst="orthographicFront"/>
+      <a:lightRig rig="threePt" dir="t"/>
+    </dgm:scene3d>
+    <dgm:sp3d/>
+    <dgm:txPr/>
+    <dgm:style>
+      <a:lnRef idx="2">
+        <a:scrgbClr r="0" g="0" b="0"/>
+      </a:lnRef>
+      <a:fillRef idx="1">
+        <a:scrgbClr r="0" g="0" b="0"/>
+      </a:fillRef>
+      <a:effectRef idx="0">
+        <a:scrgbClr r="0" g="0" b="0"/>
+      </a:effectRef>
+      <a:fontRef idx="minor">
+        <a:schemeClr val="lt1"/>
+      </a:fontRef>
+    </dgm:style>
+  </dgm:styleLbl>
+  <dgm:styleLbl name="node3">
+    <dgm:scene3d>
+      <a:camera prst="orthographicFront"/>
+      <a:lightRig rig="threePt" dir="t"/>
+    </dgm:scene3d>
+    <dgm:sp3d/>
+    <dgm:txPr/>
+    <dgm:style>
+      <a:lnRef idx="2">
+        <a:scrgbClr r="0" g="0" b="0"/>
+      </a:lnRef>
+      <a:fillRef idx="1">
+        <a:scrgbClr r="0" g="0" b="0"/>
+      </a:fillRef>
+      <a:effectRef idx="0">
+        <a:scrgbClr r="0" g="0" b="0"/>
+      </a:effectRef>
+      <a:fontRef idx="minor">
+        <a:schemeClr val="lt1"/>
+      </a:fontRef>
+    </dgm:style>
+  </dgm:styleLbl>
+  <dgm:styleLbl name="node4">
+    <dgm:scene3d>
+      <a:camera prst="orthographicFront"/>
+      <a:lightRig rig="threePt" dir="t"/>
+    </dgm:scene3d>
+    <dgm:sp3d/>
+    <dgm:txPr/>
+    <dgm:style>
+      <a:lnRef idx="2">
+        <a:scrgbClr r="0" g="0" b="0"/>
+      </a:lnRef>
+      <a:fillRef idx="1">
+        <a:scrgbClr r="0" g="0" b="0"/>
+      </a:fillRef>
+      <a:effectRef idx="0">
+        <a:scrgbClr r="0" g="0" b="0"/>
+      </a:effectRef>
+      <a:fontRef idx="minor">
+        <a:schemeClr val="lt1"/>
+      </a:fontRef>
+    </dgm:style>
+  </dgm:styleLbl>
+  <dgm:styleLbl name="fgImgPlace1">
+    <dgm:scene3d>
+      <a:camera prst="orthographicFront"/>
+      <a:lightRig rig="threePt" dir="t"/>
+    </dgm:scene3d>
+    <dgm:sp3d/>
+    <dgm:txPr/>
+    <dgm:style>
+      <a:lnRef idx="2">
+        <a:scrgbClr r="0" g="0" b="0"/>
+      </a:lnRef>
+      <a:fillRef idx="1">
+        <a:scrgbClr r="0" g="0" b="0"/>
+      </a:fillRef>
+      <a:effectRef idx="0">
+        <a:scrgbClr r="0" g="0" b="0"/>
+      </a:effectRef>
+      <a:fontRef idx="minor"/>
+    </dgm:style>
+  </dgm:styleLbl>
+  <dgm:styleLbl name="alignImgPlace1">
+    <dgm:scene3d>
+      <a:camera prst="orthographicFront"/>
+      <a:lightRig rig="threePt" dir="t"/>
+    </dgm:scene3d>
+    <dgm:sp3d/>
+    <dgm:txPr/>
+    <dgm:style>
+      <a:lnRef idx="2">
+        <a:scrgbClr r="0" g="0" b="0"/>
+      </a:lnRef>
+      <a:fillRef idx="1">
+        <a:scrgbClr r="0" g="0" b="0"/>
+      </a:fillRef>
+      <a:effectRef idx="0">
+        <a:scrgbClr r="0" g="0" b="0"/>
+      </a:effectRef>
+      <a:fontRef idx="minor"/>
+    </dgm:style>
+  </dgm:styleLbl>
+  <dgm:styleLbl name="bgImgPlace1">
+    <dgm:scene3d>
+      <a:camera prst="orthographicFront"/>
+      <a:lightRig rig="threePt" dir="t"/>
+    </dgm:scene3d>
+    <dgm:sp3d/>
+    <dgm:txPr/>
+    <dgm:style>
+      <a:lnRef idx="2">
+        <a:scrgbClr r="0" g="0" b="0"/>
+      </a:lnRef>
+      <a:fillRef idx="1">
+        <a:scrgbClr r="0" g="0" b="0"/>
+      </a:fillRef>
+      <a:effectRef idx="0">
+        <a:scrgbClr r="0" g="0" b="0"/>
+      </a:effectRef>
+      <a:fontRef idx="minor"/>
+    </dgm:style>
+  </dgm:styleLbl>
+  <dgm:styleLbl name="sibTrans2D1">
+    <dgm:scene3d>
+      <a:camera prst="orthographicFront"/>
+      <a:lightRig rig="threePt" dir="t"/>
+    </dgm:scene3d>
+    <dgm:sp3d/>
+    <dgm:txPr/>
+    <dgm:style>
+      <a:lnRef idx="0">
+        <a:scrgbClr r="0" g="0" b="0"/>
+      </a:lnRef>
+      <a:fillRef idx="1">
+        <a:scrgbClr r="0" g="0" b="0"/>
+      </a:fillRef>
+      <a:effectRef idx="0">
+        <a:scrgbClr r="0" g="0" b="0"/>
+      </a:effectRef>
+      <a:fontRef idx="minor">
+        <a:schemeClr val="lt1"/>
+      </a:fontRef>
+    </dgm:style>
+  </dgm:styleLbl>
+  <dgm:styleLbl name="fgSibTrans2D1">
+    <dgm:scene3d>
+      <a:camera prst="orthographicFront"/>
+      <a:lightRig rig="threePt" dir="t"/>
+    </dgm:scene3d>
+    <dgm:sp3d/>
+    <dgm:txPr/>
+    <dgm:style>
+      <a:lnRef idx="0">
+        <a:scrgbClr r="0" g="0" b="0"/>
+      </a:lnRef>
+      <a:fillRef idx="1">
+        <a:scrgbClr r="0" g="0" b="0"/>
+      </a:fillRef>
+      <a:effectRef idx="0">
+        <a:scrgbClr r="0" g="0" b="0"/>
+      </a:effectRef>
+      <a:fontRef idx="minor">
+        <a:schemeClr val="lt1"/>
+      </a:fontRef>
+    </dgm:style>
+  </dgm:styleLbl>
+  <dgm:styleLbl name="bgSibTrans2D1">
+    <dgm:scene3d>
+      <a:camera prst="orthographicFront"/>
+      <a:lightRig rig="threePt" dir="t"/>
+    </dgm:scene3d>
+    <dgm:sp3d/>
+    <dgm:txPr/>
+    <dgm:style>
+      <a:lnRef idx="0">
+        <a:scrgbClr r="0" g="0" b="0"/>
+      </a:lnRef>
+      <a:fillRef idx="1">
+        <a:scrgbClr r="0" g="0" b="0"/>
+      </a:fillRef>
+      <a:effectRef idx="0">
+        <a:scrgbClr r="0" g="0" b="0"/>
+      </a:effectRef>
+      <a:fontRef idx="minor">
+        <a:schemeClr val="lt1"/>
+      </a:fontRef>
+    </dgm:style>
+  </dgm:styleLbl>
+  <dgm:styleLbl name="sibTrans1D1">
+    <dgm:scene3d>
+      <a:camera prst="orthographicFront"/>
+      <a:lightRig rig="threePt" dir="t"/>
+    </dgm:scene3d>
+    <dgm:sp3d/>
+    <dgm:txPr/>
+    <dgm:style>
+      <a:lnRef idx="1">
+        <a:scrgbClr r="0" g="0" b="0"/>
+      </a:lnRef>
+      <a:fillRef idx="0">
+        <a:scrgbClr r="0" g="0" b="0"/>
+      </a:fillRef>
+      <a:effectRef idx="0">
+        <a:scrgbClr r="0" g="0" b="0"/>
+      </a:effectRef>
+      <a:fontRef idx="minor"/>
+    </dgm:style>
+  </dgm:styleLbl>
+  <dgm:styleLbl name="callout">
+    <dgm:scene3d>
+      <a:camera prst="orthographicFront"/>
+      <a:lightRig rig="threePt" dir="t"/>
+    </dgm:scene3d>
+    <dgm:sp3d/>
+    <dgm:txPr/>
+    <dgm:style>
+      <a:lnRef idx="2">
+        <a:scrgbClr r="0" g="0" b="0"/>
+      </a:lnRef>
+      <a:fillRef idx="1">
+        <a:scrgbClr r="0" g="0" b="0"/>
+      </a:fillRef>
+      <a:effectRef idx="0">
+        <a:scrgbClr r="0" g="0" b="0"/>
+      </a:effectRef>
+      <a:fontRef idx="minor"/>
+    </dgm:style>
+  </dgm:styleLbl>
+  <dgm:styleLbl name="asst0">
+    <dgm:scene3d>
+      <a:camera prst="orthographicFront"/>
+      <a:lightRig rig="threePt" dir="t"/>
+    </dgm:scene3d>
+    <dgm:sp3d/>
+    <dgm:txPr/>
+    <dgm:style>
+      <a:lnRef idx="2">
+        <a:scrgbClr r="0" g="0" b="0"/>
+      </a:lnRef>
+      <a:fillRef idx="1">
+        <a:scrgbClr r="0" g="0" b="0"/>
+      </a:fillRef>
+      <a:effectRef idx="0">
+        <a:scrgbClr r="0" g="0" b="0"/>
+      </a:effectRef>
+      <a:fontRef idx="minor">
+        <a:schemeClr val="lt1"/>
+      </a:fontRef>
+    </dgm:style>
+  </dgm:styleLbl>
+  <dgm:styleLbl name="asst1">
+    <dgm:scene3d>
+      <a:camera prst="orthographicFront"/>
+      <a:lightRig rig="threePt" dir="t"/>
+    </dgm:scene3d>
+    <dgm:sp3d/>
+    <dgm:txPr/>
+    <dgm:style>
+      <a:lnRef idx="2">
+        <a:scrgbClr r="0" g="0" b="0"/>
+      </a:lnRef>
+      <a:fillRef idx="1">
+        <a:scrgbClr r="0" g="0" b="0"/>
+      </a:fillRef>
+      <a:effectRef idx="0">
+        <a:scrgbClr r="0" g="0" b="0"/>
+      </a:effectRef>
+      <a:fontRef idx="minor">
+        <a:schemeClr val="lt1"/>
+      </a:fontRef>
+    </dgm:style>
+  </dgm:styleLbl>
+  <dgm:styleLbl name="asst2">
+    <dgm:scene3d>
+      <a:camera prst="orthographicFront"/>
+      <a:lightRig rig="threePt" dir="t"/>
+    </dgm:scene3d>
+    <dgm:sp3d/>
+    <dgm:txPr/>
+    <dgm:style>
+      <a:lnRef idx="2">
+        <a:scrgbClr r="0" g="0" b="0"/>
+      </a:lnRef>
+      <a:fillRef idx="1">
+        <a:scrgbClr r="0" g="0" b="0"/>
+      </a:fillRef>
+      <a:effectRef idx="0">
+        <a:scrgbClr r="0" g="0" b="0"/>
+      </a:effectRef>
+      <a:fontRef idx="minor">
+        <a:schemeClr val="lt1"/>
+      </a:fontRef>
+    </dgm:style>
+  </dgm:styleLbl>
+  <dgm:styleLbl name="asst3">
+    <dgm:scene3d>
+      <a:camera prst="orthographicFront"/>
+      <a:lightRig rig="threePt" dir="t"/>
+    </dgm:scene3d>
+    <dgm:sp3d/>
+    <dgm:txPr/>
+    <dgm:style>
+      <a:lnRef idx="2">
+        <a:scrgbClr r="0" g="0" b="0"/>
+      </a:lnRef>
+      <a:fillRef idx="1">
+        <a:scrgbClr r="0" g="0" b="0"/>
+      </a:fillRef>
+      <a:effectRef idx="0">
+        <a:scrgbClr r="0" g="0" b="0"/>
+      </a:effectRef>
+      <a:fontRef idx="minor">
+        <a:schemeClr val="lt1"/>
+      </a:fontRef>
+    </dgm:style>
+  </dgm:styleLbl>
+  <dgm:styleLbl name="asst4">
+    <dgm:scene3d>
+      <a:camera prst="orthographicFront"/>
+      <a:lightRig rig="threePt" dir="t"/>
+    </dgm:scene3d>
+    <dgm:sp3d/>
+    <dgm:txPr/>
+    <dgm:style>
+      <a:lnRef idx="2">
+        <a:scrgbClr r="0" g="0" b="0"/>
+      </a:lnRef>
+      <a:fillRef idx="1">
+        <a:scrgbClr r="0" g="0" b="0"/>
+      </a:fillRef>
+      <a:effectRef idx="0">
+        <a:scrgbClr r="0" g="0" b="0"/>
+      </a:effectRef>
+      <a:fontRef idx="minor">
+        <a:schemeClr val="lt1"/>
+      </a:fontRef>
+    </dgm:style>
+  </dgm:styleLbl>
+  <dgm:styleLbl name="parChTrans2D1">
+    <dgm:scene3d>
+      <a:camera prst="orthographicFront"/>
+      <a:lightRig rig="threePt" dir="t"/>
+    </dgm:scene3d>
+    <dgm:sp3d/>
+    <dgm:txPr/>
+    <dgm:style>
+      <a:lnRef idx="2">
+        <a:scrgbClr r="0" g="0" b="0"/>
+      </a:lnRef>
+      <a:fillRef idx="1">
+        <a:scrgbClr r="0" g="0" b="0"/>
+      </a:fillRef>
+      <a:effectRef idx="0">
+        <a:scrgbClr r="0" g="0" b="0"/>
+      </a:effectRef>
+      <a:fontRef idx="minor">
+        <a:schemeClr val="lt1"/>
+      </a:fontRef>
+    </dgm:style>
+  </dgm:styleLbl>
+  <dgm:styleLbl name="parChTrans2D2">
+    <dgm:scene3d>
+      <a:camera prst="orthographicFront"/>
+      <a:lightRig rig="threePt" dir="t"/>
+    </dgm:scene3d>
+    <dgm:sp3d/>
+    <dgm:txPr/>
+    <dgm:style>
+      <a:lnRef idx="2">
+        <a:scrgbClr r="0" g="0" b="0"/>
+      </a:lnRef>
+      <a:fillRef idx="1">
+        <a:scrgbClr r="0" g="0" b="0"/>
+      </a:fillRef>
+      <a:effectRef idx="0">
+        <a:scrgbClr r="0" g="0" b="0"/>
+      </a:effectRef>
+      <a:fontRef idx="minor">
+        <a:schemeClr val="lt1"/>
+      </a:fontRef>
+    </dgm:style>
+  </dgm:styleLbl>
+  <dgm:styleLbl name="parChTrans2D3">
+    <dgm:scene3d>
+      <a:camera prst="orthographicFront"/>
+      <a:lightRig rig="threePt" dir="t"/>
+    </dgm:scene3d>
+    <dgm:sp3d/>
+    <dgm:txPr/>
+    <dgm:style>
+      <a:lnRef idx="2">
+        <a:scrgbClr r="0" g="0" b="0"/>
+      </a:lnRef>
+      <a:fillRef idx="1">
+        <a:scrgbClr r="0" g="0" b="0"/>
+      </a:fillRef>
+      <a:effectRef idx="0">
+        <a:scrgbClr r="0" g="0" b="0"/>
+      </a:effectRef>
+      <a:fontRef idx="minor">
+        <a:schemeClr val="lt1"/>
+      </a:fontRef>
+    </dgm:style>
+  </dgm:styleLbl>
+  <dgm:styleLbl name="parChTrans2D4">
+    <dgm:scene3d>
+      <a:camera prst="orthographicFront"/>
+      <a:lightRig rig="threePt" dir="t"/>
+    </dgm:scene3d>
+    <dgm:sp3d/>
+    <dgm:txPr/>
+    <dgm:style>
+      <a:lnRef idx="2">
+        <a:scrgbClr r="0" g="0" b="0"/>
+      </a:lnRef>
+      <a:fillRef idx="1">
+        <a:scrgbClr r="0" g="0" b="0"/>
+      </a:fillRef>
+      <a:effectRef idx="0">
+        <a:scrgbClr r="0" g="0" b="0"/>
+      </a:effectRef>
+      <a:fontRef idx="minor">
+        <a:schemeClr val="lt1"/>
+      </a:fontRef>
+    </dgm:style>
+  </dgm:styleLbl>
+  <dgm:styleLbl name="parChTrans1D1">
+    <dgm:scene3d>
+      <a:camera prst="orthographicFront"/>
+      <a:lightRig rig="threePt" dir="t"/>
+    </dgm:scene3d>
+    <dgm:sp3d/>
+    <dgm:txPr/>
+    <dgm:style>
+      <a:lnRef idx="2">
+        <a:scrgbClr r="0" g="0" b="0"/>
+      </a:lnRef>
+      <a:fillRef idx="0">
+        <a:scrgbClr r="0" g="0" b="0"/>
+      </a:fillRef>
+      <a:effectRef idx="0">
+        <a:scrgbClr r="0" g="0" b="0"/>
+      </a:effectRef>
+      <a:fontRef idx="minor"/>
+    </dgm:style>
+  </dgm:styleLbl>
+  <dgm:styleLbl name="parChTrans1D2">
+    <dgm:scene3d>
+      <a:camera prst="orthographicFront"/>
+      <a:lightRig rig="threePt" dir="t"/>
+    </dgm:scene3d>
+    <dgm:sp3d/>
+    <dgm:txPr/>
+    <dgm:style>
+      <a:lnRef idx="2">
+        <a:scrgbClr r="0" g="0" b="0"/>
+      </a:lnRef>
+      <a:fillRef idx="0">
+        <a:scrgbClr r="0" g="0" b="0"/>
+      </a:fillRef>
+      <a:effectRef idx="0">
+        <a:scrgbClr r="0" g="0" b="0"/>
+      </a:effectRef>
+      <a:fontRef idx="minor"/>
+    </dgm:style>
+  </dgm:styleLbl>
+  <dgm:styleLbl name="parChTrans1D3">
+    <dgm:scene3d>
+      <a:camera prst="orthographicFront"/>
+      <a:lightRig rig="threePt" dir="t"/>
+    </dgm:scene3d>
+    <dgm:sp3d/>
+    <dgm:txPr/>
+    <dgm:style>
+      <a:lnRef idx="2">
+        <a:scrgbClr r="0" g="0" b="0"/>
+      </a:lnRef>
+      <a:fillRef idx="0">
+        <a:scrgbClr r="0" g="0" b="0"/>
+      </a:fillRef>
+      <a:effectRef idx="0">
+        <a:scrgbClr r="0" g="0" b="0"/>
+      </a:effectRef>
+      <a:fontRef idx="minor"/>
+    </dgm:style>
+  </dgm:styleLbl>
+  <dgm:styleLbl name="parChTrans1D4">
+    <dgm:scene3d>
+      <a:camera prst="orthographicFront"/>
+      <a:lightRig rig="threePt" dir="t"/>
+    </dgm:scene3d>
+    <dgm:sp3d/>
+    <dgm:txPr/>
+    <dgm:style>
+      <a:lnRef idx="2">
+        <a:scrgbClr r="0" g="0" b="0"/>
+      </a:lnRef>
+      <a:fillRef idx="0">
+        <a:scrgbClr r="0" g="0" b="0"/>
+      </a:fillRef>
+      <a:effectRef idx="0">
+        <a:scrgbClr r="0" g="0" b="0"/>
+      </a:effectRef>
+      <a:fontRef idx="minor"/>
+    </dgm:style>
+  </dgm:styleLbl>
+  <dgm:styleLbl name="fgAcc1">
+    <dgm:scene3d>
+      <a:camera prst="orthographicFront"/>
+      <a:lightRig rig="threePt" dir="t"/>
+    </dgm:scene3d>
+    <dgm:sp3d/>
+    <dgm:txPr/>
+    <dgm:style>
+      <a:lnRef idx="2">
+        <a:scrgbClr r="0" g="0" b="0"/>
+      </a:lnRef>
+      <a:fillRef idx="1">
+        <a:scrgbClr r="0" g="0" b="0"/>
+      </a:fillRef>
+      <a:effectRef idx="0">
+        <a:scrgbClr r="0" g="0" b="0"/>
+      </a:effectRef>
+      <a:fontRef idx="minor"/>
+    </dgm:style>
+  </dgm:styleLbl>
+  <dgm:styleLbl name="conFgAcc1">
+    <dgm:scene3d>
+      <a:camera prst="orthographicFront"/>
+      <a:lightRig rig="threePt" dir="t"/>
+    </dgm:scene3d>
+    <dgm:sp3d/>
+    <dgm:txPr/>
+    <dgm:style>
+      <a:lnRef idx="2">
+        <a:scrgbClr r="0" g="0" b="0"/>
+      </a:lnRef>
+      <a:fillRef idx="1">
+        <a:scrgbClr r="0" g="0" b="0"/>
+      </a:fillRef>
+      <a:effectRef idx="0">
+        <a:scrgbClr r="0" g="0" b="0"/>
+      </a:effectRef>
+      <a:fontRef idx="minor"/>
+    </dgm:style>
+  </dgm:styleLbl>
+  <dgm:styleLbl name="alignAcc1">
+    <dgm:scene3d>
+      <a:camera prst="orthographicFront"/>
+      <a:lightRig rig="threePt" dir="t"/>
+    </dgm:scene3d>
+    <dgm:sp3d/>
+    <dgm:txPr/>
+    <dgm:style>
+      <a:lnRef idx="2">
+        <a:scrgbClr r="0" g="0" b="0"/>
+      </a:lnRef>
+      <a:fillRef idx="1">
+        <a:scrgbClr r="0" g="0" b="0"/>
+      </a:fillRef>
+      <a:effectRef idx="0">
+        <a:scrgbClr r="0" g="0" b="0"/>
+      </a:effectRef>
+      <a:fontRef idx="minor"/>
+    </dgm:style>
+  </dgm:styleLbl>
+  <dgm:styleLbl name="trAlignAcc1">
+    <dgm:scene3d>
+      <a:camera prst="orthographicFront"/>
+      <a:lightRig rig="threePt" dir="t"/>
+    </dgm:scene3d>
+    <dgm:sp3d/>
+    <dgm:txPr/>
+    <dgm:style>
+      <a:lnRef idx="1">
+        <a:scrgbClr r="0" g="0" b="0"/>
+      </a:lnRef>
+      <a:fillRef idx="1">
+        <a:scrgbClr r="0" g="0" b="0"/>
+      </a:fillRef>
+      <a:effectRef idx="0">
+        <a:scrgbClr r="0" g="0" b="0"/>
+      </a:effectRef>
+      <a:fontRef idx="minor"/>
+    </dgm:style>
+  </dgm:styleLbl>
+  <dgm:styleLbl name="bgAcc1">
+    <dgm:scene3d>
+      <a:camera prst="orthographicFront"/>
+      <a:lightRig rig="threePt" dir="t"/>
+    </dgm:scene3d>
+    <dgm:sp3d/>
+    <dgm:txPr/>
+    <dgm:style>
+      <a:lnRef idx="2">
+        <a:scrgbClr r="0" g="0" b="0"/>
+      </a:lnRef>
+      <a:fillRef idx="1">
+        <a:scrgbClr r="0" g="0" b="0"/>
+      </a:fillRef>
+      <a:effectRef idx="0">
+        <a:scrgbClr r="0" g="0" b="0"/>
+      </a:effectRef>
+      <a:fontRef idx="minor"/>
+    </dgm:style>
+  </dgm:styleLbl>
+  <dgm:styleLbl name="solidFgAcc1">
+    <dgm:scene3d>
+      <a:camera prst="orthographicFront"/>
+      <a:lightRig rig="threePt" dir="t"/>
+    </dgm:scene3d>
+    <dgm:sp3d/>
+    <dgm:txPr/>
+    <dgm:style>
+      <a:lnRef idx="2">
+        <a:scrgbClr r="0" g="0" b="0"/>
+      </a:lnRef>
+      <a:fillRef idx="1">
+        <a:scrgbClr r="0" g="0" b="0"/>
+      </a:fillRef>
+      <a:effectRef idx="0">
+        <a:scrgbClr r="0" g="0" b="0"/>
+      </a:effectRef>
+      <a:fontRef idx="minor"/>
+    </dgm:style>
+  </dgm:styleLbl>
+  <dgm:styleLbl name="solidAlignAcc1">
+    <dgm:scene3d>
+      <a:camera prst="orthographicFront"/>
+      <a:lightRig rig="threePt" dir="t"/>
+    </dgm:scene3d>
+    <dgm:sp3d/>
+    <dgm:txPr/>
+    <dgm:style>
+      <a:lnRef idx="2">
+        <a:scrgbClr r="0" g="0" b="0"/>
+      </a:lnRef>
+      <a:fillRef idx="1">
+        <a:scrgbClr r="0" g="0" b="0"/>
+      </a:fillRef>
+      <a:effectRef idx="0">
+        <a:scrgbClr r="0" g="0" b="0"/>
+      </a:effectRef>
+      <a:fontRef idx="minor"/>
+    </dgm:style>
+  </dgm:styleLbl>
+  <dgm:styleLbl name="solidBgAcc1">
+    <dgm:scene3d>
+      <a:camera prst="orthographicFront"/>
+      <a:lightRig rig="threePt" dir="t"/>
+    </dgm:scene3d>
+    <dgm:sp3d/>
+    <dgm:txPr/>
+    <dgm:style>
+      <a:lnRef idx="2">
+        <a:scrgbClr r="0" g="0" b="0"/>
+      </a:lnRef>
+      <a:fillRef idx="1">
+        <a:scrgbClr r="0" g="0" b="0"/>
+      </a:fillRef>
+      <a:effectRef idx="0">
+        <a:scrgbClr r="0" g="0" b="0"/>
+      </a:effectRef>
+      <a:fontRef idx="minor"/>
+    </dgm:style>
+  </dgm:styleLbl>
+  <dgm:styleLbl name="fgAccFollowNode1">
+    <dgm:scene3d>
+      <a:camera prst="orthographicFront"/>
+      <a:lightRig rig="threePt" dir="t"/>
+    </dgm:scene3d>
+    <dgm:sp3d/>
+    <dgm:txPr/>
+    <dgm:style>
+      <a:lnRef idx="2">
+        <a:scrgbClr r="0" g="0" b="0"/>
+      </a:lnRef>
+      <a:fillRef idx="1">
+        <a:scrgbClr r="0" g="0" b="0"/>
+      </a:fillRef>
+      <a:effectRef idx="0">
+        <a:scrgbClr r="0" g="0" b="0"/>
+      </a:effectRef>
+      <a:fontRef idx="minor"/>
+    </dgm:style>
+  </dgm:styleLbl>
+  <dgm:styleLbl name="alignAccFollowNode1">
+    <dgm:scene3d>
+      <a:camera prst="orthographicFront"/>
+      <a:lightRig rig="threePt" dir="t"/>
+    </dgm:scene3d>
+    <dgm:sp3d/>
+    <dgm:txPr/>
+    <dgm:style>
+      <a:lnRef idx="2">
+        <a:scrgbClr r="0" g="0" b="0"/>
+      </a:lnRef>
+      <a:fillRef idx="1">
+        <a:scrgbClr r="0" g="0" b="0"/>
+      </a:fillRef>
+      <a:effectRef idx="0">
+        <a:scrgbClr r="0" g="0" b="0"/>
+      </a:effectRef>
+      <a:fontRef idx="minor"/>
+    </dgm:style>
+  </dgm:styleLbl>
+  <dgm:styleLbl name="bgAccFollowNode1">
+    <dgm:scene3d>
+      <a:camera prst="orthographicFront"/>
+      <a:lightRig rig="threePt" dir="t"/>
+    </dgm:scene3d>
+    <dgm:sp3d/>
+    <dgm:txPr/>
+    <dgm:style>
+      <a:lnRef idx="2">
+        <a:scrgbClr r="0" g="0" b="0"/>
+      </a:lnRef>
+      <a:fillRef idx="1">
+        <a:scrgbClr r="0" g="0" b="0"/>
+      </a:fillRef>
+      <a:effectRef idx="0">
+        <a:scrgbClr r="0" g="0" b="0"/>
+      </a:effectRef>
+      <a:fontRef idx="minor"/>
+    </dgm:style>
+  </dgm:styleLbl>
+  <dgm:styleLbl name="fgAcc0">
+    <dgm:scene3d>
+      <a:camera prst="orthographicFront"/>
+      <a:lightRig rig="threePt" dir="t"/>
+    </dgm:scene3d>
+    <dgm:sp3d/>
+    <dgm:txPr/>
+    <dgm:style>
+      <a:lnRef idx="2">
+        <a:scrgbClr r="0" g="0" b="0"/>
+      </a:lnRef>
+      <a:fillRef idx="1">
+        <a:scrgbClr r="0" g="0" b="0"/>
+      </a:fillRef>
+      <a:effectRef idx="0">
+        <a:scrgbClr r="0" g="0" b="0"/>
+      </a:effectRef>
+      <a:fontRef idx="minor"/>
+    </dgm:style>
+  </dgm:styleLbl>
+  <dgm:styleLbl name="fgAcc2">
+    <dgm:scene3d>
+      <a:camera prst="orthographicFront"/>
+      <a:lightRig rig="threePt" dir="t"/>
+    </dgm:scene3d>
+    <dgm:sp3d/>
+    <dgm:txPr/>
+    <dgm:style>
+      <a:lnRef idx="2">
+        <a:scrgbClr r="0" g="0" b="0"/>
+      </a:lnRef>
+      <a:fillRef idx="1">
+        <a:scrgbClr r="0" g="0" b="0"/>
+      </a:fillRef>
+      <a:effectRef idx="0">
+        <a:scrgbClr r="0" g="0" b="0"/>
+      </a:effectRef>
+      <a:fontRef idx="minor"/>
+    </dgm:style>
+  </dgm:styleLbl>
+  <dgm:styleLbl name="fgAcc3">
+    <dgm:scene3d>
+      <a:camera prst="orthographicFront"/>
+      <a:lightRig rig="threePt" dir="t"/>
+    </dgm:scene3d>
+    <dgm:sp3d/>
+    <dgm:txPr/>
+    <dgm:style>
+      <a:lnRef idx="2">
+        <a:scrgbClr r="0" g="0" b="0"/>
+      </a:lnRef>
+      <a:fillRef idx="1">
+        <a:scrgbClr r="0" g="0" b="0"/>
+      </a:fillRef>
+      <a:effectRef idx="0">
+        <a:scrgbClr r="0" g="0" b="0"/>
+      </a:effectRef>
+      <a:fontRef idx="minor"/>
+    </dgm:style>
+  </dgm:styleLbl>
+  <dgm:styleLbl name="fgAcc4">
+    <dgm:scene3d>
+      <a:camera prst="orthographicFront"/>
+      <a:lightRig rig="threePt" dir="t"/>
+    </dgm:scene3d>
+    <dgm:sp3d/>
+    <dgm:txPr/>
+    <dgm:style>
+      <a:lnRef idx="2">
+        <a:scrgbClr r="0" g="0" b="0"/>
+      </a:lnRef>
+      <a:fillRef idx="1">
+        <a:scrgbClr r="0" g="0" b="0"/>
+      </a:fillRef>
+      <a:effectRef idx="0">
+        <a:scrgbClr r="0" g="0" b="0"/>
+      </a:effectRef>
+      <a:fontRef idx="minor"/>
+    </dgm:style>
+  </dgm:styleLbl>
+  <dgm:styleLbl name="bgShp">
+    <dgm:scene3d>
+      <a:camera prst="orthographicFront"/>
+      <a:lightRig rig="threePt" dir="t"/>
+    </dgm:scene3d>
+    <dgm:sp3d/>
+    <dgm:txPr/>
+    <dgm:style>
+      <a:lnRef idx="0">
+        <a:scrgbClr r="0" g="0" b="0"/>
+      </a:lnRef>
+      <a:fillRef idx="1">
+        <a:scrgbClr r="0" g="0" b="0"/>
+      </a:fillRef>
+      <a:effectRef idx="0">
+        <a:scrgbClr r="0" g="0" b="0"/>
+      </a:effectRef>
+      <a:fontRef idx="minor"/>
+    </dgm:style>
+  </dgm:styleLbl>
+  <dgm:styleLbl name="dkBgShp">
+    <dgm:scene3d>
+      <a:camera prst="orthographicFront"/>
+      <a:lightRig rig="threePt" dir="t"/>
+    </dgm:scene3d>
+    <dgm:sp3d/>
+    <dgm:txPr/>
+    <dgm:style>
+      <a:lnRef idx="0">
+        <a:scrgbClr r="0" g="0" b="0"/>
+      </a:lnRef>
+      <a:fillRef idx="1">
+        <a:scrgbClr r="0" g="0" b="0"/>
+      </a:fillRef>
+      <a:effectRef idx="0">
+        <a:scrgbClr r="0" g="0" b="0"/>
+      </a:effectRef>
+      <a:fontRef idx="minor"/>
+    </dgm:style>
+  </dgm:styleLbl>
+  <dgm:styleLbl name="trBgShp">
+    <dgm:scene3d>
+      <a:camera prst="orthographicFront"/>
+      <a:lightRig rig="threePt" dir="t"/>
+    </dgm:scene3d>
+    <dgm:sp3d/>
+    <dgm:txPr/>
+    <dgm:style>
+      <a:lnRef idx="0">
+        <a:scrgbClr r="0" g="0" b="0"/>
+      </a:lnRef>
+      <a:fillRef idx="1">
+        <a:scrgbClr r="0" g="0" b="0"/>
+      </a:fillRef>
+      <a:effectRef idx="0">
+        <a:scrgbClr r="0" g="0" b="0"/>
+      </a:effectRef>
+      <a:fontRef idx="minor"/>
+    </dgm:style>
+  </dgm:styleLbl>
+  <dgm:styleLbl name="fgShp">
+    <dgm:scene3d>
+      <a:camera prst="orthographicFront"/>
+      <a:lightRig rig="threePt" dir="t"/>
+    </dgm:scene3d>
+    <dgm:sp3d/>
+    <dgm:txPr/>
+    <dgm:style>
+      <a:lnRef idx="2">
+        <a:scrgbClr r="0" g="0" b="0"/>
+      </a:lnRef>
+      <a:fillRef idx="1">
+        <a:scrgbClr r="0" g="0" b="0"/>
+      </a:fillRef>
+      <a:effectRef idx="0">
+        <a:scrgbClr r="0" g="0" b="0"/>
+      </a:effectRef>
+      <a:fontRef idx="minor"/>
+    </dgm:style>
+  </dgm:styleLbl>
+  <dgm:styleLbl name="revTx">
+    <dgm:scene3d>
+      <a:camera prst="orthographicFront"/>
+      <a:lightRig rig="threePt" dir="t"/>
+    </dgm:scene3d>
+    <dgm:sp3d/>
+    <dgm:txPr/>
+    <dgm:style>
+      <a:lnRef idx="0">
+        <a:scrgbClr r="0" g="0" b="0"/>
+      </a:lnRef>
+      <a:fillRef idx="0">
+        <a:scrgbClr r="0" g="0" b="0"/>
+      </a:fillRef>
+      <a:effectRef idx="0">
+        <a:scrgbClr r="0" g="0" b="0"/>
+      </a:effectRef>
+      <a:fontRef idx="minor"/>
+    </dgm:style>
+  </dgm:styleLbl>
+</dgm:styleDef>
+</file>
+
 <file path=ppt/slideLayouts/slideLayout1.xml><?xml version="1.0" encoding="utf-8"?>
 <p:sldLayout xmlns:a="http://schemas.openxmlformats.org/drawingml/2006/main" xmlns:r="http://schemas.openxmlformats.org/officeDocument/2006/relationships" xmlns:p="http://schemas.openxmlformats.org/presentationml/2006/main" showMasterSp="0" type="title" preserve="1">
   <p:cSld name="Title Slide">
@@ -4858,7 +10758,7 @@
                 <a16:creationId xmlns:a16="http://schemas.microsoft.com/office/drawing/2014/main" id="{748618E9-EE2D-4864-9EEE-58939BD4FBBA}"/>
               </a:ext>
               <a:ext uri="{C183D7F6-B498-43B3-948B-1728B52AA6E4}">
-                <adec:decorative xmlns:adec="http://schemas.microsoft.com/office/drawing/2017/decorative" xmlns="" val="1"/>
+                <adec:decorative xmlns="" xmlns:adec="http://schemas.microsoft.com/office/drawing/2017/decorative" val="1"/>
               </a:ext>
             </a:extLst>
           </p:cNvPr>
@@ -6423,7 +12323,7 @@
                 <a16:creationId xmlns:a16="http://schemas.microsoft.com/office/drawing/2014/main" id="{2437C4A8-8E3A-4ADA-93B9-64737CE1ABB1}"/>
               </a:ext>
               <a:ext uri="{C183D7F6-B498-43B3-948B-1728B52AA6E4}">
-                <adec:decorative xmlns:adec="http://schemas.microsoft.com/office/drawing/2017/decorative" xmlns="" val="1"/>
+                <adec:decorative xmlns="" xmlns:adec="http://schemas.microsoft.com/office/drawing/2017/decorative" val="1"/>
               </a:ext>
             </a:extLst>
           </p:cNvPr>
@@ -6499,7 +12399,7 @@
           <a:p>
             <a:fld id="{8F72BA41-EC5B-4197-BCC8-0FD2E523CD7A}" type="datetimeFigureOut">
               <a:rPr lang="en-US" smtClean="0"/>
-              <a:t>6/8/2023</a:t>
+              <a:t>6/15/2023</a:t>
             </a:fld>
             <a:endParaRPr lang="en-US"/>
           </a:p>
@@ -6702,7 +12602,7 @@
           <a:p>
             <a:fld id="{8F72BA41-EC5B-4197-BCC8-0FD2E523CD7A}" type="datetimeFigureOut">
               <a:rPr lang="en-US" smtClean="0"/>
-              <a:t>6/8/2023</a:t>
+              <a:t>6/15/2023</a:t>
             </a:fld>
             <a:endParaRPr lang="en-US"/>
           </a:p>
@@ -6800,7 +12700,7 @@
                 <a16:creationId xmlns:a16="http://schemas.microsoft.com/office/drawing/2014/main" id="{65405209-5179-4359-91ED-1B1A46619A99}"/>
               </a:ext>
               <a:ext uri="{C183D7F6-B498-43B3-948B-1728B52AA6E4}">
-                <adec:decorative xmlns:adec="http://schemas.microsoft.com/office/drawing/2017/decorative" xmlns="" val="1"/>
+                <adec:decorative xmlns="" xmlns:adec="http://schemas.microsoft.com/office/drawing/2017/decorative" val="1"/>
               </a:ext>
             </a:extLst>
           </p:cNvPr>
@@ -8250,7 +14150,7 @@
                 <a16:creationId xmlns:a16="http://schemas.microsoft.com/office/drawing/2014/main" id="{ACE66A86-8455-497B-9CA4-F460A19E5FBB}"/>
               </a:ext>
               <a:ext uri="{C183D7F6-B498-43B3-948B-1728B52AA6E4}">
-                <adec:decorative xmlns:adec="http://schemas.microsoft.com/office/drawing/2017/decorative" xmlns="" val="1"/>
+                <adec:decorative xmlns="" xmlns:adec="http://schemas.microsoft.com/office/drawing/2017/decorative" val="1"/>
               </a:ext>
             </a:extLst>
           </p:cNvPr>
@@ -8423,7 +14323,7 @@
           <a:p>
             <a:fld id="{8F72BA41-EC5B-4197-BCC8-0FD2E523CD7A}" type="datetimeFigureOut">
               <a:rPr lang="en-US" smtClean="0"/>
-              <a:t>6/8/2023</a:t>
+              <a:t>6/15/2023</a:t>
             </a:fld>
             <a:endParaRPr lang="en-US"/>
           </a:p>
@@ -8622,7 +14522,7 @@
           <a:p>
             <a:fld id="{8F72BA41-EC5B-4197-BCC8-0FD2E523CD7A}" type="datetimeFigureOut">
               <a:rPr lang="en-US" smtClean="0"/>
-              <a:t>6/8/2023</a:t>
+              <a:t>6/15/2023</a:t>
             </a:fld>
             <a:endParaRPr lang="en-US"/>
           </a:p>
@@ -8720,7 +14620,7 @@
                 <a16:creationId xmlns:a16="http://schemas.microsoft.com/office/drawing/2014/main" id="{A69DB7AC-F7D7-430A-A2A7-CD3EBBF1D35D}"/>
               </a:ext>
               <a:ext uri="{C183D7F6-B498-43B3-948B-1728B52AA6E4}">
-                <adec:decorative xmlns:adec="http://schemas.microsoft.com/office/drawing/2017/decorative" xmlns="" val="1"/>
+                <adec:decorative xmlns="" xmlns:adec="http://schemas.microsoft.com/office/drawing/2017/decorative" val="1"/>
               </a:ext>
             </a:extLst>
           </p:cNvPr>
@@ -10336,7 +16236,7 @@
                 <a16:creationId xmlns:a16="http://schemas.microsoft.com/office/drawing/2014/main" id="{6741F519-22CF-4C01-B140-5480DBAB30F8}"/>
               </a:ext>
               <a:ext uri="{C183D7F6-B498-43B3-948B-1728B52AA6E4}">
-                <adec:decorative xmlns:adec="http://schemas.microsoft.com/office/drawing/2017/decorative" xmlns="" val="1"/>
+                <adec:decorative xmlns="" xmlns:adec="http://schemas.microsoft.com/office/drawing/2017/decorative" val="1"/>
               </a:ext>
             </a:extLst>
           </p:cNvPr>
@@ -10412,7 +16312,7 @@
           <a:p>
             <a:fld id="{8F72BA41-EC5B-4197-BCC8-0FD2E523CD7A}" type="datetimeFigureOut">
               <a:rPr lang="en-US" smtClean="0"/>
-              <a:t>6/8/2023</a:t>
+              <a:t>6/15/2023</a:t>
             </a:fld>
             <a:endParaRPr lang="en-US"/>
           </a:p>
@@ -10685,7 +16585,7 @@
           <a:p>
             <a:fld id="{8F72BA41-EC5B-4197-BCC8-0FD2E523CD7A}" type="datetimeFigureOut">
               <a:rPr lang="en-US" smtClean="0"/>
-              <a:t>6/8/2023</a:t>
+              <a:t>6/15/2023</a:t>
             </a:fld>
             <a:endParaRPr lang="en-US"/>
           </a:p>
@@ -11105,7 +17005,7 @@
           <a:p>
             <a:fld id="{8F72BA41-EC5B-4197-BCC8-0FD2E523CD7A}" type="datetimeFigureOut">
               <a:rPr lang="en-US" smtClean="0"/>
-              <a:t>6/8/2023</a:t>
+              <a:t>6/15/2023</a:t>
             </a:fld>
             <a:endParaRPr lang="en-US"/>
           </a:p>
@@ -11261,7 +17161,7 @@
           <a:p>
             <a:fld id="{8F72BA41-EC5B-4197-BCC8-0FD2E523CD7A}" type="datetimeFigureOut">
               <a:rPr lang="en-US" smtClean="0"/>
-              <a:t>6/8/2023</a:t>
+              <a:t>6/15/2023</a:t>
             </a:fld>
             <a:endParaRPr lang="en-US"/>
           </a:p>
@@ -11364,7 +17264,7 @@
                 <a16:creationId xmlns:a16="http://schemas.microsoft.com/office/drawing/2014/main" id="{45BED274-5EB4-4EF4-B353-E55BD502655C}"/>
               </a:ext>
               <a:ext uri="{C183D7F6-B498-43B3-948B-1728B52AA6E4}">
-                <adec:decorative xmlns:adec="http://schemas.microsoft.com/office/drawing/2017/decorative" xmlns="" val="1"/>
+                <adec:decorative xmlns="" xmlns:adec="http://schemas.microsoft.com/office/drawing/2017/decorative" val="1"/>
               </a:ext>
             </a:extLst>
           </p:cNvPr>
@@ -12829,7 +18729,7 @@
           <a:p>
             <a:fld id="{8F72BA41-EC5B-4197-BCC8-0FD2E523CD7A}" type="datetimeFigureOut">
               <a:rPr lang="en-US" smtClean="0"/>
-              <a:t>6/8/2023</a:t>
+              <a:t>6/15/2023</a:t>
             </a:fld>
             <a:endParaRPr lang="en-US"/>
           </a:p>
@@ -12927,7 +18827,7 @@
                 <a16:creationId xmlns:a16="http://schemas.microsoft.com/office/drawing/2014/main" id="{C4853C57-22BC-4465-8B37-DC06FE5A0003}"/>
               </a:ext>
               <a:ext uri="{C183D7F6-B498-43B3-948B-1728B52AA6E4}">
-                <adec:decorative xmlns:adec="http://schemas.microsoft.com/office/drawing/2017/decorative" xmlns="" val="1"/>
+                <adec:decorative xmlns="" xmlns:adec="http://schemas.microsoft.com/office/drawing/2017/decorative" val="1"/>
               </a:ext>
             </a:extLst>
           </p:cNvPr>
@@ -13215,7 +19115,7 @@
                 <a16:creationId xmlns:a16="http://schemas.microsoft.com/office/drawing/2014/main" id="{0550D594-9D00-4E12-9A7B-8B78EC199482}"/>
               </a:ext>
               <a:ext uri="{C183D7F6-B498-43B3-948B-1728B52AA6E4}">
-                <adec:decorative xmlns:adec="http://schemas.microsoft.com/office/drawing/2017/decorative" xmlns="" val="1"/>
+                <adec:decorative xmlns="" xmlns:adec="http://schemas.microsoft.com/office/drawing/2017/decorative" val="1"/>
               </a:ext>
             </a:extLst>
           </p:cNvPr>
@@ -14680,7 +20580,7 @@
           <a:p>
             <a:fld id="{8F72BA41-EC5B-4197-BCC8-0FD2E523CD7A}" type="datetimeFigureOut">
               <a:rPr lang="en-US" smtClean="0"/>
-              <a:t>6/8/2023</a:t>
+              <a:t>6/15/2023</a:t>
             </a:fld>
             <a:endParaRPr lang="en-US"/>
           </a:p>
@@ -14778,7 +20678,7 @@
                 <a16:creationId xmlns:a16="http://schemas.microsoft.com/office/drawing/2014/main" id="{0DDA6865-0A03-48FA-AD6E-D5BF8FDE9272}"/>
               </a:ext>
               <a:ext uri="{C183D7F6-B498-43B3-948B-1728B52AA6E4}">
-                <adec:decorative xmlns:adec="http://schemas.microsoft.com/office/drawing/2017/decorative" xmlns="" val="1"/>
+                <adec:decorative xmlns="" xmlns:adec="http://schemas.microsoft.com/office/drawing/2017/decorative" val="1"/>
               </a:ext>
             </a:extLst>
           </p:cNvPr>
@@ -16339,7 +22239,7 @@
                 <a16:creationId xmlns:a16="http://schemas.microsoft.com/office/drawing/2014/main" id="{205CDEB9-8DED-4711-8140-4C943FC2CDA0}"/>
               </a:ext>
               <a:ext uri="{C183D7F6-B498-43B3-948B-1728B52AA6E4}">
-                <adec:decorative xmlns:adec="http://schemas.microsoft.com/office/drawing/2017/decorative" xmlns="" val="1"/>
+                <adec:decorative xmlns="" xmlns:adec="http://schemas.microsoft.com/office/drawing/2017/decorative" val="1"/>
               </a:ext>
             </a:extLst>
           </p:cNvPr>
@@ -16493,7 +22393,7 @@
           <a:p>
             <a:fld id="{8F72BA41-EC5B-4197-BCC8-0FD2E523CD7A}" type="datetimeFigureOut">
               <a:rPr lang="en-US" smtClean="0"/>
-              <a:t>6/8/2023</a:t>
+              <a:t>6/15/2023</a:t>
             </a:fld>
             <a:endParaRPr lang="en-US"/>
           </a:p>
@@ -16596,7 +22496,7 @@
                 <a16:creationId xmlns:a16="http://schemas.microsoft.com/office/drawing/2014/main" id="{BDF0D99C-5D42-41C6-A50C-C4E2D6B2A36E}"/>
               </a:ext>
               <a:ext uri="{C183D7F6-B498-43B3-948B-1728B52AA6E4}">
-                <adec:decorative xmlns:adec="http://schemas.microsoft.com/office/drawing/2017/decorative" xmlns="" val="1"/>
+                <adec:decorative xmlns="" xmlns:adec="http://schemas.microsoft.com/office/drawing/2017/decorative" val="1"/>
               </a:ext>
             </a:extLst>
           </p:cNvPr>
@@ -18183,7 +24083,7 @@
             <a:fld id="{8F72BA41-EC5B-4197-BCC8-0FD2E523CD7A}" type="datetimeFigureOut">
               <a:rPr lang="en-US" smtClean="0"/>
               <a:pPr/>
-              <a:t>6/8/2023</a:t>
+              <a:t>6/15/2023</a:t>
             </a:fld>
             <a:endParaRPr lang="en-US" dirty="0"/>
           </a:p>
@@ -18288,7 +24188,7 @@
                 <a16:creationId xmlns:a16="http://schemas.microsoft.com/office/drawing/2014/main" id="{63BAC6E0-ADAC-40FB-AF53-88FA5F83738C}"/>
               </a:ext>
               <a:ext uri="{C183D7F6-B498-43B3-948B-1728B52AA6E4}">
-                <adec:decorative xmlns:adec="http://schemas.microsoft.com/office/drawing/2017/decorative" xmlns="" val="1"/>
+                <adec:decorative xmlns="" xmlns:adec="http://schemas.microsoft.com/office/drawing/2017/decorative" val="1"/>
               </a:ext>
             </a:extLst>
           </p:cNvPr>
@@ -18713,7 +24613,7 @@
                 <a16:creationId xmlns:a16="http://schemas.microsoft.com/office/drawing/2014/main" id="{BA6285CA-6AFA-4F27-AFB5-1B32CDE09B1A}"/>
               </a:ext>
               <a:ext uri="{C183D7F6-B498-43B3-948B-1728B52AA6E4}">
-                <adec:decorative xmlns:adec="http://schemas.microsoft.com/office/drawing/2017/decorative" xmlns="" val="1"/>
+                <adec:decorative xmlns="" xmlns:adec="http://schemas.microsoft.com/office/drawing/2017/decorative" val="1"/>
               </a:ext>
             </a:extLst>
           </p:cNvPr>
@@ -18777,7 +24677,7 @@
                 <a16:creationId xmlns:a16="http://schemas.microsoft.com/office/drawing/2014/main" id="{5DBF4C08-1E63-4DF5-8493-1C3BBDCA3BBF}"/>
               </a:ext>
               <a:ext uri="{C183D7F6-B498-43B3-948B-1728B52AA6E4}">
-                <adec:decorative xmlns:adec="http://schemas.microsoft.com/office/drawing/2017/decorative" xmlns="" val="1"/>
+                <adec:decorative xmlns="" xmlns:adec="http://schemas.microsoft.com/office/drawing/2017/decorative" val="1"/>
               </a:ext>
             </a:extLst>
           </p:cNvPr>
@@ -18808,7 +24708,7 @@
                   <a16:creationId xmlns:a16="http://schemas.microsoft.com/office/drawing/2014/main" id="{B0172335-C8F3-4867-9911-2F5BD212C866}"/>
                 </a:ext>
                 <a:ext uri="{C183D7F6-B498-43B3-948B-1728B52AA6E4}">
-                  <adec:decorative xmlns:adec="http://schemas.microsoft.com/office/drawing/2017/decorative" xmlns="" val="1"/>
+                  <adec:decorative xmlns="" xmlns:adec="http://schemas.microsoft.com/office/drawing/2017/decorative" val="1"/>
                 </a:ext>
               </a:extLst>
             </p:cNvPr>
@@ -18863,7 +24763,7 @@
                   <a16:creationId xmlns:a16="http://schemas.microsoft.com/office/drawing/2014/main" id="{67BDAF4F-CC6E-411F-A8CD-919C9BF08833}"/>
                 </a:ext>
                 <a:ext uri="{C183D7F6-B498-43B3-948B-1728B52AA6E4}">
-                  <adec:decorative xmlns:adec="http://schemas.microsoft.com/office/drawing/2017/decorative" xmlns="" val="1"/>
+                  <adec:decorative xmlns="" xmlns:adec="http://schemas.microsoft.com/office/drawing/2017/decorative" val="1"/>
                 </a:ext>
               </a:extLst>
             </p:cNvPr>
@@ -18918,7 +24818,7 @@
                   <a16:creationId xmlns:a16="http://schemas.microsoft.com/office/drawing/2014/main" id="{5DA124D5-EC6C-40E8-A453-8021DEF63F90}"/>
                 </a:ext>
                 <a:ext uri="{C183D7F6-B498-43B3-948B-1728B52AA6E4}">
-                  <adec:decorative xmlns:adec="http://schemas.microsoft.com/office/drawing/2017/decorative" xmlns="" val="1"/>
+                  <adec:decorative xmlns="" xmlns:adec="http://schemas.microsoft.com/office/drawing/2017/decorative" val="1"/>
                 </a:ext>
               </a:extLst>
             </p:cNvPr>
@@ -18973,7 +24873,7 @@
                   <a16:creationId xmlns:a16="http://schemas.microsoft.com/office/drawing/2014/main" id="{CC7C4E89-FF36-4C86-8662-1B0DE7F21A8C}"/>
                 </a:ext>
                 <a:ext uri="{C183D7F6-B498-43B3-948B-1728B52AA6E4}">
-                  <adec:decorative xmlns:adec="http://schemas.microsoft.com/office/drawing/2017/decorative" xmlns="" val="1"/>
+                  <adec:decorative xmlns="" xmlns:adec="http://schemas.microsoft.com/office/drawing/2017/decorative" val="1"/>
                 </a:ext>
               </a:extLst>
             </p:cNvPr>
@@ -19028,7 +24928,7 @@
                   <a16:creationId xmlns:a16="http://schemas.microsoft.com/office/drawing/2014/main" id="{6728F9F7-96C0-40B6-8FEC-1204F7E5786A}"/>
                 </a:ext>
                 <a:ext uri="{C183D7F6-B498-43B3-948B-1728B52AA6E4}">
-                  <adec:decorative xmlns:adec="http://schemas.microsoft.com/office/drawing/2017/decorative" xmlns="" val="1"/>
+                  <adec:decorative xmlns="" xmlns:adec="http://schemas.microsoft.com/office/drawing/2017/decorative" val="1"/>
                 </a:ext>
               </a:extLst>
             </p:cNvPr>
@@ -19083,7 +24983,7 @@
                   <a16:creationId xmlns:a16="http://schemas.microsoft.com/office/drawing/2014/main" id="{9BF2264B-0EBB-4AE9-B192-C49A51638357}"/>
                 </a:ext>
                 <a:ext uri="{C183D7F6-B498-43B3-948B-1728B52AA6E4}">
-                  <adec:decorative xmlns:adec="http://schemas.microsoft.com/office/drawing/2017/decorative" xmlns="" val="1"/>
+                  <adec:decorative xmlns="" xmlns:adec="http://schemas.microsoft.com/office/drawing/2017/decorative" val="1"/>
                 </a:ext>
               </a:extLst>
             </p:cNvPr>
@@ -19138,7 +25038,7 @@
                   <a16:creationId xmlns:a16="http://schemas.microsoft.com/office/drawing/2014/main" id="{980A4381-2144-4FCB-95A1-1538834F48F7}"/>
                 </a:ext>
                 <a:ext uri="{C183D7F6-B498-43B3-948B-1728B52AA6E4}">
-                  <adec:decorative xmlns:adec="http://schemas.microsoft.com/office/drawing/2017/decorative" xmlns="" val="1"/>
+                  <adec:decorative xmlns="" xmlns:adec="http://schemas.microsoft.com/office/drawing/2017/decorative" val="1"/>
                 </a:ext>
               </a:extLst>
             </p:cNvPr>
@@ -19193,7 +25093,7 @@
                   <a16:creationId xmlns:a16="http://schemas.microsoft.com/office/drawing/2014/main" id="{E0FDAAE2-E1A2-4517-838D-DB7B1BE30BDA}"/>
                 </a:ext>
                 <a:ext uri="{C183D7F6-B498-43B3-948B-1728B52AA6E4}">
-                  <adec:decorative xmlns:adec="http://schemas.microsoft.com/office/drawing/2017/decorative" xmlns="" val="1"/>
+                  <adec:decorative xmlns="" xmlns:adec="http://schemas.microsoft.com/office/drawing/2017/decorative" val="1"/>
                 </a:ext>
               </a:extLst>
             </p:cNvPr>
@@ -19248,7 +25148,7 @@
                   <a16:creationId xmlns:a16="http://schemas.microsoft.com/office/drawing/2014/main" id="{57BBB666-4FE4-459B-AA22-99776D6B0260}"/>
                 </a:ext>
                 <a:ext uri="{C183D7F6-B498-43B3-948B-1728B52AA6E4}">
-                  <adec:decorative xmlns:adec="http://schemas.microsoft.com/office/drawing/2017/decorative" xmlns="" val="1"/>
+                  <adec:decorative xmlns="" xmlns:adec="http://schemas.microsoft.com/office/drawing/2017/decorative" val="1"/>
                 </a:ext>
               </a:extLst>
             </p:cNvPr>
@@ -19303,7 +25203,7 @@
                   <a16:creationId xmlns:a16="http://schemas.microsoft.com/office/drawing/2014/main" id="{8E23CB0F-9564-4C2B-8847-CECC117187DA}"/>
                 </a:ext>
                 <a:ext uri="{C183D7F6-B498-43B3-948B-1728B52AA6E4}">
-                  <adec:decorative xmlns:adec="http://schemas.microsoft.com/office/drawing/2017/decorative" xmlns="" val="1"/>
+                  <adec:decorative xmlns="" xmlns:adec="http://schemas.microsoft.com/office/drawing/2017/decorative" val="1"/>
                 </a:ext>
               </a:extLst>
             </p:cNvPr>
@@ -19358,7 +25258,7 @@
                   <a16:creationId xmlns:a16="http://schemas.microsoft.com/office/drawing/2014/main" id="{0A06EBC9-FF83-480F-BAFC-F11C07A10935}"/>
                 </a:ext>
                 <a:ext uri="{C183D7F6-B498-43B3-948B-1728B52AA6E4}">
-                  <adec:decorative xmlns:adec="http://schemas.microsoft.com/office/drawing/2017/decorative" xmlns="" val="1"/>
+                  <adec:decorative xmlns="" xmlns:adec="http://schemas.microsoft.com/office/drawing/2017/decorative" val="1"/>
                 </a:ext>
               </a:extLst>
             </p:cNvPr>
@@ -19413,7 +25313,7 @@
                   <a16:creationId xmlns:a16="http://schemas.microsoft.com/office/drawing/2014/main" id="{30B19B23-13F1-4B16-9E14-7C8A6CD4BCA4}"/>
                 </a:ext>
                 <a:ext uri="{C183D7F6-B498-43B3-948B-1728B52AA6E4}">
-                  <adec:decorative xmlns:adec="http://schemas.microsoft.com/office/drawing/2017/decorative" xmlns="" val="1"/>
+                  <adec:decorative xmlns="" xmlns:adec="http://schemas.microsoft.com/office/drawing/2017/decorative" val="1"/>
                 </a:ext>
               </a:extLst>
             </p:cNvPr>
@@ -19468,7 +25368,7 @@
                   <a16:creationId xmlns:a16="http://schemas.microsoft.com/office/drawing/2014/main" id="{5E4C9EBB-4687-4958-B779-A7E68209D7F5}"/>
                 </a:ext>
                 <a:ext uri="{C183D7F6-B498-43B3-948B-1728B52AA6E4}">
-                  <adec:decorative xmlns:adec="http://schemas.microsoft.com/office/drawing/2017/decorative" xmlns="" val="1"/>
+                  <adec:decorative xmlns="" xmlns:adec="http://schemas.microsoft.com/office/drawing/2017/decorative" val="1"/>
                 </a:ext>
               </a:extLst>
             </p:cNvPr>
@@ -19523,7 +25423,7 @@
                   <a16:creationId xmlns:a16="http://schemas.microsoft.com/office/drawing/2014/main" id="{43686F2B-B045-40CC-B434-69B83AA1976A}"/>
                 </a:ext>
                 <a:ext uri="{C183D7F6-B498-43B3-948B-1728B52AA6E4}">
-                  <adec:decorative xmlns:adec="http://schemas.microsoft.com/office/drawing/2017/decorative" xmlns="" val="1"/>
+                  <adec:decorative xmlns="" xmlns:adec="http://schemas.microsoft.com/office/drawing/2017/decorative" val="1"/>
                 </a:ext>
               </a:extLst>
             </p:cNvPr>
@@ -19578,7 +25478,7 @@
                   <a16:creationId xmlns:a16="http://schemas.microsoft.com/office/drawing/2014/main" id="{764C71E8-FEA3-4F9B-AC53-A8374AA97E4C}"/>
                 </a:ext>
                 <a:ext uri="{C183D7F6-B498-43B3-948B-1728B52AA6E4}">
-                  <adec:decorative xmlns:adec="http://schemas.microsoft.com/office/drawing/2017/decorative" xmlns="" val="1"/>
+                  <adec:decorative xmlns="" xmlns:adec="http://schemas.microsoft.com/office/drawing/2017/decorative" val="1"/>
                 </a:ext>
               </a:extLst>
             </p:cNvPr>
@@ -19633,7 +25533,7 @@
                   <a16:creationId xmlns:a16="http://schemas.microsoft.com/office/drawing/2014/main" id="{85743F8F-79CE-483D-884E-4737026CEAFB}"/>
                 </a:ext>
                 <a:ext uri="{C183D7F6-B498-43B3-948B-1728B52AA6E4}">
-                  <adec:decorative xmlns:adec="http://schemas.microsoft.com/office/drawing/2017/decorative" xmlns="" val="1"/>
+                  <adec:decorative xmlns="" xmlns:adec="http://schemas.microsoft.com/office/drawing/2017/decorative" val="1"/>
                 </a:ext>
               </a:extLst>
             </p:cNvPr>
@@ -19688,7 +25588,7 @@
                   <a16:creationId xmlns:a16="http://schemas.microsoft.com/office/drawing/2014/main" id="{A5687DE6-BF15-4C4D-A34A-43FE9DF281CB}"/>
                 </a:ext>
                 <a:ext uri="{C183D7F6-B498-43B3-948B-1728B52AA6E4}">
-                  <adec:decorative xmlns:adec="http://schemas.microsoft.com/office/drawing/2017/decorative" xmlns="" val="1"/>
+                  <adec:decorative xmlns="" xmlns:adec="http://schemas.microsoft.com/office/drawing/2017/decorative" val="1"/>
                 </a:ext>
               </a:extLst>
             </p:cNvPr>
@@ -19743,7 +25643,7 @@
                   <a16:creationId xmlns:a16="http://schemas.microsoft.com/office/drawing/2014/main" id="{80C30A15-74C6-479D-9415-BD3A15509BC2}"/>
                 </a:ext>
                 <a:ext uri="{C183D7F6-B498-43B3-948B-1728B52AA6E4}">
-                  <adec:decorative xmlns:adec="http://schemas.microsoft.com/office/drawing/2017/decorative" xmlns="" val="1"/>
+                  <adec:decorative xmlns="" xmlns:adec="http://schemas.microsoft.com/office/drawing/2017/decorative" val="1"/>
                 </a:ext>
               </a:extLst>
             </p:cNvPr>
@@ -19798,7 +25698,7 @@
                   <a16:creationId xmlns:a16="http://schemas.microsoft.com/office/drawing/2014/main" id="{F39D2221-2473-4D0C-867E-15E42CEDACA5}"/>
                 </a:ext>
                 <a:ext uri="{C183D7F6-B498-43B3-948B-1728B52AA6E4}">
-                  <adec:decorative xmlns:adec="http://schemas.microsoft.com/office/drawing/2017/decorative" xmlns="" val="1"/>
+                  <adec:decorative xmlns="" xmlns:adec="http://schemas.microsoft.com/office/drawing/2017/decorative" val="1"/>
                 </a:ext>
               </a:extLst>
             </p:cNvPr>
@@ -19853,7 +25753,7 @@
                   <a16:creationId xmlns:a16="http://schemas.microsoft.com/office/drawing/2014/main" id="{A37B0AC9-52B2-49AE-B9F4-5130967F95D1}"/>
                 </a:ext>
                 <a:ext uri="{C183D7F6-B498-43B3-948B-1728B52AA6E4}">
-                  <adec:decorative xmlns:adec="http://schemas.microsoft.com/office/drawing/2017/decorative" xmlns="" val="1"/>
+                  <adec:decorative xmlns="" xmlns:adec="http://schemas.microsoft.com/office/drawing/2017/decorative" val="1"/>
                 </a:ext>
               </a:extLst>
             </p:cNvPr>
@@ -19908,7 +25808,7 @@
                   <a16:creationId xmlns:a16="http://schemas.microsoft.com/office/drawing/2014/main" id="{0DA4F0D5-4E38-4439-957C-14C7B2C44B90}"/>
                 </a:ext>
                 <a:ext uri="{C183D7F6-B498-43B3-948B-1728B52AA6E4}">
-                  <adec:decorative xmlns:adec="http://schemas.microsoft.com/office/drawing/2017/decorative" xmlns="" val="1"/>
+                  <adec:decorative xmlns="" xmlns:adec="http://schemas.microsoft.com/office/drawing/2017/decorative" val="1"/>
                 </a:ext>
               </a:extLst>
             </p:cNvPr>
@@ -19963,7 +25863,7 @@
                   <a16:creationId xmlns:a16="http://schemas.microsoft.com/office/drawing/2014/main" id="{231DB7A2-5177-4E09-ACE9-15F56E7A0290}"/>
                 </a:ext>
                 <a:ext uri="{C183D7F6-B498-43B3-948B-1728B52AA6E4}">
-                  <adec:decorative xmlns:adec="http://schemas.microsoft.com/office/drawing/2017/decorative" xmlns="" val="1"/>
+                  <adec:decorative xmlns="" xmlns:adec="http://schemas.microsoft.com/office/drawing/2017/decorative" val="1"/>
                 </a:ext>
               </a:extLst>
             </p:cNvPr>
@@ -20018,7 +25918,7 @@
                   <a16:creationId xmlns:a16="http://schemas.microsoft.com/office/drawing/2014/main" id="{BF7AF76B-566E-437B-9B3D-C6061B789AB8}"/>
                 </a:ext>
                 <a:ext uri="{C183D7F6-B498-43B3-948B-1728B52AA6E4}">
-                  <adec:decorative xmlns:adec="http://schemas.microsoft.com/office/drawing/2017/decorative" xmlns="" val="1"/>
+                  <adec:decorative xmlns="" xmlns:adec="http://schemas.microsoft.com/office/drawing/2017/decorative" val="1"/>
                 </a:ext>
               </a:extLst>
             </p:cNvPr>
@@ -20073,7 +25973,7 @@
                   <a16:creationId xmlns:a16="http://schemas.microsoft.com/office/drawing/2014/main" id="{80CCD94C-5468-4E4D-83E1-087C30B101B4}"/>
                 </a:ext>
                 <a:ext uri="{C183D7F6-B498-43B3-948B-1728B52AA6E4}">
-                  <adec:decorative xmlns:adec="http://schemas.microsoft.com/office/drawing/2017/decorative" xmlns="" val="1"/>
+                  <adec:decorative xmlns="" xmlns:adec="http://schemas.microsoft.com/office/drawing/2017/decorative" val="1"/>
                 </a:ext>
               </a:extLst>
             </p:cNvPr>
@@ -20128,7 +26028,7 @@
                   <a16:creationId xmlns:a16="http://schemas.microsoft.com/office/drawing/2014/main" id="{F7DE3320-D7F0-4B34-979B-D695DA263419}"/>
                 </a:ext>
                 <a:ext uri="{C183D7F6-B498-43B3-948B-1728B52AA6E4}">
-                  <adec:decorative xmlns:adec="http://schemas.microsoft.com/office/drawing/2017/decorative" xmlns="" val="1"/>
+                  <adec:decorative xmlns="" xmlns:adec="http://schemas.microsoft.com/office/drawing/2017/decorative" val="1"/>
                 </a:ext>
               </a:extLst>
             </p:cNvPr>
@@ -20183,7 +26083,7 @@
                   <a16:creationId xmlns:a16="http://schemas.microsoft.com/office/drawing/2014/main" id="{1961C1D5-CC28-4E56-8667-F195AC96C8D0}"/>
                 </a:ext>
                 <a:ext uri="{C183D7F6-B498-43B3-948B-1728B52AA6E4}">
-                  <adec:decorative xmlns:adec="http://schemas.microsoft.com/office/drawing/2017/decorative" xmlns="" val="1"/>
+                  <adec:decorative xmlns="" xmlns:adec="http://schemas.microsoft.com/office/drawing/2017/decorative" val="1"/>
                 </a:ext>
               </a:extLst>
             </p:cNvPr>
@@ -20238,7 +26138,7 @@
                   <a16:creationId xmlns:a16="http://schemas.microsoft.com/office/drawing/2014/main" id="{F8B42B07-3D51-413F-9B94-05C76898296F}"/>
                 </a:ext>
                 <a:ext uri="{C183D7F6-B498-43B3-948B-1728B52AA6E4}">
-                  <adec:decorative xmlns:adec="http://schemas.microsoft.com/office/drawing/2017/decorative" xmlns="" val="1"/>
+                  <adec:decorative xmlns="" xmlns:adec="http://schemas.microsoft.com/office/drawing/2017/decorative" val="1"/>
                 </a:ext>
               </a:extLst>
             </p:cNvPr>
@@ -20293,7 +26193,7 @@
                   <a16:creationId xmlns:a16="http://schemas.microsoft.com/office/drawing/2014/main" id="{F4D497D7-863D-4842-99B7-A1B3711A97D1}"/>
                 </a:ext>
                 <a:ext uri="{C183D7F6-B498-43B3-948B-1728B52AA6E4}">
-                  <adec:decorative xmlns:adec="http://schemas.microsoft.com/office/drawing/2017/decorative" xmlns="" val="1"/>
+                  <adec:decorative xmlns="" xmlns:adec="http://schemas.microsoft.com/office/drawing/2017/decorative" val="1"/>
                 </a:ext>
               </a:extLst>
             </p:cNvPr>
@@ -20348,7 +26248,7 @@
                   <a16:creationId xmlns:a16="http://schemas.microsoft.com/office/drawing/2014/main" id="{09017E5D-F3C5-4CE7-B844-A566DFB81BA9}"/>
                 </a:ext>
                 <a:ext uri="{C183D7F6-B498-43B3-948B-1728B52AA6E4}">
-                  <adec:decorative xmlns:adec="http://schemas.microsoft.com/office/drawing/2017/decorative" xmlns="" val="1"/>
+                  <adec:decorative xmlns="" xmlns:adec="http://schemas.microsoft.com/office/drawing/2017/decorative" val="1"/>
                 </a:ext>
               </a:extLst>
             </p:cNvPr>
@@ -20403,7 +26303,7 @@
                   <a16:creationId xmlns:a16="http://schemas.microsoft.com/office/drawing/2014/main" id="{24CC2EB5-F3D5-40B2-B140-F5A643C3A303}"/>
                 </a:ext>
                 <a:ext uri="{C183D7F6-B498-43B3-948B-1728B52AA6E4}">
-                  <adec:decorative xmlns:adec="http://schemas.microsoft.com/office/drawing/2017/decorative" xmlns="" val="1"/>
+                  <adec:decorative xmlns="" xmlns:adec="http://schemas.microsoft.com/office/drawing/2017/decorative" val="1"/>
                 </a:ext>
               </a:extLst>
             </p:cNvPr>
@@ -20458,7 +26358,7 @@
                   <a16:creationId xmlns:a16="http://schemas.microsoft.com/office/drawing/2014/main" id="{10C7D98B-0230-4C73-9AFC-BF783AAC5C42}"/>
                 </a:ext>
                 <a:ext uri="{C183D7F6-B498-43B3-948B-1728B52AA6E4}">
-                  <adec:decorative xmlns:adec="http://schemas.microsoft.com/office/drawing/2017/decorative" xmlns="" val="1"/>
+                  <adec:decorative xmlns="" xmlns:adec="http://schemas.microsoft.com/office/drawing/2017/decorative" val="1"/>
                 </a:ext>
               </a:extLst>
             </p:cNvPr>
@@ -20589,7 +26489,7 @@
                 <a16:creationId xmlns:a16="http://schemas.microsoft.com/office/drawing/2014/main" id="{1B82D339-163C-4586-A620-52BB056E6E69}"/>
               </a:ext>
               <a:ext uri="{C183D7F6-B498-43B3-948B-1728B52AA6E4}">
-                <adec:decorative xmlns:adec="http://schemas.microsoft.com/office/drawing/2017/decorative" xmlns="" val="1"/>
+                <adec:decorative xmlns="" xmlns:adec="http://schemas.microsoft.com/office/drawing/2017/decorative" val="1"/>
               </a:ext>
             </a:extLst>
           </p:cNvPr>
@@ -20706,6 +26606,121 @@
 </file>
 
 <file path=ppt/slides/slide10.xml><?xml version="1.0" encoding="utf-8"?>
+<p:sld xmlns:a="http://schemas.openxmlformats.org/drawingml/2006/main" xmlns:r="http://schemas.openxmlformats.org/officeDocument/2006/relationships" xmlns:p="http://schemas.openxmlformats.org/presentationml/2006/main">
+  <p:cSld>
+    <p:spTree>
+      <p:nvGrpSpPr>
+        <p:cNvPr id="1" name=""/>
+        <p:cNvGrpSpPr/>
+        <p:nvPr/>
+      </p:nvGrpSpPr>
+      <p:grpSpPr>
+        <a:xfrm>
+          <a:off x="0" y="0"/>
+          <a:ext cx="0" cy="0"/>
+          <a:chOff x="0" y="0"/>
+          <a:chExt cx="0" cy="0"/>
+        </a:xfrm>
+      </p:grpSpPr>
+      <p:sp>
+        <p:nvSpPr>
+          <p:cNvPr id="2" name="タイトル 1">
+            <a:extLst>
+              <a:ext uri="{FF2B5EF4-FFF2-40B4-BE49-F238E27FC236}">
+                <a16:creationId xmlns:a16="http://schemas.microsoft.com/office/drawing/2014/main" id="{D9F5DF95-6695-A438-F1C7-E766DE90AB3A}"/>
+              </a:ext>
+            </a:extLst>
+          </p:cNvPr>
+          <p:cNvSpPr>
+            <a:spLocks noGrp="1"/>
+          </p:cNvSpPr>
+          <p:nvPr>
+            <p:ph type="title"/>
+          </p:nvPr>
+        </p:nvSpPr>
+        <p:spPr>
+          <a:xfrm>
+            <a:off x="1007735" y="1973179"/>
+            <a:ext cx="10325000" cy="1987394"/>
+          </a:xfrm>
+        </p:spPr>
+        <p:txBody>
+          <a:bodyPr/>
+          <a:lstStyle/>
+          <a:p>
+            <a:pPr algn="ctr"/>
+            <a:r>
+              <a:rPr kumimoji="1" lang="ja-JP" altLang="en-US" dirty="0" smtClean="0"/>
+              <a:t>では・・・</a:t>
+            </a:r>
+            <a:r>
+              <a:rPr kumimoji="1" lang="en-US" altLang="ja-JP" dirty="0" smtClean="0"/>
+              <a:t/>
+            </a:r>
+            <a:br>
+              <a:rPr kumimoji="1" lang="en-US" altLang="ja-JP" dirty="0" smtClean="0"/>
+            </a:br>
+            <a:r>
+              <a:rPr kumimoji="1" lang="ja-JP" altLang="en-US" dirty="0" smtClean="0"/>
+              <a:t>ハンズオンの環境を整えていきます</a:t>
+            </a:r>
+            <a:r>
+              <a:rPr kumimoji="1" lang="en-US" altLang="ja-JP" dirty="0" smtClean="0"/>
+              <a:t/>
+            </a:r>
+            <a:br>
+              <a:rPr kumimoji="1" lang="en-US" altLang="ja-JP" dirty="0" smtClean="0"/>
+            </a:br>
+            <a:r>
+              <a:rPr kumimoji="1" lang="ja-JP" altLang="en-US" sz="1200" b="0" dirty="0"/>
+              <a:t>以下</a:t>
+            </a:r>
+            <a:r>
+              <a:rPr kumimoji="1" lang="ja-JP" altLang="en-US" sz="1200" b="0" dirty="0" smtClean="0"/>
+              <a:t>の内容では</a:t>
+            </a:r>
+            <a:r>
+              <a:rPr kumimoji="1" lang="en-US" altLang="ja-JP" sz="1200" b="0" dirty="0" err="1" smtClean="0"/>
+              <a:t>vscode</a:t>
+            </a:r>
+            <a:r>
+              <a:rPr kumimoji="1" lang="ja-JP" altLang="en-US" sz="1200" b="0" dirty="0" smtClean="0"/>
+              <a:t>を利用していたりしますが、他にも</a:t>
+            </a:r>
+            <a:r>
+              <a:rPr kumimoji="1" lang="en-US" altLang="ja-JP" sz="1200" b="0" dirty="0" err="1" smtClean="0"/>
+              <a:t>Pycharm</a:t>
+            </a:r>
+            <a:r>
+              <a:rPr kumimoji="1" lang="ja-JP" altLang="en-US" sz="1200" b="0" dirty="0" smtClean="0"/>
+              <a:t>など様々な</a:t>
+            </a:r>
+            <a:r>
+              <a:rPr kumimoji="1" lang="en-US" altLang="ja-JP" sz="1200" b="0" dirty="0" smtClean="0"/>
+              <a:t>IDE</a:t>
+            </a:r>
+            <a:r>
+              <a:rPr kumimoji="1" lang="ja-JP" altLang="en-US" sz="1200" b="0" dirty="0" smtClean="0"/>
+              <a:t>があるので、一例と思ってください。</a:t>
+            </a:r>
+            <a:endParaRPr kumimoji="1" lang="ja-JP" altLang="en-US" dirty="0"/>
+          </a:p>
+        </p:txBody>
+      </p:sp>
+    </p:spTree>
+    <p:extLst>
+      <p:ext uri="{BB962C8B-B14F-4D97-AF65-F5344CB8AC3E}">
+        <p14:creationId xmlns:p14="http://schemas.microsoft.com/office/powerpoint/2010/main" val="1970823962"/>
+      </p:ext>
+    </p:extLst>
+  </p:cSld>
+  <p:clrMapOvr>
+    <a:masterClrMapping/>
+  </p:clrMapOvr>
+</p:sld>
+</file>
+
+<file path=ppt/slides/slide11.xml><?xml version="1.0" encoding="utf-8"?>
 <p:sld xmlns:a="http://schemas.openxmlformats.org/drawingml/2006/main" xmlns:r="http://schemas.openxmlformats.org/officeDocument/2006/relationships" xmlns:p="http://schemas.openxmlformats.org/presentationml/2006/main">
   <p:cSld>
     <p:spTree>
@@ -21240,7 +27255,7 @@
 </p:sld>
 </file>
 
-<file path=ppt/slides/slide11.xml><?xml version="1.0" encoding="utf-8"?>
+<file path=ppt/slides/slide12.xml><?xml version="1.0" encoding="utf-8"?>
 <p:sld xmlns:a="http://schemas.openxmlformats.org/drawingml/2006/main" xmlns:r="http://schemas.openxmlformats.org/officeDocument/2006/relationships" xmlns:p="http://schemas.openxmlformats.org/presentationml/2006/main">
   <p:cSld>
     <p:spTree>
@@ -21755,7 +27770,7 @@
 </p:sld>
 </file>
 
-<file path=ppt/slides/slide12.xml><?xml version="1.0" encoding="utf-8"?>
+<file path=ppt/slides/slide13.xml><?xml version="1.0" encoding="utf-8"?>
 <p:sld xmlns:a="http://schemas.openxmlformats.org/drawingml/2006/main" xmlns:r="http://schemas.openxmlformats.org/officeDocument/2006/relationships" xmlns:p="http://schemas.openxmlformats.org/presentationml/2006/main">
   <p:cSld>
     <p:spTree>
@@ -22069,7 +28084,7 @@
 </p:sld>
 </file>
 
-<file path=ppt/slides/slide13.xml><?xml version="1.0" encoding="utf-8"?>
+<file path=ppt/slides/slide14.xml><?xml version="1.0" encoding="utf-8"?>
 <p:sld xmlns:a="http://schemas.openxmlformats.org/drawingml/2006/main" xmlns:r="http://schemas.openxmlformats.org/officeDocument/2006/relationships" xmlns:p="http://schemas.openxmlformats.org/presentationml/2006/main">
   <p:cSld>
     <p:spTree>
@@ -22510,7 +28525,7 @@
 </p:sld>
 </file>
 
-<file path=ppt/slides/slide14.xml><?xml version="1.0" encoding="utf-8"?>
+<file path=ppt/slides/slide15.xml><?xml version="1.0" encoding="utf-8"?>
 <p:sld xmlns:a="http://schemas.openxmlformats.org/drawingml/2006/main" xmlns:r="http://schemas.openxmlformats.org/officeDocument/2006/relationships" xmlns:p="http://schemas.openxmlformats.org/presentationml/2006/main">
   <p:cSld>
     <p:spTree>
@@ -22856,7 +28871,7 @@
 </p:sld>
 </file>
 
-<file path=ppt/slides/slide15.xml><?xml version="1.0" encoding="utf-8"?>
+<file path=ppt/slides/slide16.xml><?xml version="1.0" encoding="utf-8"?>
 <p:sld xmlns:a="http://schemas.openxmlformats.org/drawingml/2006/main" xmlns:r="http://schemas.openxmlformats.org/officeDocument/2006/relationships" xmlns:p="http://schemas.openxmlformats.org/presentationml/2006/main">
   <p:cSld>
     <p:spTree>
@@ -23062,7 +29077,7 @@
 </p:sld>
 </file>
 
-<file path=ppt/slides/slide16.xml><?xml version="1.0" encoding="utf-8"?>
+<file path=ppt/slides/slide17.xml><?xml version="1.0" encoding="utf-8"?>
 <p:sld xmlns:a="http://schemas.openxmlformats.org/drawingml/2006/main" xmlns:r="http://schemas.openxmlformats.org/officeDocument/2006/relationships" xmlns:p="http://schemas.openxmlformats.org/presentationml/2006/main">
   <p:cSld>
     <p:spTree>
@@ -23347,7 +29362,7 @@
 </p:sld>
 </file>
 
-<file path=ppt/slides/slide17.xml><?xml version="1.0" encoding="utf-8"?>
+<file path=ppt/slides/slide18.xml><?xml version="1.0" encoding="utf-8"?>
 <p:sld xmlns:a="http://schemas.openxmlformats.org/drawingml/2006/main" xmlns:r="http://schemas.openxmlformats.org/officeDocument/2006/relationships" xmlns:p="http://schemas.openxmlformats.org/presentationml/2006/main">
   <p:cSld>
     <p:spTree>
@@ -23552,7 +29567,7 @@
 </p:sld>
 </file>
 
-<file path=ppt/slides/slide18.xml><?xml version="1.0" encoding="utf-8"?>
+<file path=ppt/slides/slide19.xml><?xml version="1.0" encoding="utf-8"?>
 <p:sld xmlns:a="http://schemas.openxmlformats.org/drawingml/2006/main" xmlns:r="http://schemas.openxmlformats.org/officeDocument/2006/relationships" xmlns:p="http://schemas.openxmlformats.org/presentationml/2006/main">
   <p:cSld>
     <p:spTree>
@@ -23806,253 +29821,6 @@
     <p:extLst>
       <p:ext uri="{BB962C8B-B14F-4D97-AF65-F5344CB8AC3E}">
         <p14:creationId xmlns:p14="http://schemas.microsoft.com/office/powerpoint/2010/main" val="2069409705"/>
-      </p:ext>
-    </p:extLst>
-  </p:cSld>
-  <p:clrMapOvr>
-    <a:masterClrMapping/>
-  </p:clrMapOvr>
-</p:sld>
-</file>
-
-<file path=ppt/slides/slide19.xml><?xml version="1.0" encoding="utf-8"?>
-<p:sld xmlns:a="http://schemas.openxmlformats.org/drawingml/2006/main" xmlns:r="http://schemas.openxmlformats.org/officeDocument/2006/relationships" xmlns:p="http://schemas.openxmlformats.org/presentationml/2006/main">
-  <p:cSld>
-    <p:spTree>
-      <p:nvGrpSpPr>
-        <p:cNvPr id="1" name=""/>
-        <p:cNvGrpSpPr/>
-        <p:nvPr/>
-      </p:nvGrpSpPr>
-      <p:grpSpPr>
-        <a:xfrm>
-          <a:off x="0" y="0"/>
-          <a:ext cx="0" cy="0"/>
-          <a:chOff x="0" y="0"/>
-          <a:chExt cx="0" cy="0"/>
-        </a:xfrm>
-      </p:grpSpPr>
-      <p:sp>
-        <p:nvSpPr>
-          <p:cNvPr id="2" name="タイトル 1">
-            <a:extLst>
-              <a:ext uri="{FF2B5EF4-FFF2-40B4-BE49-F238E27FC236}">
-                <a16:creationId xmlns:a16="http://schemas.microsoft.com/office/drawing/2014/main" id="{D9F5DF95-6695-A438-F1C7-E766DE90AB3A}"/>
-              </a:ext>
-            </a:extLst>
-          </p:cNvPr>
-          <p:cNvSpPr>
-            <a:spLocks noGrp="1"/>
-          </p:cNvSpPr>
-          <p:nvPr>
-            <p:ph type="title"/>
-          </p:nvPr>
-        </p:nvSpPr>
-        <p:spPr>
-          <a:xfrm>
-            <a:off x="449469" y="428585"/>
-            <a:ext cx="10325000" cy="846540"/>
-          </a:xfrm>
-        </p:spPr>
-        <p:txBody>
-          <a:bodyPr/>
-          <a:lstStyle/>
-          <a:p>
-            <a:r>
-              <a:rPr kumimoji="1" lang="en-US" altLang="ja-JP" dirty="0" err="1"/>
-              <a:t>v</a:t>
-            </a:r>
-            <a:r>
-              <a:rPr kumimoji="1" lang="en-US" altLang="ja-JP" dirty="0" err="1" smtClean="0"/>
-              <a:t>scode</a:t>
-            </a:r>
-            <a:r>
-              <a:rPr kumimoji="1" lang="ja-JP" altLang="en-US" dirty="0" smtClean="0"/>
-              <a:t>のインストール</a:t>
-            </a:r>
-            <a:endParaRPr kumimoji="1" lang="ja-JP" altLang="en-US" dirty="0"/>
-          </a:p>
-        </p:txBody>
-      </p:sp>
-      <p:sp>
-        <p:nvSpPr>
-          <p:cNvPr id="8" name="正方形/長方形 7"/>
-          <p:cNvSpPr/>
-          <p:nvPr/>
-        </p:nvSpPr>
-        <p:spPr>
-          <a:xfrm>
-            <a:off x="2569626" y="1934723"/>
-            <a:ext cx="8204843" cy="369332"/>
-          </a:xfrm>
-          <a:prstGeom prst="rect">
-            <a:avLst/>
-          </a:prstGeom>
-        </p:spPr>
-        <p:txBody>
-          <a:bodyPr wrap="square">
-            <a:spAutoFit/>
-          </a:bodyPr>
-          <a:lstStyle/>
-          <a:p>
-            <a:pPr algn="ctr"/>
-            <a:r>
-              <a:rPr lang="ja-JP" altLang="en-US" dirty="0"/>
-              <a:t>インストールが完了したら、「完了</a:t>
-            </a:r>
-            <a:r>
-              <a:rPr lang="en-US" altLang="ja-JP" dirty="0"/>
-              <a:t>(F)</a:t>
-            </a:r>
-            <a:r>
-              <a:rPr lang="ja-JP" altLang="en-US" dirty="0"/>
-              <a:t>」をクリックしてインストールを</a:t>
-            </a:r>
-            <a:r>
-              <a:rPr lang="ja-JP" altLang="en-US" dirty="0" smtClean="0"/>
-              <a:t>終了</a:t>
-            </a:r>
-            <a:endParaRPr lang="ja-JP" altLang="en-US" dirty="0"/>
-          </a:p>
-        </p:txBody>
-      </p:sp>
-      <p:sp>
-        <p:nvSpPr>
-          <p:cNvPr id="3" name="正方形/長方形 2"/>
-          <p:cNvSpPr/>
-          <p:nvPr/>
-        </p:nvSpPr>
-        <p:spPr>
-          <a:xfrm>
-            <a:off x="11254186" y="8911399"/>
-            <a:ext cx="423464" cy="149470"/>
-          </a:xfrm>
-          <a:prstGeom prst="rect">
-            <a:avLst/>
-          </a:prstGeom>
-          <a:noFill/>
-          <a:ln w="28575">
-            <a:solidFill>
-              <a:srgbClr val="FF0000"/>
-            </a:solidFill>
-          </a:ln>
-        </p:spPr>
-        <p:style>
-          <a:lnRef idx="2">
-            <a:schemeClr val="accent1">
-              <a:shade val="50000"/>
-            </a:schemeClr>
-          </a:lnRef>
-          <a:fillRef idx="1">
-            <a:schemeClr val="accent1"/>
-          </a:fillRef>
-          <a:effectRef idx="0">
-            <a:schemeClr val="accent1"/>
-          </a:effectRef>
-          <a:fontRef idx="minor">
-            <a:schemeClr val="lt1"/>
-          </a:fontRef>
-        </p:style>
-        <p:txBody>
-          <a:bodyPr rtlCol="0" anchor="ctr"/>
-          <a:lstStyle/>
-          <a:p>
-            <a:pPr algn="ctr"/>
-            <a:endParaRPr kumimoji="1" lang="ja-JP" altLang="en-US"/>
-          </a:p>
-        </p:txBody>
-      </p:sp>
-      <p:pic>
-        <p:nvPicPr>
-          <p:cNvPr id="20482" name="Picture 2" descr="https://sukkiri.jp/wp-content/uploads/2020/07/vscode08.png"/>
-          <p:cNvPicPr>
-            <a:picLocks noChangeAspect="1" noChangeArrowheads="1"/>
-          </p:cNvPicPr>
-          <p:nvPr/>
-        </p:nvPicPr>
-        <p:blipFill>
-          <a:blip r:embed="rId2">
-            <a:extLst>
-              <a:ext uri="{28A0092B-C50C-407E-A947-70E740481C1C}">
-                <a14:useLocalDpi xmlns:a14="http://schemas.microsoft.com/office/drawing/2010/main" val="0"/>
-              </a:ext>
-            </a:extLst>
-          </a:blip>
-          <a:srcRect/>
-          <a:stretch>
-            <a:fillRect/>
-          </a:stretch>
-        </p:blipFill>
-        <p:spPr bwMode="auto">
-          <a:xfrm>
-            <a:off x="3762130" y="2374318"/>
-            <a:ext cx="5229469" cy="3941049"/>
-          </a:xfrm>
-          <a:prstGeom prst="rect">
-            <a:avLst/>
-          </a:prstGeom>
-          <a:noFill/>
-          <a:extLst>
-            <a:ext uri="{909E8E84-426E-40DD-AFC4-6F175D3DCCD1}">
-              <a14:hiddenFill xmlns:a14="http://schemas.microsoft.com/office/drawing/2010/main">
-                <a:solidFill>
-                  <a:srgbClr val="FFFFFF"/>
-                </a:solidFill>
-              </a14:hiddenFill>
-            </a:ext>
-          </a:extLst>
-        </p:spPr>
-      </p:pic>
-      <p:sp>
-        <p:nvSpPr>
-          <p:cNvPr id="7" name="正方形/長方形 6"/>
-          <p:cNvSpPr/>
-          <p:nvPr/>
-        </p:nvSpPr>
-        <p:spPr>
-          <a:xfrm>
-            <a:off x="7353300" y="5997453"/>
-            <a:ext cx="771525" cy="247651"/>
-          </a:xfrm>
-          <a:prstGeom prst="rect">
-            <a:avLst/>
-          </a:prstGeom>
-          <a:noFill/>
-          <a:ln w="28575">
-            <a:solidFill>
-              <a:srgbClr val="FF0000"/>
-            </a:solidFill>
-          </a:ln>
-        </p:spPr>
-        <p:style>
-          <a:lnRef idx="2">
-            <a:schemeClr val="accent1">
-              <a:shade val="50000"/>
-            </a:schemeClr>
-          </a:lnRef>
-          <a:fillRef idx="1">
-            <a:schemeClr val="accent1"/>
-          </a:fillRef>
-          <a:effectRef idx="0">
-            <a:schemeClr val="accent1"/>
-          </a:effectRef>
-          <a:fontRef idx="minor">
-            <a:schemeClr val="lt1"/>
-          </a:fontRef>
-        </p:style>
-        <p:txBody>
-          <a:bodyPr rtlCol="0" anchor="ctr"/>
-          <a:lstStyle/>
-          <a:p>
-            <a:pPr algn="ctr"/>
-            <a:endParaRPr kumimoji="1" lang="ja-JP" altLang="en-US"/>
-          </a:p>
-        </p:txBody>
-      </p:sp>
-    </p:spTree>
-    <p:extLst>
-      <p:ext uri="{BB962C8B-B14F-4D97-AF65-F5344CB8AC3E}">
-        <p14:creationId xmlns:p14="http://schemas.microsoft.com/office/powerpoint/2010/main" val="152550682"/>
       </p:ext>
     </p:extLst>
   </p:cSld>
@@ -24374,6 +30142,253 @@
             </a:r>
             <a:r>
               <a:rPr kumimoji="1" lang="ja-JP" altLang="en-US" dirty="0" smtClean="0"/>
+              <a:t>のインストール</a:t>
+            </a:r>
+            <a:endParaRPr kumimoji="1" lang="ja-JP" altLang="en-US" dirty="0"/>
+          </a:p>
+        </p:txBody>
+      </p:sp>
+      <p:sp>
+        <p:nvSpPr>
+          <p:cNvPr id="8" name="正方形/長方形 7"/>
+          <p:cNvSpPr/>
+          <p:nvPr/>
+        </p:nvSpPr>
+        <p:spPr>
+          <a:xfrm>
+            <a:off x="2569626" y="1934723"/>
+            <a:ext cx="8204843" cy="369332"/>
+          </a:xfrm>
+          <a:prstGeom prst="rect">
+            <a:avLst/>
+          </a:prstGeom>
+        </p:spPr>
+        <p:txBody>
+          <a:bodyPr wrap="square">
+            <a:spAutoFit/>
+          </a:bodyPr>
+          <a:lstStyle/>
+          <a:p>
+            <a:pPr algn="ctr"/>
+            <a:r>
+              <a:rPr lang="ja-JP" altLang="en-US" dirty="0"/>
+              <a:t>インストールが完了したら、「完了</a:t>
+            </a:r>
+            <a:r>
+              <a:rPr lang="en-US" altLang="ja-JP" dirty="0"/>
+              <a:t>(F)</a:t>
+            </a:r>
+            <a:r>
+              <a:rPr lang="ja-JP" altLang="en-US" dirty="0"/>
+              <a:t>」をクリックしてインストールを</a:t>
+            </a:r>
+            <a:r>
+              <a:rPr lang="ja-JP" altLang="en-US" dirty="0" smtClean="0"/>
+              <a:t>終了</a:t>
+            </a:r>
+            <a:endParaRPr lang="ja-JP" altLang="en-US" dirty="0"/>
+          </a:p>
+        </p:txBody>
+      </p:sp>
+      <p:sp>
+        <p:nvSpPr>
+          <p:cNvPr id="3" name="正方形/長方形 2"/>
+          <p:cNvSpPr/>
+          <p:nvPr/>
+        </p:nvSpPr>
+        <p:spPr>
+          <a:xfrm>
+            <a:off x="11254186" y="8911399"/>
+            <a:ext cx="423464" cy="149470"/>
+          </a:xfrm>
+          <a:prstGeom prst="rect">
+            <a:avLst/>
+          </a:prstGeom>
+          <a:noFill/>
+          <a:ln w="28575">
+            <a:solidFill>
+              <a:srgbClr val="FF0000"/>
+            </a:solidFill>
+          </a:ln>
+        </p:spPr>
+        <p:style>
+          <a:lnRef idx="2">
+            <a:schemeClr val="accent1">
+              <a:shade val="50000"/>
+            </a:schemeClr>
+          </a:lnRef>
+          <a:fillRef idx="1">
+            <a:schemeClr val="accent1"/>
+          </a:fillRef>
+          <a:effectRef idx="0">
+            <a:schemeClr val="accent1"/>
+          </a:effectRef>
+          <a:fontRef idx="minor">
+            <a:schemeClr val="lt1"/>
+          </a:fontRef>
+        </p:style>
+        <p:txBody>
+          <a:bodyPr rtlCol="0" anchor="ctr"/>
+          <a:lstStyle/>
+          <a:p>
+            <a:pPr algn="ctr"/>
+            <a:endParaRPr kumimoji="1" lang="ja-JP" altLang="en-US"/>
+          </a:p>
+        </p:txBody>
+      </p:sp>
+      <p:pic>
+        <p:nvPicPr>
+          <p:cNvPr id="20482" name="Picture 2" descr="https://sukkiri.jp/wp-content/uploads/2020/07/vscode08.png"/>
+          <p:cNvPicPr>
+            <a:picLocks noChangeAspect="1" noChangeArrowheads="1"/>
+          </p:cNvPicPr>
+          <p:nvPr/>
+        </p:nvPicPr>
+        <p:blipFill>
+          <a:blip r:embed="rId2">
+            <a:extLst>
+              <a:ext uri="{28A0092B-C50C-407E-A947-70E740481C1C}">
+                <a14:useLocalDpi xmlns:a14="http://schemas.microsoft.com/office/drawing/2010/main" val="0"/>
+              </a:ext>
+            </a:extLst>
+          </a:blip>
+          <a:srcRect/>
+          <a:stretch>
+            <a:fillRect/>
+          </a:stretch>
+        </p:blipFill>
+        <p:spPr bwMode="auto">
+          <a:xfrm>
+            <a:off x="3762130" y="2374318"/>
+            <a:ext cx="5229469" cy="3941049"/>
+          </a:xfrm>
+          <a:prstGeom prst="rect">
+            <a:avLst/>
+          </a:prstGeom>
+          <a:noFill/>
+          <a:extLst>
+            <a:ext uri="{909E8E84-426E-40DD-AFC4-6F175D3DCCD1}">
+              <a14:hiddenFill xmlns:a14="http://schemas.microsoft.com/office/drawing/2010/main">
+                <a:solidFill>
+                  <a:srgbClr val="FFFFFF"/>
+                </a:solidFill>
+              </a14:hiddenFill>
+            </a:ext>
+          </a:extLst>
+        </p:spPr>
+      </p:pic>
+      <p:sp>
+        <p:nvSpPr>
+          <p:cNvPr id="7" name="正方形/長方形 6"/>
+          <p:cNvSpPr/>
+          <p:nvPr/>
+        </p:nvSpPr>
+        <p:spPr>
+          <a:xfrm>
+            <a:off x="7353300" y="5997453"/>
+            <a:ext cx="771525" cy="247651"/>
+          </a:xfrm>
+          <a:prstGeom prst="rect">
+            <a:avLst/>
+          </a:prstGeom>
+          <a:noFill/>
+          <a:ln w="28575">
+            <a:solidFill>
+              <a:srgbClr val="FF0000"/>
+            </a:solidFill>
+          </a:ln>
+        </p:spPr>
+        <p:style>
+          <a:lnRef idx="2">
+            <a:schemeClr val="accent1">
+              <a:shade val="50000"/>
+            </a:schemeClr>
+          </a:lnRef>
+          <a:fillRef idx="1">
+            <a:schemeClr val="accent1"/>
+          </a:fillRef>
+          <a:effectRef idx="0">
+            <a:schemeClr val="accent1"/>
+          </a:effectRef>
+          <a:fontRef idx="minor">
+            <a:schemeClr val="lt1"/>
+          </a:fontRef>
+        </p:style>
+        <p:txBody>
+          <a:bodyPr rtlCol="0" anchor="ctr"/>
+          <a:lstStyle/>
+          <a:p>
+            <a:pPr algn="ctr"/>
+            <a:endParaRPr kumimoji="1" lang="ja-JP" altLang="en-US"/>
+          </a:p>
+        </p:txBody>
+      </p:sp>
+    </p:spTree>
+    <p:extLst>
+      <p:ext uri="{BB962C8B-B14F-4D97-AF65-F5344CB8AC3E}">
+        <p14:creationId xmlns:p14="http://schemas.microsoft.com/office/powerpoint/2010/main" val="152550682"/>
+      </p:ext>
+    </p:extLst>
+  </p:cSld>
+  <p:clrMapOvr>
+    <a:masterClrMapping/>
+  </p:clrMapOvr>
+</p:sld>
+</file>
+
+<file path=ppt/slides/slide21.xml><?xml version="1.0" encoding="utf-8"?>
+<p:sld xmlns:a="http://schemas.openxmlformats.org/drawingml/2006/main" xmlns:r="http://schemas.openxmlformats.org/officeDocument/2006/relationships" xmlns:p="http://schemas.openxmlformats.org/presentationml/2006/main">
+  <p:cSld>
+    <p:spTree>
+      <p:nvGrpSpPr>
+        <p:cNvPr id="1" name=""/>
+        <p:cNvGrpSpPr/>
+        <p:nvPr/>
+      </p:nvGrpSpPr>
+      <p:grpSpPr>
+        <a:xfrm>
+          <a:off x="0" y="0"/>
+          <a:ext cx="0" cy="0"/>
+          <a:chOff x="0" y="0"/>
+          <a:chExt cx="0" cy="0"/>
+        </a:xfrm>
+      </p:grpSpPr>
+      <p:sp>
+        <p:nvSpPr>
+          <p:cNvPr id="2" name="タイトル 1">
+            <a:extLst>
+              <a:ext uri="{FF2B5EF4-FFF2-40B4-BE49-F238E27FC236}">
+                <a16:creationId xmlns:a16="http://schemas.microsoft.com/office/drawing/2014/main" id="{D9F5DF95-6695-A438-F1C7-E766DE90AB3A}"/>
+              </a:ext>
+            </a:extLst>
+          </p:cNvPr>
+          <p:cNvSpPr>
+            <a:spLocks noGrp="1"/>
+          </p:cNvSpPr>
+          <p:nvPr>
+            <p:ph type="title"/>
+          </p:nvPr>
+        </p:nvSpPr>
+        <p:spPr>
+          <a:xfrm>
+            <a:off x="449469" y="428585"/>
+            <a:ext cx="10325000" cy="846540"/>
+          </a:xfrm>
+        </p:spPr>
+        <p:txBody>
+          <a:bodyPr/>
+          <a:lstStyle/>
+          <a:p>
+            <a:r>
+              <a:rPr kumimoji="1" lang="en-US" altLang="ja-JP" dirty="0" err="1"/>
+              <a:t>v</a:t>
+            </a:r>
+            <a:r>
+              <a:rPr kumimoji="1" lang="en-US" altLang="ja-JP" dirty="0" err="1" smtClean="0"/>
+              <a:t>scode</a:t>
+            </a:r>
+            <a:r>
+              <a:rPr kumimoji="1" lang="ja-JP" altLang="en-US" dirty="0" smtClean="0"/>
               <a:t>の起動</a:t>
             </a:r>
             <a:endParaRPr kumimoji="1" lang="ja-JP" altLang="en-US" dirty="0"/>
@@ -24468,7 +30483,7 @@
 </p:sld>
 </file>
 
-<file path=ppt/slides/slide21.xml><?xml version="1.0" encoding="utf-8"?>
+<file path=ppt/slides/slide22.xml><?xml version="1.0" encoding="utf-8"?>
 <p:sld xmlns:a="http://schemas.openxmlformats.org/drawingml/2006/main" xmlns:r="http://schemas.openxmlformats.org/officeDocument/2006/relationships" xmlns:p="http://schemas.openxmlformats.org/presentationml/2006/main">
   <p:cSld>
     <p:spTree>
@@ -24703,7 +30718,7 @@
 </p:sld>
 </file>
 
-<file path=ppt/slides/slide22.xml><?xml version="1.0" encoding="utf-8"?>
+<file path=ppt/slides/slide23.xml><?xml version="1.0" encoding="utf-8"?>
 <p:sld xmlns:a="http://schemas.openxmlformats.org/drawingml/2006/main" xmlns:r="http://schemas.openxmlformats.org/officeDocument/2006/relationships" xmlns:p="http://schemas.openxmlformats.org/presentationml/2006/main">
   <p:cSld>
     <p:spTree>
@@ -24873,7 +30888,7 @@
 </p:sld>
 </file>
 
-<file path=ppt/slides/slide23.xml><?xml version="1.0" encoding="utf-8"?>
+<file path=ppt/slides/slide24.xml><?xml version="1.0" encoding="utf-8"?>
 <p:sld xmlns:a="http://schemas.openxmlformats.org/drawingml/2006/main" xmlns:r="http://schemas.openxmlformats.org/officeDocument/2006/relationships" xmlns:p="http://schemas.openxmlformats.org/presentationml/2006/main">
   <p:cSld>
     <p:spTree>
@@ -25178,7 +31193,7 @@
 </p:sld>
 </file>
 
-<file path=ppt/slides/slide24.xml><?xml version="1.0" encoding="utf-8"?>
+<file path=ppt/slides/slide25.xml><?xml version="1.0" encoding="utf-8"?>
 <p:sld xmlns:a="http://schemas.openxmlformats.org/drawingml/2006/main" xmlns:r="http://schemas.openxmlformats.org/officeDocument/2006/relationships" xmlns:p="http://schemas.openxmlformats.org/presentationml/2006/main">
   <p:cSld>
     <p:spTree>
@@ -25443,7 +31458,7 @@
 </p:sld>
 </file>
 
-<file path=ppt/slides/slide25.xml><?xml version="1.0" encoding="utf-8"?>
+<file path=ppt/slides/slide26.xml><?xml version="1.0" encoding="utf-8"?>
 <p:sld xmlns:a="http://schemas.openxmlformats.org/drawingml/2006/main" xmlns:r="http://schemas.openxmlformats.org/officeDocument/2006/relationships" xmlns:p="http://schemas.openxmlformats.org/presentationml/2006/main">
   <p:cSld>
     <p:spTree>
@@ -25731,7 +31746,7 @@
 </p:sld>
 </file>
 
-<file path=ppt/slides/slide26.xml><?xml version="1.0" encoding="utf-8"?>
+<file path=ppt/slides/slide27.xml><?xml version="1.0" encoding="utf-8"?>
 <p:sld xmlns:a="http://schemas.openxmlformats.org/drawingml/2006/main" xmlns:r="http://schemas.openxmlformats.org/officeDocument/2006/relationships" xmlns:p="http://schemas.openxmlformats.org/presentationml/2006/main">
   <p:cSld>
     <p:spTree>
@@ -25862,7 +31877,7 @@
 </p:sld>
 </file>
 
-<file path=ppt/slides/slide27.xml><?xml version="1.0" encoding="utf-8"?>
+<file path=ppt/slides/slide28.xml><?xml version="1.0" encoding="utf-8"?>
 <p:sld xmlns:a="http://schemas.openxmlformats.org/drawingml/2006/main" xmlns:r="http://schemas.openxmlformats.org/officeDocument/2006/relationships" xmlns:p="http://schemas.openxmlformats.org/presentationml/2006/main">
   <p:cSld>
     <p:spTree>
@@ -27400,6 +33415,213 @@
           <a:lstStyle/>
           <a:p>
             <a:r>
+              <a:rPr lang="ja-JP" altLang="en-US" dirty="0" smtClean="0">
+                <a:ea typeface="Yu Gothic"/>
+              </a:rPr>
+              <a:t>プログラミングの種類</a:t>
+            </a:r>
+            <a:endParaRPr kumimoji="1" lang="ja-JP" altLang="en-US" dirty="0"/>
+          </a:p>
+        </p:txBody>
+      </p:sp>
+      <p:sp>
+        <p:nvSpPr>
+          <p:cNvPr id="18" name="四角形: 角を丸くする 17">
+            <a:extLst>
+              <a:ext uri="{FF2B5EF4-FFF2-40B4-BE49-F238E27FC236}">
+                <a16:creationId xmlns:a16="http://schemas.microsoft.com/office/drawing/2014/main" id="{DEF384C3-8748-CCA9-57E2-3EB6039EB151}"/>
+              </a:ext>
+            </a:extLst>
+          </p:cNvPr>
+          <p:cNvSpPr/>
+          <p:nvPr/>
+        </p:nvSpPr>
+        <p:spPr>
+          <a:xfrm>
+            <a:off x="1681975" y="1477536"/>
+            <a:ext cx="9144000" cy="799170"/>
+          </a:xfrm>
+          <a:prstGeom prst="roundRect">
+            <a:avLst/>
+          </a:prstGeom>
+        </p:spPr>
+        <p:style>
+          <a:lnRef idx="2">
+            <a:schemeClr val="accent1">
+              <a:shade val="15000"/>
+            </a:schemeClr>
+          </a:lnRef>
+          <a:fillRef idx="1">
+            <a:schemeClr val="accent1"/>
+          </a:fillRef>
+          <a:effectRef idx="0">
+            <a:schemeClr val="accent1"/>
+          </a:effectRef>
+          <a:fontRef idx="minor">
+            <a:schemeClr val="lt1"/>
+          </a:fontRef>
+        </p:style>
+        <p:txBody>
+          <a:bodyPr rtlCol="0" anchor="ctr"/>
+          <a:lstStyle/>
+          <a:p>
+            <a:pPr algn="ctr"/>
+            <a:r>
+              <a:rPr lang="ja-JP" altLang="en-US" sz="2000" dirty="0" smtClean="0">
+                <a:solidFill>
+                  <a:schemeClr val="bg1"/>
+                </a:solidFill>
+                <a:ea typeface="Yu Gothic"/>
+              </a:rPr>
+              <a:t>大別すると「</a:t>
+            </a:r>
+            <a:r>
+              <a:rPr lang="ja-JP" altLang="en-US" sz="2000" dirty="0" smtClean="0">
+                <a:solidFill>
+                  <a:schemeClr val="bg1"/>
+                </a:solidFill>
+                <a:ea typeface="Yu Gothic"/>
+              </a:rPr>
+              <a:t>インタプリタ言語</a:t>
+            </a:r>
+            <a:r>
+              <a:rPr lang="ja-JP" altLang="en-US" sz="2000" dirty="0" smtClean="0">
+                <a:solidFill>
+                  <a:schemeClr val="bg1"/>
+                </a:solidFill>
+                <a:ea typeface="Yu Gothic"/>
+              </a:rPr>
+              <a:t>」「コンパイラ言語」「スクリプト言語」</a:t>
+            </a:r>
+            <a:endParaRPr lang="ja-JP" sz="2000" dirty="0">
+              <a:solidFill>
+                <a:schemeClr val="bg1"/>
+              </a:solidFill>
+              <a:ea typeface="Yu Gothic"/>
+            </a:endParaRPr>
+          </a:p>
+        </p:txBody>
+      </p:sp>
+      <p:pic>
+        <p:nvPicPr>
+          <p:cNvPr id="1026" name="Picture 2" descr="プログラミング言語（マークアップ言語・スクリプト言語）ライブラリ・フレームワークの違いと関係性を示す画像"/>
+          <p:cNvPicPr>
+            <a:picLocks noChangeAspect="1" noChangeArrowheads="1"/>
+          </p:cNvPicPr>
+          <p:nvPr/>
+        </p:nvPicPr>
+        <p:blipFill>
+          <a:blip r:embed="rId2">
+            <a:extLst>
+              <a:ext uri="{28A0092B-C50C-407E-A947-70E740481C1C}">
+                <a14:useLocalDpi xmlns:a14="http://schemas.microsoft.com/office/drawing/2010/main" val="0"/>
+              </a:ext>
+            </a:extLst>
+          </a:blip>
+          <a:srcRect/>
+          <a:stretch>
+            <a:fillRect/>
+          </a:stretch>
+        </p:blipFill>
+        <p:spPr bwMode="auto">
+          <a:xfrm>
+            <a:off x="110991" y="2957560"/>
+            <a:ext cx="6603845" cy="3301923"/>
+          </a:xfrm>
+          <a:prstGeom prst="rect">
+            <a:avLst/>
+          </a:prstGeom>
+          <a:noFill/>
+          <a:extLst>
+            <a:ext uri="{909E8E84-426E-40DD-AFC4-6F175D3DCCD1}">
+              <a14:hiddenFill xmlns:a14="http://schemas.microsoft.com/office/drawing/2010/main">
+                <a:solidFill>
+                  <a:srgbClr val="FFFFFF"/>
+                </a:solidFill>
+              </a14:hiddenFill>
+            </a:ext>
+          </a:extLst>
+        </p:spPr>
+      </p:pic>
+      <p:graphicFrame>
+        <p:nvGraphicFramePr>
+          <p:cNvPr id="9" name="図表 8"/>
+          <p:cNvGraphicFramePr/>
+          <p:nvPr>
+            <p:extLst>
+              <p:ext uri="{D42A27DB-BD31-4B8C-83A1-F6EECF244321}">
+                <p14:modId xmlns:p14="http://schemas.microsoft.com/office/powerpoint/2010/main" val="73546140"/>
+              </p:ext>
+            </p:extLst>
+          </p:nvPr>
+        </p:nvGraphicFramePr>
+        <p:xfrm>
+          <a:off x="6366933" y="2479117"/>
+          <a:ext cx="5825067" cy="4226483"/>
+        </p:xfrm>
+        <a:graphic>
+          <a:graphicData uri="http://schemas.openxmlformats.org/drawingml/2006/diagram">
+            <dgm:relIds xmlns:dgm="http://schemas.openxmlformats.org/drawingml/2006/diagram" xmlns:r="http://schemas.openxmlformats.org/officeDocument/2006/relationships" r:dm="rId3" r:lo="rId4" r:qs="rId5" r:cs="rId6"/>
+          </a:graphicData>
+        </a:graphic>
+      </p:graphicFrame>
+    </p:spTree>
+    <p:extLst>
+      <p:ext uri="{BB962C8B-B14F-4D97-AF65-F5344CB8AC3E}">
+        <p14:creationId xmlns:p14="http://schemas.microsoft.com/office/powerpoint/2010/main" val="3082570756"/>
+      </p:ext>
+    </p:extLst>
+  </p:cSld>
+  <p:clrMapOvr>
+    <a:masterClrMapping/>
+  </p:clrMapOvr>
+</p:sld>
+</file>
+
+<file path=ppt/slides/slide7.xml><?xml version="1.0" encoding="utf-8"?>
+<p:sld xmlns:a="http://schemas.openxmlformats.org/drawingml/2006/main" xmlns:r="http://schemas.openxmlformats.org/officeDocument/2006/relationships" xmlns:p="http://schemas.openxmlformats.org/presentationml/2006/main">
+  <p:cSld>
+    <p:spTree>
+      <p:nvGrpSpPr>
+        <p:cNvPr id="1" name=""/>
+        <p:cNvGrpSpPr/>
+        <p:nvPr/>
+      </p:nvGrpSpPr>
+      <p:grpSpPr>
+        <a:xfrm>
+          <a:off x="0" y="0"/>
+          <a:ext cx="0" cy="0"/>
+          <a:chOff x="0" y="0"/>
+          <a:chExt cx="0" cy="0"/>
+        </a:xfrm>
+      </p:grpSpPr>
+      <p:sp>
+        <p:nvSpPr>
+          <p:cNvPr id="2" name="タイトル 1">
+            <a:extLst>
+              <a:ext uri="{FF2B5EF4-FFF2-40B4-BE49-F238E27FC236}">
+                <a16:creationId xmlns:a16="http://schemas.microsoft.com/office/drawing/2014/main" id="{D9F5DF95-6695-A438-F1C7-E766DE90AB3A}"/>
+              </a:ext>
+            </a:extLst>
+          </p:cNvPr>
+          <p:cNvSpPr>
+            <a:spLocks noGrp="1"/>
+          </p:cNvSpPr>
+          <p:nvPr>
+            <p:ph type="title"/>
+          </p:nvPr>
+        </p:nvSpPr>
+        <p:spPr>
+          <a:xfrm>
+            <a:off x="449469" y="428585"/>
+            <a:ext cx="10325000" cy="846540"/>
+          </a:xfrm>
+        </p:spPr>
+        <p:txBody>
+          <a:bodyPr/>
+          <a:lstStyle/>
+          <a:p>
+            <a:r>
               <a:rPr kumimoji="1" lang="ja-JP" altLang="en-US" dirty="0" smtClean="0"/>
               <a:t>なぜ</a:t>
             </a:r>
@@ -27954,7 +34176,7 @@
 </p:sld>
 </file>
 
-<file path=ppt/slides/slide7.xml><?xml version="1.0" encoding="utf-8"?>
+<file path=ppt/slides/slide8.xml><?xml version="1.0" encoding="utf-8"?>
 <p:sld xmlns:a="http://schemas.openxmlformats.org/drawingml/2006/main" xmlns:r="http://schemas.openxmlformats.org/officeDocument/2006/relationships" xmlns:p="http://schemas.openxmlformats.org/presentationml/2006/main">
   <p:cSld>
     <p:spTree>
@@ -28627,7 +34849,7 @@
 </p:sld>
 </file>
 
-<file path=ppt/slides/slide8.xml><?xml version="1.0" encoding="utf-8"?>
+<file path=ppt/slides/slide9.xml><?xml version="1.0" encoding="utf-8"?>
 <p:sld xmlns:a="http://schemas.openxmlformats.org/drawingml/2006/main" xmlns:r="http://schemas.openxmlformats.org/officeDocument/2006/relationships" xmlns:p="http://schemas.openxmlformats.org/presentationml/2006/main">
   <p:cSld>
     <p:spTree>
@@ -28776,121 +34998,6 @@
     <p:extLst>
       <p:ext uri="{BB962C8B-B14F-4D97-AF65-F5344CB8AC3E}">
         <p14:creationId xmlns:p14="http://schemas.microsoft.com/office/powerpoint/2010/main" val="486729675"/>
-      </p:ext>
-    </p:extLst>
-  </p:cSld>
-  <p:clrMapOvr>
-    <a:masterClrMapping/>
-  </p:clrMapOvr>
-</p:sld>
-</file>
-
-<file path=ppt/slides/slide9.xml><?xml version="1.0" encoding="utf-8"?>
-<p:sld xmlns:a="http://schemas.openxmlformats.org/drawingml/2006/main" xmlns:r="http://schemas.openxmlformats.org/officeDocument/2006/relationships" xmlns:p="http://schemas.openxmlformats.org/presentationml/2006/main">
-  <p:cSld>
-    <p:spTree>
-      <p:nvGrpSpPr>
-        <p:cNvPr id="1" name=""/>
-        <p:cNvGrpSpPr/>
-        <p:nvPr/>
-      </p:nvGrpSpPr>
-      <p:grpSpPr>
-        <a:xfrm>
-          <a:off x="0" y="0"/>
-          <a:ext cx="0" cy="0"/>
-          <a:chOff x="0" y="0"/>
-          <a:chExt cx="0" cy="0"/>
-        </a:xfrm>
-      </p:grpSpPr>
-      <p:sp>
-        <p:nvSpPr>
-          <p:cNvPr id="2" name="タイトル 1">
-            <a:extLst>
-              <a:ext uri="{FF2B5EF4-FFF2-40B4-BE49-F238E27FC236}">
-                <a16:creationId xmlns:a16="http://schemas.microsoft.com/office/drawing/2014/main" id="{D9F5DF95-6695-A438-F1C7-E766DE90AB3A}"/>
-              </a:ext>
-            </a:extLst>
-          </p:cNvPr>
-          <p:cNvSpPr>
-            <a:spLocks noGrp="1"/>
-          </p:cNvSpPr>
-          <p:nvPr>
-            <p:ph type="title"/>
-          </p:nvPr>
-        </p:nvSpPr>
-        <p:spPr>
-          <a:xfrm>
-            <a:off x="1007735" y="1973179"/>
-            <a:ext cx="10325000" cy="1987394"/>
-          </a:xfrm>
-        </p:spPr>
-        <p:txBody>
-          <a:bodyPr/>
-          <a:lstStyle/>
-          <a:p>
-            <a:pPr algn="ctr"/>
-            <a:r>
-              <a:rPr kumimoji="1" lang="ja-JP" altLang="en-US" dirty="0" smtClean="0"/>
-              <a:t>では・・・</a:t>
-            </a:r>
-            <a:r>
-              <a:rPr kumimoji="1" lang="en-US" altLang="ja-JP" dirty="0" smtClean="0"/>
-              <a:t/>
-            </a:r>
-            <a:br>
-              <a:rPr kumimoji="1" lang="en-US" altLang="ja-JP" dirty="0" smtClean="0"/>
-            </a:br>
-            <a:r>
-              <a:rPr kumimoji="1" lang="ja-JP" altLang="en-US" dirty="0" smtClean="0"/>
-              <a:t>ハンズオンの環境を整えていきます</a:t>
-            </a:r>
-            <a:r>
-              <a:rPr kumimoji="1" lang="en-US" altLang="ja-JP" dirty="0" smtClean="0"/>
-              <a:t/>
-            </a:r>
-            <a:br>
-              <a:rPr kumimoji="1" lang="en-US" altLang="ja-JP" dirty="0" smtClean="0"/>
-            </a:br>
-            <a:r>
-              <a:rPr kumimoji="1" lang="ja-JP" altLang="en-US" sz="1200" b="0" dirty="0"/>
-              <a:t>以下</a:t>
-            </a:r>
-            <a:r>
-              <a:rPr kumimoji="1" lang="ja-JP" altLang="en-US" sz="1200" b="0" dirty="0" smtClean="0"/>
-              <a:t>の内容では</a:t>
-            </a:r>
-            <a:r>
-              <a:rPr kumimoji="1" lang="en-US" altLang="ja-JP" sz="1200" b="0" dirty="0" err="1" smtClean="0"/>
-              <a:t>vscode</a:t>
-            </a:r>
-            <a:r>
-              <a:rPr kumimoji="1" lang="ja-JP" altLang="en-US" sz="1200" b="0" dirty="0" smtClean="0"/>
-              <a:t>を利用していたりしますが、他にも</a:t>
-            </a:r>
-            <a:r>
-              <a:rPr kumimoji="1" lang="en-US" altLang="ja-JP" sz="1200" b="0" dirty="0" err="1" smtClean="0"/>
-              <a:t>Pycharm</a:t>
-            </a:r>
-            <a:r>
-              <a:rPr kumimoji="1" lang="ja-JP" altLang="en-US" sz="1200" b="0" dirty="0" smtClean="0"/>
-              <a:t>など様々な</a:t>
-            </a:r>
-            <a:r>
-              <a:rPr kumimoji="1" lang="en-US" altLang="ja-JP" sz="1200" b="0" dirty="0" smtClean="0"/>
-              <a:t>IDE</a:t>
-            </a:r>
-            <a:r>
-              <a:rPr kumimoji="1" lang="ja-JP" altLang="en-US" sz="1200" b="0" dirty="0" smtClean="0"/>
-              <a:t>があるので、一例と思ってください。</a:t>
-            </a:r>
-            <a:endParaRPr kumimoji="1" lang="ja-JP" altLang="en-US" dirty="0"/>
-          </a:p>
-        </p:txBody>
-      </p:sp>
-    </p:spTree>
-    <p:extLst>
-      <p:ext uri="{BB962C8B-B14F-4D97-AF65-F5344CB8AC3E}">
-        <p14:creationId xmlns:p14="http://schemas.microsoft.com/office/powerpoint/2010/main" val="1970823962"/>
       </p:ext>
     </p:extLst>
   </p:cSld>

--- a/プログラミング勉強会Python編(1.概要).pptx
+++ b/プログラミング勉強会Python編(1.概要).pptx
@@ -26,13 +26,16 @@
     <p:sldId id="275" r:id="rId20"/>
     <p:sldId id="276" r:id="rId21"/>
     <p:sldId id="277" r:id="rId22"/>
-    <p:sldId id="278" r:id="rId23"/>
-    <p:sldId id="279" r:id="rId24"/>
-    <p:sldId id="283" r:id="rId25"/>
-    <p:sldId id="280" r:id="rId26"/>
-    <p:sldId id="281" r:id="rId27"/>
-    <p:sldId id="284" r:id="rId28"/>
-    <p:sldId id="285" r:id="rId29"/>
+    <p:sldId id="287" r:id="rId23"/>
+    <p:sldId id="288" r:id="rId24"/>
+    <p:sldId id="289" r:id="rId25"/>
+    <p:sldId id="278" r:id="rId26"/>
+    <p:sldId id="279" r:id="rId27"/>
+    <p:sldId id="283" r:id="rId28"/>
+    <p:sldId id="280" r:id="rId29"/>
+    <p:sldId id="281" r:id="rId30"/>
+    <p:sldId id="284" r:id="rId31"/>
+    <p:sldId id="285" r:id="rId32"/>
   </p:sldIdLst>
   <p:sldSz cx="12192000" cy="6858000"/>
   <p:notesSz cx="6858000" cy="9144000"/>
@@ -2417,6 +2420,13 @@
         </dgm:presLayoutVars>
       </dgm:prSet>
       <dgm:spPr/>
+      <dgm:t>
+        <a:bodyPr/>
+        <a:lstStyle/>
+        <a:p>
+          <a:endParaRPr kumimoji="1" lang="ja-JP" altLang="en-US"/>
+        </a:p>
+      </dgm:t>
     </dgm:pt>
     <dgm:pt modelId="{7B238659-1C1F-443D-B141-61EF4326D7A3}" type="pres">
       <dgm:prSet presAssocID="{BB2C3F9E-B39E-4B7E-BEE7-BA0A59BCE95D}" presName="root" presStyleCnt="0">
@@ -2549,6 +2559,13 @@
         </dgm:presLayoutVars>
       </dgm:prSet>
       <dgm:spPr/>
+      <dgm:t>
+        <a:bodyPr/>
+        <a:lstStyle/>
+        <a:p>
+          <a:endParaRPr kumimoji="1" lang="ja-JP" altLang="en-US"/>
+        </a:p>
+      </dgm:t>
     </dgm:pt>
     <dgm:pt modelId="{B4752B48-CC73-444B-B263-B71AF37FE1CC}" type="pres">
       <dgm:prSet presAssocID="{4D0FE8D0-2815-4EFF-A7AF-4B5C52D920FA}" presName="childComposite" presStyleCnt="0">
@@ -2572,6 +2589,13 @@
         </dgm:presLayoutVars>
       </dgm:prSet>
       <dgm:spPr/>
+      <dgm:t>
+        <a:bodyPr/>
+        <a:lstStyle/>
+        <a:p>
+          <a:endParaRPr kumimoji="1" lang="ja-JP" altLang="en-US"/>
+        </a:p>
+      </dgm:t>
     </dgm:pt>
     <dgm:pt modelId="{73906166-18F6-4653-8FBB-53B3C1FCA5BD}" type="pres">
       <dgm:prSet presAssocID="{957969EA-B6E6-49EB-8E6C-19A98A79EB54}" presName="childComposite" presStyleCnt="0">
@@ -2595,6 +2619,13 @@
         </dgm:presLayoutVars>
       </dgm:prSet>
       <dgm:spPr/>
+      <dgm:t>
+        <a:bodyPr/>
+        <a:lstStyle/>
+        <a:p>
+          <a:endParaRPr kumimoji="1" lang="ja-JP" altLang="en-US"/>
+        </a:p>
+      </dgm:t>
     </dgm:pt>
     <dgm:pt modelId="{FE509C43-703B-40D8-8C79-6686756B6EC6}" type="pres">
       <dgm:prSet presAssocID="{29158223-C44F-46E7-93A2-7B6F66A4F820}" presName="childComposite" presStyleCnt="0">
@@ -2618,6 +2649,13 @@
         </dgm:presLayoutVars>
       </dgm:prSet>
       <dgm:spPr/>
+      <dgm:t>
+        <a:bodyPr/>
+        <a:lstStyle/>
+        <a:p>
+          <a:endParaRPr kumimoji="1" lang="ja-JP" altLang="en-US"/>
+        </a:p>
+      </dgm:t>
     </dgm:pt>
     <dgm:pt modelId="{B007574D-1AF7-4B69-92BD-EDB31729E7A3}" type="pres">
       <dgm:prSet presAssocID="{3B7DE3D4-5F1D-4D51-A0C7-457F916EC845}" presName="childComposite" presStyleCnt="0">
@@ -2671,6 +2709,13 @@
         </dgm:presLayoutVars>
       </dgm:prSet>
       <dgm:spPr/>
+      <dgm:t>
+        <a:bodyPr/>
+        <a:lstStyle/>
+        <a:p>
+          <a:endParaRPr kumimoji="1" lang="ja-JP" altLang="en-US"/>
+        </a:p>
+      </dgm:t>
     </dgm:pt>
     <dgm:pt modelId="{BB01C36C-F11F-437D-8DBF-91E480014760}" type="pres">
       <dgm:prSet presAssocID="{15E3B2D3-B898-4F4C-B806-99F0EFC13F86}" presName="childComposite" presStyleCnt="0">
@@ -2694,6 +2739,13 @@
         </dgm:presLayoutVars>
       </dgm:prSet>
       <dgm:spPr/>
+      <dgm:t>
+        <a:bodyPr/>
+        <a:lstStyle/>
+        <a:p>
+          <a:endParaRPr kumimoji="1" lang="ja-JP" altLang="en-US"/>
+        </a:p>
+      </dgm:t>
     </dgm:pt>
     <dgm:pt modelId="{BDEC62DC-5B06-4B9A-A7D5-414DA243DBDF}" type="pres">
       <dgm:prSet presAssocID="{289F36B4-C8C0-483B-9776-B5C11C5BADA9}" presName="root" presStyleCnt="0">
@@ -2727,6 +2779,13 @@
         </dgm:presLayoutVars>
       </dgm:prSet>
       <dgm:spPr/>
+      <dgm:t>
+        <a:bodyPr/>
+        <a:lstStyle/>
+        <a:p>
+          <a:endParaRPr kumimoji="1" lang="ja-JP" altLang="en-US"/>
+        </a:p>
+      </dgm:t>
     </dgm:pt>
     <dgm:pt modelId="{1ABAE6CC-C3CC-4C74-A03A-517A628E71A1}" type="pres">
       <dgm:prSet presAssocID="{289F36B4-C8C0-483B-9776-B5C11C5BADA9}" presName="childShape" presStyleCnt="0">
@@ -2789,6 +2848,13 @@
         </dgm:presLayoutVars>
       </dgm:prSet>
       <dgm:spPr/>
+      <dgm:t>
+        <a:bodyPr/>
+        <a:lstStyle/>
+        <a:p>
+          <a:endParaRPr kumimoji="1" lang="ja-JP" altLang="en-US"/>
+        </a:p>
+      </dgm:t>
     </dgm:pt>
     <dgm:pt modelId="{A9387761-6F1E-416A-98C6-77238B8BD276}" type="pres">
       <dgm:prSet presAssocID="{C793146D-74F4-477E-96AF-D6A529307E22}" presName="childComposite" presStyleCnt="0">
@@ -2842,6 +2908,13 @@
         </dgm:presLayoutVars>
       </dgm:prSet>
       <dgm:spPr/>
+      <dgm:t>
+        <a:bodyPr/>
+        <a:lstStyle/>
+        <a:p>
+          <a:endParaRPr kumimoji="1" lang="ja-JP" altLang="en-US"/>
+        </a:p>
+      </dgm:t>
     </dgm:pt>
     <dgm:pt modelId="{81A524D7-4EF5-4900-B527-F801D3BFC3BB}" type="pres">
       <dgm:prSet presAssocID="{CFB97B1F-94A9-4372-A33C-59395B06952F}" presName="childComposite" presStyleCnt="0">
@@ -2865,6 +2938,13 @@
         </dgm:presLayoutVars>
       </dgm:prSet>
       <dgm:spPr/>
+      <dgm:t>
+        <a:bodyPr/>
+        <a:lstStyle/>
+        <a:p>
+          <a:endParaRPr kumimoji="1" lang="ja-JP" altLang="en-US"/>
+        </a:p>
+      </dgm:t>
     </dgm:pt>
     <dgm:pt modelId="{5D7FB9FF-0A2D-46E2-9FC9-7EAF404D4D08}" type="pres">
       <dgm:prSet presAssocID="{225DAA81-4249-42B9-BD14-4CE31B479EE4}" presName="childComposite" presStyleCnt="0">
@@ -2918,6 +2998,13 @@
         </dgm:presLayoutVars>
       </dgm:prSet>
       <dgm:spPr/>
+      <dgm:t>
+        <a:bodyPr/>
+        <a:lstStyle/>
+        <a:p>
+          <a:endParaRPr kumimoji="1" lang="ja-JP" altLang="en-US"/>
+        </a:p>
+      </dgm:t>
     </dgm:pt>
     <dgm:pt modelId="{32D40607-A476-4E5E-A0BE-DFBF63C6E719}" type="pres">
       <dgm:prSet presAssocID="{D9D9396C-6930-4D88-8BD8-885430FF47DB}" presName="childComposite" presStyleCnt="0">
@@ -2941,6 +3028,13 @@
         </dgm:presLayoutVars>
       </dgm:prSet>
       <dgm:spPr/>
+      <dgm:t>
+        <a:bodyPr/>
+        <a:lstStyle/>
+        <a:p>
+          <a:endParaRPr kumimoji="1" lang="ja-JP" altLang="en-US"/>
+        </a:p>
+      </dgm:t>
     </dgm:pt>
     <dgm:pt modelId="{B3E405BC-77FA-4B2F-B54B-A1221651199E}" type="pres">
       <dgm:prSet presAssocID="{D943D58E-43A6-4E71-819F-7F83E06AA6A1}" presName="childComposite" presStyleCnt="0">
@@ -2964,50 +3058,57 @@
         </dgm:presLayoutVars>
       </dgm:prSet>
       <dgm:spPr/>
+      <dgm:t>
+        <a:bodyPr/>
+        <a:lstStyle/>
+        <a:p>
+          <a:endParaRPr kumimoji="1" lang="ja-JP" altLang="en-US"/>
+        </a:p>
+      </dgm:t>
     </dgm:pt>
   </dgm:ptLst>
   <dgm:cxnLst>
-    <dgm:cxn modelId="{DA8DC729-5F84-4FBC-B759-6625D371A1A8}" srcId="{BB2C3F9E-B39E-4B7E-BEE7-BA0A59BCE95D}" destId="{957969EA-B6E6-49EB-8E6C-19A98A79EB54}" srcOrd="4" destOrd="0" parTransId="{BCDB4D42-6F1D-40C2-A53B-35CEF1CAC0A8}" sibTransId="{F0B04818-6E9A-4FA9-80D5-6B6D2B716B21}"/>
+    <dgm:cxn modelId="{BA041275-3F08-42B8-BAC1-1A5532F617CB}" type="presOf" srcId="{DD29F7B6-2032-46CA-A249-CCDAD75F4819}" destId="{27DD97BF-9723-45B7-B849-AFC403E02120}" srcOrd="0" destOrd="0" presId="urn:microsoft.com/office/officeart/2008/layout/SquareAccentList"/>
+    <dgm:cxn modelId="{6DCD31F9-88D4-42EA-B913-B7C0EF9FA5EB}" type="presOf" srcId="{1BCD5B64-A86C-45FD-9F9B-3F6F4D7BEB86}" destId="{5184A51A-AA3C-40E1-9F69-F9C3F2F6203B}" srcOrd="0" destOrd="0" presId="urn:microsoft.com/office/officeart/2008/layout/SquareAccentList"/>
+    <dgm:cxn modelId="{BA8A4CFD-7C83-47F0-95D3-75657BCEED49}" srcId="{BB2C3F9E-B39E-4B7E-BEE7-BA0A59BCE95D}" destId="{DD29F7B6-2032-46CA-A249-CCDAD75F4819}" srcOrd="7" destOrd="0" parTransId="{01C34F8E-6EA9-49AC-ABE5-A95A2B4B34F7}" sibTransId="{E4742E11-BE06-400B-A741-E5CD7E3A9204}"/>
+    <dgm:cxn modelId="{9938046E-ED29-43C4-9DCD-29DBFC5B796D}" srcId="{BB2C3F9E-B39E-4B7E-BEE7-BA0A59BCE95D}" destId="{F8A2199F-1987-4F58-8916-F85A9A6A53AC}" srcOrd="1" destOrd="0" parTransId="{6BE6E892-1E2E-4811-AE56-8BB8E077C697}" sibTransId="{0A637BA5-DE31-47B7-B14A-F9C4B8C27C98}"/>
+    <dgm:cxn modelId="{A4C4A431-6C28-4B86-A44D-2BC410A475BB}" srcId="{BB2C3F9E-B39E-4B7E-BEE7-BA0A59BCE95D}" destId="{29158223-C44F-46E7-93A2-7B6F66A4F820}" srcOrd="5" destOrd="0" parTransId="{D699DBE9-488D-4484-8F97-1C8F08681CAC}" sibTransId="{2154A563-CC67-44C5-9446-9D14A4CD7BF2}"/>
+    <dgm:cxn modelId="{C4C4388E-6177-41E3-A864-8209694E5FD3}" type="presOf" srcId="{BB2C3F9E-B39E-4B7E-BEE7-BA0A59BCE95D}" destId="{626B9FC7-374A-482E-B845-87E8360F5BEC}" srcOrd="0" destOrd="0" presId="urn:microsoft.com/office/officeart/2008/layout/SquareAccentList"/>
+    <dgm:cxn modelId="{5D4FED86-CCA0-4E7A-8F94-461276B40B0D}" type="presOf" srcId="{4D0FE8D0-2815-4EFF-A7AF-4B5C52D920FA}" destId="{98828224-8AD1-4A09-8F8B-8D8B2A0B7DB5}" srcOrd="0" destOrd="0" presId="urn:microsoft.com/office/officeart/2008/layout/SquareAccentList"/>
+    <dgm:cxn modelId="{ECCEF3B0-70AE-4F85-88BD-70E9C98C619B}" srcId="{BB2C3F9E-B39E-4B7E-BEE7-BA0A59BCE95D}" destId="{0C8D31C9-E0AA-4A1D-9E9B-B62ED9D5ABDF}" srcOrd="0" destOrd="0" parTransId="{F8F00934-5047-4DF3-8588-BF41CA66A4AB}" sibTransId="{F405B577-2DF9-4A1D-9F0D-5933EFC42ED6}"/>
+    <dgm:cxn modelId="{6E8AFDCE-4209-4D09-BB6A-27173A058BE1}" srcId="{289F36B4-C8C0-483B-9776-B5C11C5BADA9}" destId="{58FB8212-C248-496F-ACF1-A807A05F18BA}" srcOrd="1" destOrd="0" parTransId="{B6FB4342-E963-4D82-A4CF-88DD2B6F30B8}" sibTransId="{DEE8DA49-A690-458F-88C2-F199FC13E943}"/>
+    <dgm:cxn modelId="{6172D0A1-5DE7-4F2E-B696-BFBDD05A44B7}" srcId="{261B36D4-E0C1-4532-9DA6-A564C2063407}" destId="{BB2C3F9E-B39E-4B7E-BEE7-BA0A59BCE95D}" srcOrd="0" destOrd="0" parTransId="{E358C7A3-E691-4D77-BDD8-CB5551EF1A5D}" sibTransId="{54CCB97A-71FB-4CCB-87E6-0A5270A400B2}"/>
+    <dgm:cxn modelId="{A04CB0B7-9062-416C-8D4A-F6E3B280130A}" type="presOf" srcId="{15E3B2D3-B898-4F4C-B806-99F0EFC13F86}" destId="{8B9C106F-BD45-4A42-BAE7-BFFD028095FB}" srcOrd="0" destOrd="0" presId="urn:microsoft.com/office/officeart/2008/layout/SquareAccentList"/>
+    <dgm:cxn modelId="{EC04FE27-5F73-4A18-9898-F70E28AD5D96}" srcId="{289F36B4-C8C0-483B-9776-B5C11C5BADA9}" destId="{CFB97B1F-94A9-4372-A33C-59395B06952F}" srcOrd="4" destOrd="0" parTransId="{7E583AC8-C719-4BC8-B665-5D9FCF779339}" sibTransId="{FBA1D5E3-4E0A-4127-A3DC-0496756694E5}"/>
+    <dgm:cxn modelId="{99D0B995-4CF8-4447-86F2-F0A962FF65D3}" srcId="{289F36B4-C8C0-483B-9776-B5C11C5BADA9}" destId="{F0284E08-CC81-4D03-9A18-5956D01E7125}" srcOrd="3" destOrd="0" parTransId="{30A5F8CE-4936-4E7A-AF7E-4581F595F127}" sibTransId="{3E505713-EB43-4019-9C35-6E080E47EBFD}"/>
+    <dgm:cxn modelId="{7889EE95-0E94-4061-BD15-F275B8FE032B}" srcId="{289F36B4-C8C0-483B-9776-B5C11C5BADA9}" destId="{D943D58E-43A6-4E71-819F-7F83E06AA6A1}" srcOrd="8" destOrd="0" parTransId="{831BDFFB-B15A-4CBA-99AC-FA947A7D0395}" sibTransId="{2443A1A5-E8E6-45A8-96C0-85352FF1AE4C}"/>
+    <dgm:cxn modelId="{CD3B7DD2-40ED-412A-AF84-2B499945EE9B}" type="presOf" srcId="{BC2B81D7-06A3-4F1C-86DE-AB0D91578F76}" destId="{7648596B-7594-4F17-8270-D9A2712B46B6}" srcOrd="0" destOrd="0" presId="urn:microsoft.com/office/officeart/2008/layout/SquareAccentList"/>
     <dgm:cxn modelId="{4CB5FA27-84E8-4F15-87CF-D4A6A94C50A5}" type="presOf" srcId="{8958284C-5996-479A-953B-E242C6FF065E}" destId="{CD72CCFF-26DE-474F-A6C5-69CA25322847}" srcOrd="0" destOrd="0" presId="urn:microsoft.com/office/officeart/2008/layout/SquareAccentList"/>
+    <dgm:cxn modelId="{1B5094FD-2574-4509-B54A-BFE2F17A8825}" type="presOf" srcId="{957969EA-B6E6-49EB-8E6C-19A98A79EB54}" destId="{726A9AD0-8DAE-4459-8466-12DC81F555A8}" srcOrd="0" destOrd="0" presId="urn:microsoft.com/office/officeart/2008/layout/SquareAccentList"/>
+    <dgm:cxn modelId="{C4E07CD9-0DED-4BF2-B6B5-02DB6DECC834}" type="presOf" srcId="{F8A2199F-1987-4F58-8916-F85A9A6A53AC}" destId="{C7F46254-AAA6-4B4C-8D6A-A5B9FDE408EB}" srcOrd="0" destOrd="0" presId="urn:microsoft.com/office/officeart/2008/layout/SquareAccentList"/>
+    <dgm:cxn modelId="{A05680F5-294E-46DC-B301-CB9515E50D08}" type="presOf" srcId="{3B7DE3D4-5F1D-4D51-A0C7-457F916EC845}" destId="{D8B322E8-8D31-400B-89C8-247D7529ADA9}" srcOrd="0" destOrd="0" presId="urn:microsoft.com/office/officeart/2008/layout/SquareAccentList"/>
+    <dgm:cxn modelId="{20DC72F7-6FF1-4DB5-B2A7-6B921DA40655}" type="presOf" srcId="{0C8D31C9-E0AA-4A1D-9E9B-B62ED9D5ABDF}" destId="{5AE80969-A120-4FB8-B700-70C52262C8CE}" srcOrd="0" destOrd="0" presId="urn:microsoft.com/office/officeart/2008/layout/SquareAccentList"/>
+    <dgm:cxn modelId="{BB7D596C-338D-4FEC-86A2-19EE18CCABB4}" srcId="{289F36B4-C8C0-483B-9776-B5C11C5BADA9}" destId="{D9D9396C-6930-4D88-8BD8-885430FF47DB}" srcOrd="7" destOrd="0" parTransId="{8401CACA-FF5B-4E41-A6C0-6395FE27EC84}" sibTransId="{3E47D36F-7105-43C3-9AC2-42C49118B660}"/>
+    <dgm:cxn modelId="{461BD42D-027D-4219-A5E3-2EC1B0D8CA02}" type="presOf" srcId="{225DAA81-4249-42B9-BD14-4CE31B479EE4}" destId="{8916B27E-F20D-497D-83E7-22119086B67C}" srcOrd="0" destOrd="0" presId="urn:microsoft.com/office/officeart/2008/layout/SquareAccentList"/>
     <dgm:cxn modelId="{A8FDB980-E9CC-41D6-80DF-8A27FCCBF88E}" srcId="{BB2C3F9E-B39E-4B7E-BEE7-BA0A59BCE95D}" destId="{4D0FE8D0-2815-4EFF-A7AF-4B5C52D920FA}" srcOrd="3" destOrd="0" parTransId="{7642B3FC-05AF-4F50-8464-C052BD8B3A12}" sibTransId="{F41D8A00-17FE-42AA-A23D-39A73E0EC309}"/>
     <dgm:cxn modelId="{E48B6F3C-FCF0-438B-A78F-58DBDC4E8B6A}" srcId="{BB2C3F9E-B39E-4B7E-BEE7-BA0A59BCE95D}" destId="{15E3B2D3-B898-4F4C-B806-99F0EFC13F86}" srcOrd="8" destOrd="0" parTransId="{D7AA3052-11CC-4451-8648-E5536600614A}" sibTransId="{0BF78617-4794-4D37-8F4B-D437424AD0C7}"/>
+    <dgm:cxn modelId="{D2AEA124-6FF8-4900-AFB8-405E280E5EEE}" type="presOf" srcId="{29158223-C44F-46E7-93A2-7B6F66A4F820}" destId="{82FAA2F4-E2B7-49BD-9C0B-60D2DFAC3441}" srcOrd="0" destOrd="0" presId="urn:microsoft.com/office/officeart/2008/layout/SquareAccentList"/>
+    <dgm:cxn modelId="{5634B123-F019-4CB2-8EB6-927831880CD9}" type="presOf" srcId="{D943D58E-43A6-4E71-819F-7F83E06AA6A1}" destId="{133E6456-6450-42D4-9BA0-6177B310FD90}" srcOrd="0" destOrd="0" presId="urn:microsoft.com/office/officeart/2008/layout/SquareAccentList"/>
+    <dgm:cxn modelId="{13E0DA5F-585C-48D4-8C4E-D5F60A22D272}" type="presOf" srcId="{261B36D4-E0C1-4532-9DA6-A564C2063407}" destId="{FB20023B-78C8-4C83-B9CD-99F3DBDABCE8}" srcOrd="0" destOrd="0" presId="urn:microsoft.com/office/officeart/2008/layout/SquareAccentList"/>
+    <dgm:cxn modelId="{F1F222F2-C735-4055-93AF-C380D6E1F250}" type="presOf" srcId="{58FB8212-C248-496F-ACF1-A807A05F18BA}" destId="{906781D3-021B-4C44-A422-5FC24B9C6EAC}" srcOrd="0" destOrd="0" presId="urn:microsoft.com/office/officeart/2008/layout/SquareAccentList"/>
+    <dgm:cxn modelId="{6F292760-544F-4F74-986D-66704FA4C165}" type="presOf" srcId="{F0284E08-CC81-4D03-9A18-5956D01E7125}" destId="{22021F5B-3ABB-443B-AFBB-B2CE77AE9858}" srcOrd="0" destOrd="0" presId="urn:microsoft.com/office/officeart/2008/layout/SquareAccentList"/>
+    <dgm:cxn modelId="{EB810C7C-3DA3-494D-A4B1-2D1349BD1FDE}" type="presOf" srcId="{CFB97B1F-94A9-4372-A33C-59395B06952F}" destId="{50F588CA-3FA6-43A5-B957-857C6A15AD06}" srcOrd="0" destOrd="0" presId="urn:microsoft.com/office/officeart/2008/layout/SquareAccentList"/>
+    <dgm:cxn modelId="{DA8DC729-5F84-4FBC-B759-6625D371A1A8}" srcId="{BB2C3F9E-B39E-4B7E-BEE7-BA0A59BCE95D}" destId="{957969EA-B6E6-49EB-8E6C-19A98A79EB54}" srcOrd="4" destOrd="0" parTransId="{BCDB4D42-6F1D-40C2-A53B-35CEF1CAC0A8}" sibTransId="{F0B04818-6E9A-4FA9-80D5-6B6D2B716B21}"/>
+    <dgm:cxn modelId="{3E90E1AA-425F-4AEB-990D-348034C25D56}" srcId="{261B36D4-E0C1-4532-9DA6-A564C2063407}" destId="{289F36B4-C8C0-483B-9776-B5C11C5BADA9}" srcOrd="1" destOrd="0" parTransId="{521CE2E8-DA96-46AF-8930-BC0A2FFA1759}" sibTransId="{670C4ECD-69F2-4425-87FC-26160918A125}"/>
+    <dgm:cxn modelId="{F39999CE-3F38-4C72-84E2-2D1B46BC088C}" srcId="{289F36B4-C8C0-483B-9776-B5C11C5BADA9}" destId="{C793146D-74F4-477E-96AF-D6A529307E22}" srcOrd="2" destOrd="0" parTransId="{35FDE868-ACD7-4776-AB59-D8B63A2FA47D}" sibTransId="{E0FA6A62-D773-4EB4-890F-F70CB39C5B48}"/>
+    <dgm:cxn modelId="{5E8CD762-EB18-41FA-B34C-7BEF0A84AF3A}" srcId="{BB2C3F9E-B39E-4B7E-BEE7-BA0A59BCE95D}" destId="{3B7DE3D4-5F1D-4D51-A0C7-457F916EC845}" srcOrd="6" destOrd="0" parTransId="{9E4DBDCC-6986-476B-B424-C17CAE13A491}" sibTransId="{61F1B22A-40B3-41C8-BE45-C8BCD6F68885}"/>
+    <dgm:cxn modelId="{ADCA91FA-7F7B-46CE-A014-FFD77BF33570}" srcId="{BB2C3F9E-B39E-4B7E-BEE7-BA0A59BCE95D}" destId="{BC2B81D7-06A3-4F1C-86DE-AB0D91578F76}" srcOrd="2" destOrd="0" parTransId="{2C119AA0-7F2B-43E2-AFCC-F4DD184789B5}" sibTransId="{8A994A16-093A-46D2-A620-AB2680F70C08}"/>
     <dgm:cxn modelId="{3D53D4D6-FECE-43BB-9D07-F362ECD99087}" type="presOf" srcId="{289F36B4-C8C0-483B-9776-B5C11C5BADA9}" destId="{A624A286-49BB-40C6-8426-34DEBAE50897}" srcOrd="0" destOrd="0" presId="urn:microsoft.com/office/officeart/2008/layout/SquareAccentList"/>
-    <dgm:cxn modelId="{EB810C7C-3DA3-494D-A4B1-2D1349BD1FDE}" type="presOf" srcId="{CFB97B1F-94A9-4372-A33C-59395B06952F}" destId="{50F588CA-3FA6-43A5-B957-857C6A15AD06}" srcOrd="0" destOrd="0" presId="urn:microsoft.com/office/officeart/2008/layout/SquareAccentList"/>
-    <dgm:cxn modelId="{F39999CE-3F38-4C72-84E2-2D1B46BC088C}" srcId="{289F36B4-C8C0-483B-9776-B5C11C5BADA9}" destId="{C793146D-74F4-477E-96AF-D6A529307E22}" srcOrd="2" destOrd="0" parTransId="{35FDE868-ACD7-4776-AB59-D8B63A2FA47D}" sibTransId="{E0FA6A62-D773-4EB4-890F-F70CB39C5B48}"/>
-    <dgm:cxn modelId="{C4C4388E-6177-41E3-A864-8209694E5FD3}" type="presOf" srcId="{BB2C3F9E-B39E-4B7E-BEE7-BA0A59BCE95D}" destId="{626B9FC7-374A-482E-B845-87E8360F5BEC}" srcOrd="0" destOrd="0" presId="urn:microsoft.com/office/officeart/2008/layout/SquareAccentList"/>
-    <dgm:cxn modelId="{6F292760-544F-4F74-986D-66704FA4C165}" type="presOf" srcId="{F0284E08-CC81-4D03-9A18-5956D01E7125}" destId="{22021F5B-3ABB-443B-AFBB-B2CE77AE9858}" srcOrd="0" destOrd="0" presId="urn:microsoft.com/office/officeart/2008/layout/SquareAccentList"/>
-    <dgm:cxn modelId="{A05680F5-294E-46DC-B301-CB9515E50D08}" type="presOf" srcId="{3B7DE3D4-5F1D-4D51-A0C7-457F916EC845}" destId="{D8B322E8-8D31-400B-89C8-247D7529ADA9}" srcOrd="0" destOrd="0" presId="urn:microsoft.com/office/officeart/2008/layout/SquareAccentList"/>
-    <dgm:cxn modelId="{CD3B7DD2-40ED-412A-AF84-2B499945EE9B}" type="presOf" srcId="{BC2B81D7-06A3-4F1C-86DE-AB0D91578F76}" destId="{7648596B-7594-4F17-8270-D9A2712B46B6}" srcOrd="0" destOrd="0" presId="urn:microsoft.com/office/officeart/2008/layout/SquareAccentList"/>
+    <dgm:cxn modelId="{0A085859-7141-4014-A73B-60E8760277F1}" type="presOf" srcId="{D9D9396C-6930-4D88-8BD8-885430FF47DB}" destId="{A3EBB5EA-CAA6-4281-845E-FD65A02F78F8}" srcOrd="0" destOrd="0" presId="urn:microsoft.com/office/officeart/2008/layout/SquareAccentList"/>
+    <dgm:cxn modelId="{10682FF0-B62F-4B88-B3C0-86812CAC9F14}" srcId="{289F36B4-C8C0-483B-9776-B5C11C5BADA9}" destId="{225DAA81-4249-42B9-BD14-4CE31B479EE4}" srcOrd="5" destOrd="0" parTransId="{186A96E8-EBB8-4A58-88F5-26C2CECB3F75}" sibTransId="{3D1B39C4-1047-4A0F-8CD0-F1E9F4E6A9E3}"/>
+    <dgm:cxn modelId="{A1F79D5B-624E-4189-BC7A-373F3BAFA102}" srcId="{289F36B4-C8C0-483B-9776-B5C11C5BADA9}" destId="{1BCD5B64-A86C-45FD-9F9B-3F6F4D7BEB86}" srcOrd="6" destOrd="0" parTransId="{2EE66D04-7B5A-4B2C-85C3-6726E61E80CE}" sibTransId="{1CA71680-2F34-4E65-A0A9-7471D80CFF9C}"/>
+    <dgm:cxn modelId="{112D85BD-BC60-462A-B64E-AE3F527A1FAF}" srcId="{289F36B4-C8C0-483B-9776-B5C11C5BADA9}" destId="{8958284C-5996-479A-953B-E242C6FF065E}" srcOrd="0" destOrd="0" parTransId="{58622837-B258-46B1-BCE1-4C33B6BF44AC}" sibTransId="{D22CAB24-321D-4BD3-897B-7D32548996EB}"/>
     <dgm:cxn modelId="{FC3B09DE-0FC0-4A58-9722-868E98C44912}" type="presOf" srcId="{C793146D-74F4-477E-96AF-D6A529307E22}" destId="{240E40B9-7504-41E0-8243-3433A10564A9}" srcOrd="0" destOrd="0" presId="urn:microsoft.com/office/officeart/2008/layout/SquareAccentList"/>
-    <dgm:cxn modelId="{5D4FED86-CCA0-4E7A-8F94-461276B40B0D}" type="presOf" srcId="{4D0FE8D0-2815-4EFF-A7AF-4B5C52D920FA}" destId="{98828224-8AD1-4A09-8F8B-8D8B2A0B7DB5}" srcOrd="0" destOrd="0" presId="urn:microsoft.com/office/officeart/2008/layout/SquareAccentList"/>
-    <dgm:cxn modelId="{5634B123-F019-4CB2-8EB6-927831880CD9}" type="presOf" srcId="{D943D58E-43A6-4E71-819F-7F83E06AA6A1}" destId="{133E6456-6450-42D4-9BA0-6177B310FD90}" srcOrd="0" destOrd="0" presId="urn:microsoft.com/office/officeart/2008/layout/SquareAccentList"/>
-    <dgm:cxn modelId="{5E8CD762-EB18-41FA-B34C-7BEF0A84AF3A}" srcId="{BB2C3F9E-B39E-4B7E-BEE7-BA0A59BCE95D}" destId="{3B7DE3D4-5F1D-4D51-A0C7-457F916EC845}" srcOrd="6" destOrd="0" parTransId="{9E4DBDCC-6986-476B-B424-C17CAE13A491}" sibTransId="{61F1B22A-40B3-41C8-BE45-C8BCD6F68885}"/>
-    <dgm:cxn modelId="{F1F222F2-C735-4055-93AF-C380D6E1F250}" type="presOf" srcId="{58FB8212-C248-496F-ACF1-A807A05F18BA}" destId="{906781D3-021B-4C44-A422-5FC24B9C6EAC}" srcOrd="0" destOrd="0" presId="urn:microsoft.com/office/officeart/2008/layout/SquareAccentList"/>
-    <dgm:cxn modelId="{EC04FE27-5F73-4A18-9898-F70E28AD5D96}" srcId="{289F36B4-C8C0-483B-9776-B5C11C5BADA9}" destId="{CFB97B1F-94A9-4372-A33C-59395B06952F}" srcOrd="4" destOrd="0" parTransId="{7E583AC8-C719-4BC8-B665-5D9FCF779339}" sibTransId="{FBA1D5E3-4E0A-4127-A3DC-0496756694E5}"/>
-    <dgm:cxn modelId="{A04CB0B7-9062-416C-8D4A-F6E3B280130A}" type="presOf" srcId="{15E3B2D3-B898-4F4C-B806-99F0EFC13F86}" destId="{8B9C106F-BD45-4A42-BAE7-BFFD028095FB}" srcOrd="0" destOrd="0" presId="urn:microsoft.com/office/officeart/2008/layout/SquareAccentList"/>
-    <dgm:cxn modelId="{20DC72F7-6FF1-4DB5-B2A7-6B921DA40655}" type="presOf" srcId="{0C8D31C9-E0AA-4A1D-9E9B-B62ED9D5ABDF}" destId="{5AE80969-A120-4FB8-B700-70C52262C8CE}" srcOrd="0" destOrd="0" presId="urn:microsoft.com/office/officeart/2008/layout/SquareAccentList"/>
-    <dgm:cxn modelId="{C4E07CD9-0DED-4BF2-B6B5-02DB6DECC834}" type="presOf" srcId="{F8A2199F-1987-4F58-8916-F85A9A6A53AC}" destId="{C7F46254-AAA6-4B4C-8D6A-A5B9FDE408EB}" srcOrd="0" destOrd="0" presId="urn:microsoft.com/office/officeart/2008/layout/SquareAccentList"/>
-    <dgm:cxn modelId="{461BD42D-027D-4219-A5E3-2EC1B0D8CA02}" type="presOf" srcId="{225DAA81-4249-42B9-BD14-4CE31B479EE4}" destId="{8916B27E-F20D-497D-83E7-22119086B67C}" srcOrd="0" destOrd="0" presId="urn:microsoft.com/office/officeart/2008/layout/SquareAccentList"/>
-    <dgm:cxn modelId="{6E8AFDCE-4209-4D09-BB6A-27173A058BE1}" srcId="{289F36B4-C8C0-483B-9776-B5C11C5BADA9}" destId="{58FB8212-C248-496F-ACF1-A807A05F18BA}" srcOrd="1" destOrd="0" parTransId="{B6FB4342-E963-4D82-A4CF-88DD2B6F30B8}" sibTransId="{DEE8DA49-A690-458F-88C2-F199FC13E943}"/>
-    <dgm:cxn modelId="{ECCEF3B0-70AE-4F85-88BD-70E9C98C619B}" srcId="{BB2C3F9E-B39E-4B7E-BEE7-BA0A59BCE95D}" destId="{0C8D31C9-E0AA-4A1D-9E9B-B62ED9D5ABDF}" srcOrd="0" destOrd="0" parTransId="{F8F00934-5047-4DF3-8588-BF41CA66A4AB}" sibTransId="{F405B577-2DF9-4A1D-9F0D-5933EFC42ED6}"/>
-    <dgm:cxn modelId="{BA041275-3F08-42B8-BAC1-1A5532F617CB}" type="presOf" srcId="{DD29F7B6-2032-46CA-A249-CCDAD75F4819}" destId="{27DD97BF-9723-45B7-B849-AFC403E02120}" srcOrd="0" destOrd="0" presId="urn:microsoft.com/office/officeart/2008/layout/SquareAccentList"/>
-    <dgm:cxn modelId="{0A085859-7141-4014-A73B-60E8760277F1}" type="presOf" srcId="{D9D9396C-6930-4D88-8BD8-885430FF47DB}" destId="{A3EBB5EA-CAA6-4281-845E-FD65A02F78F8}" srcOrd="0" destOrd="0" presId="urn:microsoft.com/office/officeart/2008/layout/SquareAccentList"/>
-    <dgm:cxn modelId="{3E90E1AA-425F-4AEB-990D-348034C25D56}" srcId="{261B36D4-E0C1-4532-9DA6-A564C2063407}" destId="{289F36B4-C8C0-483B-9776-B5C11C5BADA9}" srcOrd="1" destOrd="0" parTransId="{521CE2E8-DA96-46AF-8930-BC0A2FFA1759}" sibTransId="{670C4ECD-69F2-4425-87FC-26160918A125}"/>
-    <dgm:cxn modelId="{6172D0A1-5DE7-4F2E-B696-BFBDD05A44B7}" srcId="{261B36D4-E0C1-4532-9DA6-A564C2063407}" destId="{BB2C3F9E-B39E-4B7E-BEE7-BA0A59BCE95D}" srcOrd="0" destOrd="0" parTransId="{E358C7A3-E691-4D77-BDD8-CB5551EF1A5D}" sibTransId="{54CCB97A-71FB-4CCB-87E6-0A5270A400B2}"/>
-    <dgm:cxn modelId="{A1F79D5B-624E-4189-BC7A-373F3BAFA102}" srcId="{289F36B4-C8C0-483B-9776-B5C11C5BADA9}" destId="{1BCD5B64-A86C-45FD-9F9B-3F6F4D7BEB86}" srcOrd="6" destOrd="0" parTransId="{2EE66D04-7B5A-4B2C-85C3-6726E61E80CE}" sibTransId="{1CA71680-2F34-4E65-A0A9-7471D80CFF9C}"/>
-    <dgm:cxn modelId="{99D0B995-4CF8-4447-86F2-F0A962FF65D3}" srcId="{289F36B4-C8C0-483B-9776-B5C11C5BADA9}" destId="{F0284E08-CC81-4D03-9A18-5956D01E7125}" srcOrd="3" destOrd="0" parTransId="{30A5F8CE-4936-4E7A-AF7E-4581F595F127}" sibTransId="{3E505713-EB43-4019-9C35-6E080E47EBFD}"/>
-    <dgm:cxn modelId="{1B5094FD-2574-4509-B54A-BFE2F17A8825}" type="presOf" srcId="{957969EA-B6E6-49EB-8E6C-19A98A79EB54}" destId="{726A9AD0-8DAE-4459-8466-12DC81F555A8}" srcOrd="0" destOrd="0" presId="urn:microsoft.com/office/officeart/2008/layout/SquareAccentList"/>
-    <dgm:cxn modelId="{ADCA91FA-7F7B-46CE-A014-FFD77BF33570}" srcId="{BB2C3F9E-B39E-4B7E-BEE7-BA0A59BCE95D}" destId="{BC2B81D7-06A3-4F1C-86DE-AB0D91578F76}" srcOrd="2" destOrd="0" parTransId="{2C119AA0-7F2B-43E2-AFCC-F4DD184789B5}" sibTransId="{8A994A16-093A-46D2-A620-AB2680F70C08}"/>
-    <dgm:cxn modelId="{13E0DA5F-585C-48D4-8C4E-D5F60A22D272}" type="presOf" srcId="{261B36D4-E0C1-4532-9DA6-A564C2063407}" destId="{FB20023B-78C8-4C83-B9CD-99F3DBDABCE8}" srcOrd="0" destOrd="0" presId="urn:microsoft.com/office/officeart/2008/layout/SquareAccentList"/>
-    <dgm:cxn modelId="{9938046E-ED29-43C4-9DCD-29DBFC5B796D}" srcId="{BB2C3F9E-B39E-4B7E-BEE7-BA0A59BCE95D}" destId="{F8A2199F-1987-4F58-8916-F85A9A6A53AC}" srcOrd="1" destOrd="0" parTransId="{6BE6E892-1E2E-4811-AE56-8BB8E077C697}" sibTransId="{0A637BA5-DE31-47B7-B14A-F9C4B8C27C98}"/>
-    <dgm:cxn modelId="{112D85BD-BC60-462A-B64E-AE3F527A1FAF}" srcId="{289F36B4-C8C0-483B-9776-B5C11C5BADA9}" destId="{8958284C-5996-479A-953B-E242C6FF065E}" srcOrd="0" destOrd="0" parTransId="{58622837-B258-46B1-BCE1-4C33B6BF44AC}" sibTransId="{D22CAB24-321D-4BD3-897B-7D32548996EB}"/>
-    <dgm:cxn modelId="{D2AEA124-6FF8-4900-AFB8-405E280E5EEE}" type="presOf" srcId="{29158223-C44F-46E7-93A2-7B6F66A4F820}" destId="{82FAA2F4-E2B7-49BD-9C0B-60D2DFAC3441}" srcOrd="0" destOrd="0" presId="urn:microsoft.com/office/officeart/2008/layout/SquareAccentList"/>
-    <dgm:cxn modelId="{10682FF0-B62F-4B88-B3C0-86812CAC9F14}" srcId="{289F36B4-C8C0-483B-9776-B5C11C5BADA9}" destId="{225DAA81-4249-42B9-BD14-4CE31B479EE4}" srcOrd="5" destOrd="0" parTransId="{186A96E8-EBB8-4A58-88F5-26C2CECB3F75}" sibTransId="{3D1B39C4-1047-4A0F-8CD0-F1E9F4E6A9E3}"/>
-    <dgm:cxn modelId="{A4C4A431-6C28-4B86-A44D-2BC410A475BB}" srcId="{BB2C3F9E-B39E-4B7E-BEE7-BA0A59BCE95D}" destId="{29158223-C44F-46E7-93A2-7B6F66A4F820}" srcOrd="5" destOrd="0" parTransId="{D699DBE9-488D-4484-8F97-1C8F08681CAC}" sibTransId="{2154A563-CC67-44C5-9446-9D14A4CD7BF2}"/>
-    <dgm:cxn modelId="{BA8A4CFD-7C83-47F0-95D3-75657BCEED49}" srcId="{BB2C3F9E-B39E-4B7E-BEE7-BA0A59BCE95D}" destId="{DD29F7B6-2032-46CA-A249-CCDAD75F4819}" srcOrd="7" destOrd="0" parTransId="{01C34F8E-6EA9-49AC-ABE5-A95A2B4B34F7}" sibTransId="{E4742E11-BE06-400B-A741-E5CD7E3A9204}"/>
-    <dgm:cxn modelId="{7889EE95-0E94-4061-BD15-F275B8FE032B}" srcId="{289F36B4-C8C0-483B-9776-B5C11C5BADA9}" destId="{D943D58E-43A6-4E71-819F-7F83E06AA6A1}" srcOrd="8" destOrd="0" parTransId="{831BDFFB-B15A-4CBA-99AC-FA947A7D0395}" sibTransId="{2443A1A5-E8E6-45A8-96C0-85352FF1AE4C}"/>
-    <dgm:cxn modelId="{BB7D596C-338D-4FEC-86A2-19EE18CCABB4}" srcId="{289F36B4-C8C0-483B-9776-B5C11C5BADA9}" destId="{D9D9396C-6930-4D88-8BD8-885430FF47DB}" srcOrd="7" destOrd="0" parTransId="{8401CACA-FF5B-4E41-A6C0-6395FE27EC84}" sibTransId="{3E47D36F-7105-43C3-9AC2-42C49118B660}"/>
-    <dgm:cxn modelId="{6DCD31F9-88D4-42EA-B913-B7C0EF9FA5EB}" type="presOf" srcId="{1BCD5B64-A86C-45FD-9F9B-3F6F4D7BEB86}" destId="{5184A51A-AA3C-40E1-9F69-F9C3F2F6203B}" srcOrd="0" destOrd="0" presId="urn:microsoft.com/office/officeart/2008/layout/SquareAccentList"/>
     <dgm:cxn modelId="{6AB9606C-C828-4036-B0D1-036B8899ECB4}" type="presParOf" srcId="{FB20023B-78C8-4C83-B9CD-99F3DBDABCE8}" destId="{7B238659-1C1F-443D-B141-61EF4326D7A3}" srcOrd="0" destOrd="0" presId="urn:microsoft.com/office/officeart/2008/layout/SquareAccentList"/>
     <dgm:cxn modelId="{DCEA75FA-8E12-4617-8034-0F7860671FE8}" type="presParOf" srcId="{7B238659-1C1F-443D-B141-61EF4326D7A3}" destId="{47402DA4-CB6E-4C49-9A8A-AF3B10A40647}" srcOrd="0" destOrd="0" presId="urn:microsoft.com/office/officeart/2008/layout/SquareAccentList"/>
     <dgm:cxn modelId="{6634358D-DF0B-41C0-BF20-F30C252E1F55}" type="presParOf" srcId="{47402DA4-CB6E-4C49-9A8A-AF3B10A40647}" destId="{CFB044E0-32BF-4DD6-A52F-5E141CAB0220}" srcOrd="0" destOrd="0" presId="urn:microsoft.com/office/officeart/2008/layout/SquareAccentList"/>
@@ -12399,7 +12500,7 @@
           <a:p>
             <a:fld id="{8F72BA41-EC5B-4197-BCC8-0FD2E523CD7A}" type="datetimeFigureOut">
               <a:rPr lang="en-US" smtClean="0"/>
-              <a:t>6/15/2023</a:t>
+              <a:t>7/3/2023</a:t>
             </a:fld>
             <a:endParaRPr lang="en-US"/>
           </a:p>
@@ -12602,7 +12703,7 @@
           <a:p>
             <a:fld id="{8F72BA41-EC5B-4197-BCC8-0FD2E523CD7A}" type="datetimeFigureOut">
               <a:rPr lang="en-US" smtClean="0"/>
-              <a:t>6/15/2023</a:t>
+              <a:t>7/3/2023</a:t>
             </a:fld>
             <a:endParaRPr lang="en-US"/>
           </a:p>
@@ -14323,7 +14424,7 @@
           <a:p>
             <a:fld id="{8F72BA41-EC5B-4197-BCC8-0FD2E523CD7A}" type="datetimeFigureOut">
               <a:rPr lang="en-US" smtClean="0"/>
-              <a:t>6/15/2023</a:t>
+              <a:t>7/3/2023</a:t>
             </a:fld>
             <a:endParaRPr lang="en-US"/>
           </a:p>
@@ -14522,7 +14623,7 @@
           <a:p>
             <a:fld id="{8F72BA41-EC5B-4197-BCC8-0FD2E523CD7A}" type="datetimeFigureOut">
               <a:rPr lang="en-US" smtClean="0"/>
-              <a:t>6/15/2023</a:t>
+              <a:t>7/3/2023</a:t>
             </a:fld>
             <a:endParaRPr lang="en-US"/>
           </a:p>
@@ -16312,7 +16413,7 @@
           <a:p>
             <a:fld id="{8F72BA41-EC5B-4197-BCC8-0FD2E523CD7A}" type="datetimeFigureOut">
               <a:rPr lang="en-US" smtClean="0"/>
-              <a:t>6/15/2023</a:t>
+              <a:t>7/3/2023</a:t>
             </a:fld>
             <a:endParaRPr lang="en-US"/>
           </a:p>
@@ -16585,7 +16686,7 @@
           <a:p>
             <a:fld id="{8F72BA41-EC5B-4197-BCC8-0FD2E523CD7A}" type="datetimeFigureOut">
               <a:rPr lang="en-US" smtClean="0"/>
-              <a:t>6/15/2023</a:t>
+              <a:t>7/3/2023</a:t>
             </a:fld>
             <a:endParaRPr lang="en-US"/>
           </a:p>
@@ -17005,7 +17106,7 @@
           <a:p>
             <a:fld id="{8F72BA41-EC5B-4197-BCC8-0FD2E523CD7A}" type="datetimeFigureOut">
               <a:rPr lang="en-US" smtClean="0"/>
-              <a:t>6/15/2023</a:t>
+              <a:t>7/3/2023</a:t>
             </a:fld>
             <a:endParaRPr lang="en-US"/>
           </a:p>
@@ -17161,7 +17262,7 @@
           <a:p>
             <a:fld id="{8F72BA41-EC5B-4197-BCC8-0FD2E523CD7A}" type="datetimeFigureOut">
               <a:rPr lang="en-US" smtClean="0"/>
-              <a:t>6/15/2023</a:t>
+              <a:t>7/3/2023</a:t>
             </a:fld>
             <a:endParaRPr lang="en-US"/>
           </a:p>
@@ -18729,7 +18830,7 @@
           <a:p>
             <a:fld id="{8F72BA41-EC5B-4197-BCC8-0FD2E523CD7A}" type="datetimeFigureOut">
               <a:rPr lang="en-US" smtClean="0"/>
-              <a:t>6/15/2023</a:t>
+              <a:t>7/3/2023</a:t>
             </a:fld>
             <a:endParaRPr lang="en-US"/>
           </a:p>
@@ -20580,7 +20681,7 @@
           <a:p>
             <a:fld id="{8F72BA41-EC5B-4197-BCC8-0FD2E523CD7A}" type="datetimeFigureOut">
               <a:rPr lang="en-US" smtClean="0"/>
-              <a:t>6/15/2023</a:t>
+              <a:t>7/3/2023</a:t>
             </a:fld>
             <a:endParaRPr lang="en-US"/>
           </a:p>
@@ -22393,7 +22494,7 @@
           <a:p>
             <a:fld id="{8F72BA41-EC5B-4197-BCC8-0FD2E523CD7A}" type="datetimeFigureOut">
               <a:rPr lang="en-US" smtClean="0"/>
-              <a:t>6/15/2023</a:t>
+              <a:t>7/3/2023</a:t>
             </a:fld>
             <a:endParaRPr lang="en-US"/>
           </a:p>
@@ -24083,7 +24184,7 @@
             <a:fld id="{8F72BA41-EC5B-4197-BCC8-0FD2E523CD7A}" type="datetimeFigureOut">
               <a:rPr lang="en-US" smtClean="0"/>
               <a:pPr/>
-              <a:t>6/15/2023</a:t>
+              <a:t>7/3/2023</a:t>
             </a:fld>
             <a:endParaRPr lang="en-US" dirty="0"/>
           </a:p>
@@ -30527,6 +30628,890 @@
           <a:lstStyle/>
           <a:p>
             <a:r>
+              <a:rPr kumimoji="1" lang="en-US" altLang="ja-JP" dirty="0" err="1"/>
+              <a:t>v</a:t>
+            </a:r>
+            <a:r>
+              <a:rPr kumimoji="1" lang="en-US" altLang="ja-JP" dirty="0" err="1" smtClean="0"/>
+              <a:t>scode</a:t>
+            </a:r>
+            <a:r>
+              <a:rPr kumimoji="1" lang="ja-JP" altLang="en-US" dirty="0" smtClean="0"/>
+              <a:t>の初期設定</a:t>
+            </a:r>
+            <a:r>
+              <a:rPr kumimoji="1" lang="en-US" altLang="ja-JP" dirty="0" smtClean="0"/>
+              <a:t>(</a:t>
+            </a:r>
+            <a:r>
+              <a:rPr kumimoji="1" lang="en-US" altLang="ja-JP" dirty="0" err="1" smtClean="0"/>
+              <a:t>cmd</a:t>
+            </a:r>
+            <a:r>
+              <a:rPr kumimoji="1" lang="ja-JP" altLang="en-US" dirty="0" smtClean="0"/>
+              <a:t>で実行</a:t>
+            </a:r>
+            <a:r>
+              <a:rPr kumimoji="1" lang="en-US" altLang="ja-JP" dirty="0" smtClean="0"/>
+              <a:t>)</a:t>
+            </a:r>
+            <a:endParaRPr kumimoji="1" lang="ja-JP" altLang="en-US" dirty="0"/>
+          </a:p>
+        </p:txBody>
+      </p:sp>
+      <p:pic>
+        <p:nvPicPr>
+          <p:cNvPr id="3" name="図 2"/>
+          <p:cNvPicPr>
+            <a:picLocks noChangeAspect="1"/>
+          </p:cNvPicPr>
+          <p:nvPr/>
+        </p:nvPicPr>
+        <p:blipFill>
+          <a:blip r:embed="rId2">
+            <a:extLst>
+              <a:ext uri="{28A0092B-C50C-407E-A947-70E740481C1C}">
+                <a14:useLocalDpi xmlns:a14="http://schemas.microsoft.com/office/drawing/2010/main" val="0"/>
+              </a:ext>
+            </a:extLst>
+          </a:blip>
+          <a:stretch>
+            <a:fillRect/>
+          </a:stretch>
+        </p:blipFill>
+        <p:spPr>
+          <a:xfrm>
+            <a:off x="524933" y="1488328"/>
+            <a:ext cx="8137116" cy="4902279"/>
+          </a:xfrm>
+          <a:prstGeom prst="rect">
+            <a:avLst/>
+          </a:prstGeom>
+        </p:spPr>
+      </p:pic>
+      <p:sp>
+        <p:nvSpPr>
+          <p:cNvPr id="4" name="正方形/長方形 3"/>
+          <p:cNvSpPr/>
+          <p:nvPr/>
+        </p:nvSpPr>
+        <p:spPr>
+          <a:xfrm>
+            <a:off x="6435898" y="4247649"/>
+            <a:ext cx="806335" cy="257695"/>
+          </a:xfrm>
+          <a:prstGeom prst="rect">
+            <a:avLst/>
+          </a:prstGeom>
+          <a:noFill/>
+          <a:ln w="38100">
+            <a:solidFill>
+              <a:srgbClr val="FF0000"/>
+            </a:solidFill>
+          </a:ln>
+        </p:spPr>
+        <p:style>
+          <a:lnRef idx="2">
+            <a:schemeClr val="accent1">
+              <a:shade val="50000"/>
+            </a:schemeClr>
+          </a:lnRef>
+          <a:fillRef idx="1">
+            <a:schemeClr val="accent1"/>
+          </a:fillRef>
+          <a:effectRef idx="0">
+            <a:schemeClr val="accent1"/>
+          </a:effectRef>
+          <a:fontRef idx="minor">
+            <a:schemeClr val="lt1"/>
+          </a:fontRef>
+        </p:style>
+        <p:txBody>
+          <a:bodyPr rtlCol="0" anchor="ctr"/>
+          <a:lstStyle/>
+          <a:p>
+            <a:pPr algn="ctr"/>
+            <a:endParaRPr kumimoji="1" lang="ja-JP" altLang="en-US"/>
+          </a:p>
+        </p:txBody>
+      </p:sp>
+      <p:sp>
+        <p:nvSpPr>
+          <p:cNvPr id="5" name="テキスト ボックス 4"/>
+          <p:cNvSpPr txBox="1"/>
+          <p:nvPr/>
+        </p:nvSpPr>
+        <p:spPr>
+          <a:xfrm>
+            <a:off x="5473947" y="3785984"/>
+            <a:ext cx="2518638" cy="430887"/>
+          </a:xfrm>
+          <a:prstGeom prst="rect">
+            <a:avLst/>
+          </a:prstGeom>
+          <a:noFill/>
+        </p:spPr>
+        <p:txBody>
+          <a:bodyPr wrap="none" rtlCol="0">
+            <a:spAutoFit/>
+          </a:bodyPr>
+          <a:lstStyle/>
+          <a:p>
+            <a:r>
+              <a:rPr kumimoji="1" lang="en-US" altLang="ja-JP" sz="1100" b="1" dirty="0" err="1" smtClean="0">
+                <a:solidFill>
+                  <a:schemeClr val="bg1"/>
+                </a:solidFill>
+              </a:rPr>
+              <a:t>vscode</a:t>
+            </a:r>
+            <a:r>
+              <a:rPr kumimoji="1" lang="ja-JP" altLang="en-US" sz="1100" b="1" dirty="0" smtClean="0">
+                <a:solidFill>
+                  <a:schemeClr val="bg1"/>
+                </a:solidFill>
+              </a:rPr>
+              <a:t>はデフォルト設定のままだと</a:t>
+            </a:r>
+            <a:endParaRPr kumimoji="1" lang="en-US" altLang="ja-JP" sz="1100" b="1" dirty="0" smtClean="0">
+              <a:solidFill>
+                <a:schemeClr val="bg1"/>
+              </a:solidFill>
+            </a:endParaRPr>
+          </a:p>
+          <a:p>
+            <a:r>
+              <a:rPr kumimoji="1" lang="en-US" altLang="ja-JP" sz="1100" b="1" dirty="0" smtClean="0">
+                <a:solidFill>
+                  <a:schemeClr val="bg1"/>
+                </a:solidFill>
+              </a:rPr>
+              <a:t>PowerShell</a:t>
+            </a:r>
+            <a:r>
+              <a:rPr kumimoji="1" lang="ja-JP" altLang="en-US" sz="1100" b="1" dirty="0" smtClean="0">
+                <a:solidFill>
+                  <a:schemeClr val="bg1"/>
+                </a:solidFill>
+              </a:rPr>
+              <a:t>でターミナルが起動する</a:t>
+            </a:r>
+            <a:endParaRPr kumimoji="1" lang="ja-JP" altLang="en-US" sz="1100" b="1" dirty="0">
+              <a:solidFill>
+                <a:schemeClr val="bg1"/>
+              </a:solidFill>
+            </a:endParaRPr>
+          </a:p>
+        </p:txBody>
+      </p:sp>
+      <p:sp>
+        <p:nvSpPr>
+          <p:cNvPr id="7" name="角丸四角形吹き出し 6"/>
+          <p:cNvSpPr/>
+          <p:nvPr/>
+        </p:nvSpPr>
+        <p:spPr>
+          <a:xfrm>
+            <a:off x="8839200" y="3962399"/>
+            <a:ext cx="3081867" cy="1657005"/>
+          </a:xfrm>
+          <a:prstGeom prst="wedgeRoundRectCallout">
+            <a:avLst>
+              <a:gd name="adj1" fmla="val -95558"/>
+              <a:gd name="adj2" fmla="val -16664"/>
+              <a:gd name="adj3" fmla="val 16667"/>
+            </a:avLst>
+          </a:prstGeom>
+        </p:spPr>
+        <p:style>
+          <a:lnRef idx="2">
+            <a:schemeClr val="accent1">
+              <a:shade val="50000"/>
+            </a:schemeClr>
+          </a:lnRef>
+          <a:fillRef idx="1">
+            <a:schemeClr val="accent1"/>
+          </a:fillRef>
+          <a:effectRef idx="0">
+            <a:schemeClr val="accent1"/>
+          </a:effectRef>
+          <a:fontRef idx="minor">
+            <a:schemeClr val="lt1"/>
+          </a:fontRef>
+        </p:style>
+        <p:txBody>
+          <a:bodyPr rtlCol="0" anchor="ctr"/>
+          <a:lstStyle/>
+          <a:p>
+            <a:pPr algn="ctr"/>
+            <a:r>
+              <a:rPr lang="en-US" altLang="ja-JP" sz="1100" dirty="0" smtClean="0"/>
+              <a:t>PowerShell</a:t>
+            </a:r>
+            <a:r>
+              <a:rPr lang="ja-JP" altLang="en-US" sz="1100" dirty="0" smtClean="0"/>
+              <a:t>はカレントディレクトリを検索しないためプログラム実行時に左図の赤字で記載しているエラーが出た場合は</a:t>
+            </a:r>
+            <a:r>
+              <a:rPr lang="en-US" altLang="ja-JP" sz="1100" dirty="0" smtClean="0"/>
+              <a:t>PowerShell</a:t>
+            </a:r>
+            <a:r>
+              <a:rPr lang="ja-JP" altLang="en-US" sz="1100" dirty="0" smtClean="0"/>
+              <a:t>で起動していることを疑う</a:t>
+            </a:r>
+            <a:endParaRPr lang="en-US" altLang="ja-JP" sz="1100" dirty="0" smtClean="0"/>
+          </a:p>
+          <a:p>
+            <a:pPr algn="ctr"/>
+            <a:endParaRPr lang="en-US" altLang="ja-JP" sz="1100" dirty="0"/>
+          </a:p>
+          <a:p>
+            <a:pPr algn="ctr"/>
+            <a:r>
+              <a:rPr lang="en-US" altLang="ja-JP" sz="1100" dirty="0" smtClean="0"/>
+              <a:t>※</a:t>
+            </a:r>
+            <a:r>
+              <a:rPr lang="en-US" altLang="ja-JP" sz="1100" dirty="0" err="1" smtClean="0"/>
+              <a:t>vscode</a:t>
+            </a:r>
+            <a:r>
+              <a:rPr lang="ja-JP" altLang="en-US" sz="1100" dirty="0" smtClean="0"/>
+              <a:t>再起動を実行するごとにターミナルを切り替えるのが面倒なので、デフォルトターミナルを変更する</a:t>
+            </a:r>
+            <a:endParaRPr lang="en-US" altLang="ja-JP" sz="1100" dirty="0" smtClean="0"/>
+          </a:p>
+        </p:txBody>
+      </p:sp>
+      <p:sp>
+        <p:nvSpPr>
+          <p:cNvPr id="10" name="テキスト ボックス 9"/>
+          <p:cNvSpPr txBox="1"/>
+          <p:nvPr/>
+        </p:nvSpPr>
+        <p:spPr>
+          <a:xfrm>
+            <a:off x="2433267" y="4866227"/>
+            <a:ext cx="6340197" cy="630942"/>
+          </a:xfrm>
+          <a:prstGeom prst="rect">
+            <a:avLst/>
+          </a:prstGeom>
+          <a:noFill/>
+        </p:spPr>
+        <p:txBody>
+          <a:bodyPr wrap="none" rtlCol="0">
+            <a:spAutoFit/>
+          </a:bodyPr>
+          <a:lstStyle/>
+          <a:p>
+            <a:r>
+              <a:rPr lang="ja-JP" altLang="en-US" sz="1000" dirty="0">
+                <a:solidFill>
+                  <a:srgbClr val="FF0000"/>
+                </a:solidFill>
+              </a:rPr>
+              <a:t>「コマンドレット、関数、スクリプト ファイル、または操作可能なプログ</a:t>
+            </a:r>
+          </a:p>
+          <a:p>
+            <a:r>
+              <a:rPr lang="ja-JP" altLang="en-US" sz="1000" dirty="0">
+                <a:solidFill>
+                  <a:srgbClr val="FF0000"/>
+                </a:solidFill>
+              </a:rPr>
+              <a:t>ラムの名前として認識されません。名前が正しく記述されていることを確認し、パスが含まれている場合は</a:t>
+            </a:r>
+          </a:p>
+          <a:p>
+            <a:r>
+              <a:rPr lang="ja-JP" altLang="en-US" sz="1000" dirty="0">
+                <a:solidFill>
+                  <a:srgbClr val="FF0000"/>
+                </a:solidFill>
+              </a:rPr>
+              <a:t>そのパスが正しいことを確認してから、再試行してください。」</a:t>
+            </a:r>
+          </a:p>
+          <a:p>
+            <a:endParaRPr kumimoji="1" lang="ja-JP" altLang="en-US" sz="500" dirty="0">
+              <a:solidFill>
+                <a:srgbClr val="FF0000"/>
+              </a:solidFill>
+            </a:endParaRPr>
+          </a:p>
+        </p:txBody>
+      </p:sp>
+    </p:spTree>
+    <p:extLst>
+      <p:ext uri="{BB962C8B-B14F-4D97-AF65-F5344CB8AC3E}">
+        <p14:creationId xmlns:p14="http://schemas.microsoft.com/office/powerpoint/2010/main" val="2683200920"/>
+      </p:ext>
+    </p:extLst>
+  </p:cSld>
+  <p:clrMapOvr>
+    <a:masterClrMapping/>
+  </p:clrMapOvr>
+</p:sld>
+</file>
+
+<file path=ppt/slides/slide23.xml><?xml version="1.0" encoding="utf-8"?>
+<p:sld xmlns:a="http://schemas.openxmlformats.org/drawingml/2006/main" xmlns:r="http://schemas.openxmlformats.org/officeDocument/2006/relationships" xmlns:p="http://schemas.openxmlformats.org/presentationml/2006/main">
+  <p:cSld>
+    <p:spTree>
+      <p:nvGrpSpPr>
+        <p:cNvPr id="1" name=""/>
+        <p:cNvGrpSpPr/>
+        <p:nvPr/>
+      </p:nvGrpSpPr>
+      <p:grpSpPr>
+        <a:xfrm>
+          <a:off x="0" y="0"/>
+          <a:ext cx="0" cy="0"/>
+          <a:chOff x="0" y="0"/>
+          <a:chExt cx="0" cy="0"/>
+        </a:xfrm>
+      </p:grpSpPr>
+      <p:pic>
+        <p:nvPicPr>
+          <p:cNvPr id="6" name="図 5"/>
+          <p:cNvPicPr>
+            <a:picLocks noChangeAspect="1"/>
+          </p:cNvPicPr>
+          <p:nvPr/>
+        </p:nvPicPr>
+        <p:blipFill>
+          <a:blip r:embed="rId2">
+            <a:extLst>
+              <a:ext uri="{28A0092B-C50C-407E-A947-70E740481C1C}">
+                <a14:useLocalDpi xmlns:a14="http://schemas.microsoft.com/office/drawing/2010/main" val="0"/>
+              </a:ext>
+            </a:extLst>
+          </a:blip>
+          <a:stretch>
+            <a:fillRect/>
+          </a:stretch>
+        </p:blipFill>
+        <p:spPr>
+          <a:xfrm>
+            <a:off x="583602" y="1554180"/>
+            <a:ext cx="8129051" cy="4897420"/>
+          </a:xfrm>
+          <a:prstGeom prst="rect">
+            <a:avLst/>
+          </a:prstGeom>
+        </p:spPr>
+      </p:pic>
+      <p:sp>
+        <p:nvSpPr>
+          <p:cNvPr id="2" name="タイトル 1">
+            <a:extLst>
+              <a:ext uri="{FF2B5EF4-FFF2-40B4-BE49-F238E27FC236}">
+                <a16:creationId xmlns:a16="http://schemas.microsoft.com/office/drawing/2014/main" id="{D9F5DF95-6695-A438-F1C7-E766DE90AB3A}"/>
+              </a:ext>
+            </a:extLst>
+          </p:cNvPr>
+          <p:cNvSpPr>
+            <a:spLocks noGrp="1"/>
+          </p:cNvSpPr>
+          <p:nvPr>
+            <p:ph type="title"/>
+          </p:nvPr>
+        </p:nvSpPr>
+        <p:spPr>
+          <a:xfrm>
+            <a:off x="449469" y="428585"/>
+            <a:ext cx="10325000" cy="846540"/>
+          </a:xfrm>
+        </p:spPr>
+        <p:txBody>
+          <a:bodyPr/>
+          <a:lstStyle/>
+          <a:p>
+            <a:r>
+              <a:rPr kumimoji="1" lang="en-US" altLang="ja-JP" dirty="0" err="1"/>
+              <a:t>v</a:t>
+            </a:r>
+            <a:r>
+              <a:rPr kumimoji="1" lang="en-US" altLang="ja-JP" dirty="0" err="1" smtClean="0"/>
+              <a:t>scode</a:t>
+            </a:r>
+            <a:r>
+              <a:rPr kumimoji="1" lang="ja-JP" altLang="en-US" dirty="0" smtClean="0"/>
+              <a:t>の初期設定</a:t>
+            </a:r>
+            <a:r>
+              <a:rPr kumimoji="1" lang="en-US" altLang="ja-JP" dirty="0" smtClean="0"/>
+              <a:t>(</a:t>
+            </a:r>
+            <a:r>
+              <a:rPr kumimoji="1" lang="en-US" altLang="ja-JP" dirty="0" err="1" smtClean="0"/>
+              <a:t>cmd</a:t>
+            </a:r>
+            <a:r>
+              <a:rPr kumimoji="1" lang="ja-JP" altLang="en-US" dirty="0" smtClean="0"/>
+              <a:t>で実行</a:t>
+            </a:r>
+            <a:r>
+              <a:rPr kumimoji="1" lang="en-US" altLang="ja-JP" dirty="0" smtClean="0"/>
+              <a:t>)</a:t>
+            </a:r>
+            <a:endParaRPr kumimoji="1" lang="ja-JP" altLang="en-US" dirty="0"/>
+          </a:p>
+        </p:txBody>
+      </p:sp>
+      <p:sp>
+        <p:nvSpPr>
+          <p:cNvPr id="4" name="正方形/長方形 3"/>
+          <p:cNvSpPr/>
+          <p:nvPr/>
+        </p:nvSpPr>
+        <p:spPr>
+          <a:xfrm>
+            <a:off x="2154844" y="1820333"/>
+            <a:ext cx="4935912" cy="2252903"/>
+          </a:xfrm>
+          <a:prstGeom prst="rect">
+            <a:avLst/>
+          </a:prstGeom>
+          <a:noFill/>
+          <a:ln w="38100">
+            <a:solidFill>
+              <a:srgbClr val="FF0000"/>
+            </a:solidFill>
+          </a:ln>
+        </p:spPr>
+        <p:style>
+          <a:lnRef idx="2">
+            <a:schemeClr val="accent1">
+              <a:shade val="50000"/>
+            </a:schemeClr>
+          </a:lnRef>
+          <a:fillRef idx="1">
+            <a:schemeClr val="accent1"/>
+          </a:fillRef>
+          <a:effectRef idx="0">
+            <a:schemeClr val="accent1"/>
+          </a:effectRef>
+          <a:fontRef idx="minor">
+            <a:schemeClr val="lt1"/>
+          </a:fontRef>
+        </p:style>
+        <p:txBody>
+          <a:bodyPr rtlCol="0" anchor="ctr"/>
+          <a:lstStyle/>
+          <a:p>
+            <a:pPr algn="ctr"/>
+            <a:endParaRPr kumimoji="1" lang="ja-JP" altLang="en-US"/>
+          </a:p>
+        </p:txBody>
+      </p:sp>
+      <p:sp>
+        <p:nvSpPr>
+          <p:cNvPr id="7" name="角丸四角形吹き出し 6"/>
+          <p:cNvSpPr/>
+          <p:nvPr/>
+        </p:nvSpPr>
+        <p:spPr>
+          <a:xfrm>
+            <a:off x="8205714" y="1820333"/>
+            <a:ext cx="3081867" cy="1275849"/>
+          </a:xfrm>
+          <a:prstGeom prst="wedgeRoundRectCallout">
+            <a:avLst>
+              <a:gd name="adj1" fmla="val -95558"/>
+              <a:gd name="adj2" fmla="val -16664"/>
+              <a:gd name="adj3" fmla="val 16667"/>
+            </a:avLst>
+          </a:prstGeom>
+        </p:spPr>
+        <p:style>
+          <a:lnRef idx="2">
+            <a:schemeClr val="accent1">
+              <a:shade val="50000"/>
+            </a:schemeClr>
+          </a:lnRef>
+          <a:fillRef idx="1">
+            <a:schemeClr val="accent1"/>
+          </a:fillRef>
+          <a:effectRef idx="0">
+            <a:schemeClr val="accent1"/>
+          </a:effectRef>
+          <a:fontRef idx="minor">
+            <a:schemeClr val="lt1"/>
+          </a:fontRef>
+        </p:style>
+        <p:txBody>
+          <a:bodyPr rtlCol="0" anchor="ctr"/>
+          <a:lstStyle/>
+          <a:p>
+            <a:r>
+              <a:rPr lang="ja-JP" altLang="en-US" sz="1100" dirty="0" smtClean="0"/>
+              <a:t>①「</a:t>
+            </a:r>
+            <a:r>
+              <a:rPr lang="en-US" altLang="ja-JP" sz="1100" dirty="0" smtClean="0"/>
+              <a:t>Ctrl</a:t>
+            </a:r>
+            <a:r>
+              <a:rPr lang="ja-JP" altLang="en-US" sz="1100" dirty="0" smtClean="0"/>
+              <a:t>」＋「</a:t>
+            </a:r>
+            <a:r>
+              <a:rPr lang="en-US" altLang="ja-JP" sz="1100" dirty="0" smtClean="0"/>
+              <a:t>Shift</a:t>
+            </a:r>
+            <a:r>
+              <a:rPr lang="ja-JP" altLang="en-US" sz="1100" dirty="0" smtClean="0"/>
+              <a:t>」＋「</a:t>
+            </a:r>
+            <a:r>
+              <a:rPr lang="en-US" altLang="ja-JP" sz="1100" dirty="0" smtClean="0"/>
+              <a:t>p</a:t>
+            </a:r>
+            <a:r>
+              <a:rPr lang="ja-JP" altLang="en-US" sz="1100" dirty="0" smtClean="0"/>
+              <a:t>」を押下</a:t>
+            </a:r>
+            <a:endParaRPr lang="en-US" altLang="ja-JP" sz="1100" dirty="0" smtClean="0"/>
+          </a:p>
+          <a:p>
+            <a:r>
+              <a:rPr lang="ja-JP" altLang="en-US" sz="1100" dirty="0" smtClean="0"/>
+              <a:t>②入力ボックスに以下を入力</a:t>
+            </a:r>
+            <a:endParaRPr lang="en-US" altLang="ja-JP" sz="1100" dirty="0" smtClean="0"/>
+          </a:p>
+          <a:p>
+            <a:r>
+              <a:rPr lang="ja-JP" altLang="en-US" sz="1100" dirty="0" smtClean="0"/>
+              <a:t>「</a:t>
+            </a:r>
+            <a:r>
+              <a:rPr lang="en-US" altLang="ja-JP" sz="1100" dirty="0" err="1" smtClean="0"/>
+              <a:t>Terminal:Configure</a:t>
+            </a:r>
+            <a:r>
+              <a:rPr lang="en-US" altLang="ja-JP" sz="1100" dirty="0" smtClean="0"/>
+              <a:t> Terminal Settings</a:t>
+            </a:r>
+            <a:r>
+              <a:rPr lang="ja-JP" altLang="en-US" sz="1100" dirty="0" smtClean="0"/>
+              <a:t>」</a:t>
+            </a:r>
+            <a:endParaRPr lang="en-US" altLang="ja-JP" sz="1100" dirty="0" smtClean="0"/>
+          </a:p>
+          <a:p>
+            <a:endParaRPr lang="en-US" altLang="ja-JP" sz="1100" dirty="0"/>
+          </a:p>
+          <a:p>
+            <a:r>
+              <a:rPr lang="en-US" altLang="ja-JP" sz="1100" dirty="0" smtClean="0"/>
+              <a:t>※</a:t>
+            </a:r>
+            <a:r>
+              <a:rPr lang="ja-JP" altLang="en-US" sz="1100" dirty="0" smtClean="0"/>
+              <a:t>このショートカットは設定変更でよく使うので覚えておくと効率的</a:t>
+            </a:r>
+            <a:endParaRPr lang="en-US" altLang="ja-JP" sz="1100" dirty="0" smtClean="0"/>
+          </a:p>
+        </p:txBody>
+      </p:sp>
+    </p:spTree>
+    <p:extLst>
+      <p:ext uri="{BB962C8B-B14F-4D97-AF65-F5344CB8AC3E}">
+        <p14:creationId xmlns:p14="http://schemas.microsoft.com/office/powerpoint/2010/main" val="993403231"/>
+      </p:ext>
+    </p:extLst>
+  </p:cSld>
+  <p:clrMapOvr>
+    <a:masterClrMapping/>
+  </p:clrMapOvr>
+</p:sld>
+</file>
+
+<file path=ppt/slides/slide24.xml><?xml version="1.0" encoding="utf-8"?>
+<p:sld xmlns:a="http://schemas.openxmlformats.org/drawingml/2006/main" xmlns:r="http://schemas.openxmlformats.org/officeDocument/2006/relationships" xmlns:p="http://schemas.openxmlformats.org/presentationml/2006/main">
+  <p:cSld>
+    <p:spTree>
+      <p:nvGrpSpPr>
+        <p:cNvPr id="1" name=""/>
+        <p:cNvGrpSpPr/>
+        <p:nvPr/>
+      </p:nvGrpSpPr>
+      <p:grpSpPr>
+        <a:xfrm>
+          <a:off x="0" y="0"/>
+          <a:ext cx="0" cy="0"/>
+          <a:chOff x="0" y="0"/>
+          <a:chExt cx="0" cy="0"/>
+        </a:xfrm>
+      </p:grpSpPr>
+      <p:pic>
+        <p:nvPicPr>
+          <p:cNvPr id="3" name="図 2"/>
+          <p:cNvPicPr>
+            <a:picLocks noChangeAspect="1"/>
+          </p:cNvPicPr>
+          <p:nvPr/>
+        </p:nvPicPr>
+        <p:blipFill>
+          <a:blip r:embed="rId2">
+            <a:extLst>
+              <a:ext uri="{28A0092B-C50C-407E-A947-70E740481C1C}">
+                <a14:useLocalDpi xmlns:a14="http://schemas.microsoft.com/office/drawing/2010/main" val="0"/>
+              </a:ext>
+            </a:extLst>
+          </a:blip>
+          <a:stretch>
+            <a:fillRect/>
+          </a:stretch>
+        </p:blipFill>
+        <p:spPr>
+          <a:xfrm>
+            <a:off x="518239" y="1582100"/>
+            <a:ext cx="8391403" cy="4461253"/>
+          </a:xfrm>
+          <a:prstGeom prst="rect">
+            <a:avLst/>
+          </a:prstGeom>
+        </p:spPr>
+      </p:pic>
+      <p:sp>
+        <p:nvSpPr>
+          <p:cNvPr id="2" name="タイトル 1">
+            <a:extLst>
+              <a:ext uri="{FF2B5EF4-FFF2-40B4-BE49-F238E27FC236}">
+                <a16:creationId xmlns:a16="http://schemas.microsoft.com/office/drawing/2014/main" id="{D9F5DF95-6695-A438-F1C7-E766DE90AB3A}"/>
+              </a:ext>
+            </a:extLst>
+          </p:cNvPr>
+          <p:cNvSpPr>
+            <a:spLocks noGrp="1"/>
+          </p:cNvSpPr>
+          <p:nvPr>
+            <p:ph type="title"/>
+          </p:nvPr>
+        </p:nvSpPr>
+        <p:spPr>
+          <a:xfrm>
+            <a:off x="449469" y="428585"/>
+            <a:ext cx="10325000" cy="846540"/>
+          </a:xfrm>
+        </p:spPr>
+        <p:txBody>
+          <a:bodyPr/>
+          <a:lstStyle/>
+          <a:p>
+            <a:r>
+              <a:rPr kumimoji="1" lang="en-US" altLang="ja-JP" dirty="0" err="1"/>
+              <a:t>v</a:t>
+            </a:r>
+            <a:r>
+              <a:rPr kumimoji="1" lang="en-US" altLang="ja-JP" dirty="0" err="1" smtClean="0"/>
+              <a:t>scode</a:t>
+            </a:r>
+            <a:r>
+              <a:rPr kumimoji="1" lang="ja-JP" altLang="en-US" dirty="0" smtClean="0"/>
+              <a:t>の初期設定</a:t>
+            </a:r>
+            <a:r>
+              <a:rPr kumimoji="1" lang="en-US" altLang="ja-JP" dirty="0" smtClean="0"/>
+              <a:t>(</a:t>
+            </a:r>
+            <a:r>
+              <a:rPr kumimoji="1" lang="en-US" altLang="ja-JP" dirty="0" err="1" smtClean="0"/>
+              <a:t>cmd</a:t>
+            </a:r>
+            <a:r>
+              <a:rPr kumimoji="1" lang="ja-JP" altLang="en-US" dirty="0" smtClean="0"/>
+              <a:t>で実行</a:t>
+            </a:r>
+            <a:r>
+              <a:rPr kumimoji="1" lang="en-US" altLang="ja-JP" dirty="0" smtClean="0"/>
+              <a:t>)</a:t>
+            </a:r>
+            <a:endParaRPr kumimoji="1" lang="ja-JP" altLang="en-US" dirty="0"/>
+          </a:p>
+        </p:txBody>
+      </p:sp>
+      <p:sp>
+        <p:nvSpPr>
+          <p:cNvPr id="4" name="正方形/長方形 3"/>
+          <p:cNvSpPr/>
+          <p:nvPr/>
+        </p:nvSpPr>
+        <p:spPr>
+          <a:xfrm>
+            <a:off x="4158211" y="3383125"/>
+            <a:ext cx="4595091" cy="864679"/>
+          </a:xfrm>
+          <a:prstGeom prst="rect">
+            <a:avLst/>
+          </a:prstGeom>
+          <a:noFill/>
+          <a:ln w="38100">
+            <a:solidFill>
+              <a:srgbClr val="FF0000"/>
+            </a:solidFill>
+          </a:ln>
+        </p:spPr>
+        <p:style>
+          <a:lnRef idx="2">
+            <a:schemeClr val="accent1">
+              <a:shade val="50000"/>
+            </a:schemeClr>
+          </a:lnRef>
+          <a:fillRef idx="1">
+            <a:schemeClr val="accent1"/>
+          </a:fillRef>
+          <a:effectRef idx="0">
+            <a:schemeClr val="accent1"/>
+          </a:effectRef>
+          <a:fontRef idx="minor">
+            <a:schemeClr val="lt1"/>
+          </a:fontRef>
+        </p:style>
+        <p:txBody>
+          <a:bodyPr rtlCol="0" anchor="ctr"/>
+          <a:lstStyle/>
+          <a:p>
+            <a:pPr algn="ctr"/>
+            <a:endParaRPr kumimoji="1" lang="ja-JP" altLang="en-US"/>
+          </a:p>
+        </p:txBody>
+      </p:sp>
+      <p:sp>
+        <p:nvSpPr>
+          <p:cNvPr id="7" name="角丸四角形吹き出し 6"/>
+          <p:cNvSpPr/>
+          <p:nvPr/>
+        </p:nvSpPr>
+        <p:spPr>
+          <a:xfrm>
+            <a:off x="8753302" y="4028901"/>
+            <a:ext cx="3375583" cy="1158241"/>
+          </a:xfrm>
+          <a:prstGeom prst="wedgeRoundRectCallout">
+            <a:avLst>
+              <a:gd name="adj1" fmla="val -62381"/>
+              <a:gd name="adj2" fmla="val -36210"/>
+              <a:gd name="adj3" fmla="val 16667"/>
+            </a:avLst>
+          </a:prstGeom>
+        </p:spPr>
+        <p:style>
+          <a:lnRef idx="2">
+            <a:schemeClr val="accent1">
+              <a:shade val="50000"/>
+            </a:schemeClr>
+          </a:lnRef>
+          <a:fillRef idx="1">
+            <a:schemeClr val="accent1"/>
+          </a:fillRef>
+          <a:effectRef idx="0">
+            <a:schemeClr val="accent1"/>
+          </a:effectRef>
+          <a:fontRef idx="minor">
+            <a:schemeClr val="lt1"/>
+          </a:fontRef>
+        </p:style>
+        <p:txBody>
+          <a:bodyPr rtlCol="0" anchor="ctr"/>
+          <a:lstStyle/>
+          <a:p>
+            <a:pPr algn="ctr"/>
+            <a:r>
+              <a:rPr lang="ja-JP" altLang="en-US" sz="1100" dirty="0" smtClean="0"/>
+              <a:t>真ん中の少し上あたりにデフォルトで起動させるターミナルの種類を設定できる部分がある</a:t>
+            </a:r>
+            <a:endParaRPr lang="en-US" altLang="ja-JP" sz="1100" dirty="0" smtClean="0"/>
+          </a:p>
+          <a:p>
+            <a:pPr algn="ctr"/>
+            <a:endParaRPr lang="en-US" altLang="ja-JP" sz="1100" dirty="0"/>
+          </a:p>
+          <a:p>
+            <a:pPr algn="ctr"/>
+            <a:r>
+              <a:rPr lang="ja-JP" altLang="en-US" sz="1100" dirty="0" smtClean="0"/>
+              <a:t>ここで「</a:t>
+            </a:r>
+            <a:r>
+              <a:rPr lang="en-US" altLang="ja-JP" sz="1100" dirty="0" smtClean="0"/>
+              <a:t>Command Prompt</a:t>
+            </a:r>
+            <a:r>
+              <a:rPr lang="ja-JP" altLang="en-US" sz="1100" dirty="0" smtClean="0"/>
+              <a:t>」を</a:t>
+            </a:r>
+            <a:r>
+              <a:rPr lang="ja-JP" altLang="en-US" sz="1100" smtClean="0"/>
+              <a:t>選択する</a:t>
+            </a:r>
+            <a:endParaRPr lang="en-US" altLang="ja-JP" sz="1100" dirty="0" smtClean="0"/>
+          </a:p>
+        </p:txBody>
+      </p:sp>
+    </p:spTree>
+    <p:extLst>
+      <p:ext uri="{BB962C8B-B14F-4D97-AF65-F5344CB8AC3E}">
+        <p14:creationId xmlns:p14="http://schemas.microsoft.com/office/powerpoint/2010/main" val="4009128246"/>
+      </p:ext>
+    </p:extLst>
+  </p:cSld>
+  <p:clrMapOvr>
+    <a:masterClrMapping/>
+  </p:clrMapOvr>
+</p:sld>
+</file>
+
+<file path=ppt/slides/slide25.xml><?xml version="1.0" encoding="utf-8"?>
+<p:sld xmlns:a="http://schemas.openxmlformats.org/drawingml/2006/main" xmlns:r="http://schemas.openxmlformats.org/officeDocument/2006/relationships" xmlns:p="http://schemas.openxmlformats.org/presentationml/2006/main">
+  <p:cSld>
+    <p:spTree>
+      <p:nvGrpSpPr>
+        <p:cNvPr id="1" name=""/>
+        <p:cNvGrpSpPr/>
+        <p:nvPr/>
+      </p:nvGrpSpPr>
+      <p:grpSpPr>
+        <a:xfrm>
+          <a:off x="0" y="0"/>
+          <a:ext cx="0" cy="0"/>
+          <a:chOff x="0" y="0"/>
+          <a:chExt cx="0" cy="0"/>
+        </a:xfrm>
+      </p:grpSpPr>
+      <p:sp>
+        <p:nvSpPr>
+          <p:cNvPr id="2" name="タイトル 1">
+            <a:extLst>
+              <a:ext uri="{FF2B5EF4-FFF2-40B4-BE49-F238E27FC236}">
+                <a16:creationId xmlns:a16="http://schemas.microsoft.com/office/drawing/2014/main" id="{D9F5DF95-6695-A438-F1C7-E766DE90AB3A}"/>
+              </a:ext>
+            </a:extLst>
+          </p:cNvPr>
+          <p:cNvSpPr>
+            <a:spLocks noGrp="1"/>
+          </p:cNvSpPr>
+          <p:nvPr>
+            <p:ph type="title"/>
+          </p:nvPr>
+        </p:nvSpPr>
+        <p:spPr>
+          <a:xfrm>
+            <a:off x="449469" y="428585"/>
+            <a:ext cx="10325000" cy="846540"/>
+          </a:xfrm>
+        </p:spPr>
+        <p:txBody>
+          <a:bodyPr/>
+          <a:lstStyle/>
+          <a:p>
+            <a:r>
               <a:rPr kumimoji="1" lang="en-US" altLang="ja-JP" dirty="0" err="1" smtClean="0"/>
               <a:t>vscode</a:t>
             </a:r>
@@ -30718,7 +31703,7 @@
 </p:sld>
 </file>
 
-<file path=ppt/slides/slide23.xml><?xml version="1.0" encoding="utf-8"?>
+<file path=ppt/slides/slide26.xml><?xml version="1.0" encoding="utf-8"?>
 <p:sld xmlns:a="http://schemas.openxmlformats.org/drawingml/2006/main" xmlns:r="http://schemas.openxmlformats.org/officeDocument/2006/relationships" xmlns:p="http://schemas.openxmlformats.org/presentationml/2006/main">
   <p:cSld>
     <p:spTree>
@@ -30888,7 +31873,7 @@
 </p:sld>
 </file>
 
-<file path=ppt/slides/slide24.xml><?xml version="1.0" encoding="utf-8"?>
+<file path=ppt/slides/slide27.xml><?xml version="1.0" encoding="utf-8"?>
 <p:sld xmlns:a="http://schemas.openxmlformats.org/drawingml/2006/main" xmlns:r="http://schemas.openxmlformats.org/officeDocument/2006/relationships" xmlns:p="http://schemas.openxmlformats.org/presentationml/2006/main">
   <p:cSld>
     <p:spTree>
@@ -31193,7 +32178,7 @@
 </p:sld>
 </file>
 
-<file path=ppt/slides/slide25.xml><?xml version="1.0" encoding="utf-8"?>
+<file path=ppt/slides/slide28.xml><?xml version="1.0" encoding="utf-8"?>
 <p:sld xmlns:a="http://schemas.openxmlformats.org/drawingml/2006/main" xmlns:r="http://schemas.openxmlformats.org/officeDocument/2006/relationships" xmlns:p="http://schemas.openxmlformats.org/presentationml/2006/main">
   <p:cSld>
     <p:spTree>
@@ -31458,7 +32443,7 @@
 </p:sld>
 </file>
 
-<file path=ppt/slides/slide26.xml><?xml version="1.0" encoding="utf-8"?>
+<file path=ppt/slides/slide29.xml><?xml version="1.0" encoding="utf-8"?>
 <p:sld xmlns:a="http://schemas.openxmlformats.org/drawingml/2006/main" xmlns:r="http://schemas.openxmlformats.org/officeDocument/2006/relationships" xmlns:p="http://schemas.openxmlformats.org/presentationml/2006/main">
   <p:cSld>
     <p:spTree>
@@ -31737,255 +32722,6 @@
     <p:extLst>
       <p:ext uri="{BB962C8B-B14F-4D97-AF65-F5344CB8AC3E}">
         <p14:creationId xmlns:p14="http://schemas.microsoft.com/office/powerpoint/2010/main" val="2157546393"/>
-      </p:ext>
-    </p:extLst>
-  </p:cSld>
-  <p:clrMapOvr>
-    <a:masterClrMapping/>
-  </p:clrMapOvr>
-</p:sld>
-</file>
-
-<file path=ppt/slides/slide27.xml><?xml version="1.0" encoding="utf-8"?>
-<p:sld xmlns:a="http://schemas.openxmlformats.org/drawingml/2006/main" xmlns:r="http://schemas.openxmlformats.org/officeDocument/2006/relationships" xmlns:p="http://schemas.openxmlformats.org/presentationml/2006/main">
-  <p:cSld>
-    <p:spTree>
-      <p:nvGrpSpPr>
-        <p:cNvPr id="1" name=""/>
-        <p:cNvGrpSpPr/>
-        <p:nvPr/>
-      </p:nvGrpSpPr>
-      <p:grpSpPr>
-        <a:xfrm>
-          <a:off x="0" y="0"/>
-          <a:ext cx="0" cy="0"/>
-          <a:chOff x="0" y="0"/>
-          <a:chExt cx="0" cy="0"/>
-        </a:xfrm>
-      </p:grpSpPr>
-      <p:sp>
-        <p:nvSpPr>
-          <p:cNvPr id="2" name="タイトル 1">
-            <a:extLst>
-              <a:ext uri="{FF2B5EF4-FFF2-40B4-BE49-F238E27FC236}">
-                <a16:creationId xmlns:a16="http://schemas.microsoft.com/office/drawing/2014/main" id="{D9F5DF95-6695-A438-F1C7-E766DE90AB3A}"/>
-              </a:ext>
-            </a:extLst>
-          </p:cNvPr>
-          <p:cNvSpPr>
-            <a:spLocks noGrp="1"/>
-          </p:cNvSpPr>
-          <p:nvPr>
-            <p:ph type="title"/>
-          </p:nvPr>
-        </p:nvSpPr>
-        <p:spPr>
-          <a:xfrm>
-            <a:off x="449469" y="428585"/>
-            <a:ext cx="10325000" cy="846540"/>
-          </a:xfrm>
-        </p:spPr>
-        <p:txBody>
-          <a:bodyPr/>
-          <a:lstStyle/>
-          <a:p>
-            <a:r>
-              <a:rPr kumimoji="1" lang="ja-JP" altLang="en-US" dirty="0" smtClean="0"/>
-              <a:t>本研修の資料公開場所</a:t>
-            </a:r>
-            <a:endParaRPr kumimoji="1" lang="ja-JP" altLang="en-US" dirty="0"/>
-          </a:p>
-        </p:txBody>
-      </p:sp>
-      <p:sp>
-        <p:nvSpPr>
-          <p:cNvPr id="9" name="コンテンツ プレースホルダー 7"/>
-          <p:cNvSpPr>
-            <a:spLocks noGrp="1"/>
-          </p:cNvSpPr>
-          <p:nvPr>
-            <p:ph idx="1"/>
-          </p:nvPr>
-        </p:nvSpPr>
-        <p:spPr>
-          <a:xfrm>
-            <a:off x="691079" y="2365069"/>
-            <a:ext cx="10325000" cy="4118858"/>
-          </a:xfrm>
-        </p:spPr>
-        <p:txBody>
-          <a:bodyPr/>
-          <a:lstStyle/>
-          <a:p>
-            <a:r>
-              <a:rPr kumimoji="1" lang="en-US" altLang="ja-JP" sz="1800" b="1" dirty="0" err="1" smtClean="0"/>
-              <a:t>Github</a:t>
-            </a:r>
-            <a:r>
-              <a:rPr kumimoji="1" lang="en-US" altLang="ja-JP" sz="1800" b="1" dirty="0" smtClean="0"/>
-              <a:t>(</a:t>
-            </a:r>
-            <a:r>
-              <a:rPr kumimoji="1" lang="ja-JP" altLang="en-US" sz="1800" b="1" dirty="0" smtClean="0"/>
-              <a:t>インターネット上に公開しているので、どこからでも閲覧可</a:t>
-            </a:r>
-            <a:r>
-              <a:rPr kumimoji="1" lang="en-US" altLang="ja-JP" sz="1800" b="1" dirty="0" smtClean="0"/>
-              <a:t>)</a:t>
-            </a:r>
-          </a:p>
-          <a:p>
-            <a:pPr lvl="1"/>
-            <a:r>
-              <a:rPr kumimoji="1" lang="en-US" altLang="ja-JP" sz="1400" dirty="0">
-                <a:hlinkClick r:id="rId2"/>
-              </a:rPr>
-              <a:t>https://</a:t>
-            </a:r>
-            <a:r>
-              <a:rPr kumimoji="1" lang="en-US" altLang="ja-JP" sz="1400" dirty="0" smtClean="0">
-                <a:hlinkClick r:id="rId2"/>
-              </a:rPr>
-              <a:t>github.com/Shohei1129/Python_traning</a:t>
-            </a:r>
-            <a:endParaRPr kumimoji="1" lang="en-US" altLang="ja-JP" sz="1400" dirty="0" smtClean="0"/>
-          </a:p>
-          <a:p>
-            <a:pPr lvl="1"/>
-            <a:r>
-              <a:rPr kumimoji="1" lang="en-US" altLang="ja-JP" sz="1400" dirty="0" smtClean="0"/>
-              <a:t>Python</a:t>
-            </a:r>
-            <a:r>
-              <a:rPr kumimoji="1" lang="ja-JP" altLang="en-US" sz="1400" dirty="0" smtClean="0"/>
-              <a:t>のプログラムファイルも格納済みなので、前回の研修出れなかったなぁという人は参考にしてください</a:t>
-            </a:r>
-            <a:endParaRPr kumimoji="1" lang="en-US" altLang="ja-JP" sz="1400" dirty="0"/>
-          </a:p>
-        </p:txBody>
-      </p:sp>
-    </p:spTree>
-    <p:extLst>
-      <p:ext uri="{BB962C8B-B14F-4D97-AF65-F5344CB8AC3E}">
-        <p14:creationId xmlns:p14="http://schemas.microsoft.com/office/powerpoint/2010/main" val="2611323111"/>
-      </p:ext>
-    </p:extLst>
-  </p:cSld>
-  <p:clrMapOvr>
-    <a:masterClrMapping/>
-  </p:clrMapOvr>
-</p:sld>
-</file>
-
-<file path=ppt/slides/slide28.xml><?xml version="1.0" encoding="utf-8"?>
-<p:sld xmlns:a="http://schemas.openxmlformats.org/drawingml/2006/main" xmlns:r="http://schemas.openxmlformats.org/officeDocument/2006/relationships" xmlns:p="http://schemas.openxmlformats.org/presentationml/2006/main">
-  <p:cSld>
-    <p:spTree>
-      <p:nvGrpSpPr>
-        <p:cNvPr id="1" name=""/>
-        <p:cNvGrpSpPr/>
-        <p:nvPr/>
-      </p:nvGrpSpPr>
-      <p:grpSpPr>
-        <a:xfrm>
-          <a:off x="0" y="0"/>
-          <a:ext cx="0" cy="0"/>
-          <a:chOff x="0" y="0"/>
-          <a:chExt cx="0" cy="0"/>
-        </a:xfrm>
-      </p:grpSpPr>
-      <p:sp>
-        <p:nvSpPr>
-          <p:cNvPr id="2" name="タイトル 1">
-            <a:extLst>
-              <a:ext uri="{FF2B5EF4-FFF2-40B4-BE49-F238E27FC236}">
-                <a16:creationId xmlns:a16="http://schemas.microsoft.com/office/drawing/2014/main" id="{D9F5DF95-6695-A438-F1C7-E766DE90AB3A}"/>
-              </a:ext>
-            </a:extLst>
-          </p:cNvPr>
-          <p:cNvSpPr>
-            <a:spLocks noGrp="1"/>
-          </p:cNvSpPr>
-          <p:nvPr>
-            <p:ph type="title"/>
-          </p:nvPr>
-        </p:nvSpPr>
-        <p:spPr>
-          <a:xfrm>
-            <a:off x="449469" y="428585"/>
-            <a:ext cx="10325000" cy="846540"/>
-          </a:xfrm>
-        </p:spPr>
-        <p:txBody>
-          <a:bodyPr/>
-          <a:lstStyle/>
-          <a:p>
-            <a:r>
-              <a:rPr kumimoji="1" lang="en-US" altLang="ja-JP" dirty="0" smtClean="0"/>
-              <a:t>Teams</a:t>
-            </a:r>
-            <a:r>
-              <a:rPr kumimoji="1" lang="ja-JP" altLang="en-US" dirty="0" smtClean="0"/>
-              <a:t>の運用について</a:t>
-            </a:r>
-            <a:endParaRPr kumimoji="1" lang="ja-JP" altLang="en-US" dirty="0"/>
-          </a:p>
-        </p:txBody>
-      </p:sp>
-      <p:sp>
-        <p:nvSpPr>
-          <p:cNvPr id="3" name="コンテンツ プレースホルダー 7"/>
-          <p:cNvSpPr>
-            <a:spLocks noGrp="1"/>
-          </p:cNvSpPr>
-          <p:nvPr>
-            <p:ph idx="1"/>
-          </p:nvPr>
-        </p:nvSpPr>
-        <p:spPr>
-          <a:xfrm>
-            <a:off x="691079" y="2365069"/>
-            <a:ext cx="10325000" cy="4118858"/>
-          </a:xfrm>
-        </p:spPr>
-        <p:txBody>
-          <a:bodyPr/>
-          <a:lstStyle/>
-          <a:p>
-            <a:r>
-              <a:rPr kumimoji="1" lang="en-US" altLang="ja-JP" sz="1800" b="1" dirty="0" smtClean="0"/>
-              <a:t>Teams</a:t>
-            </a:r>
-            <a:r>
-              <a:rPr kumimoji="1" lang="ja-JP" altLang="en-US" sz="1800" b="1" dirty="0" smtClean="0"/>
-              <a:t>でチームを作成するので、希望者はお伝えください</a:t>
-            </a:r>
-            <a:endParaRPr kumimoji="1" lang="en-US" altLang="ja-JP" sz="1800" b="1" dirty="0"/>
-          </a:p>
-          <a:p>
-            <a:r>
-              <a:rPr kumimoji="1" lang="ja-JP" altLang="en-US" sz="1800" b="1" dirty="0" smtClean="0"/>
-              <a:t>質問や講義要望、こんなことできないのかなど投稿機能で自由に送付ください</a:t>
-            </a:r>
-            <a:endParaRPr kumimoji="1" lang="en-US" altLang="ja-JP" sz="1800" b="1" dirty="0" smtClean="0"/>
-          </a:p>
-          <a:p>
-            <a:r>
-              <a:rPr kumimoji="1" lang="ja-JP" altLang="en-US" sz="1800" b="1" dirty="0"/>
-              <a:t>また</a:t>
-            </a:r>
-            <a:r>
-              <a:rPr kumimoji="1" lang="ja-JP" altLang="en-US" sz="1800" b="1" dirty="0" smtClean="0"/>
-              <a:t>、このサイトが参考になったよ～などの情報も投稿してください</a:t>
-            </a:r>
-            <a:endParaRPr kumimoji="1" lang="en-US" altLang="ja-JP" sz="1800" b="1" dirty="0" smtClean="0"/>
-          </a:p>
-        </p:txBody>
-      </p:sp>
-    </p:spTree>
-    <p:extLst>
-      <p:ext uri="{BB962C8B-B14F-4D97-AF65-F5344CB8AC3E}">
-        <p14:creationId xmlns:p14="http://schemas.microsoft.com/office/powerpoint/2010/main" val="1424649900"/>
       </p:ext>
     </p:extLst>
   </p:cSld>
@@ -32939,6 +33675,255 @@
 </p:sld>
 </file>
 
+<file path=ppt/slides/slide30.xml><?xml version="1.0" encoding="utf-8"?>
+<p:sld xmlns:a="http://schemas.openxmlformats.org/drawingml/2006/main" xmlns:r="http://schemas.openxmlformats.org/officeDocument/2006/relationships" xmlns:p="http://schemas.openxmlformats.org/presentationml/2006/main">
+  <p:cSld>
+    <p:spTree>
+      <p:nvGrpSpPr>
+        <p:cNvPr id="1" name=""/>
+        <p:cNvGrpSpPr/>
+        <p:nvPr/>
+      </p:nvGrpSpPr>
+      <p:grpSpPr>
+        <a:xfrm>
+          <a:off x="0" y="0"/>
+          <a:ext cx="0" cy="0"/>
+          <a:chOff x="0" y="0"/>
+          <a:chExt cx="0" cy="0"/>
+        </a:xfrm>
+      </p:grpSpPr>
+      <p:sp>
+        <p:nvSpPr>
+          <p:cNvPr id="2" name="タイトル 1">
+            <a:extLst>
+              <a:ext uri="{FF2B5EF4-FFF2-40B4-BE49-F238E27FC236}">
+                <a16:creationId xmlns:a16="http://schemas.microsoft.com/office/drawing/2014/main" id="{D9F5DF95-6695-A438-F1C7-E766DE90AB3A}"/>
+              </a:ext>
+            </a:extLst>
+          </p:cNvPr>
+          <p:cNvSpPr>
+            <a:spLocks noGrp="1"/>
+          </p:cNvSpPr>
+          <p:nvPr>
+            <p:ph type="title"/>
+          </p:nvPr>
+        </p:nvSpPr>
+        <p:spPr>
+          <a:xfrm>
+            <a:off x="449469" y="428585"/>
+            <a:ext cx="10325000" cy="846540"/>
+          </a:xfrm>
+        </p:spPr>
+        <p:txBody>
+          <a:bodyPr/>
+          <a:lstStyle/>
+          <a:p>
+            <a:r>
+              <a:rPr kumimoji="1" lang="ja-JP" altLang="en-US" dirty="0" smtClean="0"/>
+              <a:t>本研修の資料公開場所</a:t>
+            </a:r>
+            <a:endParaRPr kumimoji="1" lang="ja-JP" altLang="en-US" dirty="0"/>
+          </a:p>
+        </p:txBody>
+      </p:sp>
+      <p:sp>
+        <p:nvSpPr>
+          <p:cNvPr id="9" name="コンテンツ プレースホルダー 7"/>
+          <p:cNvSpPr>
+            <a:spLocks noGrp="1"/>
+          </p:cNvSpPr>
+          <p:nvPr>
+            <p:ph idx="1"/>
+          </p:nvPr>
+        </p:nvSpPr>
+        <p:spPr>
+          <a:xfrm>
+            <a:off x="691079" y="2365069"/>
+            <a:ext cx="10325000" cy="4118858"/>
+          </a:xfrm>
+        </p:spPr>
+        <p:txBody>
+          <a:bodyPr/>
+          <a:lstStyle/>
+          <a:p>
+            <a:r>
+              <a:rPr kumimoji="1" lang="en-US" altLang="ja-JP" sz="1800" b="1" dirty="0" err="1" smtClean="0"/>
+              <a:t>Github</a:t>
+            </a:r>
+            <a:r>
+              <a:rPr kumimoji="1" lang="en-US" altLang="ja-JP" sz="1800" b="1" dirty="0" smtClean="0"/>
+              <a:t>(</a:t>
+            </a:r>
+            <a:r>
+              <a:rPr kumimoji="1" lang="ja-JP" altLang="en-US" sz="1800" b="1" dirty="0" smtClean="0"/>
+              <a:t>インターネット上に公開しているので、どこからでも閲覧可</a:t>
+            </a:r>
+            <a:r>
+              <a:rPr kumimoji="1" lang="en-US" altLang="ja-JP" sz="1800" b="1" dirty="0" smtClean="0"/>
+              <a:t>)</a:t>
+            </a:r>
+          </a:p>
+          <a:p>
+            <a:pPr lvl="1"/>
+            <a:r>
+              <a:rPr kumimoji="1" lang="en-US" altLang="ja-JP" sz="1400" dirty="0">
+                <a:hlinkClick r:id="rId2"/>
+              </a:rPr>
+              <a:t>https://</a:t>
+            </a:r>
+            <a:r>
+              <a:rPr kumimoji="1" lang="en-US" altLang="ja-JP" sz="1400" dirty="0" smtClean="0">
+                <a:hlinkClick r:id="rId2"/>
+              </a:rPr>
+              <a:t>github.com/Shohei1129/Python_traning</a:t>
+            </a:r>
+            <a:endParaRPr kumimoji="1" lang="en-US" altLang="ja-JP" sz="1400" dirty="0" smtClean="0"/>
+          </a:p>
+          <a:p>
+            <a:pPr lvl="1"/>
+            <a:r>
+              <a:rPr kumimoji="1" lang="en-US" altLang="ja-JP" sz="1400" dirty="0" smtClean="0"/>
+              <a:t>Python</a:t>
+            </a:r>
+            <a:r>
+              <a:rPr kumimoji="1" lang="ja-JP" altLang="en-US" sz="1400" dirty="0" smtClean="0"/>
+              <a:t>のプログラムファイルも格納済みなので、前回の研修出れなかったなぁという人は参考にしてください</a:t>
+            </a:r>
+            <a:endParaRPr kumimoji="1" lang="en-US" altLang="ja-JP" sz="1400" dirty="0"/>
+          </a:p>
+        </p:txBody>
+      </p:sp>
+    </p:spTree>
+    <p:extLst>
+      <p:ext uri="{BB962C8B-B14F-4D97-AF65-F5344CB8AC3E}">
+        <p14:creationId xmlns:p14="http://schemas.microsoft.com/office/powerpoint/2010/main" val="2611323111"/>
+      </p:ext>
+    </p:extLst>
+  </p:cSld>
+  <p:clrMapOvr>
+    <a:masterClrMapping/>
+  </p:clrMapOvr>
+</p:sld>
+</file>
+
+<file path=ppt/slides/slide31.xml><?xml version="1.0" encoding="utf-8"?>
+<p:sld xmlns:a="http://schemas.openxmlformats.org/drawingml/2006/main" xmlns:r="http://schemas.openxmlformats.org/officeDocument/2006/relationships" xmlns:p="http://schemas.openxmlformats.org/presentationml/2006/main">
+  <p:cSld>
+    <p:spTree>
+      <p:nvGrpSpPr>
+        <p:cNvPr id="1" name=""/>
+        <p:cNvGrpSpPr/>
+        <p:nvPr/>
+      </p:nvGrpSpPr>
+      <p:grpSpPr>
+        <a:xfrm>
+          <a:off x="0" y="0"/>
+          <a:ext cx="0" cy="0"/>
+          <a:chOff x="0" y="0"/>
+          <a:chExt cx="0" cy="0"/>
+        </a:xfrm>
+      </p:grpSpPr>
+      <p:sp>
+        <p:nvSpPr>
+          <p:cNvPr id="2" name="タイトル 1">
+            <a:extLst>
+              <a:ext uri="{FF2B5EF4-FFF2-40B4-BE49-F238E27FC236}">
+                <a16:creationId xmlns:a16="http://schemas.microsoft.com/office/drawing/2014/main" id="{D9F5DF95-6695-A438-F1C7-E766DE90AB3A}"/>
+              </a:ext>
+            </a:extLst>
+          </p:cNvPr>
+          <p:cNvSpPr>
+            <a:spLocks noGrp="1"/>
+          </p:cNvSpPr>
+          <p:nvPr>
+            <p:ph type="title"/>
+          </p:nvPr>
+        </p:nvSpPr>
+        <p:spPr>
+          <a:xfrm>
+            <a:off x="449469" y="428585"/>
+            <a:ext cx="10325000" cy="846540"/>
+          </a:xfrm>
+        </p:spPr>
+        <p:txBody>
+          <a:bodyPr/>
+          <a:lstStyle/>
+          <a:p>
+            <a:r>
+              <a:rPr kumimoji="1" lang="en-US" altLang="ja-JP" dirty="0" smtClean="0"/>
+              <a:t>Teams</a:t>
+            </a:r>
+            <a:r>
+              <a:rPr kumimoji="1" lang="ja-JP" altLang="en-US" dirty="0" smtClean="0"/>
+              <a:t>の運用について</a:t>
+            </a:r>
+            <a:endParaRPr kumimoji="1" lang="ja-JP" altLang="en-US" dirty="0"/>
+          </a:p>
+        </p:txBody>
+      </p:sp>
+      <p:sp>
+        <p:nvSpPr>
+          <p:cNvPr id="3" name="コンテンツ プレースホルダー 7"/>
+          <p:cNvSpPr>
+            <a:spLocks noGrp="1"/>
+          </p:cNvSpPr>
+          <p:nvPr>
+            <p:ph idx="1"/>
+          </p:nvPr>
+        </p:nvSpPr>
+        <p:spPr>
+          <a:xfrm>
+            <a:off x="691079" y="2365069"/>
+            <a:ext cx="10325000" cy="4118858"/>
+          </a:xfrm>
+        </p:spPr>
+        <p:txBody>
+          <a:bodyPr/>
+          <a:lstStyle/>
+          <a:p>
+            <a:r>
+              <a:rPr kumimoji="1" lang="en-US" altLang="ja-JP" sz="1800" b="1" dirty="0" smtClean="0"/>
+              <a:t>Teams</a:t>
+            </a:r>
+            <a:r>
+              <a:rPr kumimoji="1" lang="ja-JP" altLang="en-US" sz="1800" b="1" dirty="0" smtClean="0"/>
+              <a:t>でチームを作成するので、希望者はお伝えください</a:t>
+            </a:r>
+            <a:endParaRPr kumimoji="1" lang="en-US" altLang="ja-JP" sz="1800" b="1" dirty="0"/>
+          </a:p>
+          <a:p>
+            <a:r>
+              <a:rPr kumimoji="1" lang="ja-JP" altLang="en-US" sz="1800" b="1" dirty="0" smtClean="0"/>
+              <a:t>質問や講義要望、こんなことできないのかなど投稿機能で自由に送付ください</a:t>
+            </a:r>
+            <a:endParaRPr kumimoji="1" lang="en-US" altLang="ja-JP" sz="1800" b="1" dirty="0" smtClean="0"/>
+          </a:p>
+          <a:p>
+            <a:r>
+              <a:rPr kumimoji="1" lang="ja-JP" altLang="en-US" sz="1800" b="1" dirty="0"/>
+              <a:t>また</a:t>
+            </a:r>
+            <a:r>
+              <a:rPr kumimoji="1" lang="ja-JP" altLang="en-US" sz="1800" b="1" dirty="0" smtClean="0"/>
+              <a:t>、このサイトが参考になったよ～などの情報も投稿してください</a:t>
+            </a:r>
+            <a:endParaRPr kumimoji="1" lang="en-US" altLang="ja-JP" sz="1800" b="1" dirty="0" smtClean="0"/>
+          </a:p>
+        </p:txBody>
+      </p:sp>
+    </p:spTree>
+    <p:extLst>
+      <p:ext uri="{BB962C8B-B14F-4D97-AF65-F5344CB8AC3E}">
+        <p14:creationId xmlns:p14="http://schemas.microsoft.com/office/powerpoint/2010/main" val="1424649900"/>
+      </p:ext>
+    </p:extLst>
+  </p:cSld>
+  <p:clrMapOvr>
+    <a:masterClrMapping/>
+  </p:clrMapOvr>
+</p:sld>
+</file>
+
 <file path=ppt/slides/slide4.xml><?xml version="1.0" encoding="utf-8"?>
 <p:sld xmlns:a="http://schemas.openxmlformats.org/drawingml/2006/main" xmlns:r="http://schemas.openxmlformats.org/officeDocument/2006/relationships" xmlns:p="http://schemas.openxmlformats.org/presentationml/2006/main">
   <p:cSld>
@@ -33473,25 +34458,7 @@
                 </a:solidFill>
                 <a:ea typeface="Yu Gothic"/>
               </a:rPr>
-              <a:t>大別すると「</a:t>
-            </a:r>
-            <a:r>
-              <a:rPr lang="ja-JP" altLang="en-US" sz="2000" dirty="0" smtClean="0">
-                <a:solidFill>
-                  <a:schemeClr val="bg1"/>
-                </a:solidFill>
-                <a:ea typeface="Yu Gothic"/>
-              </a:rPr>
-              <a:t>インタプリタ言語</a:t>
-            </a:r>
-            <a:r>
-              <a:rPr lang="ja-JP" altLang="en-US" sz="2000" dirty="0" smtClean="0">
-                <a:solidFill>
-                  <a:schemeClr val="bg1"/>
-                </a:solidFill>
-                <a:ea typeface="Yu Gothic"/>
-              </a:rPr>
-              <a:t>」「コンパイラ言語」「スクリプト言語」</a:t>
+              <a:t>大別すると「インタプリタ言語」「コンパイラ言語」「スクリプト言語」</a:t>
             </a:r>
             <a:endParaRPr lang="ja-JP" sz="2000" dirty="0">
               <a:solidFill>
@@ -33550,13 +34517,13 @@
           <p:nvPr>
             <p:extLst>
               <p:ext uri="{D42A27DB-BD31-4B8C-83A1-F6EECF244321}">
-                <p14:modId xmlns:p14="http://schemas.microsoft.com/office/powerpoint/2010/main" val="73546140"/>
+                <p14:modId xmlns:p14="http://schemas.microsoft.com/office/powerpoint/2010/main" val="1464934326"/>
               </p:ext>
             </p:extLst>
           </p:nvPr>
         </p:nvGraphicFramePr>
         <p:xfrm>
-          <a:off x="6366933" y="2479117"/>
+          <a:off x="6253975" y="2420928"/>
           <a:ext cx="5825067" cy="4226483"/>
         </p:xfrm>
         <a:graphic>
